--- a/Graphs/NFA/NFA Drawing/full NFA.pptx
+++ b/Graphs/NFA/NFA Drawing/full NFA.pptx
@@ -104,6 +104,11 @@
       </a:defRPr>
     </a:lvl9pPr>
   </p:defaultTextStyle>
+  <p:extLst>
+    <p:ext uri="{EFAFB233-063F-42B5-8137-9DF3F51BA10A}">
+      <p15:sldGuideLst xmlns:p15="http://schemas.microsoft.com/office/powerpoint/2012/main"/>
+    </p:ext>
+  </p:extLst>
 </p:presentation>
 </file>
 
@@ -2966,6 +2971,49 @@
           <a:chExt cx="0" cy="0"/>
         </a:xfrm>
       </p:grpSpPr>
+      <p:pic>
+        <p:nvPicPr>
+          <p:cNvPr id="3" name="Picture 2">
+            <a:extLst>
+              <a:ext uri="{FF2B5EF4-FFF2-40B4-BE49-F238E27FC236}">
+                <a16:creationId xmlns:a16="http://schemas.microsoft.com/office/drawing/2014/main" id="{D464CBFF-8AFC-B7A3-BAD5-AD1A9258C4EC}"/>
+              </a:ext>
+            </a:extLst>
+          </p:cNvPr>
+          <p:cNvPicPr>
+            <a:picLocks noChangeAspect="1"/>
+          </p:cNvPicPr>
+          <p:nvPr/>
+        </p:nvPicPr>
+        <p:blipFill>
+          <a:blip r:embed="rId2">
+            <a:alphaModFix amt="5000"/>
+            <a:extLst>
+              <a:ext uri="{BEBA8EAE-BF5A-486C-A8C5-ECC9F3942E4B}">
+                <a14:imgProps xmlns:a14="http://schemas.microsoft.com/office/drawing/2010/main">
+                  <a14:imgLayer r:embed="rId3">
+                    <a14:imgEffect>
+                      <a14:sharpenSoften amount="50000"/>
+                    </a14:imgEffect>
+                  </a14:imgLayer>
+                </a14:imgProps>
+              </a:ext>
+            </a:extLst>
+          </a:blip>
+          <a:stretch>
+            <a:fillRect/>
+          </a:stretch>
+        </p:blipFill>
+        <p:spPr>
+          <a:xfrm>
+            <a:off x="8294538" y="174774"/>
+            <a:ext cx="13947307" cy="42619464"/>
+          </a:xfrm>
+          <a:prstGeom prst="rect">
+            <a:avLst/>
+          </a:prstGeom>
+        </p:spPr>
+      </p:pic>
       <p:sp>
         <p:nvSpPr>
           <p:cNvPr id="5" name="TextBox 4">
@@ -3819,7 +3867,7 @@
         </p:nvGrpSpPr>
         <p:grpSpPr>
           <a:xfrm>
-            <a:off x="2098367" y="1930832"/>
+            <a:off x="1200407" y="2701136"/>
             <a:ext cx="1026847" cy="654888"/>
             <a:chOff x="3007396" y="5441112"/>
             <a:chExt cx="1026847" cy="654888"/>
@@ -3870,6 +3918,5223 @@
               <a:extLst>
                 <a:ext uri="{FF2B5EF4-FFF2-40B4-BE49-F238E27FC236}">
                   <a16:creationId xmlns:a16="http://schemas.microsoft.com/office/drawing/2014/main" id="{9CCCB7A5-6040-DAA1-36D6-6A072C2581BE}"/>
+                </a:ext>
+              </a:extLst>
+            </p:cNvPr>
+            <p:cNvCxnSpPr>
+              <a:cxnSpLocks/>
+            </p:cNvCxnSpPr>
+            <p:nvPr/>
+          </p:nvCxnSpPr>
+          <p:spPr>
+            <a:xfrm>
+              <a:off x="3500807" y="5441112"/>
+              <a:ext cx="533436" cy="0"/>
+            </a:xfrm>
+            <a:prstGeom prst="straightConnector1">
+              <a:avLst/>
+            </a:prstGeom>
+            <a:ln w="9525">
+              <a:tailEnd type="triangle"/>
+            </a:ln>
+          </p:spPr>
+          <p:style>
+            <a:lnRef idx="1">
+              <a:schemeClr val="dk1"/>
+            </a:lnRef>
+            <a:fillRef idx="0">
+              <a:schemeClr val="dk1"/>
+            </a:fillRef>
+            <a:effectRef idx="0">
+              <a:schemeClr val="dk1"/>
+            </a:effectRef>
+            <a:fontRef idx="minor">
+              <a:schemeClr val="tx1"/>
+            </a:fontRef>
+          </p:style>
+        </p:cxnSp>
+      </p:grpSp>
+      <p:grpSp>
+        <p:nvGrpSpPr>
+          <p:cNvPr id="29" name="Group 28">
+            <a:extLst>
+              <a:ext uri="{FF2B5EF4-FFF2-40B4-BE49-F238E27FC236}">
+                <a16:creationId xmlns:a16="http://schemas.microsoft.com/office/drawing/2014/main" id="{175F92E4-3C59-9389-592F-1DD13A2A5C0B}"/>
+              </a:ext>
+            </a:extLst>
+          </p:cNvPr>
+          <p:cNvGrpSpPr/>
+          <p:nvPr/>
+        </p:nvGrpSpPr>
+        <p:grpSpPr>
+          <a:xfrm>
+            <a:off x="9265562" y="20147282"/>
+            <a:ext cx="8372198" cy="246547"/>
+            <a:chOff x="2709622" y="5441112"/>
+            <a:chExt cx="23687195" cy="313246"/>
+          </a:xfrm>
+        </p:grpSpPr>
+        <p:cxnSp>
+          <p:nvCxnSpPr>
+            <p:cNvPr id="30" name="Straight Connector 29">
+              <a:extLst>
+                <a:ext uri="{FF2B5EF4-FFF2-40B4-BE49-F238E27FC236}">
+                  <a16:creationId xmlns:a16="http://schemas.microsoft.com/office/drawing/2014/main" id="{9379FE67-3A57-3B1C-26E3-7612D99006DA}"/>
+                </a:ext>
+              </a:extLst>
+            </p:cNvPr>
+            <p:cNvCxnSpPr>
+              <a:cxnSpLocks/>
+              <a:stCxn id="28" idx="7"/>
+            </p:cNvCxnSpPr>
+            <p:nvPr/>
+          </p:nvCxnSpPr>
+          <p:spPr>
+            <a:xfrm flipV="1">
+              <a:off x="2709622" y="5441112"/>
+              <a:ext cx="791185" cy="313246"/>
+            </a:xfrm>
+            <a:prstGeom prst="line">
+              <a:avLst/>
+            </a:prstGeom>
+            <a:ln w="9525"/>
+          </p:spPr>
+          <p:style>
+            <a:lnRef idx="1">
+              <a:schemeClr val="dk1"/>
+            </a:lnRef>
+            <a:fillRef idx="0">
+              <a:schemeClr val="dk1"/>
+            </a:fillRef>
+            <a:effectRef idx="0">
+              <a:schemeClr val="dk1"/>
+            </a:effectRef>
+            <a:fontRef idx="minor">
+              <a:schemeClr val="tx1"/>
+            </a:fontRef>
+          </p:style>
+        </p:cxnSp>
+        <p:cxnSp>
+          <p:nvCxnSpPr>
+            <p:cNvPr id="32" name="Straight Arrow Connector 31">
+              <a:extLst>
+                <a:ext uri="{FF2B5EF4-FFF2-40B4-BE49-F238E27FC236}">
+                  <a16:creationId xmlns:a16="http://schemas.microsoft.com/office/drawing/2014/main" id="{46CF7258-57AD-5549-58CC-9BF8E03B0E7F}"/>
+                </a:ext>
+              </a:extLst>
+            </p:cNvPr>
+            <p:cNvCxnSpPr>
+              <a:cxnSpLocks/>
+            </p:cNvCxnSpPr>
+            <p:nvPr/>
+          </p:nvCxnSpPr>
+          <p:spPr>
+            <a:xfrm>
+              <a:off x="3500807" y="5441112"/>
+              <a:ext cx="22896010" cy="0"/>
+            </a:xfrm>
+            <a:prstGeom prst="straightConnector1">
+              <a:avLst/>
+            </a:prstGeom>
+            <a:ln w="9525">
+              <a:tailEnd type="triangle"/>
+            </a:ln>
+          </p:spPr>
+          <p:style>
+            <a:lnRef idx="1">
+              <a:schemeClr val="dk1"/>
+            </a:lnRef>
+            <a:fillRef idx="0">
+              <a:schemeClr val="dk1"/>
+            </a:fillRef>
+            <a:effectRef idx="0">
+              <a:schemeClr val="dk1"/>
+            </a:effectRef>
+            <a:fontRef idx="minor">
+              <a:schemeClr val="tx1"/>
+            </a:fontRef>
+          </p:style>
+        </p:cxnSp>
+      </p:grpSp>
+      <p:grpSp>
+        <p:nvGrpSpPr>
+          <p:cNvPr id="33" name="Group 32">
+            <a:extLst>
+              <a:ext uri="{FF2B5EF4-FFF2-40B4-BE49-F238E27FC236}">
+                <a16:creationId xmlns:a16="http://schemas.microsoft.com/office/drawing/2014/main" id="{E0DDFBEB-3EDB-AFE4-E6BB-10767D096BCC}"/>
+              </a:ext>
+            </a:extLst>
+          </p:cNvPr>
+          <p:cNvGrpSpPr/>
+          <p:nvPr/>
+        </p:nvGrpSpPr>
+        <p:grpSpPr>
+          <a:xfrm>
+            <a:off x="9265562" y="20652461"/>
+            <a:ext cx="8372197" cy="246547"/>
+            <a:chOff x="2709622" y="5127866"/>
+            <a:chExt cx="23687192" cy="313246"/>
+          </a:xfrm>
+        </p:grpSpPr>
+        <p:cxnSp>
+          <p:nvCxnSpPr>
+            <p:cNvPr id="34" name="Straight Connector 33">
+              <a:extLst>
+                <a:ext uri="{FF2B5EF4-FFF2-40B4-BE49-F238E27FC236}">
+                  <a16:creationId xmlns:a16="http://schemas.microsoft.com/office/drawing/2014/main" id="{25BED06B-CE28-C9A5-15EA-1017726052DD}"/>
+                </a:ext>
+              </a:extLst>
+            </p:cNvPr>
+            <p:cNvCxnSpPr>
+              <a:cxnSpLocks/>
+              <a:stCxn id="28" idx="5"/>
+            </p:cNvCxnSpPr>
+            <p:nvPr/>
+          </p:nvCxnSpPr>
+          <p:spPr>
+            <a:xfrm>
+              <a:off x="2709622" y="5127866"/>
+              <a:ext cx="791185" cy="313246"/>
+            </a:xfrm>
+            <a:prstGeom prst="line">
+              <a:avLst/>
+            </a:prstGeom>
+            <a:ln w="9525"/>
+          </p:spPr>
+          <p:style>
+            <a:lnRef idx="1">
+              <a:schemeClr val="dk1"/>
+            </a:lnRef>
+            <a:fillRef idx="0">
+              <a:schemeClr val="dk1"/>
+            </a:fillRef>
+            <a:effectRef idx="0">
+              <a:schemeClr val="dk1"/>
+            </a:effectRef>
+            <a:fontRef idx="minor">
+              <a:schemeClr val="tx1"/>
+            </a:fontRef>
+          </p:style>
+        </p:cxnSp>
+        <p:cxnSp>
+          <p:nvCxnSpPr>
+            <p:cNvPr id="36" name="Straight Arrow Connector 35">
+              <a:extLst>
+                <a:ext uri="{FF2B5EF4-FFF2-40B4-BE49-F238E27FC236}">
+                  <a16:creationId xmlns:a16="http://schemas.microsoft.com/office/drawing/2014/main" id="{8E195F3C-409B-29EA-374D-284AC609620A}"/>
+                </a:ext>
+              </a:extLst>
+            </p:cNvPr>
+            <p:cNvCxnSpPr>
+              <a:cxnSpLocks/>
+              <a:endCxn id="217" idx="2"/>
+            </p:cNvCxnSpPr>
+            <p:nvPr/>
+          </p:nvCxnSpPr>
+          <p:spPr>
+            <a:xfrm flipV="1">
+              <a:off x="3500807" y="5438460"/>
+              <a:ext cx="22896007" cy="2652"/>
+            </a:xfrm>
+            <a:prstGeom prst="straightConnector1">
+              <a:avLst/>
+            </a:prstGeom>
+            <a:ln w="9525">
+              <a:tailEnd type="triangle"/>
+            </a:ln>
+          </p:spPr>
+          <p:style>
+            <a:lnRef idx="1">
+              <a:schemeClr val="dk1"/>
+            </a:lnRef>
+            <a:fillRef idx="0">
+              <a:schemeClr val="dk1"/>
+            </a:fillRef>
+            <a:effectRef idx="0">
+              <a:schemeClr val="dk1"/>
+            </a:effectRef>
+            <a:fontRef idx="minor">
+              <a:schemeClr val="tx1"/>
+            </a:fontRef>
+          </p:style>
+        </p:cxnSp>
+      </p:grpSp>
+      <p:grpSp>
+        <p:nvGrpSpPr>
+          <p:cNvPr id="37" name="Group 36">
+            <a:extLst>
+              <a:ext uri="{FF2B5EF4-FFF2-40B4-BE49-F238E27FC236}">
+                <a16:creationId xmlns:a16="http://schemas.microsoft.com/office/drawing/2014/main" id="{7D4028E9-14BA-7B06-59DF-2C76DF92D74A}"/>
+              </a:ext>
+            </a:extLst>
+          </p:cNvPr>
+          <p:cNvGrpSpPr/>
+          <p:nvPr/>
+        </p:nvGrpSpPr>
+        <p:grpSpPr>
+          <a:xfrm>
+            <a:off x="9265562" y="20652460"/>
+            <a:ext cx="8372198" cy="955317"/>
+            <a:chOff x="2709622" y="4227350"/>
+            <a:chExt cx="23687195" cy="1213762"/>
+          </a:xfrm>
+        </p:grpSpPr>
+        <p:cxnSp>
+          <p:nvCxnSpPr>
+            <p:cNvPr id="38" name="Straight Connector 37">
+              <a:extLst>
+                <a:ext uri="{FF2B5EF4-FFF2-40B4-BE49-F238E27FC236}">
+                  <a16:creationId xmlns:a16="http://schemas.microsoft.com/office/drawing/2014/main" id="{2ACFA011-E36F-1CAB-8BFB-5BBCD47F43EB}"/>
+                </a:ext>
+              </a:extLst>
+            </p:cNvPr>
+            <p:cNvCxnSpPr>
+              <a:cxnSpLocks/>
+              <a:stCxn id="28" idx="5"/>
+            </p:cNvCxnSpPr>
+            <p:nvPr/>
+          </p:nvCxnSpPr>
+          <p:spPr>
+            <a:xfrm>
+              <a:off x="2709622" y="4227350"/>
+              <a:ext cx="791185" cy="1213762"/>
+            </a:xfrm>
+            <a:prstGeom prst="line">
+              <a:avLst/>
+            </a:prstGeom>
+            <a:ln w="9525"/>
+          </p:spPr>
+          <p:style>
+            <a:lnRef idx="1">
+              <a:schemeClr val="dk1"/>
+            </a:lnRef>
+            <a:fillRef idx="0">
+              <a:schemeClr val="dk1"/>
+            </a:fillRef>
+            <a:effectRef idx="0">
+              <a:schemeClr val="dk1"/>
+            </a:effectRef>
+            <a:fontRef idx="minor">
+              <a:schemeClr val="tx1"/>
+            </a:fontRef>
+          </p:style>
+        </p:cxnSp>
+        <p:cxnSp>
+          <p:nvCxnSpPr>
+            <p:cNvPr id="39" name="Straight Arrow Connector 38">
+              <a:extLst>
+                <a:ext uri="{FF2B5EF4-FFF2-40B4-BE49-F238E27FC236}">
+                  <a16:creationId xmlns:a16="http://schemas.microsoft.com/office/drawing/2014/main" id="{019660E5-C396-9951-D5CF-774EC3637DD4}"/>
+                </a:ext>
+              </a:extLst>
+            </p:cNvPr>
+            <p:cNvCxnSpPr>
+              <a:cxnSpLocks/>
+            </p:cNvCxnSpPr>
+            <p:nvPr/>
+          </p:nvCxnSpPr>
+          <p:spPr>
+            <a:xfrm>
+              <a:off x="3500807" y="5441112"/>
+              <a:ext cx="22896010" cy="0"/>
+            </a:xfrm>
+            <a:prstGeom prst="straightConnector1">
+              <a:avLst/>
+            </a:prstGeom>
+            <a:ln w="9525">
+              <a:tailEnd type="triangle"/>
+            </a:ln>
+          </p:spPr>
+          <p:style>
+            <a:lnRef idx="1">
+              <a:schemeClr val="dk1"/>
+            </a:lnRef>
+            <a:fillRef idx="0">
+              <a:schemeClr val="dk1"/>
+            </a:fillRef>
+            <a:effectRef idx="0">
+              <a:schemeClr val="dk1"/>
+            </a:effectRef>
+            <a:fontRef idx="minor">
+              <a:schemeClr val="tx1"/>
+            </a:fontRef>
+          </p:style>
+        </p:cxnSp>
+      </p:grpSp>
+      <p:grpSp>
+        <p:nvGrpSpPr>
+          <p:cNvPr id="41" name="Group 40">
+            <a:extLst>
+              <a:ext uri="{FF2B5EF4-FFF2-40B4-BE49-F238E27FC236}">
+                <a16:creationId xmlns:a16="http://schemas.microsoft.com/office/drawing/2014/main" id="{530A3202-26E9-BBD0-51FA-15F59B98D594}"/>
+              </a:ext>
+            </a:extLst>
+          </p:cNvPr>
+          <p:cNvGrpSpPr/>
+          <p:nvPr/>
+        </p:nvGrpSpPr>
+        <p:grpSpPr>
+          <a:xfrm>
+            <a:off x="9265562" y="20652462"/>
+            <a:ext cx="8372198" cy="1679522"/>
+            <a:chOff x="2709622" y="3307224"/>
+            <a:chExt cx="23687195" cy="2133888"/>
+          </a:xfrm>
+        </p:grpSpPr>
+        <p:cxnSp>
+          <p:nvCxnSpPr>
+            <p:cNvPr id="42" name="Straight Connector 41">
+              <a:extLst>
+                <a:ext uri="{FF2B5EF4-FFF2-40B4-BE49-F238E27FC236}">
+                  <a16:creationId xmlns:a16="http://schemas.microsoft.com/office/drawing/2014/main" id="{0B645769-A09A-40DD-4CA9-B69360B92407}"/>
+                </a:ext>
+              </a:extLst>
+            </p:cNvPr>
+            <p:cNvCxnSpPr>
+              <a:cxnSpLocks/>
+              <a:stCxn id="28" idx="5"/>
+            </p:cNvCxnSpPr>
+            <p:nvPr/>
+          </p:nvCxnSpPr>
+          <p:spPr>
+            <a:xfrm>
+              <a:off x="2709622" y="3307224"/>
+              <a:ext cx="791185" cy="2133888"/>
+            </a:xfrm>
+            <a:prstGeom prst="line">
+              <a:avLst/>
+            </a:prstGeom>
+            <a:ln w="9525"/>
+          </p:spPr>
+          <p:style>
+            <a:lnRef idx="1">
+              <a:schemeClr val="dk1"/>
+            </a:lnRef>
+            <a:fillRef idx="0">
+              <a:schemeClr val="dk1"/>
+            </a:fillRef>
+            <a:effectRef idx="0">
+              <a:schemeClr val="dk1"/>
+            </a:effectRef>
+            <a:fontRef idx="minor">
+              <a:schemeClr val="tx1"/>
+            </a:fontRef>
+          </p:style>
+        </p:cxnSp>
+        <p:cxnSp>
+          <p:nvCxnSpPr>
+            <p:cNvPr id="44" name="Straight Arrow Connector 43">
+              <a:extLst>
+                <a:ext uri="{FF2B5EF4-FFF2-40B4-BE49-F238E27FC236}">
+                  <a16:creationId xmlns:a16="http://schemas.microsoft.com/office/drawing/2014/main" id="{13FBF340-F963-6BCE-4E4D-9264C00CAFB7}"/>
+                </a:ext>
+              </a:extLst>
+            </p:cNvPr>
+            <p:cNvCxnSpPr>
+              <a:cxnSpLocks/>
+            </p:cNvCxnSpPr>
+            <p:nvPr/>
+          </p:nvCxnSpPr>
+          <p:spPr>
+            <a:xfrm>
+              <a:off x="3500807" y="5441112"/>
+              <a:ext cx="22896010" cy="0"/>
+            </a:xfrm>
+            <a:prstGeom prst="straightConnector1">
+              <a:avLst/>
+            </a:prstGeom>
+            <a:ln w="9525">
+              <a:tailEnd type="triangle"/>
+            </a:ln>
+          </p:spPr>
+          <p:style>
+            <a:lnRef idx="1">
+              <a:schemeClr val="dk1"/>
+            </a:lnRef>
+            <a:fillRef idx="0">
+              <a:schemeClr val="dk1"/>
+            </a:fillRef>
+            <a:effectRef idx="0">
+              <a:schemeClr val="dk1"/>
+            </a:effectRef>
+            <a:fontRef idx="minor">
+              <a:schemeClr val="tx1"/>
+            </a:fontRef>
+          </p:style>
+        </p:cxnSp>
+      </p:grpSp>
+      <p:grpSp>
+        <p:nvGrpSpPr>
+          <p:cNvPr id="45" name="Group 44">
+            <a:extLst>
+              <a:ext uri="{FF2B5EF4-FFF2-40B4-BE49-F238E27FC236}">
+                <a16:creationId xmlns:a16="http://schemas.microsoft.com/office/drawing/2014/main" id="{59D29002-DA3A-1BFD-2CCD-8855D35CB01B}"/>
+              </a:ext>
+            </a:extLst>
+          </p:cNvPr>
+          <p:cNvGrpSpPr/>
+          <p:nvPr/>
+        </p:nvGrpSpPr>
+        <p:grpSpPr>
+          <a:xfrm>
+            <a:off x="9265563" y="20652461"/>
+            <a:ext cx="5212438" cy="5997218"/>
+            <a:chOff x="2770961" y="-578270"/>
+            <a:chExt cx="23625856" cy="6019382"/>
+          </a:xfrm>
+        </p:grpSpPr>
+        <p:cxnSp>
+          <p:nvCxnSpPr>
+            <p:cNvPr id="46" name="Straight Connector 45">
+              <a:extLst>
+                <a:ext uri="{FF2B5EF4-FFF2-40B4-BE49-F238E27FC236}">
+                  <a16:creationId xmlns:a16="http://schemas.microsoft.com/office/drawing/2014/main" id="{CBF172AD-228B-EEFF-202E-A6425E2ECB8C}"/>
+                </a:ext>
+              </a:extLst>
+            </p:cNvPr>
+            <p:cNvCxnSpPr>
+              <a:cxnSpLocks/>
+              <a:stCxn id="28" idx="5"/>
+            </p:cNvCxnSpPr>
+            <p:nvPr/>
+          </p:nvCxnSpPr>
+          <p:spPr>
+            <a:xfrm>
+              <a:off x="2770961" y="-578270"/>
+              <a:ext cx="729845" cy="6019382"/>
+            </a:xfrm>
+            <a:prstGeom prst="line">
+              <a:avLst/>
+            </a:prstGeom>
+            <a:ln w="9525"/>
+          </p:spPr>
+          <p:style>
+            <a:lnRef idx="1">
+              <a:schemeClr val="dk1"/>
+            </a:lnRef>
+            <a:fillRef idx="0">
+              <a:schemeClr val="dk1"/>
+            </a:fillRef>
+            <a:effectRef idx="0">
+              <a:schemeClr val="dk1"/>
+            </a:effectRef>
+            <a:fontRef idx="minor">
+              <a:schemeClr val="tx1"/>
+            </a:fontRef>
+          </p:style>
+        </p:cxnSp>
+        <p:cxnSp>
+          <p:nvCxnSpPr>
+            <p:cNvPr id="48" name="Straight Arrow Connector 47">
+              <a:extLst>
+                <a:ext uri="{FF2B5EF4-FFF2-40B4-BE49-F238E27FC236}">
+                  <a16:creationId xmlns:a16="http://schemas.microsoft.com/office/drawing/2014/main" id="{18F5EE36-40B1-9AD5-60B2-C343C48D1AAC}"/>
+                </a:ext>
+              </a:extLst>
+            </p:cNvPr>
+            <p:cNvCxnSpPr>
+              <a:cxnSpLocks/>
+            </p:cNvCxnSpPr>
+            <p:nvPr/>
+          </p:nvCxnSpPr>
+          <p:spPr>
+            <a:xfrm>
+              <a:off x="3500807" y="5441112"/>
+              <a:ext cx="22896010" cy="0"/>
+            </a:xfrm>
+            <a:prstGeom prst="straightConnector1">
+              <a:avLst/>
+            </a:prstGeom>
+            <a:ln w="9525">
+              <a:tailEnd type="triangle"/>
+            </a:ln>
+          </p:spPr>
+          <p:style>
+            <a:lnRef idx="1">
+              <a:schemeClr val="dk1"/>
+            </a:lnRef>
+            <a:fillRef idx="0">
+              <a:schemeClr val="dk1"/>
+            </a:fillRef>
+            <a:effectRef idx="0">
+              <a:schemeClr val="dk1"/>
+            </a:effectRef>
+            <a:fontRef idx="minor">
+              <a:schemeClr val="tx1"/>
+            </a:fontRef>
+          </p:style>
+        </p:cxnSp>
+      </p:grpSp>
+      <p:grpSp>
+        <p:nvGrpSpPr>
+          <p:cNvPr id="50" name="Group 49">
+            <a:extLst>
+              <a:ext uri="{FF2B5EF4-FFF2-40B4-BE49-F238E27FC236}">
+                <a16:creationId xmlns:a16="http://schemas.microsoft.com/office/drawing/2014/main" id="{9154AADB-A8AF-5C27-4F13-397696548A8A}"/>
+              </a:ext>
+            </a:extLst>
+          </p:cNvPr>
+          <p:cNvGrpSpPr/>
+          <p:nvPr/>
+        </p:nvGrpSpPr>
+        <p:grpSpPr>
+          <a:xfrm>
+            <a:off x="9265562" y="20652460"/>
+            <a:ext cx="7600038" cy="11473449"/>
+            <a:chOff x="3009801" y="-1230913"/>
+            <a:chExt cx="34447874" cy="6672025"/>
+          </a:xfrm>
+        </p:grpSpPr>
+        <p:cxnSp>
+          <p:nvCxnSpPr>
+            <p:cNvPr id="51" name="Straight Connector 50">
+              <a:extLst>
+                <a:ext uri="{FF2B5EF4-FFF2-40B4-BE49-F238E27FC236}">
+                  <a16:creationId xmlns:a16="http://schemas.microsoft.com/office/drawing/2014/main" id="{E3264DA0-36D2-CBBD-488F-28105DEC5A66}"/>
+                </a:ext>
+              </a:extLst>
+            </p:cNvPr>
+            <p:cNvCxnSpPr>
+              <a:cxnSpLocks/>
+              <a:stCxn id="28" idx="5"/>
+            </p:cNvCxnSpPr>
+            <p:nvPr/>
+          </p:nvCxnSpPr>
+          <p:spPr>
+            <a:xfrm>
+              <a:off x="3009801" y="-1230913"/>
+              <a:ext cx="491007" cy="6672025"/>
+            </a:xfrm>
+            <a:prstGeom prst="line">
+              <a:avLst/>
+            </a:prstGeom>
+            <a:ln w="9525"/>
+          </p:spPr>
+          <p:style>
+            <a:lnRef idx="1">
+              <a:schemeClr val="dk1"/>
+            </a:lnRef>
+            <a:fillRef idx="0">
+              <a:schemeClr val="dk1"/>
+            </a:fillRef>
+            <a:effectRef idx="0">
+              <a:schemeClr val="dk1"/>
+            </a:effectRef>
+            <a:fontRef idx="minor">
+              <a:schemeClr val="tx1"/>
+            </a:fontRef>
+          </p:style>
+        </p:cxnSp>
+        <p:cxnSp>
+          <p:nvCxnSpPr>
+            <p:cNvPr id="52" name="Straight Arrow Connector 51">
+              <a:extLst>
+                <a:ext uri="{FF2B5EF4-FFF2-40B4-BE49-F238E27FC236}">
+                  <a16:creationId xmlns:a16="http://schemas.microsoft.com/office/drawing/2014/main" id="{EC243702-2173-7465-A88D-2A09519C6150}"/>
+                </a:ext>
+              </a:extLst>
+            </p:cNvPr>
+            <p:cNvCxnSpPr>
+              <a:cxnSpLocks/>
+            </p:cNvCxnSpPr>
+            <p:nvPr/>
+          </p:nvCxnSpPr>
+          <p:spPr>
+            <a:xfrm>
+              <a:off x="3500808" y="5441112"/>
+              <a:ext cx="33956867" cy="0"/>
+            </a:xfrm>
+            <a:prstGeom prst="straightConnector1">
+              <a:avLst/>
+            </a:prstGeom>
+            <a:ln w="9525">
+              <a:tailEnd type="triangle"/>
+            </a:ln>
+          </p:spPr>
+          <p:style>
+            <a:lnRef idx="1">
+              <a:schemeClr val="dk1"/>
+            </a:lnRef>
+            <a:fillRef idx="0">
+              <a:schemeClr val="dk1"/>
+            </a:fillRef>
+            <a:effectRef idx="0">
+              <a:schemeClr val="dk1"/>
+            </a:effectRef>
+            <a:fontRef idx="minor">
+              <a:schemeClr val="tx1"/>
+            </a:fontRef>
+          </p:style>
+        </p:cxnSp>
+      </p:grpSp>
+      <p:grpSp>
+        <p:nvGrpSpPr>
+          <p:cNvPr id="56" name="Group 55">
+            <a:extLst>
+              <a:ext uri="{FF2B5EF4-FFF2-40B4-BE49-F238E27FC236}">
+                <a16:creationId xmlns:a16="http://schemas.microsoft.com/office/drawing/2014/main" id="{CC1818FE-E3A8-ECAF-1941-CA6E53396C53}"/>
+              </a:ext>
+            </a:extLst>
+          </p:cNvPr>
+          <p:cNvGrpSpPr/>
+          <p:nvPr/>
+        </p:nvGrpSpPr>
+        <p:grpSpPr>
+          <a:xfrm>
+            <a:off x="9265562" y="20652461"/>
+            <a:ext cx="7600038" cy="12187387"/>
+            <a:chOff x="3009801" y="-1646081"/>
+            <a:chExt cx="34447874" cy="7087193"/>
+          </a:xfrm>
+        </p:grpSpPr>
+        <p:cxnSp>
+          <p:nvCxnSpPr>
+            <p:cNvPr id="57" name="Straight Connector 56">
+              <a:extLst>
+                <a:ext uri="{FF2B5EF4-FFF2-40B4-BE49-F238E27FC236}">
+                  <a16:creationId xmlns:a16="http://schemas.microsoft.com/office/drawing/2014/main" id="{6B7668A8-ACFE-3E84-0F85-301773F4E1FB}"/>
+                </a:ext>
+              </a:extLst>
+            </p:cNvPr>
+            <p:cNvCxnSpPr>
+              <a:cxnSpLocks/>
+              <a:stCxn id="28" idx="5"/>
+            </p:cNvCxnSpPr>
+            <p:nvPr/>
+          </p:nvCxnSpPr>
+          <p:spPr>
+            <a:xfrm>
+              <a:off x="3009801" y="-1646081"/>
+              <a:ext cx="491007" cy="7087193"/>
+            </a:xfrm>
+            <a:prstGeom prst="line">
+              <a:avLst/>
+            </a:prstGeom>
+            <a:ln w="9525"/>
+          </p:spPr>
+          <p:style>
+            <a:lnRef idx="1">
+              <a:schemeClr val="dk1"/>
+            </a:lnRef>
+            <a:fillRef idx="0">
+              <a:schemeClr val="dk1"/>
+            </a:fillRef>
+            <a:effectRef idx="0">
+              <a:schemeClr val="dk1"/>
+            </a:effectRef>
+            <a:fontRef idx="minor">
+              <a:schemeClr val="tx1"/>
+            </a:fontRef>
+          </p:style>
+        </p:cxnSp>
+        <p:cxnSp>
+          <p:nvCxnSpPr>
+            <p:cNvPr id="58" name="Straight Arrow Connector 57">
+              <a:extLst>
+                <a:ext uri="{FF2B5EF4-FFF2-40B4-BE49-F238E27FC236}">
+                  <a16:creationId xmlns:a16="http://schemas.microsoft.com/office/drawing/2014/main" id="{3F6A68B3-131A-62AC-5941-F2AC66413A19}"/>
+                </a:ext>
+              </a:extLst>
+            </p:cNvPr>
+            <p:cNvCxnSpPr>
+              <a:cxnSpLocks/>
+            </p:cNvCxnSpPr>
+            <p:nvPr/>
+          </p:nvCxnSpPr>
+          <p:spPr>
+            <a:xfrm>
+              <a:off x="3500808" y="5441112"/>
+              <a:ext cx="33956867" cy="0"/>
+            </a:xfrm>
+            <a:prstGeom prst="straightConnector1">
+              <a:avLst/>
+            </a:prstGeom>
+            <a:ln w="9525">
+              <a:tailEnd type="triangle"/>
+            </a:ln>
+          </p:spPr>
+          <p:style>
+            <a:lnRef idx="1">
+              <a:schemeClr val="dk1"/>
+            </a:lnRef>
+            <a:fillRef idx="0">
+              <a:schemeClr val="dk1"/>
+            </a:fillRef>
+            <a:effectRef idx="0">
+              <a:schemeClr val="dk1"/>
+            </a:effectRef>
+            <a:fontRef idx="minor">
+              <a:schemeClr val="tx1"/>
+            </a:fontRef>
+          </p:style>
+        </p:cxnSp>
+      </p:grpSp>
+      <p:grpSp>
+        <p:nvGrpSpPr>
+          <p:cNvPr id="60" name="Group 59">
+            <a:extLst>
+              <a:ext uri="{FF2B5EF4-FFF2-40B4-BE49-F238E27FC236}">
+                <a16:creationId xmlns:a16="http://schemas.microsoft.com/office/drawing/2014/main" id="{0586E99C-CB4D-A109-AF87-EEE50C385E09}"/>
+              </a:ext>
+            </a:extLst>
+          </p:cNvPr>
+          <p:cNvGrpSpPr/>
+          <p:nvPr/>
+        </p:nvGrpSpPr>
+        <p:grpSpPr>
+          <a:xfrm>
+            <a:off x="9265562" y="20652461"/>
+            <a:ext cx="7600038" cy="12897755"/>
+            <a:chOff x="3009801" y="-2059173"/>
+            <a:chExt cx="34447874" cy="7500285"/>
+          </a:xfrm>
+        </p:grpSpPr>
+        <p:cxnSp>
+          <p:nvCxnSpPr>
+            <p:cNvPr id="61" name="Straight Connector 60">
+              <a:extLst>
+                <a:ext uri="{FF2B5EF4-FFF2-40B4-BE49-F238E27FC236}">
+                  <a16:creationId xmlns:a16="http://schemas.microsoft.com/office/drawing/2014/main" id="{764D49B9-F878-2DA5-C6EB-F0CFAA8FE592}"/>
+                </a:ext>
+              </a:extLst>
+            </p:cNvPr>
+            <p:cNvCxnSpPr>
+              <a:cxnSpLocks/>
+              <a:stCxn id="28" idx="5"/>
+            </p:cNvCxnSpPr>
+            <p:nvPr/>
+          </p:nvCxnSpPr>
+          <p:spPr>
+            <a:xfrm>
+              <a:off x="3009801" y="-2059173"/>
+              <a:ext cx="491007" cy="7500285"/>
+            </a:xfrm>
+            <a:prstGeom prst="line">
+              <a:avLst/>
+            </a:prstGeom>
+            <a:ln w="9525"/>
+          </p:spPr>
+          <p:style>
+            <a:lnRef idx="1">
+              <a:schemeClr val="dk1"/>
+            </a:lnRef>
+            <a:fillRef idx="0">
+              <a:schemeClr val="dk1"/>
+            </a:fillRef>
+            <a:effectRef idx="0">
+              <a:schemeClr val="dk1"/>
+            </a:effectRef>
+            <a:fontRef idx="minor">
+              <a:schemeClr val="tx1"/>
+            </a:fontRef>
+          </p:style>
+        </p:cxnSp>
+        <p:cxnSp>
+          <p:nvCxnSpPr>
+            <p:cNvPr id="62" name="Straight Arrow Connector 61">
+              <a:extLst>
+                <a:ext uri="{FF2B5EF4-FFF2-40B4-BE49-F238E27FC236}">
+                  <a16:creationId xmlns:a16="http://schemas.microsoft.com/office/drawing/2014/main" id="{E7686111-C1A5-3E75-8DC2-E122E22628A3}"/>
+                </a:ext>
+              </a:extLst>
+            </p:cNvPr>
+            <p:cNvCxnSpPr>
+              <a:cxnSpLocks/>
+            </p:cNvCxnSpPr>
+            <p:nvPr/>
+          </p:nvCxnSpPr>
+          <p:spPr>
+            <a:xfrm>
+              <a:off x="3500808" y="5441112"/>
+              <a:ext cx="33956867" cy="0"/>
+            </a:xfrm>
+            <a:prstGeom prst="straightConnector1">
+              <a:avLst/>
+            </a:prstGeom>
+            <a:ln w="9525">
+              <a:tailEnd type="triangle"/>
+            </a:ln>
+          </p:spPr>
+          <p:style>
+            <a:lnRef idx="1">
+              <a:schemeClr val="dk1"/>
+            </a:lnRef>
+            <a:fillRef idx="0">
+              <a:schemeClr val="dk1"/>
+            </a:fillRef>
+            <a:effectRef idx="0">
+              <a:schemeClr val="dk1"/>
+            </a:effectRef>
+            <a:fontRef idx="minor">
+              <a:schemeClr val="tx1"/>
+            </a:fontRef>
+          </p:style>
+        </p:cxnSp>
+      </p:grpSp>
+      <p:grpSp>
+        <p:nvGrpSpPr>
+          <p:cNvPr id="64" name="Group 63">
+            <a:extLst>
+              <a:ext uri="{FF2B5EF4-FFF2-40B4-BE49-F238E27FC236}">
+                <a16:creationId xmlns:a16="http://schemas.microsoft.com/office/drawing/2014/main" id="{3AA7DADD-03D2-7024-4793-32F10E5E8854}"/>
+              </a:ext>
+            </a:extLst>
+          </p:cNvPr>
+          <p:cNvGrpSpPr/>
+          <p:nvPr/>
+        </p:nvGrpSpPr>
+        <p:grpSpPr>
+          <a:xfrm>
+            <a:off x="9265562" y="20652462"/>
+            <a:ext cx="6858875" cy="13632294"/>
+            <a:chOff x="3009806" y="-2486321"/>
+            <a:chExt cx="34447869" cy="7927433"/>
+          </a:xfrm>
+        </p:grpSpPr>
+        <p:cxnSp>
+          <p:nvCxnSpPr>
+            <p:cNvPr id="65" name="Straight Connector 64">
+              <a:extLst>
+                <a:ext uri="{FF2B5EF4-FFF2-40B4-BE49-F238E27FC236}">
+                  <a16:creationId xmlns:a16="http://schemas.microsoft.com/office/drawing/2014/main" id="{014AA6C0-2EDE-45C8-997B-05939464AB6C}"/>
+                </a:ext>
+              </a:extLst>
+            </p:cNvPr>
+            <p:cNvCxnSpPr>
+              <a:cxnSpLocks/>
+              <a:stCxn id="28" idx="5"/>
+            </p:cNvCxnSpPr>
+            <p:nvPr/>
+          </p:nvCxnSpPr>
+          <p:spPr>
+            <a:xfrm>
+              <a:off x="3009806" y="-2486321"/>
+              <a:ext cx="491003" cy="7927433"/>
+            </a:xfrm>
+            <a:prstGeom prst="line">
+              <a:avLst/>
+            </a:prstGeom>
+            <a:ln w="9525"/>
+          </p:spPr>
+          <p:style>
+            <a:lnRef idx="1">
+              <a:schemeClr val="dk1"/>
+            </a:lnRef>
+            <a:fillRef idx="0">
+              <a:schemeClr val="dk1"/>
+            </a:fillRef>
+            <a:effectRef idx="0">
+              <a:schemeClr val="dk1"/>
+            </a:effectRef>
+            <a:fontRef idx="minor">
+              <a:schemeClr val="tx1"/>
+            </a:fontRef>
+          </p:style>
+        </p:cxnSp>
+        <p:cxnSp>
+          <p:nvCxnSpPr>
+            <p:cNvPr id="66" name="Straight Arrow Connector 65">
+              <a:extLst>
+                <a:ext uri="{FF2B5EF4-FFF2-40B4-BE49-F238E27FC236}">
+                  <a16:creationId xmlns:a16="http://schemas.microsoft.com/office/drawing/2014/main" id="{D0F27D6F-76BB-1694-B1DE-2232CA9A11F1}"/>
+                </a:ext>
+              </a:extLst>
+            </p:cNvPr>
+            <p:cNvCxnSpPr>
+              <a:cxnSpLocks/>
+            </p:cNvCxnSpPr>
+            <p:nvPr/>
+          </p:nvCxnSpPr>
+          <p:spPr>
+            <a:xfrm>
+              <a:off x="3500808" y="5441112"/>
+              <a:ext cx="33956867" cy="0"/>
+            </a:xfrm>
+            <a:prstGeom prst="straightConnector1">
+              <a:avLst/>
+            </a:prstGeom>
+            <a:ln w="9525">
+              <a:tailEnd type="triangle"/>
+            </a:ln>
+          </p:spPr>
+          <p:style>
+            <a:lnRef idx="1">
+              <a:schemeClr val="dk1"/>
+            </a:lnRef>
+            <a:fillRef idx="0">
+              <a:schemeClr val="dk1"/>
+            </a:fillRef>
+            <a:effectRef idx="0">
+              <a:schemeClr val="dk1"/>
+            </a:effectRef>
+            <a:fontRef idx="minor">
+              <a:schemeClr val="tx1"/>
+            </a:fontRef>
+          </p:style>
+        </p:cxnSp>
+      </p:grpSp>
+      <p:grpSp>
+        <p:nvGrpSpPr>
+          <p:cNvPr id="68" name="Group 67">
+            <a:extLst>
+              <a:ext uri="{FF2B5EF4-FFF2-40B4-BE49-F238E27FC236}">
+                <a16:creationId xmlns:a16="http://schemas.microsoft.com/office/drawing/2014/main" id="{32B36EC4-8F9F-08D0-F2C4-4BB7FF753B53}"/>
+              </a:ext>
+            </a:extLst>
+          </p:cNvPr>
+          <p:cNvGrpSpPr/>
+          <p:nvPr/>
+        </p:nvGrpSpPr>
+        <p:grpSpPr>
+          <a:xfrm>
+            <a:off x="9265562" y="20652461"/>
+            <a:ext cx="6837724" cy="14346235"/>
+            <a:chOff x="3116034" y="-2901491"/>
+            <a:chExt cx="34341641" cy="8342603"/>
+          </a:xfrm>
+        </p:grpSpPr>
+        <p:cxnSp>
+          <p:nvCxnSpPr>
+            <p:cNvPr id="69" name="Straight Connector 68">
+              <a:extLst>
+                <a:ext uri="{FF2B5EF4-FFF2-40B4-BE49-F238E27FC236}">
+                  <a16:creationId xmlns:a16="http://schemas.microsoft.com/office/drawing/2014/main" id="{BD665E34-D02E-97A7-8308-FFC3EF643FAD}"/>
+                </a:ext>
+              </a:extLst>
+            </p:cNvPr>
+            <p:cNvCxnSpPr>
+              <a:cxnSpLocks/>
+              <a:stCxn id="28" idx="5"/>
+            </p:cNvCxnSpPr>
+            <p:nvPr/>
+          </p:nvCxnSpPr>
+          <p:spPr>
+            <a:xfrm>
+              <a:off x="3116034" y="-2901491"/>
+              <a:ext cx="384774" cy="8342603"/>
+            </a:xfrm>
+            <a:prstGeom prst="line">
+              <a:avLst/>
+            </a:prstGeom>
+            <a:ln w="9525"/>
+          </p:spPr>
+          <p:style>
+            <a:lnRef idx="1">
+              <a:schemeClr val="dk1"/>
+            </a:lnRef>
+            <a:fillRef idx="0">
+              <a:schemeClr val="dk1"/>
+            </a:fillRef>
+            <a:effectRef idx="0">
+              <a:schemeClr val="dk1"/>
+            </a:effectRef>
+            <a:fontRef idx="minor">
+              <a:schemeClr val="tx1"/>
+            </a:fontRef>
+          </p:style>
+        </p:cxnSp>
+        <p:cxnSp>
+          <p:nvCxnSpPr>
+            <p:cNvPr id="70" name="Straight Arrow Connector 69">
+              <a:extLst>
+                <a:ext uri="{FF2B5EF4-FFF2-40B4-BE49-F238E27FC236}">
+                  <a16:creationId xmlns:a16="http://schemas.microsoft.com/office/drawing/2014/main" id="{DCE8BA1F-BDED-4BBC-2086-412B46DBA183}"/>
+                </a:ext>
+              </a:extLst>
+            </p:cNvPr>
+            <p:cNvCxnSpPr>
+              <a:cxnSpLocks/>
+            </p:cNvCxnSpPr>
+            <p:nvPr/>
+          </p:nvCxnSpPr>
+          <p:spPr>
+            <a:xfrm>
+              <a:off x="3500808" y="5441112"/>
+              <a:ext cx="33956867" cy="0"/>
+            </a:xfrm>
+            <a:prstGeom prst="straightConnector1">
+              <a:avLst/>
+            </a:prstGeom>
+            <a:ln w="9525">
+              <a:tailEnd type="triangle"/>
+            </a:ln>
+          </p:spPr>
+          <p:style>
+            <a:lnRef idx="1">
+              <a:schemeClr val="dk1"/>
+            </a:lnRef>
+            <a:fillRef idx="0">
+              <a:schemeClr val="dk1"/>
+            </a:fillRef>
+            <a:effectRef idx="0">
+              <a:schemeClr val="dk1"/>
+            </a:effectRef>
+            <a:fontRef idx="minor">
+              <a:schemeClr val="tx1"/>
+            </a:fontRef>
+          </p:style>
+        </p:cxnSp>
+      </p:grpSp>
+      <p:grpSp>
+        <p:nvGrpSpPr>
+          <p:cNvPr id="72" name="Group 71">
+            <a:extLst>
+              <a:ext uri="{FF2B5EF4-FFF2-40B4-BE49-F238E27FC236}">
+                <a16:creationId xmlns:a16="http://schemas.microsoft.com/office/drawing/2014/main" id="{6DD2A9A3-7FCE-C6A1-8985-2DE97F82DE1C}"/>
+              </a:ext>
+            </a:extLst>
+          </p:cNvPr>
+          <p:cNvGrpSpPr/>
+          <p:nvPr/>
+        </p:nvGrpSpPr>
+        <p:grpSpPr>
+          <a:xfrm>
+            <a:off x="9265562" y="20652460"/>
+            <a:ext cx="6837724" cy="15056604"/>
+            <a:chOff x="3116034" y="-2906584"/>
+            <a:chExt cx="34341641" cy="8347696"/>
+          </a:xfrm>
+        </p:grpSpPr>
+        <p:cxnSp>
+          <p:nvCxnSpPr>
+            <p:cNvPr id="73" name="Straight Connector 72">
+              <a:extLst>
+                <a:ext uri="{FF2B5EF4-FFF2-40B4-BE49-F238E27FC236}">
+                  <a16:creationId xmlns:a16="http://schemas.microsoft.com/office/drawing/2014/main" id="{90749355-A56B-DF7A-60AB-E4E03CFEFC0A}"/>
+                </a:ext>
+              </a:extLst>
+            </p:cNvPr>
+            <p:cNvCxnSpPr>
+              <a:cxnSpLocks/>
+              <a:stCxn id="28" idx="5"/>
+            </p:cNvCxnSpPr>
+            <p:nvPr/>
+          </p:nvCxnSpPr>
+          <p:spPr>
+            <a:xfrm>
+              <a:off x="3116034" y="-2906584"/>
+              <a:ext cx="384774" cy="8347696"/>
+            </a:xfrm>
+            <a:prstGeom prst="line">
+              <a:avLst/>
+            </a:prstGeom>
+            <a:ln w="9525"/>
+          </p:spPr>
+          <p:style>
+            <a:lnRef idx="1">
+              <a:schemeClr val="dk1"/>
+            </a:lnRef>
+            <a:fillRef idx="0">
+              <a:schemeClr val="dk1"/>
+            </a:fillRef>
+            <a:effectRef idx="0">
+              <a:schemeClr val="dk1"/>
+            </a:effectRef>
+            <a:fontRef idx="minor">
+              <a:schemeClr val="tx1"/>
+            </a:fontRef>
+          </p:style>
+        </p:cxnSp>
+        <p:cxnSp>
+          <p:nvCxnSpPr>
+            <p:cNvPr id="74" name="Straight Arrow Connector 73">
+              <a:extLst>
+                <a:ext uri="{FF2B5EF4-FFF2-40B4-BE49-F238E27FC236}">
+                  <a16:creationId xmlns:a16="http://schemas.microsoft.com/office/drawing/2014/main" id="{B93C6AA3-87C4-B51A-053C-D235DFF160E0}"/>
+                </a:ext>
+              </a:extLst>
+            </p:cNvPr>
+            <p:cNvCxnSpPr>
+              <a:cxnSpLocks/>
+            </p:cNvCxnSpPr>
+            <p:nvPr/>
+          </p:nvCxnSpPr>
+          <p:spPr>
+            <a:xfrm>
+              <a:off x="3500808" y="5441112"/>
+              <a:ext cx="33956867" cy="0"/>
+            </a:xfrm>
+            <a:prstGeom prst="straightConnector1">
+              <a:avLst/>
+            </a:prstGeom>
+            <a:ln w="9525">
+              <a:tailEnd type="triangle"/>
+            </a:ln>
+          </p:spPr>
+          <p:style>
+            <a:lnRef idx="1">
+              <a:schemeClr val="dk1"/>
+            </a:lnRef>
+            <a:fillRef idx="0">
+              <a:schemeClr val="dk1"/>
+            </a:fillRef>
+            <a:effectRef idx="0">
+              <a:schemeClr val="dk1"/>
+            </a:effectRef>
+            <a:fontRef idx="minor">
+              <a:schemeClr val="tx1"/>
+            </a:fontRef>
+          </p:style>
+        </p:cxnSp>
+      </p:grpSp>
+      <p:grpSp>
+        <p:nvGrpSpPr>
+          <p:cNvPr id="76" name="Group 75">
+            <a:extLst>
+              <a:ext uri="{FF2B5EF4-FFF2-40B4-BE49-F238E27FC236}">
+                <a16:creationId xmlns:a16="http://schemas.microsoft.com/office/drawing/2014/main" id="{E5DF63F0-524C-5A99-7699-257F9862FCD6}"/>
+              </a:ext>
+            </a:extLst>
+          </p:cNvPr>
+          <p:cNvGrpSpPr/>
+          <p:nvPr/>
+        </p:nvGrpSpPr>
+        <p:grpSpPr>
+          <a:xfrm>
+            <a:off x="9265562" y="20652461"/>
+            <a:ext cx="6002628" cy="15801262"/>
+            <a:chOff x="3116040" y="-3319438"/>
+            <a:chExt cx="34341635" cy="8760550"/>
+          </a:xfrm>
+        </p:grpSpPr>
+        <p:cxnSp>
+          <p:nvCxnSpPr>
+            <p:cNvPr id="77" name="Straight Connector 76">
+              <a:extLst>
+                <a:ext uri="{FF2B5EF4-FFF2-40B4-BE49-F238E27FC236}">
+                  <a16:creationId xmlns:a16="http://schemas.microsoft.com/office/drawing/2014/main" id="{632F9CF4-0888-5622-45CA-47F92DD72BEA}"/>
+                </a:ext>
+              </a:extLst>
+            </p:cNvPr>
+            <p:cNvCxnSpPr>
+              <a:cxnSpLocks/>
+              <a:stCxn id="28" idx="5"/>
+            </p:cNvCxnSpPr>
+            <p:nvPr/>
+          </p:nvCxnSpPr>
+          <p:spPr>
+            <a:xfrm>
+              <a:off x="3116040" y="-3319438"/>
+              <a:ext cx="384767" cy="8760550"/>
+            </a:xfrm>
+            <a:prstGeom prst="line">
+              <a:avLst/>
+            </a:prstGeom>
+            <a:ln w="9525"/>
+          </p:spPr>
+          <p:style>
+            <a:lnRef idx="1">
+              <a:schemeClr val="dk1"/>
+            </a:lnRef>
+            <a:fillRef idx="0">
+              <a:schemeClr val="dk1"/>
+            </a:fillRef>
+            <a:effectRef idx="0">
+              <a:schemeClr val="dk1"/>
+            </a:effectRef>
+            <a:fontRef idx="minor">
+              <a:schemeClr val="tx1"/>
+            </a:fontRef>
+          </p:style>
+        </p:cxnSp>
+        <p:cxnSp>
+          <p:nvCxnSpPr>
+            <p:cNvPr id="78" name="Straight Arrow Connector 77">
+              <a:extLst>
+                <a:ext uri="{FF2B5EF4-FFF2-40B4-BE49-F238E27FC236}">
+                  <a16:creationId xmlns:a16="http://schemas.microsoft.com/office/drawing/2014/main" id="{FF3C39AD-1555-B5D0-8D46-CAD319B05234}"/>
+                </a:ext>
+              </a:extLst>
+            </p:cNvPr>
+            <p:cNvCxnSpPr>
+              <a:cxnSpLocks/>
+            </p:cNvCxnSpPr>
+            <p:nvPr/>
+          </p:nvCxnSpPr>
+          <p:spPr>
+            <a:xfrm>
+              <a:off x="3500808" y="5441112"/>
+              <a:ext cx="33956867" cy="0"/>
+            </a:xfrm>
+            <a:prstGeom prst="straightConnector1">
+              <a:avLst/>
+            </a:prstGeom>
+            <a:ln w="9525">
+              <a:tailEnd type="triangle"/>
+            </a:ln>
+          </p:spPr>
+          <p:style>
+            <a:lnRef idx="1">
+              <a:schemeClr val="dk1"/>
+            </a:lnRef>
+            <a:fillRef idx="0">
+              <a:schemeClr val="dk1"/>
+            </a:fillRef>
+            <a:effectRef idx="0">
+              <a:schemeClr val="dk1"/>
+            </a:effectRef>
+            <a:fontRef idx="minor">
+              <a:schemeClr val="tx1"/>
+            </a:fontRef>
+          </p:style>
+        </p:cxnSp>
+      </p:grpSp>
+      <p:grpSp>
+        <p:nvGrpSpPr>
+          <p:cNvPr id="80" name="Group 79">
+            <a:extLst>
+              <a:ext uri="{FF2B5EF4-FFF2-40B4-BE49-F238E27FC236}">
+                <a16:creationId xmlns:a16="http://schemas.microsoft.com/office/drawing/2014/main" id="{215D76A6-A658-E4A9-8842-60BE8E120104}"/>
+              </a:ext>
+            </a:extLst>
+          </p:cNvPr>
+          <p:cNvGrpSpPr/>
+          <p:nvPr/>
+        </p:nvGrpSpPr>
+        <p:grpSpPr>
+          <a:xfrm>
+            <a:off x="9265562" y="20652461"/>
+            <a:ext cx="1267400" cy="17212973"/>
+            <a:chOff x="1600617" y="-4102120"/>
+            <a:chExt cx="35857058" cy="9543232"/>
+          </a:xfrm>
+        </p:grpSpPr>
+        <p:cxnSp>
+          <p:nvCxnSpPr>
+            <p:cNvPr id="81" name="Straight Connector 80">
+              <a:extLst>
+                <a:ext uri="{FF2B5EF4-FFF2-40B4-BE49-F238E27FC236}">
+                  <a16:creationId xmlns:a16="http://schemas.microsoft.com/office/drawing/2014/main" id="{32E4F22F-6FAB-F3C9-72B3-5F3181D9A8FA}"/>
+                </a:ext>
+              </a:extLst>
+            </p:cNvPr>
+            <p:cNvCxnSpPr>
+              <a:cxnSpLocks/>
+              <a:stCxn id="28" idx="5"/>
+            </p:cNvCxnSpPr>
+            <p:nvPr/>
+          </p:nvCxnSpPr>
+          <p:spPr>
+            <a:xfrm>
+              <a:off x="1600617" y="-4102120"/>
+              <a:ext cx="1900192" cy="9543232"/>
+            </a:xfrm>
+            <a:prstGeom prst="line">
+              <a:avLst/>
+            </a:prstGeom>
+            <a:ln w="9525"/>
+          </p:spPr>
+          <p:style>
+            <a:lnRef idx="1">
+              <a:schemeClr val="dk1"/>
+            </a:lnRef>
+            <a:fillRef idx="0">
+              <a:schemeClr val="dk1"/>
+            </a:fillRef>
+            <a:effectRef idx="0">
+              <a:schemeClr val="dk1"/>
+            </a:effectRef>
+            <a:fontRef idx="minor">
+              <a:schemeClr val="tx1"/>
+            </a:fontRef>
+          </p:style>
+        </p:cxnSp>
+        <p:cxnSp>
+          <p:nvCxnSpPr>
+            <p:cNvPr id="82" name="Straight Arrow Connector 81">
+              <a:extLst>
+                <a:ext uri="{FF2B5EF4-FFF2-40B4-BE49-F238E27FC236}">
+                  <a16:creationId xmlns:a16="http://schemas.microsoft.com/office/drawing/2014/main" id="{C2A55CF2-20FC-3385-F176-5FBF7E00436D}"/>
+                </a:ext>
+              </a:extLst>
+            </p:cNvPr>
+            <p:cNvCxnSpPr>
+              <a:cxnSpLocks/>
+            </p:cNvCxnSpPr>
+            <p:nvPr/>
+          </p:nvCxnSpPr>
+          <p:spPr>
+            <a:xfrm>
+              <a:off x="3500808" y="5441112"/>
+              <a:ext cx="33956867" cy="0"/>
+            </a:xfrm>
+            <a:prstGeom prst="straightConnector1">
+              <a:avLst/>
+            </a:prstGeom>
+            <a:ln w="9525">
+              <a:tailEnd type="triangle"/>
+            </a:ln>
+          </p:spPr>
+          <p:style>
+            <a:lnRef idx="1">
+              <a:schemeClr val="dk1"/>
+            </a:lnRef>
+            <a:fillRef idx="0">
+              <a:schemeClr val="dk1"/>
+            </a:fillRef>
+            <a:effectRef idx="0">
+              <a:schemeClr val="dk1"/>
+            </a:effectRef>
+            <a:fontRef idx="minor">
+              <a:schemeClr val="tx1"/>
+            </a:fontRef>
+          </p:style>
+        </p:cxnSp>
+      </p:grpSp>
+      <p:grpSp>
+        <p:nvGrpSpPr>
+          <p:cNvPr id="84" name="Group 83">
+            <a:extLst>
+              <a:ext uri="{FF2B5EF4-FFF2-40B4-BE49-F238E27FC236}">
+                <a16:creationId xmlns:a16="http://schemas.microsoft.com/office/drawing/2014/main" id="{C5660BA3-2976-E712-65DD-212464DAE2DB}"/>
+              </a:ext>
+            </a:extLst>
+          </p:cNvPr>
+          <p:cNvGrpSpPr/>
+          <p:nvPr/>
+        </p:nvGrpSpPr>
+        <p:grpSpPr>
+          <a:xfrm>
+            <a:off x="9265562" y="20652461"/>
+            <a:ext cx="5932177" cy="17957631"/>
+            <a:chOff x="3393340" y="-4514974"/>
+            <a:chExt cx="34064335" cy="9956086"/>
+          </a:xfrm>
+        </p:grpSpPr>
+        <p:cxnSp>
+          <p:nvCxnSpPr>
+            <p:cNvPr id="85" name="Straight Connector 84">
+              <a:extLst>
+                <a:ext uri="{FF2B5EF4-FFF2-40B4-BE49-F238E27FC236}">
+                  <a16:creationId xmlns:a16="http://schemas.microsoft.com/office/drawing/2014/main" id="{D26EEEE2-C1F1-DF4B-B232-C599200749CE}"/>
+                </a:ext>
+              </a:extLst>
+            </p:cNvPr>
+            <p:cNvCxnSpPr>
+              <a:cxnSpLocks/>
+              <a:stCxn id="28" idx="5"/>
+            </p:cNvCxnSpPr>
+            <p:nvPr/>
+          </p:nvCxnSpPr>
+          <p:spPr>
+            <a:xfrm>
+              <a:off x="3393340" y="-4514974"/>
+              <a:ext cx="107467" cy="9956086"/>
+            </a:xfrm>
+            <a:prstGeom prst="line">
+              <a:avLst/>
+            </a:prstGeom>
+            <a:ln w="9525"/>
+          </p:spPr>
+          <p:style>
+            <a:lnRef idx="1">
+              <a:schemeClr val="dk1"/>
+            </a:lnRef>
+            <a:fillRef idx="0">
+              <a:schemeClr val="dk1"/>
+            </a:fillRef>
+            <a:effectRef idx="0">
+              <a:schemeClr val="dk1"/>
+            </a:effectRef>
+            <a:fontRef idx="minor">
+              <a:schemeClr val="tx1"/>
+            </a:fontRef>
+          </p:style>
+        </p:cxnSp>
+        <p:cxnSp>
+          <p:nvCxnSpPr>
+            <p:cNvPr id="86" name="Straight Arrow Connector 85">
+              <a:extLst>
+                <a:ext uri="{FF2B5EF4-FFF2-40B4-BE49-F238E27FC236}">
+                  <a16:creationId xmlns:a16="http://schemas.microsoft.com/office/drawing/2014/main" id="{CB221D77-ECD5-F3A8-A389-BAEB86F25D11}"/>
+                </a:ext>
+              </a:extLst>
+            </p:cNvPr>
+            <p:cNvCxnSpPr>
+              <a:cxnSpLocks/>
+            </p:cNvCxnSpPr>
+            <p:nvPr/>
+          </p:nvCxnSpPr>
+          <p:spPr>
+            <a:xfrm>
+              <a:off x="3500808" y="5441112"/>
+              <a:ext cx="33956867" cy="0"/>
+            </a:xfrm>
+            <a:prstGeom prst="straightConnector1">
+              <a:avLst/>
+            </a:prstGeom>
+            <a:ln w="9525">
+              <a:tailEnd type="triangle"/>
+            </a:ln>
+          </p:spPr>
+          <p:style>
+            <a:lnRef idx="1">
+              <a:schemeClr val="dk1"/>
+            </a:lnRef>
+            <a:fillRef idx="0">
+              <a:schemeClr val="dk1"/>
+            </a:fillRef>
+            <a:effectRef idx="0">
+              <a:schemeClr val="dk1"/>
+            </a:effectRef>
+            <a:fontRef idx="minor">
+              <a:schemeClr val="tx1"/>
+            </a:fontRef>
+          </p:style>
+        </p:cxnSp>
+      </p:grpSp>
+      <p:grpSp>
+        <p:nvGrpSpPr>
+          <p:cNvPr id="88" name="Group 87">
+            <a:extLst>
+              <a:ext uri="{FF2B5EF4-FFF2-40B4-BE49-F238E27FC236}">
+                <a16:creationId xmlns:a16="http://schemas.microsoft.com/office/drawing/2014/main" id="{F5A746EA-4F98-7936-9B50-2ED65E1C4B34}"/>
+              </a:ext>
+            </a:extLst>
+          </p:cNvPr>
+          <p:cNvGrpSpPr/>
+          <p:nvPr/>
+        </p:nvGrpSpPr>
+        <p:grpSpPr>
+          <a:xfrm>
+            <a:off x="9265562" y="20652462"/>
+            <a:ext cx="5268131" cy="18678650"/>
+            <a:chOff x="3271895" y="-4914722"/>
+            <a:chExt cx="34185780" cy="10355834"/>
+          </a:xfrm>
+        </p:grpSpPr>
+        <p:cxnSp>
+          <p:nvCxnSpPr>
+            <p:cNvPr id="89" name="Straight Connector 88">
+              <a:extLst>
+                <a:ext uri="{FF2B5EF4-FFF2-40B4-BE49-F238E27FC236}">
+                  <a16:creationId xmlns:a16="http://schemas.microsoft.com/office/drawing/2014/main" id="{0841BFC6-969A-3E27-863A-DADC620DE5A3}"/>
+                </a:ext>
+              </a:extLst>
+            </p:cNvPr>
+            <p:cNvCxnSpPr>
+              <a:cxnSpLocks/>
+              <a:stCxn id="28" idx="5"/>
+            </p:cNvCxnSpPr>
+            <p:nvPr/>
+          </p:nvCxnSpPr>
+          <p:spPr>
+            <a:xfrm>
+              <a:off x="3271895" y="-4914722"/>
+              <a:ext cx="228912" cy="10355834"/>
+            </a:xfrm>
+            <a:prstGeom prst="line">
+              <a:avLst/>
+            </a:prstGeom>
+            <a:ln w="9525"/>
+          </p:spPr>
+          <p:style>
+            <a:lnRef idx="1">
+              <a:schemeClr val="dk1"/>
+            </a:lnRef>
+            <a:fillRef idx="0">
+              <a:schemeClr val="dk1"/>
+            </a:fillRef>
+            <a:effectRef idx="0">
+              <a:schemeClr val="dk1"/>
+            </a:effectRef>
+            <a:fontRef idx="minor">
+              <a:schemeClr val="tx1"/>
+            </a:fontRef>
+          </p:style>
+        </p:cxnSp>
+        <p:cxnSp>
+          <p:nvCxnSpPr>
+            <p:cNvPr id="90" name="Straight Arrow Connector 89">
+              <a:extLst>
+                <a:ext uri="{FF2B5EF4-FFF2-40B4-BE49-F238E27FC236}">
+                  <a16:creationId xmlns:a16="http://schemas.microsoft.com/office/drawing/2014/main" id="{B7F38748-801D-41C5-EC2B-D98463512B7C}"/>
+                </a:ext>
+              </a:extLst>
+            </p:cNvPr>
+            <p:cNvCxnSpPr>
+              <a:cxnSpLocks/>
+            </p:cNvCxnSpPr>
+            <p:nvPr/>
+          </p:nvCxnSpPr>
+          <p:spPr>
+            <a:xfrm>
+              <a:off x="3500808" y="5441112"/>
+              <a:ext cx="33956867" cy="0"/>
+            </a:xfrm>
+            <a:prstGeom prst="straightConnector1">
+              <a:avLst/>
+            </a:prstGeom>
+            <a:ln w="9525">
+              <a:tailEnd type="triangle"/>
+            </a:ln>
+          </p:spPr>
+          <p:style>
+            <a:lnRef idx="1">
+              <a:schemeClr val="dk1"/>
+            </a:lnRef>
+            <a:fillRef idx="0">
+              <a:schemeClr val="dk1"/>
+            </a:fillRef>
+            <a:effectRef idx="0">
+              <a:schemeClr val="dk1"/>
+            </a:effectRef>
+            <a:fontRef idx="minor">
+              <a:schemeClr val="tx1"/>
+            </a:fontRef>
+          </p:style>
+        </p:cxnSp>
+      </p:grpSp>
+      <p:grpSp>
+        <p:nvGrpSpPr>
+          <p:cNvPr id="92" name="Group 91">
+            <a:extLst>
+              <a:ext uri="{FF2B5EF4-FFF2-40B4-BE49-F238E27FC236}">
+                <a16:creationId xmlns:a16="http://schemas.microsoft.com/office/drawing/2014/main" id="{A7DD6716-1033-8017-6C6E-2AC566E5C03D}"/>
+              </a:ext>
+            </a:extLst>
+          </p:cNvPr>
+          <p:cNvGrpSpPr/>
+          <p:nvPr/>
+        </p:nvGrpSpPr>
+        <p:grpSpPr>
+          <a:xfrm>
+            <a:off x="9265562" y="20652461"/>
+            <a:ext cx="4402568" cy="19344790"/>
+            <a:chOff x="3353735" y="-5284044"/>
+            <a:chExt cx="34103940" cy="10725156"/>
+          </a:xfrm>
+        </p:grpSpPr>
+        <p:cxnSp>
+          <p:nvCxnSpPr>
+            <p:cNvPr id="93" name="Straight Connector 92">
+              <a:extLst>
+                <a:ext uri="{FF2B5EF4-FFF2-40B4-BE49-F238E27FC236}">
+                  <a16:creationId xmlns:a16="http://schemas.microsoft.com/office/drawing/2014/main" id="{A5223FB1-058F-DA35-6C6C-8C1240D725CF}"/>
+                </a:ext>
+              </a:extLst>
+            </p:cNvPr>
+            <p:cNvCxnSpPr>
+              <a:cxnSpLocks/>
+              <a:stCxn id="28" idx="5"/>
+            </p:cNvCxnSpPr>
+            <p:nvPr/>
+          </p:nvCxnSpPr>
+          <p:spPr>
+            <a:xfrm>
+              <a:off x="3353735" y="-5284044"/>
+              <a:ext cx="147073" cy="10725156"/>
+            </a:xfrm>
+            <a:prstGeom prst="line">
+              <a:avLst/>
+            </a:prstGeom>
+            <a:ln w="9525"/>
+          </p:spPr>
+          <p:style>
+            <a:lnRef idx="1">
+              <a:schemeClr val="dk1"/>
+            </a:lnRef>
+            <a:fillRef idx="0">
+              <a:schemeClr val="dk1"/>
+            </a:fillRef>
+            <a:effectRef idx="0">
+              <a:schemeClr val="dk1"/>
+            </a:effectRef>
+            <a:fontRef idx="minor">
+              <a:schemeClr val="tx1"/>
+            </a:fontRef>
+          </p:style>
+        </p:cxnSp>
+        <p:cxnSp>
+          <p:nvCxnSpPr>
+            <p:cNvPr id="94" name="Straight Arrow Connector 93">
+              <a:extLst>
+                <a:ext uri="{FF2B5EF4-FFF2-40B4-BE49-F238E27FC236}">
+                  <a16:creationId xmlns:a16="http://schemas.microsoft.com/office/drawing/2014/main" id="{E76E5650-BB12-F4CE-4201-F063938EBB62}"/>
+                </a:ext>
+              </a:extLst>
+            </p:cNvPr>
+            <p:cNvCxnSpPr>
+              <a:cxnSpLocks/>
+            </p:cNvCxnSpPr>
+            <p:nvPr/>
+          </p:nvCxnSpPr>
+          <p:spPr>
+            <a:xfrm>
+              <a:off x="3500808" y="5441112"/>
+              <a:ext cx="33956867" cy="0"/>
+            </a:xfrm>
+            <a:prstGeom prst="straightConnector1">
+              <a:avLst/>
+            </a:prstGeom>
+            <a:ln w="9525">
+              <a:tailEnd type="triangle"/>
+            </a:ln>
+          </p:spPr>
+          <p:style>
+            <a:lnRef idx="1">
+              <a:schemeClr val="dk1"/>
+            </a:lnRef>
+            <a:fillRef idx="0">
+              <a:schemeClr val="dk1"/>
+            </a:fillRef>
+            <a:effectRef idx="0">
+              <a:schemeClr val="dk1"/>
+            </a:effectRef>
+            <a:fontRef idx="minor">
+              <a:schemeClr val="tx1"/>
+            </a:fontRef>
+          </p:style>
+        </p:cxnSp>
+      </p:grpSp>
+      <p:grpSp>
+        <p:nvGrpSpPr>
+          <p:cNvPr id="96" name="Group 95">
+            <a:extLst>
+              <a:ext uri="{FF2B5EF4-FFF2-40B4-BE49-F238E27FC236}">
+                <a16:creationId xmlns:a16="http://schemas.microsoft.com/office/drawing/2014/main" id="{CAB71469-9882-4228-C850-70598E8429E7}"/>
+              </a:ext>
+            </a:extLst>
+          </p:cNvPr>
+          <p:cNvGrpSpPr/>
+          <p:nvPr/>
+        </p:nvGrpSpPr>
+        <p:grpSpPr>
+          <a:xfrm>
+            <a:off x="9265562" y="20652461"/>
+            <a:ext cx="488991" cy="20777555"/>
+            <a:chOff x="3372625" y="-6078399"/>
+            <a:chExt cx="34085050" cy="11519511"/>
+          </a:xfrm>
+        </p:grpSpPr>
+        <p:cxnSp>
+          <p:nvCxnSpPr>
+            <p:cNvPr id="97" name="Straight Connector 96">
+              <a:extLst>
+                <a:ext uri="{FF2B5EF4-FFF2-40B4-BE49-F238E27FC236}">
+                  <a16:creationId xmlns:a16="http://schemas.microsoft.com/office/drawing/2014/main" id="{B0E90A13-F931-13D0-E907-E9001C3B80EF}"/>
+                </a:ext>
+              </a:extLst>
+            </p:cNvPr>
+            <p:cNvCxnSpPr>
+              <a:cxnSpLocks/>
+              <a:stCxn id="28" idx="5"/>
+            </p:cNvCxnSpPr>
+            <p:nvPr/>
+          </p:nvCxnSpPr>
+          <p:spPr>
+            <a:xfrm>
+              <a:off x="3372625" y="-6078399"/>
+              <a:ext cx="128187" cy="11519511"/>
+            </a:xfrm>
+            <a:prstGeom prst="line">
+              <a:avLst/>
+            </a:prstGeom>
+            <a:ln w="9525"/>
+          </p:spPr>
+          <p:style>
+            <a:lnRef idx="1">
+              <a:schemeClr val="dk1"/>
+            </a:lnRef>
+            <a:fillRef idx="0">
+              <a:schemeClr val="dk1"/>
+            </a:fillRef>
+            <a:effectRef idx="0">
+              <a:schemeClr val="dk1"/>
+            </a:effectRef>
+            <a:fontRef idx="minor">
+              <a:schemeClr val="tx1"/>
+            </a:fontRef>
+          </p:style>
+        </p:cxnSp>
+        <p:cxnSp>
+          <p:nvCxnSpPr>
+            <p:cNvPr id="98" name="Straight Arrow Connector 97">
+              <a:extLst>
+                <a:ext uri="{FF2B5EF4-FFF2-40B4-BE49-F238E27FC236}">
+                  <a16:creationId xmlns:a16="http://schemas.microsoft.com/office/drawing/2014/main" id="{97029DD1-F364-DE0C-58C8-59A316E1A619}"/>
+                </a:ext>
+              </a:extLst>
+            </p:cNvPr>
+            <p:cNvCxnSpPr>
+              <a:cxnSpLocks/>
+            </p:cNvCxnSpPr>
+            <p:nvPr/>
+          </p:nvCxnSpPr>
+          <p:spPr>
+            <a:xfrm>
+              <a:off x="3500808" y="5441112"/>
+              <a:ext cx="33956867" cy="0"/>
+            </a:xfrm>
+            <a:prstGeom prst="straightConnector1">
+              <a:avLst/>
+            </a:prstGeom>
+            <a:ln w="9525">
+              <a:tailEnd type="triangle"/>
+            </a:ln>
+          </p:spPr>
+          <p:style>
+            <a:lnRef idx="1">
+              <a:schemeClr val="dk1"/>
+            </a:lnRef>
+            <a:fillRef idx="0">
+              <a:schemeClr val="dk1"/>
+            </a:fillRef>
+            <a:effectRef idx="0">
+              <a:schemeClr val="dk1"/>
+            </a:effectRef>
+            <a:fontRef idx="minor">
+              <a:schemeClr val="tx1"/>
+            </a:fontRef>
+          </p:style>
+        </p:cxnSp>
+      </p:grpSp>
+      <p:grpSp>
+        <p:nvGrpSpPr>
+          <p:cNvPr id="100" name="Group 99">
+            <a:extLst>
+              <a:ext uri="{FF2B5EF4-FFF2-40B4-BE49-F238E27FC236}">
+                <a16:creationId xmlns:a16="http://schemas.microsoft.com/office/drawing/2014/main" id="{F296A448-BC1E-AA9E-FB80-4D5866E3AA57}"/>
+              </a:ext>
+            </a:extLst>
+          </p:cNvPr>
+          <p:cNvGrpSpPr/>
+          <p:nvPr/>
+        </p:nvGrpSpPr>
+        <p:grpSpPr>
+          <a:xfrm>
+            <a:off x="9147383" y="20652462"/>
+            <a:ext cx="1385579" cy="21529280"/>
+            <a:chOff x="3500808" y="-6495171"/>
+            <a:chExt cx="52500995" cy="11936283"/>
+          </a:xfrm>
+        </p:grpSpPr>
+        <p:cxnSp>
+          <p:nvCxnSpPr>
+            <p:cNvPr id="101" name="Straight Connector 100">
+              <a:extLst>
+                <a:ext uri="{FF2B5EF4-FFF2-40B4-BE49-F238E27FC236}">
+                  <a16:creationId xmlns:a16="http://schemas.microsoft.com/office/drawing/2014/main" id="{168DA9E7-5359-58A7-39F2-7121D825FA51}"/>
+                </a:ext>
+              </a:extLst>
+            </p:cNvPr>
+            <p:cNvCxnSpPr>
+              <a:cxnSpLocks/>
+              <a:stCxn id="28" idx="5"/>
+            </p:cNvCxnSpPr>
+            <p:nvPr/>
+          </p:nvCxnSpPr>
+          <p:spPr>
+            <a:xfrm flipH="1">
+              <a:off x="3500808" y="-6495171"/>
+              <a:ext cx="4477922" cy="11936283"/>
+            </a:xfrm>
+            <a:prstGeom prst="line">
+              <a:avLst/>
+            </a:prstGeom>
+            <a:ln w="9525"/>
+          </p:spPr>
+          <p:style>
+            <a:lnRef idx="1">
+              <a:schemeClr val="dk1"/>
+            </a:lnRef>
+            <a:fillRef idx="0">
+              <a:schemeClr val="dk1"/>
+            </a:fillRef>
+            <a:effectRef idx="0">
+              <a:schemeClr val="dk1"/>
+            </a:effectRef>
+            <a:fontRef idx="minor">
+              <a:schemeClr val="tx1"/>
+            </a:fontRef>
+          </p:style>
+        </p:cxnSp>
+        <p:cxnSp>
+          <p:nvCxnSpPr>
+            <p:cNvPr id="102" name="Straight Arrow Connector 101">
+              <a:extLst>
+                <a:ext uri="{FF2B5EF4-FFF2-40B4-BE49-F238E27FC236}">
+                  <a16:creationId xmlns:a16="http://schemas.microsoft.com/office/drawing/2014/main" id="{93942A0E-1A2D-5A67-2168-D8EF08A6653B}"/>
+                </a:ext>
+              </a:extLst>
+            </p:cNvPr>
+            <p:cNvCxnSpPr>
+              <a:cxnSpLocks/>
+            </p:cNvCxnSpPr>
+            <p:nvPr/>
+          </p:nvCxnSpPr>
+          <p:spPr>
+            <a:xfrm>
+              <a:off x="3500808" y="5441112"/>
+              <a:ext cx="52500995" cy="0"/>
+            </a:xfrm>
+            <a:prstGeom prst="straightConnector1">
+              <a:avLst/>
+            </a:prstGeom>
+            <a:ln w="9525">
+              <a:tailEnd type="triangle"/>
+            </a:ln>
+          </p:spPr>
+          <p:style>
+            <a:lnRef idx="1">
+              <a:schemeClr val="dk1"/>
+            </a:lnRef>
+            <a:fillRef idx="0">
+              <a:schemeClr val="dk1"/>
+            </a:fillRef>
+            <a:effectRef idx="0">
+              <a:schemeClr val="dk1"/>
+            </a:effectRef>
+            <a:fontRef idx="minor">
+              <a:schemeClr val="tx1"/>
+            </a:fontRef>
+          </p:style>
+        </p:cxnSp>
+      </p:grpSp>
+      <p:grpSp>
+        <p:nvGrpSpPr>
+          <p:cNvPr id="105" name="Group 104">
+            <a:extLst>
+              <a:ext uri="{FF2B5EF4-FFF2-40B4-BE49-F238E27FC236}">
+                <a16:creationId xmlns:a16="http://schemas.microsoft.com/office/drawing/2014/main" id="{B9427B7F-AEEA-EBAB-304D-570F56BEEAEE}"/>
+              </a:ext>
+            </a:extLst>
+          </p:cNvPr>
+          <p:cNvGrpSpPr/>
+          <p:nvPr/>
+        </p:nvGrpSpPr>
+        <p:grpSpPr>
+          <a:xfrm>
+            <a:off x="9265563" y="19086568"/>
+            <a:ext cx="6837724" cy="1307264"/>
+            <a:chOff x="2707500" y="5441112"/>
+            <a:chExt cx="23689317" cy="1043496"/>
+          </a:xfrm>
+        </p:grpSpPr>
+        <p:cxnSp>
+          <p:nvCxnSpPr>
+            <p:cNvPr id="106" name="Straight Connector 105">
+              <a:extLst>
+                <a:ext uri="{FF2B5EF4-FFF2-40B4-BE49-F238E27FC236}">
+                  <a16:creationId xmlns:a16="http://schemas.microsoft.com/office/drawing/2014/main" id="{A376E104-2E57-E809-D504-9A2C9C50192F}"/>
+                </a:ext>
+              </a:extLst>
+            </p:cNvPr>
+            <p:cNvCxnSpPr>
+              <a:cxnSpLocks/>
+              <a:stCxn id="28" idx="7"/>
+            </p:cNvCxnSpPr>
+            <p:nvPr/>
+          </p:nvCxnSpPr>
+          <p:spPr>
+            <a:xfrm flipV="1">
+              <a:off x="2707500" y="5441112"/>
+              <a:ext cx="793307" cy="1043496"/>
+            </a:xfrm>
+            <a:prstGeom prst="line">
+              <a:avLst/>
+            </a:prstGeom>
+            <a:ln w="9525"/>
+          </p:spPr>
+          <p:style>
+            <a:lnRef idx="1">
+              <a:schemeClr val="dk1"/>
+            </a:lnRef>
+            <a:fillRef idx="0">
+              <a:schemeClr val="dk1"/>
+            </a:fillRef>
+            <a:effectRef idx="0">
+              <a:schemeClr val="dk1"/>
+            </a:effectRef>
+            <a:fontRef idx="minor">
+              <a:schemeClr val="tx1"/>
+            </a:fontRef>
+          </p:style>
+        </p:cxnSp>
+        <p:cxnSp>
+          <p:nvCxnSpPr>
+            <p:cNvPr id="107" name="Straight Arrow Connector 106">
+              <a:extLst>
+                <a:ext uri="{FF2B5EF4-FFF2-40B4-BE49-F238E27FC236}">
+                  <a16:creationId xmlns:a16="http://schemas.microsoft.com/office/drawing/2014/main" id="{2D3D4CFC-9A58-F181-E03B-20B84954D206}"/>
+                </a:ext>
+              </a:extLst>
+            </p:cNvPr>
+            <p:cNvCxnSpPr>
+              <a:cxnSpLocks/>
+            </p:cNvCxnSpPr>
+            <p:nvPr/>
+          </p:nvCxnSpPr>
+          <p:spPr>
+            <a:xfrm>
+              <a:off x="3500807" y="5441112"/>
+              <a:ext cx="22896010" cy="0"/>
+            </a:xfrm>
+            <a:prstGeom prst="straightConnector1">
+              <a:avLst/>
+            </a:prstGeom>
+            <a:ln w="9525">
+              <a:tailEnd type="triangle"/>
+            </a:ln>
+          </p:spPr>
+          <p:style>
+            <a:lnRef idx="1">
+              <a:schemeClr val="dk1"/>
+            </a:lnRef>
+            <a:fillRef idx="0">
+              <a:schemeClr val="dk1"/>
+            </a:fillRef>
+            <a:effectRef idx="0">
+              <a:schemeClr val="dk1"/>
+            </a:effectRef>
+            <a:fontRef idx="minor">
+              <a:schemeClr val="tx1"/>
+            </a:fontRef>
+          </p:style>
+        </p:cxnSp>
+      </p:grpSp>
+      <p:grpSp>
+        <p:nvGrpSpPr>
+          <p:cNvPr id="110" name="Group 109">
+            <a:extLst>
+              <a:ext uri="{FF2B5EF4-FFF2-40B4-BE49-F238E27FC236}">
+                <a16:creationId xmlns:a16="http://schemas.microsoft.com/office/drawing/2014/main" id="{CE016A58-A620-44B4-04EF-94C07BFBF3DF}"/>
+              </a:ext>
+            </a:extLst>
+          </p:cNvPr>
+          <p:cNvGrpSpPr/>
+          <p:nvPr/>
+        </p:nvGrpSpPr>
+        <p:grpSpPr>
+          <a:xfrm>
+            <a:off x="9265562" y="16131548"/>
+            <a:ext cx="8372198" cy="4262281"/>
+            <a:chOff x="2582064" y="5441112"/>
+            <a:chExt cx="27212987" cy="2462272"/>
+          </a:xfrm>
+        </p:grpSpPr>
+        <p:cxnSp>
+          <p:nvCxnSpPr>
+            <p:cNvPr id="111" name="Straight Connector 110">
+              <a:extLst>
+                <a:ext uri="{FF2B5EF4-FFF2-40B4-BE49-F238E27FC236}">
+                  <a16:creationId xmlns:a16="http://schemas.microsoft.com/office/drawing/2014/main" id="{C1E32884-CEEF-8A47-1421-11B042100E73}"/>
+                </a:ext>
+              </a:extLst>
+            </p:cNvPr>
+            <p:cNvCxnSpPr>
+              <a:cxnSpLocks/>
+              <a:stCxn id="28" idx="7"/>
+            </p:cNvCxnSpPr>
+            <p:nvPr/>
+          </p:nvCxnSpPr>
+          <p:spPr>
+            <a:xfrm flipV="1">
+              <a:off x="2582064" y="5441112"/>
+              <a:ext cx="918742" cy="2462272"/>
+            </a:xfrm>
+            <a:prstGeom prst="line">
+              <a:avLst/>
+            </a:prstGeom>
+            <a:ln w="9525"/>
+          </p:spPr>
+          <p:style>
+            <a:lnRef idx="1">
+              <a:schemeClr val="dk1"/>
+            </a:lnRef>
+            <a:fillRef idx="0">
+              <a:schemeClr val="dk1"/>
+            </a:fillRef>
+            <a:effectRef idx="0">
+              <a:schemeClr val="dk1"/>
+            </a:effectRef>
+            <a:fontRef idx="minor">
+              <a:schemeClr val="tx1"/>
+            </a:fontRef>
+          </p:style>
+        </p:cxnSp>
+        <p:cxnSp>
+          <p:nvCxnSpPr>
+            <p:cNvPr id="112" name="Straight Arrow Connector 111">
+              <a:extLst>
+                <a:ext uri="{FF2B5EF4-FFF2-40B4-BE49-F238E27FC236}">
+                  <a16:creationId xmlns:a16="http://schemas.microsoft.com/office/drawing/2014/main" id="{F4F027AB-4DA7-DCAA-2EF1-2E9FB7FE2186}"/>
+                </a:ext>
+              </a:extLst>
+            </p:cNvPr>
+            <p:cNvCxnSpPr>
+              <a:cxnSpLocks/>
+            </p:cNvCxnSpPr>
+            <p:nvPr/>
+          </p:nvCxnSpPr>
+          <p:spPr>
+            <a:xfrm>
+              <a:off x="3500806" y="5441112"/>
+              <a:ext cx="26294245" cy="0"/>
+            </a:xfrm>
+            <a:prstGeom prst="straightConnector1">
+              <a:avLst/>
+            </a:prstGeom>
+            <a:ln w="9525">
+              <a:tailEnd type="triangle"/>
+            </a:ln>
+          </p:spPr>
+          <p:style>
+            <a:lnRef idx="1">
+              <a:schemeClr val="dk1"/>
+            </a:lnRef>
+            <a:fillRef idx="0">
+              <a:schemeClr val="dk1"/>
+            </a:fillRef>
+            <a:effectRef idx="0">
+              <a:schemeClr val="dk1"/>
+            </a:effectRef>
+            <a:fontRef idx="minor">
+              <a:schemeClr val="tx1"/>
+            </a:fontRef>
+          </p:style>
+        </p:cxnSp>
+      </p:grpSp>
+      <p:grpSp>
+        <p:nvGrpSpPr>
+          <p:cNvPr id="116" name="Group 115">
+            <a:extLst>
+              <a:ext uri="{FF2B5EF4-FFF2-40B4-BE49-F238E27FC236}">
+                <a16:creationId xmlns:a16="http://schemas.microsoft.com/office/drawing/2014/main" id="{D4DFB1D2-C2BA-C524-D295-EA0DCD0950B6}"/>
+              </a:ext>
+            </a:extLst>
+          </p:cNvPr>
+          <p:cNvGrpSpPr/>
+          <p:nvPr/>
+        </p:nvGrpSpPr>
+        <p:grpSpPr>
+          <a:xfrm>
+            <a:off x="9265562" y="12868660"/>
+            <a:ext cx="8372197" cy="7525169"/>
+            <a:chOff x="2582067" y="5441112"/>
+            <a:chExt cx="27212984" cy="4347206"/>
+          </a:xfrm>
+        </p:grpSpPr>
+        <p:cxnSp>
+          <p:nvCxnSpPr>
+            <p:cNvPr id="117" name="Straight Connector 116">
+              <a:extLst>
+                <a:ext uri="{FF2B5EF4-FFF2-40B4-BE49-F238E27FC236}">
+                  <a16:creationId xmlns:a16="http://schemas.microsoft.com/office/drawing/2014/main" id="{FD4C2FC9-A621-C040-4497-E6381148ABCF}"/>
+                </a:ext>
+              </a:extLst>
+            </p:cNvPr>
+            <p:cNvCxnSpPr>
+              <a:cxnSpLocks/>
+              <a:stCxn id="28" idx="7"/>
+            </p:cNvCxnSpPr>
+            <p:nvPr/>
+          </p:nvCxnSpPr>
+          <p:spPr>
+            <a:xfrm flipV="1">
+              <a:off x="2582067" y="5441112"/>
+              <a:ext cx="918738" cy="4347206"/>
+            </a:xfrm>
+            <a:prstGeom prst="line">
+              <a:avLst/>
+            </a:prstGeom>
+            <a:ln w="9525"/>
+          </p:spPr>
+          <p:style>
+            <a:lnRef idx="1">
+              <a:schemeClr val="dk1"/>
+            </a:lnRef>
+            <a:fillRef idx="0">
+              <a:schemeClr val="dk1"/>
+            </a:fillRef>
+            <a:effectRef idx="0">
+              <a:schemeClr val="dk1"/>
+            </a:effectRef>
+            <a:fontRef idx="minor">
+              <a:schemeClr val="tx1"/>
+            </a:fontRef>
+          </p:style>
+        </p:cxnSp>
+        <p:cxnSp>
+          <p:nvCxnSpPr>
+            <p:cNvPr id="118" name="Straight Arrow Connector 117">
+              <a:extLst>
+                <a:ext uri="{FF2B5EF4-FFF2-40B4-BE49-F238E27FC236}">
+                  <a16:creationId xmlns:a16="http://schemas.microsoft.com/office/drawing/2014/main" id="{47AF9396-250B-C286-0F12-7F22160B9F81}"/>
+                </a:ext>
+              </a:extLst>
+            </p:cNvPr>
+            <p:cNvCxnSpPr>
+              <a:cxnSpLocks/>
+            </p:cNvCxnSpPr>
+            <p:nvPr/>
+          </p:nvCxnSpPr>
+          <p:spPr>
+            <a:xfrm>
+              <a:off x="3500806" y="5441112"/>
+              <a:ext cx="26294245" cy="0"/>
+            </a:xfrm>
+            <a:prstGeom prst="straightConnector1">
+              <a:avLst/>
+            </a:prstGeom>
+            <a:ln w="9525">
+              <a:tailEnd type="triangle"/>
+            </a:ln>
+          </p:spPr>
+          <p:style>
+            <a:lnRef idx="1">
+              <a:schemeClr val="dk1"/>
+            </a:lnRef>
+            <a:fillRef idx="0">
+              <a:schemeClr val="dk1"/>
+            </a:fillRef>
+            <a:effectRef idx="0">
+              <a:schemeClr val="dk1"/>
+            </a:effectRef>
+            <a:fontRef idx="minor">
+              <a:schemeClr val="tx1"/>
+            </a:fontRef>
+          </p:style>
+        </p:cxnSp>
+      </p:grpSp>
+      <p:grpSp>
+        <p:nvGrpSpPr>
+          <p:cNvPr id="120" name="Group 119">
+            <a:extLst>
+              <a:ext uri="{FF2B5EF4-FFF2-40B4-BE49-F238E27FC236}">
+                <a16:creationId xmlns:a16="http://schemas.microsoft.com/office/drawing/2014/main" id="{5E496F8E-DD1C-8C82-884A-D36AC2D5B351}"/>
+              </a:ext>
+            </a:extLst>
+          </p:cNvPr>
+          <p:cNvGrpSpPr/>
+          <p:nvPr/>
+        </p:nvGrpSpPr>
+        <p:grpSpPr>
+          <a:xfrm>
+            <a:off x="9265562" y="10354825"/>
+            <a:ext cx="9178578" cy="10039005"/>
+            <a:chOff x="2927994" y="5441112"/>
+            <a:chExt cx="26867057" cy="5799421"/>
+          </a:xfrm>
+        </p:grpSpPr>
+        <p:cxnSp>
+          <p:nvCxnSpPr>
+            <p:cNvPr id="121" name="Straight Connector 120">
+              <a:extLst>
+                <a:ext uri="{FF2B5EF4-FFF2-40B4-BE49-F238E27FC236}">
+                  <a16:creationId xmlns:a16="http://schemas.microsoft.com/office/drawing/2014/main" id="{284EA6F3-D264-8573-3A19-46A91938411A}"/>
+                </a:ext>
+              </a:extLst>
+            </p:cNvPr>
+            <p:cNvCxnSpPr>
+              <a:cxnSpLocks/>
+              <a:stCxn id="28" idx="7"/>
+            </p:cNvCxnSpPr>
+            <p:nvPr/>
+          </p:nvCxnSpPr>
+          <p:spPr>
+            <a:xfrm flipV="1">
+              <a:off x="2927994" y="5441112"/>
+              <a:ext cx="572811" cy="5799421"/>
+            </a:xfrm>
+            <a:prstGeom prst="line">
+              <a:avLst/>
+            </a:prstGeom>
+            <a:ln w="9525"/>
+          </p:spPr>
+          <p:style>
+            <a:lnRef idx="1">
+              <a:schemeClr val="dk1"/>
+            </a:lnRef>
+            <a:fillRef idx="0">
+              <a:schemeClr val="dk1"/>
+            </a:fillRef>
+            <a:effectRef idx="0">
+              <a:schemeClr val="dk1"/>
+            </a:effectRef>
+            <a:fontRef idx="minor">
+              <a:schemeClr val="tx1"/>
+            </a:fontRef>
+          </p:style>
+        </p:cxnSp>
+        <p:cxnSp>
+          <p:nvCxnSpPr>
+            <p:cNvPr id="122" name="Straight Arrow Connector 121">
+              <a:extLst>
+                <a:ext uri="{FF2B5EF4-FFF2-40B4-BE49-F238E27FC236}">
+                  <a16:creationId xmlns:a16="http://schemas.microsoft.com/office/drawing/2014/main" id="{49DC762F-F9A8-E62E-D862-9AD2599474FD}"/>
+                </a:ext>
+              </a:extLst>
+            </p:cNvPr>
+            <p:cNvCxnSpPr>
+              <a:cxnSpLocks/>
+            </p:cNvCxnSpPr>
+            <p:nvPr/>
+          </p:nvCxnSpPr>
+          <p:spPr>
+            <a:xfrm>
+              <a:off x="3500806" y="5441112"/>
+              <a:ext cx="26294245" cy="0"/>
+            </a:xfrm>
+            <a:prstGeom prst="straightConnector1">
+              <a:avLst/>
+            </a:prstGeom>
+            <a:ln w="9525">
+              <a:tailEnd type="triangle"/>
+            </a:ln>
+          </p:spPr>
+          <p:style>
+            <a:lnRef idx="1">
+              <a:schemeClr val="dk1"/>
+            </a:lnRef>
+            <a:fillRef idx="0">
+              <a:schemeClr val="dk1"/>
+            </a:fillRef>
+            <a:effectRef idx="0">
+              <a:schemeClr val="dk1"/>
+            </a:effectRef>
+            <a:fontRef idx="minor">
+              <a:schemeClr val="tx1"/>
+            </a:fontRef>
+          </p:style>
+        </p:cxnSp>
+      </p:grpSp>
+      <p:grpSp>
+        <p:nvGrpSpPr>
+          <p:cNvPr id="124" name="Group 123">
+            <a:extLst>
+              <a:ext uri="{FF2B5EF4-FFF2-40B4-BE49-F238E27FC236}">
+                <a16:creationId xmlns:a16="http://schemas.microsoft.com/office/drawing/2014/main" id="{D0100913-8129-4A2B-3639-07C83E0CACD3}"/>
+              </a:ext>
+            </a:extLst>
+          </p:cNvPr>
+          <p:cNvGrpSpPr/>
+          <p:nvPr/>
+        </p:nvGrpSpPr>
+        <p:grpSpPr>
+          <a:xfrm>
+            <a:off x="9265562" y="8656321"/>
+            <a:ext cx="9178577" cy="11737508"/>
+            <a:chOff x="2927997" y="5441112"/>
+            <a:chExt cx="26867054" cy="6766779"/>
+          </a:xfrm>
+        </p:grpSpPr>
+        <p:cxnSp>
+          <p:nvCxnSpPr>
+            <p:cNvPr id="125" name="Straight Connector 124">
+              <a:extLst>
+                <a:ext uri="{FF2B5EF4-FFF2-40B4-BE49-F238E27FC236}">
+                  <a16:creationId xmlns:a16="http://schemas.microsoft.com/office/drawing/2014/main" id="{40370121-FB9D-BCF4-5138-F4245AD2D83F}"/>
+                </a:ext>
+              </a:extLst>
+            </p:cNvPr>
+            <p:cNvCxnSpPr>
+              <a:cxnSpLocks/>
+              <a:stCxn id="28" idx="7"/>
+            </p:cNvCxnSpPr>
+            <p:nvPr/>
+          </p:nvCxnSpPr>
+          <p:spPr>
+            <a:xfrm flipV="1">
+              <a:off x="2927997" y="5441112"/>
+              <a:ext cx="572808" cy="6766779"/>
+            </a:xfrm>
+            <a:prstGeom prst="line">
+              <a:avLst/>
+            </a:prstGeom>
+            <a:ln w="9525"/>
+          </p:spPr>
+          <p:style>
+            <a:lnRef idx="1">
+              <a:schemeClr val="dk1"/>
+            </a:lnRef>
+            <a:fillRef idx="0">
+              <a:schemeClr val="dk1"/>
+            </a:fillRef>
+            <a:effectRef idx="0">
+              <a:schemeClr val="dk1"/>
+            </a:effectRef>
+            <a:fontRef idx="minor">
+              <a:schemeClr val="tx1"/>
+            </a:fontRef>
+          </p:style>
+        </p:cxnSp>
+        <p:cxnSp>
+          <p:nvCxnSpPr>
+            <p:cNvPr id="126" name="Straight Arrow Connector 125">
+              <a:extLst>
+                <a:ext uri="{FF2B5EF4-FFF2-40B4-BE49-F238E27FC236}">
+                  <a16:creationId xmlns:a16="http://schemas.microsoft.com/office/drawing/2014/main" id="{A1891CC7-DD8B-8E3D-50D4-9D97BDC7DF77}"/>
+                </a:ext>
+              </a:extLst>
+            </p:cNvPr>
+            <p:cNvCxnSpPr>
+              <a:cxnSpLocks/>
+            </p:cNvCxnSpPr>
+            <p:nvPr/>
+          </p:nvCxnSpPr>
+          <p:spPr>
+            <a:xfrm>
+              <a:off x="3500806" y="5441112"/>
+              <a:ext cx="26294245" cy="0"/>
+            </a:xfrm>
+            <a:prstGeom prst="straightConnector1">
+              <a:avLst/>
+            </a:prstGeom>
+            <a:ln w="9525">
+              <a:tailEnd type="triangle"/>
+            </a:ln>
+          </p:spPr>
+          <p:style>
+            <a:lnRef idx="1">
+              <a:schemeClr val="dk1"/>
+            </a:lnRef>
+            <a:fillRef idx="0">
+              <a:schemeClr val="dk1"/>
+            </a:fillRef>
+            <a:effectRef idx="0">
+              <a:schemeClr val="dk1"/>
+            </a:effectRef>
+            <a:fontRef idx="minor">
+              <a:schemeClr val="tx1"/>
+            </a:fontRef>
+          </p:style>
+        </p:cxnSp>
+      </p:grpSp>
+      <p:grpSp>
+        <p:nvGrpSpPr>
+          <p:cNvPr id="128" name="Group 127">
+            <a:extLst>
+              <a:ext uri="{FF2B5EF4-FFF2-40B4-BE49-F238E27FC236}">
+                <a16:creationId xmlns:a16="http://schemas.microsoft.com/office/drawing/2014/main" id="{FE764AC7-7013-5E1B-A979-3307B4751B44}"/>
+              </a:ext>
+            </a:extLst>
+          </p:cNvPr>
+          <p:cNvGrpSpPr/>
+          <p:nvPr/>
+        </p:nvGrpSpPr>
+        <p:grpSpPr>
+          <a:xfrm>
+            <a:off x="9265562" y="7932598"/>
+            <a:ext cx="10011176" cy="12461231"/>
+            <a:chOff x="2928000" y="5441112"/>
+            <a:chExt cx="26867051" cy="7184012"/>
+          </a:xfrm>
+        </p:grpSpPr>
+        <p:cxnSp>
+          <p:nvCxnSpPr>
+            <p:cNvPr id="129" name="Straight Connector 128">
+              <a:extLst>
+                <a:ext uri="{FF2B5EF4-FFF2-40B4-BE49-F238E27FC236}">
+                  <a16:creationId xmlns:a16="http://schemas.microsoft.com/office/drawing/2014/main" id="{214F4966-1701-0C6C-09C1-E3A53F4A60EC}"/>
+                </a:ext>
+              </a:extLst>
+            </p:cNvPr>
+            <p:cNvCxnSpPr>
+              <a:cxnSpLocks/>
+              <a:stCxn id="28" idx="7"/>
+            </p:cNvCxnSpPr>
+            <p:nvPr/>
+          </p:nvCxnSpPr>
+          <p:spPr>
+            <a:xfrm flipV="1">
+              <a:off x="2928000" y="5441112"/>
+              <a:ext cx="572805" cy="7184012"/>
+            </a:xfrm>
+            <a:prstGeom prst="line">
+              <a:avLst/>
+            </a:prstGeom>
+            <a:ln w="9525"/>
+          </p:spPr>
+          <p:style>
+            <a:lnRef idx="1">
+              <a:schemeClr val="dk1"/>
+            </a:lnRef>
+            <a:fillRef idx="0">
+              <a:schemeClr val="dk1"/>
+            </a:fillRef>
+            <a:effectRef idx="0">
+              <a:schemeClr val="dk1"/>
+            </a:effectRef>
+            <a:fontRef idx="minor">
+              <a:schemeClr val="tx1"/>
+            </a:fontRef>
+          </p:style>
+        </p:cxnSp>
+        <p:cxnSp>
+          <p:nvCxnSpPr>
+            <p:cNvPr id="130" name="Straight Arrow Connector 129">
+              <a:extLst>
+                <a:ext uri="{FF2B5EF4-FFF2-40B4-BE49-F238E27FC236}">
+                  <a16:creationId xmlns:a16="http://schemas.microsoft.com/office/drawing/2014/main" id="{2C5C2A29-A911-1EC3-56ED-50AF77C5AB6D}"/>
+                </a:ext>
+              </a:extLst>
+            </p:cNvPr>
+            <p:cNvCxnSpPr>
+              <a:cxnSpLocks/>
+            </p:cNvCxnSpPr>
+            <p:nvPr/>
+          </p:nvCxnSpPr>
+          <p:spPr>
+            <a:xfrm>
+              <a:off x="3500806" y="5441112"/>
+              <a:ext cx="26294245" cy="0"/>
+            </a:xfrm>
+            <a:prstGeom prst="straightConnector1">
+              <a:avLst/>
+            </a:prstGeom>
+            <a:ln w="9525">
+              <a:tailEnd type="triangle"/>
+            </a:ln>
+          </p:spPr>
+          <p:style>
+            <a:lnRef idx="1">
+              <a:schemeClr val="dk1"/>
+            </a:lnRef>
+            <a:fillRef idx="0">
+              <a:schemeClr val="dk1"/>
+            </a:fillRef>
+            <a:effectRef idx="0">
+              <a:schemeClr val="dk1"/>
+            </a:effectRef>
+            <a:fontRef idx="minor">
+              <a:schemeClr val="tx1"/>
+            </a:fontRef>
+          </p:style>
+        </p:cxnSp>
+      </p:grpSp>
+      <p:grpSp>
+        <p:nvGrpSpPr>
+          <p:cNvPr id="132" name="Group 131">
+            <a:extLst>
+              <a:ext uri="{FF2B5EF4-FFF2-40B4-BE49-F238E27FC236}">
+                <a16:creationId xmlns:a16="http://schemas.microsoft.com/office/drawing/2014/main" id="{46224AD8-49C4-C898-5935-04E4E3FF7D26}"/>
+              </a:ext>
+            </a:extLst>
+          </p:cNvPr>
+          <p:cNvGrpSpPr/>
+          <p:nvPr/>
+        </p:nvGrpSpPr>
+        <p:grpSpPr>
+          <a:xfrm>
+            <a:off x="9265562" y="7180873"/>
+            <a:ext cx="10044758" cy="13212956"/>
+            <a:chOff x="2837876" y="5441112"/>
+            <a:chExt cx="26957175" cy="7617388"/>
+          </a:xfrm>
+        </p:grpSpPr>
+        <p:cxnSp>
+          <p:nvCxnSpPr>
+            <p:cNvPr id="133" name="Straight Connector 132">
+              <a:extLst>
+                <a:ext uri="{FF2B5EF4-FFF2-40B4-BE49-F238E27FC236}">
+                  <a16:creationId xmlns:a16="http://schemas.microsoft.com/office/drawing/2014/main" id="{3F16F290-B1DA-A243-DDC2-C909E7BC186C}"/>
+                </a:ext>
+              </a:extLst>
+            </p:cNvPr>
+            <p:cNvCxnSpPr>
+              <a:cxnSpLocks/>
+              <a:stCxn id="28" idx="7"/>
+            </p:cNvCxnSpPr>
+            <p:nvPr/>
+          </p:nvCxnSpPr>
+          <p:spPr>
+            <a:xfrm flipV="1">
+              <a:off x="2837876" y="5441112"/>
+              <a:ext cx="662929" cy="7617388"/>
+            </a:xfrm>
+            <a:prstGeom prst="line">
+              <a:avLst/>
+            </a:prstGeom>
+            <a:ln w="9525"/>
+          </p:spPr>
+          <p:style>
+            <a:lnRef idx="1">
+              <a:schemeClr val="dk1"/>
+            </a:lnRef>
+            <a:fillRef idx="0">
+              <a:schemeClr val="dk1"/>
+            </a:fillRef>
+            <a:effectRef idx="0">
+              <a:schemeClr val="dk1"/>
+            </a:effectRef>
+            <a:fontRef idx="minor">
+              <a:schemeClr val="tx1"/>
+            </a:fontRef>
+          </p:style>
+        </p:cxnSp>
+        <p:cxnSp>
+          <p:nvCxnSpPr>
+            <p:cNvPr id="134" name="Straight Arrow Connector 133">
+              <a:extLst>
+                <a:ext uri="{FF2B5EF4-FFF2-40B4-BE49-F238E27FC236}">
+                  <a16:creationId xmlns:a16="http://schemas.microsoft.com/office/drawing/2014/main" id="{841645DF-65DB-85B2-8067-85E08915033A}"/>
+                </a:ext>
+              </a:extLst>
+            </p:cNvPr>
+            <p:cNvCxnSpPr>
+              <a:cxnSpLocks/>
+            </p:cNvCxnSpPr>
+            <p:nvPr/>
+          </p:nvCxnSpPr>
+          <p:spPr>
+            <a:xfrm>
+              <a:off x="3500806" y="5441112"/>
+              <a:ext cx="26294245" cy="0"/>
+            </a:xfrm>
+            <a:prstGeom prst="straightConnector1">
+              <a:avLst/>
+            </a:prstGeom>
+            <a:ln w="9525">
+              <a:tailEnd type="triangle"/>
+            </a:ln>
+          </p:spPr>
+          <p:style>
+            <a:lnRef idx="1">
+              <a:schemeClr val="dk1"/>
+            </a:lnRef>
+            <a:fillRef idx="0">
+              <a:schemeClr val="dk1"/>
+            </a:fillRef>
+            <a:effectRef idx="0">
+              <a:schemeClr val="dk1"/>
+            </a:effectRef>
+            <a:fontRef idx="minor">
+              <a:schemeClr val="tx1"/>
+            </a:fontRef>
+          </p:style>
+        </p:cxnSp>
+      </p:grpSp>
+      <p:grpSp>
+        <p:nvGrpSpPr>
+          <p:cNvPr id="136" name="Group 135">
+            <a:extLst>
+              <a:ext uri="{FF2B5EF4-FFF2-40B4-BE49-F238E27FC236}">
+                <a16:creationId xmlns:a16="http://schemas.microsoft.com/office/drawing/2014/main" id="{C4D79970-898A-A949-2417-261EB63208C5}"/>
+              </a:ext>
+            </a:extLst>
+          </p:cNvPr>
+          <p:cNvGrpSpPr/>
+          <p:nvPr/>
+        </p:nvGrpSpPr>
+        <p:grpSpPr>
+          <a:xfrm>
+            <a:off x="9265562" y="6466933"/>
+            <a:ext cx="10058350" cy="13926896"/>
+            <a:chOff x="2801399" y="5441112"/>
+            <a:chExt cx="26993652" cy="8028981"/>
+          </a:xfrm>
+        </p:grpSpPr>
+        <p:cxnSp>
+          <p:nvCxnSpPr>
+            <p:cNvPr id="137" name="Straight Connector 136">
+              <a:extLst>
+                <a:ext uri="{FF2B5EF4-FFF2-40B4-BE49-F238E27FC236}">
+                  <a16:creationId xmlns:a16="http://schemas.microsoft.com/office/drawing/2014/main" id="{961EA2D0-0C00-8A85-D126-D2E7EB7EB42F}"/>
+                </a:ext>
+              </a:extLst>
+            </p:cNvPr>
+            <p:cNvCxnSpPr>
+              <a:cxnSpLocks/>
+              <a:stCxn id="28" idx="7"/>
+            </p:cNvCxnSpPr>
+            <p:nvPr/>
+          </p:nvCxnSpPr>
+          <p:spPr>
+            <a:xfrm flipV="1">
+              <a:off x="2801399" y="5441112"/>
+              <a:ext cx="699406" cy="8028981"/>
+            </a:xfrm>
+            <a:prstGeom prst="line">
+              <a:avLst/>
+            </a:prstGeom>
+            <a:ln w="9525"/>
+          </p:spPr>
+          <p:style>
+            <a:lnRef idx="1">
+              <a:schemeClr val="dk1"/>
+            </a:lnRef>
+            <a:fillRef idx="0">
+              <a:schemeClr val="dk1"/>
+            </a:fillRef>
+            <a:effectRef idx="0">
+              <a:schemeClr val="dk1"/>
+            </a:effectRef>
+            <a:fontRef idx="minor">
+              <a:schemeClr val="tx1"/>
+            </a:fontRef>
+          </p:style>
+        </p:cxnSp>
+        <p:cxnSp>
+          <p:nvCxnSpPr>
+            <p:cNvPr id="138" name="Straight Arrow Connector 137">
+              <a:extLst>
+                <a:ext uri="{FF2B5EF4-FFF2-40B4-BE49-F238E27FC236}">
+                  <a16:creationId xmlns:a16="http://schemas.microsoft.com/office/drawing/2014/main" id="{4058FC95-D3D4-280E-3316-BCBA5D0396D6}"/>
+                </a:ext>
+              </a:extLst>
+            </p:cNvPr>
+            <p:cNvCxnSpPr>
+              <a:cxnSpLocks/>
+            </p:cNvCxnSpPr>
+            <p:nvPr/>
+          </p:nvCxnSpPr>
+          <p:spPr>
+            <a:xfrm>
+              <a:off x="3500806" y="5441112"/>
+              <a:ext cx="26294245" cy="0"/>
+            </a:xfrm>
+            <a:prstGeom prst="straightConnector1">
+              <a:avLst/>
+            </a:prstGeom>
+            <a:ln w="9525">
+              <a:tailEnd type="triangle"/>
+            </a:ln>
+          </p:spPr>
+          <p:style>
+            <a:lnRef idx="1">
+              <a:schemeClr val="dk1"/>
+            </a:lnRef>
+            <a:fillRef idx="0">
+              <a:schemeClr val="dk1"/>
+            </a:fillRef>
+            <a:effectRef idx="0">
+              <a:schemeClr val="dk1"/>
+            </a:effectRef>
+            <a:fontRef idx="minor">
+              <a:schemeClr val="tx1"/>
+            </a:fontRef>
+          </p:style>
+        </p:cxnSp>
+      </p:grpSp>
+      <p:grpSp>
+        <p:nvGrpSpPr>
+          <p:cNvPr id="140" name="Group 139">
+            <a:extLst>
+              <a:ext uri="{FF2B5EF4-FFF2-40B4-BE49-F238E27FC236}">
+                <a16:creationId xmlns:a16="http://schemas.microsoft.com/office/drawing/2014/main" id="{26DF659C-CA08-0879-6E99-714176CAE0BD}"/>
+              </a:ext>
+            </a:extLst>
+          </p:cNvPr>
+          <p:cNvGrpSpPr/>
+          <p:nvPr/>
+        </p:nvGrpSpPr>
+        <p:grpSpPr>
+          <a:xfrm>
+            <a:off x="9265562" y="5752112"/>
+            <a:ext cx="10897250" cy="14641717"/>
+            <a:chOff x="2933699" y="5441112"/>
+            <a:chExt cx="26861352" cy="8441082"/>
+          </a:xfrm>
+        </p:grpSpPr>
+        <p:cxnSp>
+          <p:nvCxnSpPr>
+            <p:cNvPr id="141" name="Straight Connector 140">
+              <a:extLst>
+                <a:ext uri="{FF2B5EF4-FFF2-40B4-BE49-F238E27FC236}">
+                  <a16:creationId xmlns:a16="http://schemas.microsoft.com/office/drawing/2014/main" id="{1EFD8E18-415C-C8F6-03E3-D3CD77BF7562}"/>
+                </a:ext>
+              </a:extLst>
+            </p:cNvPr>
+            <p:cNvCxnSpPr>
+              <a:cxnSpLocks/>
+              <a:stCxn id="28" idx="7"/>
+            </p:cNvCxnSpPr>
+            <p:nvPr/>
+          </p:nvCxnSpPr>
+          <p:spPr>
+            <a:xfrm flipV="1">
+              <a:off x="2933699" y="5441112"/>
+              <a:ext cx="567107" cy="8441082"/>
+            </a:xfrm>
+            <a:prstGeom prst="line">
+              <a:avLst/>
+            </a:prstGeom>
+            <a:ln w="9525"/>
+          </p:spPr>
+          <p:style>
+            <a:lnRef idx="1">
+              <a:schemeClr val="dk1"/>
+            </a:lnRef>
+            <a:fillRef idx="0">
+              <a:schemeClr val="dk1"/>
+            </a:fillRef>
+            <a:effectRef idx="0">
+              <a:schemeClr val="dk1"/>
+            </a:effectRef>
+            <a:fontRef idx="minor">
+              <a:schemeClr val="tx1"/>
+            </a:fontRef>
+          </p:style>
+        </p:cxnSp>
+        <p:cxnSp>
+          <p:nvCxnSpPr>
+            <p:cNvPr id="142" name="Straight Arrow Connector 141">
+              <a:extLst>
+                <a:ext uri="{FF2B5EF4-FFF2-40B4-BE49-F238E27FC236}">
+                  <a16:creationId xmlns:a16="http://schemas.microsoft.com/office/drawing/2014/main" id="{E2E1295B-1EF1-362B-7C64-A14D8BD20C38}"/>
+                </a:ext>
+              </a:extLst>
+            </p:cNvPr>
+            <p:cNvCxnSpPr>
+              <a:cxnSpLocks/>
+            </p:cNvCxnSpPr>
+            <p:nvPr/>
+          </p:nvCxnSpPr>
+          <p:spPr>
+            <a:xfrm>
+              <a:off x="3500806" y="5441112"/>
+              <a:ext cx="26294245" cy="0"/>
+            </a:xfrm>
+            <a:prstGeom prst="straightConnector1">
+              <a:avLst/>
+            </a:prstGeom>
+            <a:ln w="9525">
+              <a:tailEnd type="triangle"/>
+            </a:ln>
+          </p:spPr>
+          <p:style>
+            <a:lnRef idx="1">
+              <a:schemeClr val="dk1"/>
+            </a:lnRef>
+            <a:fillRef idx="0">
+              <a:schemeClr val="dk1"/>
+            </a:fillRef>
+            <a:effectRef idx="0">
+              <a:schemeClr val="dk1"/>
+            </a:effectRef>
+            <a:fontRef idx="minor">
+              <a:schemeClr val="tx1"/>
+            </a:fontRef>
+          </p:style>
+        </p:cxnSp>
+      </p:grpSp>
+      <p:grpSp>
+        <p:nvGrpSpPr>
+          <p:cNvPr id="144" name="Group 143">
+            <a:extLst>
+              <a:ext uri="{FF2B5EF4-FFF2-40B4-BE49-F238E27FC236}">
+                <a16:creationId xmlns:a16="http://schemas.microsoft.com/office/drawing/2014/main" id="{64E97B08-583D-6C3D-C785-D4DD986D1653}"/>
+              </a:ext>
+            </a:extLst>
+          </p:cNvPr>
+          <p:cNvGrpSpPr/>
+          <p:nvPr/>
+        </p:nvGrpSpPr>
+        <p:grpSpPr>
+          <a:xfrm>
+            <a:off x="9265562" y="5049207"/>
+            <a:ext cx="10830237" cy="15344622"/>
+            <a:chOff x="2933701" y="5441112"/>
+            <a:chExt cx="26861350" cy="8846313"/>
+          </a:xfrm>
+        </p:grpSpPr>
+        <p:cxnSp>
+          <p:nvCxnSpPr>
+            <p:cNvPr id="145" name="Straight Connector 144">
+              <a:extLst>
+                <a:ext uri="{FF2B5EF4-FFF2-40B4-BE49-F238E27FC236}">
+                  <a16:creationId xmlns:a16="http://schemas.microsoft.com/office/drawing/2014/main" id="{5BD99B28-C018-AC7C-7FAB-2A07E665B9A3}"/>
+                </a:ext>
+              </a:extLst>
+            </p:cNvPr>
+            <p:cNvCxnSpPr>
+              <a:cxnSpLocks/>
+              <a:stCxn id="28" idx="7"/>
+            </p:cNvCxnSpPr>
+            <p:nvPr/>
+          </p:nvCxnSpPr>
+          <p:spPr>
+            <a:xfrm flipV="1">
+              <a:off x="2933701" y="5441112"/>
+              <a:ext cx="567104" cy="8846313"/>
+            </a:xfrm>
+            <a:prstGeom prst="line">
+              <a:avLst/>
+            </a:prstGeom>
+            <a:ln w="9525"/>
+          </p:spPr>
+          <p:style>
+            <a:lnRef idx="1">
+              <a:schemeClr val="dk1"/>
+            </a:lnRef>
+            <a:fillRef idx="0">
+              <a:schemeClr val="dk1"/>
+            </a:fillRef>
+            <a:effectRef idx="0">
+              <a:schemeClr val="dk1"/>
+            </a:effectRef>
+            <a:fontRef idx="minor">
+              <a:schemeClr val="tx1"/>
+            </a:fontRef>
+          </p:style>
+        </p:cxnSp>
+        <p:cxnSp>
+          <p:nvCxnSpPr>
+            <p:cNvPr id="146" name="Straight Arrow Connector 145">
+              <a:extLst>
+                <a:ext uri="{FF2B5EF4-FFF2-40B4-BE49-F238E27FC236}">
+                  <a16:creationId xmlns:a16="http://schemas.microsoft.com/office/drawing/2014/main" id="{8353B9AE-7B30-D1EA-6FD1-41A0841DDA8F}"/>
+                </a:ext>
+              </a:extLst>
+            </p:cNvPr>
+            <p:cNvCxnSpPr>
+              <a:cxnSpLocks/>
+            </p:cNvCxnSpPr>
+            <p:nvPr/>
+          </p:nvCxnSpPr>
+          <p:spPr>
+            <a:xfrm>
+              <a:off x="3500806" y="5441112"/>
+              <a:ext cx="26294245" cy="0"/>
+            </a:xfrm>
+            <a:prstGeom prst="straightConnector1">
+              <a:avLst/>
+            </a:prstGeom>
+            <a:ln w="9525">
+              <a:tailEnd type="triangle"/>
+            </a:ln>
+          </p:spPr>
+          <p:style>
+            <a:lnRef idx="1">
+              <a:schemeClr val="dk1"/>
+            </a:lnRef>
+            <a:fillRef idx="0">
+              <a:schemeClr val="dk1"/>
+            </a:fillRef>
+            <a:effectRef idx="0">
+              <a:schemeClr val="dk1"/>
+            </a:effectRef>
+            <a:fontRef idx="minor">
+              <a:schemeClr val="tx1"/>
+            </a:fontRef>
+          </p:style>
+        </p:cxnSp>
+      </p:grpSp>
+      <p:grpSp>
+        <p:nvGrpSpPr>
+          <p:cNvPr id="148" name="Group 147">
+            <a:extLst>
+              <a:ext uri="{FF2B5EF4-FFF2-40B4-BE49-F238E27FC236}">
+                <a16:creationId xmlns:a16="http://schemas.microsoft.com/office/drawing/2014/main" id="{CE3E9C9D-B496-4AF8-EE47-8C1B2C2F776E}"/>
+              </a:ext>
+            </a:extLst>
+          </p:cNvPr>
+          <p:cNvGrpSpPr/>
+          <p:nvPr/>
+        </p:nvGrpSpPr>
+        <p:grpSpPr>
+          <a:xfrm>
+            <a:off x="9265562" y="4321633"/>
+            <a:ext cx="10830237" cy="16072196"/>
+            <a:chOff x="2933701" y="5441112"/>
+            <a:chExt cx="26861350" cy="9265766"/>
+          </a:xfrm>
+        </p:grpSpPr>
+        <p:cxnSp>
+          <p:nvCxnSpPr>
+            <p:cNvPr id="149" name="Straight Connector 148">
+              <a:extLst>
+                <a:ext uri="{FF2B5EF4-FFF2-40B4-BE49-F238E27FC236}">
+                  <a16:creationId xmlns:a16="http://schemas.microsoft.com/office/drawing/2014/main" id="{187EF810-1816-69A8-02FB-CD43B014EF50}"/>
+                </a:ext>
+              </a:extLst>
+            </p:cNvPr>
+            <p:cNvCxnSpPr>
+              <a:cxnSpLocks/>
+              <a:stCxn id="28" idx="7"/>
+            </p:cNvCxnSpPr>
+            <p:nvPr/>
+          </p:nvCxnSpPr>
+          <p:spPr>
+            <a:xfrm flipV="1">
+              <a:off x="2933701" y="5441112"/>
+              <a:ext cx="567104" cy="9265766"/>
+            </a:xfrm>
+            <a:prstGeom prst="line">
+              <a:avLst/>
+            </a:prstGeom>
+            <a:ln w="9525"/>
+          </p:spPr>
+          <p:style>
+            <a:lnRef idx="1">
+              <a:schemeClr val="dk1"/>
+            </a:lnRef>
+            <a:fillRef idx="0">
+              <a:schemeClr val="dk1"/>
+            </a:fillRef>
+            <a:effectRef idx="0">
+              <a:schemeClr val="dk1"/>
+            </a:effectRef>
+            <a:fontRef idx="minor">
+              <a:schemeClr val="tx1"/>
+            </a:fontRef>
+          </p:style>
+        </p:cxnSp>
+        <p:cxnSp>
+          <p:nvCxnSpPr>
+            <p:cNvPr id="150" name="Straight Arrow Connector 149">
+              <a:extLst>
+                <a:ext uri="{FF2B5EF4-FFF2-40B4-BE49-F238E27FC236}">
+                  <a16:creationId xmlns:a16="http://schemas.microsoft.com/office/drawing/2014/main" id="{25F3A98B-D077-85CE-186C-629C519A4E3E}"/>
+                </a:ext>
+              </a:extLst>
+            </p:cNvPr>
+            <p:cNvCxnSpPr>
+              <a:cxnSpLocks/>
+            </p:cNvCxnSpPr>
+            <p:nvPr/>
+          </p:nvCxnSpPr>
+          <p:spPr>
+            <a:xfrm>
+              <a:off x="3500806" y="5441112"/>
+              <a:ext cx="26294245" cy="0"/>
+            </a:xfrm>
+            <a:prstGeom prst="straightConnector1">
+              <a:avLst/>
+            </a:prstGeom>
+            <a:ln w="9525">
+              <a:tailEnd type="triangle"/>
+            </a:ln>
+          </p:spPr>
+          <p:style>
+            <a:lnRef idx="1">
+              <a:schemeClr val="dk1"/>
+            </a:lnRef>
+            <a:fillRef idx="0">
+              <a:schemeClr val="dk1"/>
+            </a:fillRef>
+            <a:effectRef idx="0">
+              <a:schemeClr val="dk1"/>
+            </a:effectRef>
+            <a:fontRef idx="minor">
+              <a:schemeClr val="tx1"/>
+            </a:fontRef>
+          </p:style>
+        </p:cxnSp>
+      </p:grpSp>
+      <p:grpSp>
+        <p:nvGrpSpPr>
+          <p:cNvPr id="152" name="Group 151">
+            <a:extLst>
+              <a:ext uri="{FF2B5EF4-FFF2-40B4-BE49-F238E27FC236}">
+                <a16:creationId xmlns:a16="http://schemas.microsoft.com/office/drawing/2014/main" id="{255C2A7D-9D4F-4705-6E63-0C4E83897942}"/>
+              </a:ext>
+            </a:extLst>
+          </p:cNvPr>
+          <p:cNvGrpSpPr/>
+          <p:nvPr/>
+        </p:nvGrpSpPr>
+        <p:grpSpPr>
+          <a:xfrm>
+            <a:off x="9265562" y="3606019"/>
+            <a:ext cx="10830237" cy="16787810"/>
+            <a:chOff x="2933701" y="5441112"/>
+            <a:chExt cx="26861350" cy="9678324"/>
+          </a:xfrm>
+        </p:grpSpPr>
+        <p:cxnSp>
+          <p:nvCxnSpPr>
+            <p:cNvPr id="153" name="Straight Connector 152">
+              <a:extLst>
+                <a:ext uri="{FF2B5EF4-FFF2-40B4-BE49-F238E27FC236}">
+                  <a16:creationId xmlns:a16="http://schemas.microsoft.com/office/drawing/2014/main" id="{2F4C8BF5-C1F9-8A70-EDE5-BCD138A9396E}"/>
+                </a:ext>
+              </a:extLst>
+            </p:cNvPr>
+            <p:cNvCxnSpPr>
+              <a:cxnSpLocks/>
+              <a:stCxn id="28" idx="7"/>
+            </p:cNvCxnSpPr>
+            <p:nvPr/>
+          </p:nvCxnSpPr>
+          <p:spPr>
+            <a:xfrm flipV="1">
+              <a:off x="2933701" y="5441112"/>
+              <a:ext cx="567104" cy="9678324"/>
+            </a:xfrm>
+            <a:prstGeom prst="line">
+              <a:avLst/>
+            </a:prstGeom>
+            <a:ln w="9525"/>
+          </p:spPr>
+          <p:style>
+            <a:lnRef idx="1">
+              <a:schemeClr val="dk1"/>
+            </a:lnRef>
+            <a:fillRef idx="0">
+              <a:schemeClr val="dk1"/>
+            </a:fillRef>
+            <a:effectRef idx="0">
+              <a:schemeClr val="dk1"/>
+            </a:effectRef>
+            <a:fontRef idx="minor">
+              <a:schemeClr val="tx1"/>
+            </a:fontRef>
+          </p:style>
+        </p:cxnSp>
+        <p:cxnSp>
+          <p:nvCxnSpPr>
+            <p:cNvPr id="154" name="Straight Arrow Connector 153">
+              <a:extLst>
+                <a:ext uri="{FF2B5EF4-FFF2-40B4-BE49-F238E27FC236}">
+                  <a16:creationId xmlns:a16="http://schemas.microsoft.com/office/drawing/2014/main" id="{49B38426-16F7-8895-0E35-F7D025F51A64}"/>
+                </a:ext>
+              </a:extLst>
+            </p:cNvPr>
+            <p:cNvCxnSpPr>
+              <a:cxnSpLocks/>
+            </p:cNvCxnSpPr>
+            <p:nvPr/>
+          </p:nvCxnSpPr>
+          <p:spPr>
+            <a:xfrm>
+              <a:off x="3500806" y="5441112"/>
+              <a:ext cx="26294245" cy="0"/>
+            </a:xfrm>
+            <a:prstGeom prst="straightConnector1">
+              <a:avLst/>
+            </a:prstGeom>
+            <a:ln w="9525">
+              <a:tailEnd type="triangle"/>
+            </a:ln>
+          </p:spPr>
+          <p:style>
+            <a:lnRef idx="1">
+              <a:schemeClr val="dk1"/>
+            </a:lnRef>
+            <a:fillRef idx="0">
+              <a:schemeClr val="dk1"/>
+            </a:fillRef>
+            <a:effectRef idx="0">
+              <a:schemeClr val="dk1"/>
+            </a:effectRef>
+            <a:fontRef idx="minor">
+              <a:schemeClr val="tx1"/>
+            </a:fontRef>
+          </p:style>
+        </p:cxnSp>
+      </p:grpSp>
+      <p:grpSp>
+        <p:nvGrpSpPr>
+          <p:cNvPr id="156" name="Group 155">
+            <a:extLst>
+              <a:ext uri="{FF2B5EF4-FFF2-40B4-BE49-F238E27FC236}">
+                <a16:creationId xmlns:a16="http://schemas.microsoft.com/office/drawing/2014/main" id="{950837AA-654C-73C9-BDD0-96F3D01B9D32}"/>
+              </a:ext>
+            </a:extLst>
+          </p:cNvPr>
+          <p:cNvGrpSpPr/>
+          <p:nvPr/>
+        </p:nvGrpSpPr>
+        <p:grpSpPr>
+          <a:xfrm>
+            <a:off x="9265562" y="2854293"/>
+            <a:ext cx="10830237" cy="17539536"/>
+            <a:chOff x="2933701" y="5441112"/>
+            <a:chExt cx="26861350" cy="10111701"/>
+          </a:xfrm>
+        </p:grpSpPr>
+        <p:cxnSp>
+          <p:nvCxnSpPr>
+            <p:cNvPr id="157" name="Straight Connector 156">
+              <a:extLst>
+                <a:ext uri="{FF2B5EF4-FFF2-40B4-BE49-F238E27FC236}">
+                  <a16:creationId xmlns:a16="http://schemas.microsoft.com/office/drawing/2014/main" id="{AD16CC71-8880-69E6-D188-C85CB5151130}"/>
+                </a:ext>
+              </a:extLst>
+            </p:cNvPr>
+            <p:cNvCxnSpPr>
+              <a:cxnSpLocks/>
+              <a:stCxn id="28" idx="7"/>
+            </p:cNvCxnSpPr>
+            <p:nvPr/>
+          </p:nvCxnSpPr>
+          <p:spPr>
+            <a:xfrm flipV="1">
+              <a:off x="2933701" y="5441112"/>
+              <a:ext cx="567104" cy="10111701"/>
+            </a:xfrm>
+            <a:prstGeom prst="line">
+              <a:avLst/>
+            </a:prstGeom>
+            <a:ln w="9525"/>
+          </p:spPr>
+          <p:style>
+            <a:lnRef idx="1">
+              <a:schemeClr val="dk1"/>
+            </a:lnRef>
+            <a:fillRef idx="0">
+              <a:schemeClr val="dk1"/>
+            </a:fillRef>
+            <a:effectRef idx="0">
+              <a:schemeClr val="dk1"/>
+            </a:effectRef>
+            <a:fontRef idx="minor">
+              <a:schemeClr val="tx1"/>
+            </a:fontRef>
+          </p:style>
+        </p:cxnSp>
+        <p:cxnSp>
+          <p:nvCxnSpPr>
+            <p:cNvPr id="158" name="Straight Arrow Connector 157">
+              <a:extLst>
+                <a:ext uri="{FF2B5EF4-FFF2-40B4-BE49-F238E27FC236}">
+                  <a16:creationId xmlns:a16="http://schemas.microsoft.com/office/drawing/2014/main" id="{2EE5914B-2EE6-9CA3-723D-354DA4FB3A89}"/>
+                </a:ext>
+              </a:extLst>
+            </p:cNvPr>
+            <p:cNvCxnSpPr>
+              <a:cxnSpLocks/>
+            </p:cNvCxnSpPr>
+            <p:nvPr/>
+          </p:nvCxnSpPr>
+          <p:spPr>
+            <a:xfrm>
+              <a:off x="3500806" y="5441112"/>
+              <a:ext cx="26294245" cy="0"/>
+            </a:xfrm>
+            <a:prstGeom prst="straightConnector1">
+              <a:avLst/>
+            </a:prstGeom>
+            <a:ln w="9525">
+              <a:tailEnd type="triangle"/>
+            </a:ln>
+          </p:spPr>
+          <p:style>
+            <a:lnRef idx="1">
+              <a:schemeClr val="dk1"/>
+            </a:lnRef>
+            <a:fillRef idx="0">
+              <a:schemeClr val="dk1"/>
+            </a:fillRef>
+            <a:effectRef idx="0">
+              <a:schemeClr val="dk1"/>
+            </a:effectRef>
+            <a:fontRef idx="minor">
+              <a:schemeClr val="tx1"/>
+            </a:fontRef>
+          </p:style>
+        </p:cxnSp>
+      </p:grpSp>
+      <p:grpSp>
+        <p:nvGrpSpPr>
+          <p:cNvPr id="160" name="Group 159">
+            <a:extLst>
+              <a:ext uri="{FF2B5EF4-FFF2-40B4-BE49-F238E27FC236}">
+                <a16:creationId xmlns:a16="http://schemas.microsoft.com/office/drawing/2014/main" id="{F8BFB868-0D8D-0C1D-AA1F-DE5F7C2C7E83}"/>
+              </a:ext>
+            </a:extLst>
+          </p:cNvPr>
+          <p:cNvGrpSpPr/>
+          <p:nvPr/>
+        </p:nvGrpSpPr>
+        <p:grpSpPr>
+          <a:xfrm>
+            <a:off x="9265562" y="2145797"/>
+            <a:ext cx="10853746" cy="18248032"/>
+            <a:chOff x="3034132" y="5441112"/>
+            <a:chExt cx="26760919" cy="10171546"/>
+          </a:xfrm>
+        </p:grpSpPr>
+        <p:cxnSp>
+          <p:nvCxnSpPr>
+            <p:cNvPr id="161" name="Straight Connector 160">
+              <a:extLst>
+                <a:ext uri="{FF2B5EF4-FFF2-40B4-BE49-F238E27FC236}">
+                  <a16:creationId xmlns:a16="http://schemas.microsoft.com/office/drawing/2014/main" id="{A231DE6C-FABD-0063-B7AC-57B28DB04F5A}"/>
+                </a:ext>
+              </a:extLst>
+            </p:cNvPr>
+            <p:cNvCxnSpPr>
+              <a:cxnSpLocks/>
+              <a:stCxn id="28" idx="7"/>
+            </p:cNvCxnSpPr>
+            <p:nvPr/>
+          </p:nvCxnSpPr>
+          <p:spPr>
+            <a:xfrm flipV="1">
+              <a:off x="3034132" y="5441112"/>
+              <a:ext cx="466673" cy="10171546"/>
+            </a:xfrm>
+            <a:prstGeom prst="line">
+              <a:avLst/>
+            </a:prstGeom>
+            <a:ln w="9525"/>
+          </p:spPr>
+          <p:style>
+            <a:lnRef idx="1">
+              <a:schemeClr val="dk1"/>
+            </a:lnRef>
+            <a:fillRef idx="0">
+              <a:schemeClr val="dk1"/>
+            </a:fillRef>
+            <a:effectRef idx="0">
+              <a:schemeClr val="dk1"/>
+            </a:effectRef>
+            <a:fontRef idx="minor">
+              <a:schemeClr val="tx1"/>
+            </a:fontRef>
+          </p:style>
+        </p:cxnSp>
+        <p:cxnSp>
+          <p:nvCxnSpPr>
+            <p:cNvPr id="162" name="Straight Arrow Connector 161">
+              <a:extLst>
+                <a:ext uri="{FF2B5EF4-FFF2-40B4-BE49-F238E27FC236}">
+                  <a16:creationId xmlns:a16="http://schemas.microsoft.com/office/drawing/2014/main" id="{0DF3FBEF-1433-01AF-013A-B59CF8C657B4}"/>
+                </a:ext>
+              </a:extLst>
+            </p:cNvPr>
+            <p:cNvCxnSpPr>
+              <a:cxnSpLocks/>
+            </p:cNvCxnSpPr>
+            <p:nvPr/>
+          </p:nvCxnSpPr>
+          <p:spPr>
+            <a:xfrm>
+              <a:off x="3500806" y="5441112"/>
+              <a:ext cx="26294245" cy="0"/>
+            </a:xfrm>
+            <a:prstGeom prst="straightConnector1">
+              <a:avLst/>
+            </a:prstGeom>
+            <a:ln w="9525">
+              <a:tailEnd type="triangle"/>
+            </a:ln>
+          </p:spPr>
+          <p:style>
+            <a:lnRef idx="1">
+              <a:schemeClr val="dk1"/>
+            </a:lnRef>
+            <a:fillRef idx="0">
+              <a:schemeClr val="dk1"/>
+            </a:fillRef>
+            <a:effectRef idx="0">
+              <a:schemeClr val="dk1"/>
+            </a:effectRef>
+            <a:fontRef idx="minor">
+              <a:schemeClr val="tx1"/>
+            </a:fontRef>
+          </p:style>
+        </p:cxnSp>
+      </p:grpSp>
+      <p:grpSp>
+        <p:nvGrpSpPr>
+          <p:cNvPr id="164" name="Group 163">
+            <a:extLst>
+              <a:ext uri="{FF2B5EF4-FFF2-40B4-BE49-F238E27FC236}">
+                <a16:creationId xmlns:a16="http://schemas.microsoft.com/office/drawing/2014/main" id="{86A9568E-B851-E17A-8D18-5D38D8276470}"/>
+              </a:ext>
+            </a:extLst>
+          </p:cNvPr>
+          <p:cNvGrpSpPr/>
+          <p:nvPr/>
+        </p:nvGrpSpPr>
+        <p:grpSpPr>
+          <a:xfrm>
+            <a:off x="9265562" y="1419223"/>
+            <a:ext cx="10830237" cy="18974606"/>
+            <a:chOff x="3092096" y="5441112"/>
+            <a:chExt cx="26702955" cy="10576542"/>
+          </a:xfrm>
+        </p:grpSpPr>
+        <p:cxnSp>
+          <p:nvCxnSpPr>
+            <p:cNvPr id="165" name="Straight Connector 164">
+              <a:extLst>
+                <a:ext uri="{FF2B5EF4-FFF2-40B4-BE49-F238E27FC236}">
+                  <a16:creationId xmlns:a16="http://schemas.microsoft.com/office/drawing/2014/main" id="{DF3A8FF7-92DC-BF8A-1330-149E04F7AED1}"/>
+                </a:ext>
+              </a:extLst>
+            </p:cNvPr>
+            <p:cNvCxnSpPr>
+              <a:cxnSpLocks/>
+              <a:stCxn id="28" idx="7"/>
+            </p:cNvCxnSpPr>
+            <p:nvPr/>
+          </p:nvCxnSpPr>
+          <p:spPr>
+            <a:xfrm flipV="1">
+              <a:off x="3092096" y="5441112"/>
+              <a:ext cx="408709" cy="10576542"/>
+            </a:xfrm>
+            <a:prstGeom prst="line">
+              <a:avLst/>
+            </a:prstGeom>
+            <a:ln w="9525"/>
+          </p:spPr>
+          <p:style>
+            <a:lnRef idx="1">
+              <a:schemeClr val="dk1"/>
+            </a:lnRef>
+            <a:fillRef idx="0">
+              <a:schemeClr val="dk1"/>
+            </a:fillRef>
+            <a:effectRef idx="0">
+              <a:schemeClr val="dk1"/>
+            </a:effectRef>
+            <a:fontRef idx="minor">
+              <a:schemeClr val="tx1"/>
+            </a:fontRef>
+          </p:style>
+        </p:cxnSp>
+        <p:cxnSp>
+          <p:nvCxnSpPr>
+            <p:cNvPr id="166" name="Straight Arrow Connector 165">
+              <a:extLst>
+                <a:ext uri="{FF2B5EF4-FFF2-40B4-BE49-F238E27FC236}">
+                  <a16:creationId xmlns:a16="http://schemas.microsoft.com/office/drawing/2014/main" id="{31FA772E-6DA1-2CDE-4B76-5D8F5899843A}"/>
+                </a:ext>
+              </a:extLst>
+            </p:cNvPr>
+            <p:cNvCxnSpPr>
+              <a:cxnSpLocks/>
+            </p:cNvCxnSpPr>
+            <p:nvPr/>
+          </p:nvCxnSpPr>
+          <p:spPr>
+            <a:xfrm>
+              <a:off x="3500806" y="5441112"/>
+              <a:ext cx="26294245" cy="0"/>
+            </a:xfrm>
+            <a:prstGeom prst="straightConnector1">
+              <a:avLst/>
+            </a:prstGeom>
+            <a:ln w="9525">
+              <a:tailEnd type="triangle"/>
+            </a:ln>
+          </p:spPr>
+          <p:style>
+            <a:lnRef idx="1">
+              <a:schemeClr val="dk1"/>
+            </a:lnRef>
+            <a:fillRef idx="0">
+              <a:schemeClr val="dk1"/>
+            </a:fillRef>
+            <a:effectRef idx="0">
+              <a:schemeClr val="dk1"/>
+            </a:effectRef>
+            <a:fontRef idx="minor">
+              <a:schemeClr val="tx1"/>
+            </a:fontRef>
+          </p:style>
+        </p:cxnSp>
+      </p:grpSp>
+      <p:grpSp>
+        <p:nvGrpSpPr>
+          <p:cNvPr id="168" name="Group 167">
+            <a:extLst>
+              <a:ext uri="{FF2B5EF4-FFF2-40B4-BE49-F238E27FC236}">
+                <a16:creationId xmlns:a16="http://schemas.microsoft.com/office/drawing/2014/main" id="{0AD1442E-1120-D92B-D9F9-91CC6A5ACC0A}"/>
+              </a:ext>
+            </a:extLst>
+          </p:cNvPr>
+          <p:cNvGrpSpPr/>
+          <p:nvPr/>
+        </p:nvGrpSpPr>
+        <p:grpSpPr>
+          <a:xfrm>
+            <a:off x="9265562" y="713775"/>
+            <a:ext cx="10830237" cy="19680055"/>
+            <a:chOff x="3092096" y="5441112"/>
+            <a:chExt cx="26702955" cy="10969763"/>
+          </a:xfrm>
+        </p:grpSpPr>
+        <p:cxnSp>
+          <p:nvCxnSpPr>
+            <p:cNvPr id="169" name="Straight Connector 168">
+              <a:extLst>
+                <a:ext uri="{FF2B5EF4-FFF2-40B4-BE49-F238E27FC236}">
+                  <a16:creationId xmlns:a16="http://schemas.microsoft.com/office/drawing/2014/main" id="{7323E933-F75D-CBC5-26EE-6760907D4A17}"/>
+                </a:ext>
+              </a:extLst>
+            </p:cNvPr>
+            <p:cNvCxnSpPr>
+              <a:cxnSpLocks/>
+              <a:stCxn id="28" idx="7"/>
+            </p:cNvCxnSpPr>
+            <p:nvPr/>
+          </p:nvCxnSpPr>
+          <p:spPr>
+            <a:xfrm flipV="1">
+              <a:off x="3092096" y="5441112"/>
+              <a:ext cx="408709" cy="10969763"/>
+            </a:xfrm>
+            <a:prstGeom prst="line">
+              <a:avLst/>
+            </a:prstGeom>
+            <a:ln w="9525"/>
+          </p:spPr>
+          <p:style>
+            <a:lnRef idx="1">
+              <a:schemeClr val="dk1"/>
+            </a:lnRef>
+            <a:fillRef idx="0">
+              <a:schemeClr val="dk1"/>
+            </a:fillRef>
+            <a:effectRef idx="0">
+              <a:schemeClr val="dk1"/>
+            </a:effectRef>
+            <a:fontRef idx="minor">
+              <a:schemeClr val="tx1"/>
+            </a:fontRef>
+          </p:style>
+        </p:cxnSp>
+        <p:cxnSp>
+          <p:nvCxnSpPr>
+            <p:cNvPr id="170" name="Straight Arrow Connector 169">
+              <a:extLst>
+                <a:ext uri="{FF2B5EF4-FFF2-40B4-BE49-F238E27FC236}">
+                  <a16:creationId xmlns:a16="http://schemas.microsoft.com/office/drawing/2014/main" id="{B585F0A0-9E55-5E59-54B9-9BDD7121F3EE}"/>
+                </a:ext>
+              </a:extLst>
+            </p:cNvPr>
+            <p:cNvCxnSpPr>
+              <a:cxnSpLocks/>
+            </p:cNvCxnSpPr>
+            <p:nvPr/>
+          </p:nvCxnSpPr>
+          <p:spPr>
+            <a:xfrm>
+              <a:off x="3500806" y="5441112"/>
+              <a:ext cx="26294245" cy="0"/>
+            </a:xfrm>
+            <a:prstGeom prst="straightConnector1">
+              <a:avLst/>
+            </a:prstGeom>
+            <a:ln w="9525">
+              <a:tailEnd type="triangle"/>
+            </a:ln>
+          </p:spPr>
+          <p:style>
+            <a:lnRef idx="1">
+              <a:schemeClr val="dk1"/>
+            </a:lnRef>
+            <a:fillRef idx="0">
+              <a:schemeClr val="dk1"/>
+            </a:fillRef>
+            <a:effectRef idx="0">
+              <a:schemeClr val="dk1"/>
+            </a:effectRef>
+            <a:fontRef idx="minor">
+              <a:schemeClr val="tx1"/>
+            </a:fontRef>
+          </p:style>
+        </p:cxnSp>
+      </p:grpSp>
+      <p:sp>
+        <p:nvSpPr>
+          <p:cNvPr id="173" name="Oval 172">
+            <a:extLst>
+              <a:ext uri="{FF2B5EF4-FFF2-40B4-BE49-F238E27FC236}">
+                <a16:creationId xmlns:a16="http://schemas.microsoft.com/office/drawing/2014/main" id="{046461B4-7B18-9215-1E7D-659F5B1F939E}"/>
+              </a:ext>
+            </a:extLst>
+          </p:cNvPr>
+          <p:cNvSpPr/>
+          <p:nvPr/>
+        </p:nvSpPr>
+        <p:spPr>
+          <a:xfrm>
+            <a:off x="21693206" y="20270555"/>
+            <a:ext cx="365760" cy="365760"/>
+          </a:xfrm>
+          <a:prstGeom prst="ellipse">
+            <a:avLst/>
+          </a:prstGeom>
+          <a:noFill/>
+          <a:ln w="34925" cmpd="dbl"/>
+        </p:spPr>
+        <p:style>
+          <a:lnRef idx="2">
+            <a:schemeClr val="dk1">
+              <a:shade val="50000"/>
+            </a:schemeClr>
+          </a:lnRef>
+          <a:fillRef idx="1">
+            <a:schemeClr val="dk1"/>
+          </a:fillRef>
+          <a:effectRef idx="0">
+            <a:schemeClr val="dk1"/>
+          </a:effectRef>
+          <a:fontRef idx="minor">
+            <a:schemeClr val="lt1"/>
+          </a:fontRef>
+        </p:style>
+        <p:txBody>
+          <a:bodyPr lIns="0" tIns="0" rIns="0" bIns="0" rtlCol="0" anchor="ctr"/>
+          <a:lstStyle/>
+          <a:p>
+            <a:pPr algn="ctr"/>
+            <a:r>
+              <a:rPr lang="en-US" sz="1600" dirty="0">
+                <a:solidFill>
+                  <a:schemeClr val="tx1"/>
+                </a:solidFill>
+              </a:rPr>
+              <a:t>0</a:t>
+            </a:r>
+          </a:p>
+        </p:txBody>
+      </p:sp>
+      <p:sp>
+        <p:nvSpPr>
+          <p:cNvPr id="174" name="Oval 173">
+            <a:extLst>
+              <a:ext uri="{FF2B5EF4-FFF2-40B4-BE49-F238E27FC236}">
+                <a16:creationId xmlns:a16="http://schemas.microsoft.com/office/drawing/2014/main" id="{685F9FAC-EF99-3E0F-3935-627D5E51BD12}"/>
+              </a:ext>
+            </a:extLst>
+          </p:cNvPr>
+          <p:cNvSpPr/>
+          <p:nvPr/>
+        </p:nvSpPr>
+        <p:spPr>
+          <a:xfrm>
+            <a:off x="17656791" y="19973111"/>
+            <a:ext cx="365760" cy="365760"/>
+          </a:xfrm>
+          <a:prstGeom prst="ellipse">
+            <a:avLst/>
+          </a:prstGeom>
+          <a:noFill/>
+        </p:spPr>
+        <p:style>
+          <a:lnRef idx="2">
+            <a:schemeClr val="dk1">
+              <a:shade val="50000"/>
+            </a:schemeClr>
+          </a:lnRef>
+          <a:fillRef idx="1">
+            <a:schemeClr val="dk1"/>
+          </a:fillRef>
+          <a:effectRef idx="0">
+            <a:schemeClr val="dk1"/>
+          </a:effectRef>
+          <a:fontRef idx="minor">
+            <a:schemeClr val="lt1"/>
+          </a:fontRef>
+        </p:style>
+        <p:txBody>
+          <a:bodyPr lIns="0" tIns="0" rIns="0" bIns="0" rtlCol="0" anchor="ctr"/>
+          <a:lstStyle/>
+          <a:p>
+            <a:pPr algn="ctr"/>
+            <a:r>
+              <a:rPr lang="en-US" sz="1600" dirty="0">
+                <a:solidFill>
+                  <a:schemeClr val="tx1"/>
+                </a:solidFill>
+              </a:rPr>
+              <a:t>0</a:t>
+            </a:r>
+          </a:p>
+        </p:txBody>
+      </p:sp>
+      <p:sp>
+        <p:nvSpPr>
+          <p:cNvPr id="175" name="Oval 174">
+            <a:extLst>
+              <a:ext uri="{FF2B5EF4-FFF2-40B4-BE49-F238E27FC236}">
+                <a16:creationId xmlns:a16="http://schemas.microsoft.com/office/drawing/2014/main" id="{2E4FE288-D02F-25EC-2D36-CE0076903C96}"/>
+              </a:ext>
+            </a:extLst>
+          </p:cNvPr>
+          <p:cNvSpPr/>
+          <p:nvPr/>
+        </p:nvSpPr>
+        <p:spPr>
+          <a:xfrm>
+            <a:off x="18453786" y="19973111"/>
+            <a:ext cx="365760" cy="365760"/>
+          </a:xfrm>
+          <a:prstGeom prst="ellipse">
+            <a:avLst/>
+          </a:prstGeom>
+          <a:noFill/>
+        </p:spPr>
+        <p:style>
+          <a:lnRef idx="2">
+            <a:schemeClr val="dk1">
+              <a:shade val="50000"/>
+            </a:schemeClr>
+          </a:lnRef>
+          <a:fillRef idx="1">
+            <a:schemeClr val="dk1"/>
+          </a:fillRef>
+          <a:effectRef idx="0">
+            <a:schemeClr val="dk1"/>
+          </a:effectRef>
+          <a:fontRef idx="minor">
+            <a:schemeClr val="lt1"/>
+          </a:fontRef>
+        </p:style>
+        <p:txBody>
+          <a:bodyPr lIns="0" tIns="0" rIns="0" bIns="0" rtlCol="0" anchor="ctr"/>
+          <a:lstStyle/>
+          <a:p>
+            <a:pPr algn="ctr"/>
+            <a:r>
+              <a:rPr lang="en-US" sz="1600" dirty="0">
+                <a:solidFill>
+                  <a:schemeClr val="tx1"/>
+                </a:solidFill>
+              </a:rPr>
+              <a:t>0</a:t>
+            </a:r>
+          </a:p>
+        </p:txBody>
+      </p:sp>
+      <p:sp>
+        <p:nvSpPr>
+          <p:cNvPr id="176" name="Oval 175">
+            <a:extLst>
+              <a:ext uri="{FF2B5EF4-FFF2-40B4-BE49-F238E27FC236}">
+                <a16:creationId xmlns:a16="http://schemas.microsoft.com/office/drawing/2014/main" id="{86965F7C-820C-4049-DBC9-E3C74ECBC0E9}"/>
+              </a:ext>
+            </a:extLst>
+          </p:cNvPr>
+          <p:cNvSpPr/>
+          <p:nvPr/>
+        </p:nvSpPr>
+        <p:spPr>
+          <a:xfrm>
+            <a:off x="19246820" y="19973111"/>
+            <a:ext cx="365760" cy="365760"/>
+          </a:xfrm>
+          <a:prstGeom prst="ellipse">
+            <a:avLst/>
+          </a:prstGeom>
+          <a:noFill/>
+        </p:spPr>
+        <p:style>
+          <a:lnRef idx="2">
+            <a:schemeClr val="dk1">
+              <a:shade val="50000"/>
+            </a:schemeClr>
+          </a:lnRef>
+          <a:fillRef idx="1">
+            <a:schemeClr val="dk1"/>
+          </a:fillRef>
+          <a:effectRef idx="0">
+            <a:schemeClr val="dk1"/>
+          </a:effectRef>
+          <a:fontRef idx="minor">
+            <a:schemeClr val="lt1"/>
+          </a:fontRef>
+        </p:style>
+        <p:txBody>
+          <a:bodyPr lIns="0" tIns="0" rIns="0" bIns="0" rtlCol="0" anchor="ctr"/>
+          <a:lstStyle/>
+          <a:p>
+            <a:pPr algn="ctr"/>
+            <a:r>
+              <a:rPr lang="en-US" sz="1600" dirty="0">
+                <a:solidFill>
+                  <a:schemeClr val="tx1"/>
+                </a:solidFill>
+              </a:rPr>
+              <a:t>0</a:t>
+            </a:r>
+          </a:p>
+        </p:txBody>
+      </p:sp>
+      <p:sp>
+        <p:nvSpPr>
+          <p:cNvPr id="177" name="Oval 176">
+            <a:extLst>
+              <a:ext uri="{FF2B5EF4-FFF2-40B4-BE49-F238E27FC236}">
+                <a16:creationId xmlns:a16="http://schemas.microsoft.com/office/drawing/2014/main" id="{B0AFA933-681E-7E0B-4570-998A335CBB11}"/>
+              </a:ext>
+            </a:extLst>
+          </p:cNvPr>
+          <p:cNvSpPr/>
+          <p:nvPr/>
+        </p:nvSpPr>
+        <p:spPr>
+          <a:xfrm>
+            <a:off x="20073496" y="19973111"/>
+            <a:ext cx="365760" cy="365760"/>
+          </a:xfrm>
+          <a:prstGeom prst="ellipse">
+            <a:avLst/>
+          </a:prstGeom>
+          <a:noFill/>
+        </p:spPr>
+        <p:style>
+          <a:lnRef idx="2">
+            <a:schemeClr val="dk1">
+              <a:shade val="50000"/>
+            </a:schemeClr>
+          </a:lnRef>
+          <a:fillRef idx="1">
+            <a:schemeClr val="dk1"/>
+          </a:fillRef>
+          <a:effectRef idx="0">
+            <a:schemeClr val="dk1"/>
+          </a:effectRef>
+          <a:fontRef idx="minor">
+            <a:schemeClr val="lt1"/>
+          </a:fontRef>
+        </p:style>
+        <p:txBody>
+          <a:bodyPr lIns="0" tIns="0" rIns="0" bIns="0" rtlCol="0" anchor="ctr"/>
+          <a:lstStyle/>
+          <a:p>
+            <a:pPr algn="ctr"/>
+            <a:r>
+              <a:rPr lang="en-US" sz="1600" dirty="0">
+                <a:solidFill>
+                  <a:schemeClr val="tx1"/>
+                </a:solidFill>
+              </a:rPr>
+              <a:t>0</a:t>
+            </a:r>
+          </a:p>
+        </p:txBody>
+      </p:sp>
+      <p:sp>
+        <p:nvSpPr>
+          <p:cNvPr id="178" name="Oval 177">
+            <a:extLst>
+              <a:ext uri="{FF2B5EF4-FFF2-40B4-BE49-F238E27FC236}">
+                <a16:creationId xmlns:a16="http://schemas.microsoft.com/office/drawing/2014/main" id="{EF766444-1930-57E9-AFFD-29CDD059BC0A}"/>
+              </a:ext>
+            </a:extLst>
+          </p:cNvPr>
+          <p:cNvSpPr/>
+          <p:nvPr/>
+        </p:nvSpPr>
+        <p:spPr>
+          <a:xfrm>
+            <a:off x="20898346" y="19974531"/>
+            <a:ext cx="365760" cy="365760"/>
+          </a:xfrm>
+          <a:prstGeom prst="ellipse">
+            <a:avLst/>
+          </a:prstGeom>
+          <a:noFill/>
+        </p:spPr>
+        <p:style>
+          <a:lnRef idx="2">
+            <a:schemeClr val="dk1">
+              <a:shade val="50000"/>
+            </a:schemeClr>
+          </a:lnRef>
+          <a:fillRef idx="1">
+            <a:schemeClr val="dk1"/>
+          </a:fillRef>
+          <a:effectRef idx="0">
+            <a:schemeClr val="dk1"/>
+          </a:effectRef>
+          <a:fontRef idx="minor">
+            <a:schemeClr val="lt1"/>
+          </a:fontRef>
+        </p:style>
+        <p:txBody>
+          <a:bodyPr lIns="0" tIns="0" rIns="0" bIns="0" rtlCol="0" anchor="ctr"/>
+          <a:lstStyle/>
+          <a:p>
+            <a:pPr algn="ctr"/>
+            <a:r>
+              <a:rPr lang="en-US" sz="1600" dirty="0">
+                <a:solidFill>
+                  <a:schemeClr val="tx1"/>
+                </a:solidFill>
+              </a:rPr>
+              <a:t>0</a:t>
+            </a:r>
+          </a:p>
+        </p:txBody>
+      </p:sp>
+      <p:cxnSp>
+        <p:nvCxnSpPr>
+          <p:cNvPr id="179" name="Straight Arrow Connector 178">
+            <a:extLst>
+              <a:ext uri="{FF2B5EF4-FFF2-40B4-BE49-F238E27FC236}">
+                <a16:creationId xmlns:a16="http://schemas.microsoft.com/office/drawing/2014/main" id="{0FAFC644-CF1D-08A0-0FE8-3C9779696F74}"/>
+              </a:ext>
+            </a:extLst>
+          </p:cNvPr>
+          <p:cNvCxnSpPr>
+            <a:cxnSpLocks/>
+            <a:stCxn id="174" idx="6"/>
+            <a:endCxn id="175" idx="2"/>
+          </p:cNvCxnSpPr>
+          <p:nvPr/>
+        </p:nvCxnSpPr>
+        <p:spPr>
+          <a:xfrm>
+            <a:off x="18022551" y="20155991"/>
+            <a:ext cx="431235" cy="0"/>
+          </a:xfrm>
+          <a:prstGeom prst="straightConnector1">
+            <a:avLst/>
+          </a:prstGeom>
+          <a:ln w="9525">
+            <a:tailEnd type="triangle"/>
+          </a:ln>
+        </p:spPr>
+        <p:style>
+          <a:lnRef idx="1">
+            <a:schemeClr val="dk1"/>
+          </a:lnRef>
+          <a:fillRef idx="0">
+            <a:schemeClr val="dk1"/>
+          </a:fillRef>
+          <a:effectRef idx="0">
+            <a:schemeClr val="dk1"/>
+          </a:effectRef>
+          <a:fontRef idx="minor">
+            <a:schemeClr val="tx1"/>
+          </a:fontRef>
+        </p:style>
+      </p:cxnSp>
+      <p:sp>
+        <p:nvSpPr>
+          <p:cNvPr id="180" name="TextBox 179">
+            <a:extLst>
+              <a:ext uri="{FF2B5EF4-FFF2-40B4-BE49-F238E27FC236}">
+                <a16:creationId xmlns:a16="http://schemas.microsoft.com/office/drawing/2014/main" id="{C4B0EAD9-02AF-3440-983D-2E125643FA28}"/>
+              </a:ext>
+            </a:extLst>
+          </p:cNvPr>
+          <p:cNvSpPr txBox="1"/>
+          <p:nvPr/>
+        </p:nvSpPr>
+        <p:spPr>
+          <a:xfrm>
+            <a:off x="18116262" y="20171052"/>
+            <a:ext cx="150495" cy="230832"/>
+          </a:xfrm>
+          <a:prstGeom prst="rect">
+            <a:avLst/>
+          </a:prstGeom>
+          <a:noFill/>
+        </p:spPr>
+        <p:txBody>
+          <a:bodyPr wrap="square" rtlCol="0">
+            <a:spAutoFit/>
+          </a:bodyPr>
+          <a:lstStyle/>
+          <a:p>
+            <a:r>
+              <a:rPr lang="en-US" sz="900" b="1" dirty="0"/>
+              <a:t>C</a:t>
+            </a:r>
+          </a:p>
+        </p:txBody>
+      </p:sp>
+      <p:cxnSp>
+        <p:nvCxnSpPr>
+          <p:cNvPr id="183" name="Straight Arrow Connector 182">
+            <a:extLst>
+              <a:ext uri="{FF2B5EF4-FFF2-40B4-BE49-F238E27FC236}">
+                <a16:creationId xmlns:a16="http://schemas.microsoft.com/office/drawing/2014/main" id="{EB7DC622-23F1-1D6D-E850-49CCAB0CC26A}"/>
+              </a:ext>
+            </a:extLst>
+          </p:cNvPr>
+          <p:cNvCxnSpPr>
+            <a:cxnSpLocks/>
+            <a:stCxn id="175" idx="6"/>
+            <a:endCxn id="176" idx="2"/>
+          </p:cNvCxnSpPr>
+          <p:nvPr/>
+        </p:nvCxnSpPr>
+        <p:spPr>
+          <a:xfrm>
+            <a:off x="18819546" y="20155991"/>
+            <a:ext cx="427274" cy="0"/>
+          </a:xfrm>
+          <a:prstGeom prst="straightConnector1">
+            <a:avLst/>
+          </a:prstGeom>
+          <a:ln w="9525">
+            <a:tailEnd type="triangle"/>
+          </a:ln>
+        </p:spPr>
+        <p:style>
+          <a:lnRef idx="1">
+            <a:schemeClr val="dk1"/>
+          </a:lnRef>
+          <a:fillRef idx="0">
+            <a:schemeClr val="dk1"/>
+          </a:fillRef>
+          <a:effectRef idx="0">
+            <a:schemeClr val="dk1"/>
+          </a:effectRef>
+          <a:fontRef idx="minor">
+            <a:schemeClr val="tx1"/>
+          </a:fontRef>
+        </p:style>
+      </p:cxnSp>
+      <p:sp>
+        <p:nvSpPr>
+          <p:cNvPr id="184" name="TextBox 183">
+            <a:extLst>
+              <a:ext uri="{FF2B5EF4-FFF2-40B4-BE49-F238E27FC236}">
+                <a16:creationId xmlns:a16="http://schemas.microsoft.com/office/drawing/2014/main" id="{95B72833-19ED-279E-C181-436D810B0209}"/>
+              </a:ext>
+            </a:extLst>
+          </p:cNvPr>
+          <p:cNvSpPr txBox="1"/>
+          <p:nvPr/>
+        </p:nvSpPr>
+        <p:spPr>
+          <a:xfrm>
+            <a:off x="18949783" y="20171052"/>
+            <a:ext cx="150495" cy="230832"/>
+          </a:xfrm>
+          <a:prstGeom prst="rect">
+            <a:avLst/>
+          </a:prstGeom>
+          <a:noFill/>
+        </p:spPr>
+        <p:txBody>
+          <a:bodyPr wrap="square" rtlCol="0">
+            <a:spAutoFit/>
+          </a:bodyPr>
+          <a:lstStyle/>
+          <a:p>
+            <a:r>
+              <a:rPr lang="en-US" sz="900" b="1" dirty="0"/>
+              <a:t>C</a:t>
+            </a:r>
+          </a:p>
+        </p:txBody>
+      </p:sp>
+      <p:cxnSp>
+        <p:nvCxnSpPr>
+          <p:cNvPr id="187" name="Straight Arrow Connector 186">
+            <a:extLst>
+              <a:ext uri="{FF2B5EF4-FFF2-40B4-BE49-F238E27FC236}">
+                <a16:creationId xmlns:a16="http://schemas.microsoft.com/office/drawing/2014/main" id="{0B6404B3-D8FD-D474-F84D-878B7280DBF8}"/>
+              </a:ext>
+            </a:extLst>
+          </p:cNvPr>
+          <p:cNvCxnSpPr>
+            <a:cxnSpLocks/>
+            <a:stCxn id="176" idx="6"/>
+            <a:endCxn id="177" idx="2"/>
+          </p:cNvCxnSpPr>
+          <p:nvPr/>
+        </p:nvCxnSpPr>
+        <p:spPr>
+          <a:xfrm>
+            <a:off x="19612580" y="20155991"/>
+            <a:ext cx="460916" cy="0"/>
+          </a:xfrm>
+          <a:prstGeom prst="straightConnector1">
+            <a:avLst/>
+          </a:prstGeom>
+          <a:ln w="9525">
+            <a:tailEnd type="triangle"/>
+          </a:ln>
+        </p:spPr>
+        <p:style>
+          <a:lnRef idx="1">
+            <a:schemeClr val="dk1"/>
+          </a:lnRef>
+          <a:fillRef idx="0">
+            <a:schemeClr val="dk1"/>
+          </a:fillRef>
+          <a:effectRef idx="0">
+            <a:schemeClr val="dk1"/>
+          </a:effectRef>
+          <a:fontRef idx="minor">
+            <a:schemeClr val="tx1"/>
+          </a:fontRef>
+        </p:style>
+      </p:cxnSp>
+      <p:cxnSp>
+        <p:nvCxnSpPr>
+          <p:cNvPr id="190" name="Straight Arrow Connector 189">
+            <a:extLst>
+              <a:ext uri="{FF2B5EF4-FFF2-40B4-BE49-F238E27FC236}">
+                <a16:creationId xmlns:a16="http://schemas.microsoft.com/office/drawing/2014/main" id="{917EE4A4-64DD-F508-00D6-7B893F12F896}"/>
+              </a:ext>
+            </a:extLst>
+          </p:cNvPr>
+          <p:cNvCxnSpPr>
+            <a:cxnSpLocks/>
+            <a:stCxn id="177" idx="6"/>
+            <a:endCxn id="178" idx="2"/>
+          </p:cNvCxnSpPr>
+          <p:nvPr/>
+        </p:nvCxnSpPr>
+        <p:spPr>
+          <a:xfrm>
+            <a:off x="20439256" y="20155991"/>
+            <a:ext cx="459090" cy="1420"/>
+          </a:xfrm>
+          <a:prstGeom prst="straightConnector1">
+            <a:avLst/>
+          </a:prstGeom>
+          <a:ln w="9525">
+            <a:tailEnd type="triangle"/>
+          </a:ln>
+        </p:spPr>
+        <p:style>
+          <a:lnRef idx="1">
+            <a:schemeClr val="dk1"/>
+          </a:lnRef>
+          <a:fillRef idx="0">
+            <a:schemeClr val="dk1"/>
+          </a:fillRef>
+          <a:effectRef idx="0">
+            <a:schemeClr val="dk1"/>
+          </a:effectRef>
+          <a:fontRef idx="minor">
+            <a:schemeClr val="tx1"/>
+          </a:fontRef>
+        </p:style>
+      </p:cxnSp>
+      <p:grpSp>
+        <p:nvGrpSpPr>
+          <p:cNvPr id="200" name="Group 199">
+            <a:extLst>
+              <a:ext uri="{FF2B5EF4-FFF2-40B4-BE49-F238E27FC236}">
+                <a16:creationId xmlns:a16="http://schemas.microsoft.com/office/drawing/2014/main" id="{42E20192-D720-6B3F-F6A1-A5BECA0FCDBE}"/>
+              </a:ext>
+            </a:extLst>
+          </p:cNvPr>
+          <p:cNvGrpSpPr/>
+          <p:nvPr/>
+        </p:nvGrpSpPr>
+        <p:grpSpPr>
+          <a:xfrm>
+            <a:off x="2479770" y="3587251"/>
+            <a:ext cx="855662" cy="464974"/>
+            <a:chOff x="2991742" y="5441112"/>
+            <a:chExt cx="855662" cy="464974"/>
+          </a:xfrm>
+        </p:grpSpPr>
+        <p:cxnSp>
+          <p:nvCxnSpPr>
+            <p:cNvPr id="201" name="Straight Connector 200">
+              <a:extLst>
+                <a:ext uri="{FF2B5EF4-FFF2-40B4-BE49-F238E27FC236}">
+                  <a16:creationId xmlns:a16="http://schemas.microsoft.com/office/drawing/2014/main" id="{A2BED214-B386-5EA7-8ACC-AAB0AA496539}"/>
+                </a:ext>
+              </a:extLst>
+            </p:cNvPr>
+            <p:cNvCxnSpPr>
+              <a:cxnSpLocks/>
+            </p:cNvCxnSpPr>
+            <p:nvPr/>
+          </p:nvCxnSpPr>
+          <p:spPr>
+            <a:xfrm>
+              <a:off x="2991742" y="5441112"/>
+              <a:ext cx="509065" cy="0"/>
+            </a:xfrm>
+            <a:prstGeom prst="line">
+              <a:avLst/>
+            </a:prstGeom>
+            <a:ln w="9525"/>
+          </p:spPr>
+          <p:style>
+            <a:lnRef idx="1">
+              <a:schemeClr val="dk1"/>
+            </a:lnRef>
+            <a:fillRef idx="0">
+              <a:schemeClr val="dk1"/>
+            </a:fillRef>
+            <a:effectRef idx="0">
+              <a:schemeClr val="dk1"/>
+            </a:effectRef>
+            <a:fontRef idx="minor">
+              <a:schemeClr val="tx1"/>
+            </a:fontRef>
+          </p:style>
+        </p:cxnSp>
+        <p:cxnSp>
+          <p:nvCxnSpPr>
+            <p:cNvPr id="202" name="Straight Arrow Connector 201">
+              <a:extLst>
+                <a:ext uri="{FF2B5EF4-FFF2-40B4-BE49-F238E27FC236}">
+                  <a16:creationId xmlns:a16="http://schemas.microsoft.com/office/drawing/2014/main" id="{31C5CFB9-1532-55B3-93E1-D1D607AE9937}"/>
+                </a:ext>
+              </a:extLst>
+            </p:cNvPr>
+            <p:cNvCxnSpPr>
+              <a:cxnSpLocks/>
+            </p:cNvCxnSpPr>
+            <p:nvPr/>
+          </p:nvCxnSpPr>
+          <p:spPr>
+            <a:xfrm>
+              <a:off x="3500807" y="5441112"/>
+              <a:ext cx="346597" cy="464974"/>
+            </a:xfrm>
+            <a:prstGeom prst="straightConnector1">
+              <a:avLst/>
+            </a:prstGeom>
+            <a:ln w="9525">
+              <a:tailEnd type="triangle"/>
+            </a:ln>
+          </p:spPr>
+          <p:style>
+            <a:lnRef idx="1">
+              <a:schemeClr val="dk1"/>
+            </a:lnRef>
+            <a:fillRef idx="0">
+              <a:schemeClr val="dk1"/>
+            </a:fillRef>
+            <a:effectRef idx="0">
+              <a:schemeClr val="dk1"/>
+            </a:effectRef>
+            <a:fontRef idx="minor">
+              <a:schemeClr val="tx1"/>
+            </a:fontRef>
+          </p:style>
+        </p:cxnSp>
+      </p:grpSp>
+      <p:sp>
+        <p:nvSpPr>
+          <p:cNvPr id="213" name="TextBox 212">
+            <a:extLst>
+              <a:ext uri="{FF2B5EF4-FFF2-40B4-BE49-F238E27FC236}">
+                <a16:creationId xmlns:a16="http://schemas.microsoft.com/office/drawing/2014/main" id="{61FC377E-FA70-7C10-231F-CE445E7FB847}"/>
+              </a:ext>
+            </a:extLst>
+          </p:cNvPr>
+          <p:cNvSpPr txBox="1"/>
+          <p:nvPr/>
+        </p:nvSpPr>
+        <p:spPr>
+          <a:xfrm>
+            <a:off x="19747325" y="20172972"/>
+            <a:ext cx="150495" cy="230832"/>
+          </a:xfrm>
+          <a:prstGeom prst="rect">
+            <a:avLst/>
+          </a:prstGeom>
+          <a:noFill/>
+        </p:spPr>
+        <p:txBody>
+          <a:bodyPr wrap="square" rtlCol="0">
+            <a:spAutoFit/>
+          </a:bodyPr>
+          <a:lstStyle/>
+          <a:p>
+            <a:r>
+              <a:rPr lang="en-US" sz="900" b="1" dirty="0"/>
+              <a:t>C</a:t>
+            </a:r>
+          </a:p>
+        </p:txBody>
+      </p:sp>
+      <p:sp>
+        <p:nvSpPr>
+          <p:cNvPr id="214" name="TextBox 213">
+            <a:extLst>
+              <a:ext uri="{FF2B5EF4-FFF2-40B4-BE49-F238E27FC236}">
+                <a16:creationId xmlns:a16="http://schemas.microsoft.com/office/drawing/2014/main" id="{96B1AC11-9779-C6A7-666E-BA7D1B042509}"/>
+              </a:ext>
+            </a:extLst>
+          </p:cNvPr>
+          <p:cNvSpPr txBox="1"/>
+          <p:nvPr/>
+        </p:nvSpPr>
+        <p:spPr>
+          <a:xfrm>
+            <a:off x="20578246" y="20222603"/>
+            <a:ext cx="150495" cy="230832"/>
+          </a:xfrm>
+          <a:prstGeom prst="rect">
+            <a:avLst/>
+          </a:prstGeom>
+          <a:noFill/>
+        </p:spPr>
+        <p:txBody>
+          <a:bodyPr wrap="square" rtlCol="0">
+            <a:spAutoFit/>
+          </a:bodyPr>
+          <a:lstStyle/>
+          <a:p>
+            <a:r>
+              <a:rPr lang="en-US" sz="900" b="1" dirty="0"/>
+              <a:t>C</a:t>
+            </a:r>
+          </a:p>
+        </p:txBody>
+      </p:sp>
+      <p:sp>
+        <p:nvSpPr>
+          <p:cNvPr id="215" name="TextBox 214">
+            <a:extLst>
+              <a:ext uri="{FF2B5EF4-FFF2-40B4-BE49-F238E27FC236}">
+                <a16:creationId xmlns:a16="http://schemas.microsoft.com/office/drawing/2014/main" id="{48298C9A-902B-4F9A-B077-FC5CCAB6F3FD}"/>
+              </a:ext>
+            </a:extLst>
+          </p:cNvPr>
+          <p:cNvSpPr txBox="1"/>
+          <p:nvPr/>
+        </p:nvSpPr>
+        <p:spPr>
+          <a:xfrm>
+            <a:off x="21340023" y="20222603"/>
+            <a:ext cx="150495" cy="230832"/>
+          </a:xfrm>
+          <a:prstGeom prst="rect">
+            <a:avLst/>
+          </a:prstGeom>
+          <a:noFill/>
+        </p:spPr>
+        <p:txBody>
+          <a:bodyPr wrap="square" rtlCol="0">
+            <a:spAutoFit/>
+          </a:bodyPr>
+          <a:lstStyle/>
+          <a:p>
+            <a:r>
+              <a:rPr lang="en-US" sz="900" b="1" dirty="0"/>
+              <a:t>C</a:t>
+            </a:r>
+          </a:p>
+        </p:txBody>
+      </p:sp>
+      <p:sp>
+        <p:nvSpPr>
+          <p:cNvPr id="216" name="Oval 215">
+            <a:extLst>
+              <a:ext uri="{FF2B5EF4-FFF2-40B4-BE49-F238E27FC236}">
+                <a16:creationId xmlns:a16="http://schemas.microsoft.com/office/drawing/2014/main" id="{06D2A529-68FB-A914-D2E5-AE1E92457BEC}"/>
+              </a:ext>
+            </a:extLst>
+          </p:cNvPr>
+          <p:cNvSpPr/>
+          <p:nvPr/>
+        </p:nvSpPr>
+        <p:spPr>
+          <a:xfrm>
+            <a:off x="21674174" y="21011485"/>
+            <a:ext cx="365760" cy="365760"/>
+          </a:xfrm>
+          <a:prstGeom prst="ellipse">
+            <a:avLst/>
+          </a:prstGeom>
+          <a:noFill/>
+          <a:ln w="34925" cmpd="dbl"/>
+        </p:spPr>
+        <p:style>
+          <a:lnRef idx="2">
+            <a:schemeClr val="dk1">
+              <a:shade val="50000"/>
+            </a:schemeClr>
+          </a:lnRef>
+          <a:fillRef idx="1">
+            <a:schemeClr val="dk1"/>
+          </a:fillRef>
+          <a:effectRef idx="0">
+            <a:schemeClr val="dk1"/>
+          </a:effectRef>
+          <a:fontRef idx="minor">
+            <a:schemeClr val="lt1"/>
+          </a:fontRef>
+        </p:style>
+        <p:txBody>
+          <a:bodyPr lIns="0" tIns="0" rIns="0" bIns="0" rtlCol="0" anchor="ctr"/>
+          <a:lstStyle/>
+          <a:p>
+            <a:pPr algn="ctr"/>
+            <a:r>
+              <a:rPr lang="en-US" sz="1600" dirty="0">
+                <a:solidFill>
+                  <a:schemeClr val="tx1"/>
+                </a:solidFill>
+              </a:rPr>
+              <a:t>0</a:t>
+            </a:r>
+          </a:p>
+        </p:txBody>
+      </p:sp>
+      <p:sp>
+        <p:nvSpPr>
+          <p:cNvPr id="217" name="Oval 216">
+            <a:extLst>
+              <a:ext uri="{FF2B5EF4-FFF2-40B4-BE49-F238E27FC236}">
+                <a16:creationId xmlns:a16="http://schemas.microsoft.com/office/drawing/2014/main" id="{7446CE75-20A2-0B49-C3F8-6906765D4301}"/>
+              </a:ext>
+            </a:extLst>
+          </p:cNvPr>
+          <p:cNvSpPr/>
+          <p:nvPr/>
+        </p:nvSpPr>
+        <p:spPr>
+          <a:xfrm>
+            <a:off x="17637759" y="20714041"/>
+            <a:ext cx="365760" cy="365760"/>
+          </a:xfrm>
+          <a:prstGeom prst="ellipse">
+            <a:avLst/>
+          </a:prstGeom>
+          <a:noFill/>
+        </p:spPr>
+        <p:style>
+          <a:lnRef idx="2">
+            <a:schemeClr val="dk1">
+              <a:shade val="50000"/>
+            </a:schemeClr>
+          </a:lnRef>
+          <a:fillRef idx="1">
+            <a:schemeClr val="dk1"/>
+          </a:fillRef>
+          <a:effectRef idx="0">
+            <a:schemeClr val="dk1"/>
+          </a:effectRef>
+          <a:fontRef idx="minor">
+            <a:schemeClr val="lt1"/>
+          </a:fontRef>
+        </p:style>
+        <p:txBody>
+          <a:bodyPr lIns="0" tIns="0" rIns="0" bIns="0" rtlCol="0" anchor="ctr"/>
+          <a:lstStyle/>
+          <a:p>
+            <a:pPr algn="ctr"/>
+            <a:r>
+              <a:rPr lang="en-US" sz="1600" dirty="0">
+                <a:solidFill>
+                  <a:schemeClr val="tx1"/>
+                </a:solidFill>
+              </a:rPr>
+              <a:t>0</a:t>
+            </a:r>
+          </a:p>
+        </p:txBody>
+      </p:sp>
+      <p:sp>
+        <p:nvSpPr>
+          <p:cNvPr id="218" name="Oval 217">
+            <a:extLst>
+              <a:ext uri="{FF2B5EF4-FFF2-40B4-BE49-F238E27FC236}">
+                <a16:creationId xmlns:a16="http://schemas.microsoft.com/office/drawing/2014/main" id="{CDD0FCB9-B935-882D-5FCE-3C17CAFE2D5E}"/>
+              </a:ext>
+            </a:extLst>
+          </p:cNvPr>
+          <p:cNvSpPr/>
+          <p:nvPr/>
+        </p:nvSpPr>
+        <p:spPr>
+          <a:xfrm>
+            <a:off x="18434754" y="20714041"/>
+            <a:ext cx="365760" cy="365760"/>
+          </a:xfrm>
+          <a:prstGeom prst="ellipse">
+            <a:avLst/>
+          </a:prstGeom>
+          <a:noFill/>
+        </p:spPr>
+        <p:style>
+          <a:lnRef idx="2">
+            <a:schemeClr val="dk1">
+              <a:shade val="50000"/>
+            </a:schemeClr>
+          </a:lnRef>
+          <a:fillRef idx="1">
+            <a:schemeClr val="dk1"/>
+          </a:fillRef>
+          <a:effectRef idx="0">
+            <a:schemeClr val="dk1"/>
+          </a:effectRef>
+          <a:fontRef idx="minor">
+            <a:schemeClr val="lt1"/>
+          </a:fontRef>
+        </p:style>
+        <p:txBody>
+          <a:bodyPr lIns="0" tIns="0" rIns="0" bIns="0" rtlCol="0" anchor="ctr"/>
+          <a:lstStyle/>
+          <a:p>
+            <a:pPr algn="ctr"/>
+            <a:r>
+              <a:rPr lang="en-US" sz="1600" dirty="0">
+                <a:solidFill>
+                  <a:schemeClr val="tx1"/>
+                </a:solidFill>
+              </a:rPr>
+              <a:t>0</a:t>
+            </a:r>
+          </a:p>
+        </p:txBody>
+      </p:sp>
+      <p:sp>
+        <p:nvSpPr>
+          <p:cNvPr id="219" name="Oval 218">
+            <a:extLst>
+              <a:ext uri="{FF2B5EF4-FFF2-40B4-BE49-F238E27FC236}">
+                <a16:creationId xmlns:a16="http://schemas.microsoft.com/office/drawing/2014/main" id="{335CA11A-57D7-7B1A-F1E4-1D1A1A288A6A}"/>
+              </a:ext>
+            </a:extLst>
+          </p:cNvPr>
+          <p:cNvSpPr/>
+          <p:nvPr/>
+        </p:nvSpPr>
+        <p:spPr>
+          <a:xfrm>
+            <a:off x="19227788" y="20714041"/>
+            <a:ext cx="365760" cy="365760"/>
+          </a:xfrm>
+          <a:prstGeom prst="ellipse">
+            <a:avLst/>
+          </a:prstGeom>
+          <a:noFill/>
+        </p:spPr>
+        <p:style>
+          <a:lnRef idx="2">
+            <a:schemeClr val="dk1">
+              <a:shade val="50000"/>
+            </a:schemeClr>
+          </a:lnRef>
+          <a:fillRef idx="1">
+            <a:schemeClr val="dk1"/>
+          </a:fillRef>
+          <a:effectRef idx="0">
+            <a:schemeClr val="dk1"/>
+          </a:effectRef>
+          <a:fontRef idx="minor">
+            <a:schemeClr val="lt1"/>
+          </a:fontRef>
+        </p:style>
+        <p:txBody>
+          <a:bodyPr lIns="0" tIns="0" rIns="0" bIns="0" rtlCol="0" anchor="ctr"/>
+          <a:lstStyle/>
+          <a:p>
+            <a:pPr algn="ctr"/>
+            <a:r>
+              <a:rPr lang="en-US" sz="1600" dirty="0">
+                <a:solidFill>
+                  <a:schemeClr val="tx1"/>
+                </a:solidFill>
+              </a:rPr>
+              <a:t>0</a:t>
+            </a:r>
+          </a:p>
+        </p:txBody>
+      </p:sp>
+      <p:sp>
+        <p:nvSpPr>
+          <p:cNvPr id="220" name="Oval 219">
+            <a:extLst>
+              <a:ext uri="{FF2B5EF4-FFF2-40B4-BE49-F238E27FC236}">
+                <a16:creationId xmlns:a16="http://schemas.microsoft.com/office/drawing/2014/main" id="{400CD8EE-9771-EA9B-E245-CD53640B9661}"/>
+              </a:ext>
+            </a:extLst>
+          </p:cNvPr>
+          <p:cNvSpPr/>
+          <p:nvPr/>
+        </p:nvSpPr>
+        <p:spPr>
+          <a:xfrm>
+            <a:off x="20054464" y="20714041"/>
+            <a:ext cx="365760" cy="365760"/>
+          </a:xfrm>
+          <a:prstGeom prst="ellipse">
+            <a:avLst/>
+          </a:prstGeom>
+          <a:noFill/>
+        </p:spPr>
+        <p:style>
+          <a:lnRef idx="2">
+            <a:schemeClr val="dk1">
+              <a:shade val="50000"/>
+            </a:schemeClr>
+          </a:lnRef>
+          <a:fillRef idx="1">
+            <a:schemeClr val="dk1"/>
+          </a:fillRef>
+          <a:effectRef idx="0">
+            <a:schemeClr val="dk1"/>
+          </a:effectRef>
+          <a:fontRef idx="minor">
+            <a:schemeClr val="lt1"/>
+          </a:fontRef>
+        </p:style>
+        <p:txBody>
+          <a:bodyPr lIns="0" tIns="0" rIns="0" bIns="0" rtlCol="0" anchor="ctr"/>
+          <a:lstStyle/>
+          <a:p>
+            <a:pPr algn="ctr"/>
+            <a:r>
+              <a:rPr lang="en-US" sz="1600" dirty="0">
+                <a:solidFill>
+                  <a:schemeClr val="tx1"/>
+                </a:solidFill>
+              </a:rPr>
+              <a:t>0</a:t>
+            </a:r>
+          </a:p>
+        </p:txBody>
+      </p:sp>
+      <p:sp>
+        <p:nvSpPr>
+          <p:cNvPr id="221" name="Oval 220">
+            <a:extLst>
+              <a:ext uri="{FF2B5EF4-FFF2-40B4-BE49-F238E27FC236}">
+                <a16:creationId xmlns:a16="http://schemas.microsoft.com/office/drawing/2014/main" id="{7BD25F0F-583D-F56E-0440-FE411881EBF1}"/>
+              </a:ext>
+            </a:extLst>
+          </p:cNvPr>
+          <p:cNvSpPr/>
+          <p:nvPr/>
+        </p:nvSpPr>
+        <p:spPr>
+          <a:xfrm>
+            <a:off x="20879314" y="20715461"/>
+            <a:ext cx="365760" cy="365760"/>
+          </a:xfrm>
+          <a:prstGeom prst="ellipse">
+            <a:avLst/>
+          </a:prstGeom>
+          <a:noFill/>
+        </p:spPr>
+        <p:style>
+          <a:lnRef idx="2">
+            <a:schemeClr val="dk1">
+              <a:shade val="50000"/>
+            </a:schemeClr>
+          </a:lnRef>
+          <a:fillRef idx="1">
+            <a:schemeClr val="dk1"/>
+          </a:fillRef>
+          <a:effectRef idx="0">
+            <a:schemeClr val="dk1"/>
+          </a:effectRef>
+          <a:fontRef idx="minor">
+            <a:schemeClr val="lt1"/>
+          </a:fontRef>
+        </p:style>
+        <p:txBody>
+          <a:bodyPr lIns="0" tIns="0" rIns="0" bIns="0" rtlCol="0" anchor="ctr"/>
+          <a:lstStyle/>
+          <a:p>
+            <a:pPr algn="ctr"/>
+            <a:r>
+              <a:rPr lang="en-US" sz="1600" dirty="0">
+                <a:solidFill>
+                  <a:schemeClr val="tx1"/>
+                </a:solidFill>
+              </a:rPr>
+              <a:t>0</a:t>
+            </a:r>
+          </a:p>
+        </p:txBody>
+      </p:sp>
+      <p:cxnSp>
+        <p:nvCxnSpPr>
+          <p:cNvPr id="222" name="Straight Arrow Connector 221">
+            <a:extLst>
+              <a:ext uri="{FF2B5EF4-FFF2-40B4-BE49-F238E27FC236}">
+                <a16:creationId xmlns:a16="http://schemas.microsoft.com/office/drawing/2014/main" id="{157A4E33-EB08-2121-5019-9826C2F4D3B3}"/>
+              </a:ext>
+            </a:extLst>
+          </p:cNvPr>
+          <p:cNvCxnSpPr>
+            <a:cxnSpLocks/>
+            <a:stCxn id="217" idx="6"/>
+            <a:endCxn id="218" idx="2"/>
+          </p:cNvCxnSpPr>
+          <p:nvPr/>
+        </p:nvCxnSpPr>
+        <p:spPr>
+          <a:xfrm>
+            <a:off x="18003519" y="20896921"/>
+            <a:ext cx="431235" cy="0"/>
+          </a:xfrm>
+          <a:prstGeom prst="straightConnector1">
+            <a:avLst/>
+          </a:prstGeom>
+          <a:ln w="9525">
+            <a:tailEnd type="triangle"/>
+          </a:ln>
+        </p:spPr>
+        <p:style>
+          <a:lnRef idx="1">
+            <a:schemeClr val="dk1"/>
+          </a:lnRef>
+          <a:fillRef idx="0">
+            <a:schemeClr val="dk1"/>
+          </a:fillRef>
+          <a:effectRef idx="0">
+            <a:schemeClr val="dk1"/>
+          </a:effectRef>
+          <a:fontRef idx="minor">
+            <a:schemeClr val="tx1"/>
+          </a:fontRef>
+        </p:style>
+      </p:cxnSp>
+      <p:sp>
+        <p:nvSpPr>
+          <p:cNvPr id="223" name="TextBox 222">
+            <a:extLst>
+              <a:ext uri="{FF2B5EF4-FFF2-40B4-BE49-F238E27FC236}">
+                <a16:creationId xmlns:a16="http://schemas.microsoft.com/office/drawing/2014/main" id="{48B4CF58-642A-A0F8-C861-90224A25FB09}"/>
+              </a:ext>
+            </a:extLst>
+          </p:cNvPr>
+          <p:cNvSpPr txBox="1"/>
+          <p:nvPr/>
+        </p:nvSpPr>
+        <p:spPr>
+          <a:xfrm>
+            <a:off x="18097230" y="20911982"/>
+            <a:ext cx="150495" cy="230832"/>
+          </a:xfrm>
+          <a:prstGeom prst="rect">
+            <a:avLst/>
+          </a:prstGeom>
+          <a:noFill/>
+        </p:spPr>
+        <p:txBody>
+          <a:bodyPr wrap="square" rtlCol="0">
+            <a:spAutoFit/>
+          </a:bodyPr>
+          <a:lstStyle/>
+          <a:p>
+            <a:r>
+              <a:rPr lang="en-US" sz="900" b="1" dirty="0"/>
+              <a:t>C</a:t>
+            </a:r>
+          </a:p>
+        </p:txBody>
+      </p:sp>
+      <p:cxnSp>
+        <p:nvCxnSpPr>
+          <p:cNvPr id="224" name="Straight Arrow Connector 223">
+            <a:extLst>
+              <a:ext uri="{FF2B5EF4-FFF2-40B4-BE49-F238E27FC236}">
+                <a16:creationId xmlns:a16="http://schemas.microsoft.com/office/drawing/2014/main" id="{BE1A77A5-E885-22A6-395F-2B8D48DABC75}"/>
+              </a:ext>
+            </a:extLst>
+          </p:cNvPr>
+          <p:cNvCxnSpPr>
+            <a:cxnSpLocks/>
+            <a:stCxn id="218" idx="6"/>
+            <a:endCxn id="219" idx="2"/>
+          </p:cNvCxnSpPr>
+          <p:nvPr/>
+        </p:nvCxnSpPr>
+        <p:spPr>
+          <a:xfrm>
+            <a:off x="18800514" y="20896921"/>
+            <a:ext cx="427274" cy="0"/>
+          </a:xfrm>
+          <a:prstGeom prst="straightConnector1">
+            <a:avLst/>
+          </a:prstGeom>
+          <a:ln w="9525">
+            <a:tailEnd type="triangle"/>
+          </a:ln>
+        </p:spPr>
+        <p:style>
+          <a:lnRef idx="1">
+            <a:schemeClr val="dk1"/>
+          </a:lnRef>
+          <a:fillRef idx="0">
+            <a:schemeClr val="dk1"/>
+          </a:fillRef>
+          <a:effectRef idx="0">
+            <a:schemeClr val="dk1"/>
+          </a:effectRef>
+          <a:fontRef idx="minor">
+            <a:schemeClr val="tx1"/>
+          </a:fontRef>
+        </p:style>
+      </p:cxnSp>
+      <p:sp>
+        <p:nvSpPr>
+          <p:cNvPr id="225" name="TextBox 224">
+            <a:extLst>
+              <a:ext uri="{FF2B5EF4-FFF2-40B4-BE49-F238E27FC236}">
+                <a16:creationId xmlns:a16="http://schemas.microsoft.com/office/drawing/2014/main" id="{B0D12F1E-0374-04DE-C48F-5603E5B27B3F}"/>
+              </a:ext>
+            </a:extLst>
+          </p:cNvPr>
+          <p:cNvSpPr txBox="1"/>
+          <p:nvPr/>
+        </p:nvSpPr>
+        <p:spPr>
+          <a:xfrm>
+            <a:off x="18930751" y="20911982"/>
+            <a:ext cx="150495" cy="230832"/>
+          </a:xfrm>
+          <a:prstGeom prst="rect">
+            <a:avLst/>
+          </a:prstGeom>
+          <a:noFill/>
+        </p:spPr>
+        <p:txBody>
+          <a:bodyPr wrap="square" rtlCol="0">
+            <a:spAutoFit/>
+          </a:bodyPr>
+          <a:lstStyle/>
+          <a:p>
+            <a:r>
+              <a:rPr lang="en-US" sz="900" b="1" dirty="0"/>
+              <a:t>C</a:t>
+            </a:r>
+          </a:p>
+        </p:txBody>
+      </p:sp>
+      <p:cxnSp>
+        <p:nvCxnSpPr>
+          <p:cNvPr id="226" name="Straight Arrow Connector 225">
+            <a:extLst>
+              <a:ext uri="{FF2B5EF4-FFF2-40B4-BE49-F238E27FC236}">
+                <a16:creationId xmlns:a16="http://schemas.microsoft.com/office/drawing/2014/main" id="{7400793B-E64A-E17E-1ABE-AF4E1368F948}"/>
+              </a:ext>
+            </a:extLst>
+          </p:cNvPr>
+          <p:cNvCxnSpPr>
+            <a:cxnSpLocks/>
+            <a:stCxn id="219" idx="6"/>
+            <a:endCxn id="220" idx="2"/>
+          </p:cNvCxnSpPr>
+          <p:nvPr/>
+        </p:nvCxnSpPr>
+        <p:spPr>
+          <a:xfrm>
+            <a:off x="19593548" y="20896921"/>
+            <a:ext cx="460916" cy="0"/>
+          </a:xfrm>
+          <a:prstGeom prst="straightConnector1">
+            <a:avLst/>
+          </a:prstGeom>
+          <a:ln w="9525">
+            <a:tailEnd type="triangle"/>
+          </a:ln>
+        </p:spPr>
+        <p:style>
+          <a:lnRef idx="1">
+            <a:schemeClr val="dk1"/>
+          </a:lnRef>
+          <a:fillRef idx="0">
+            <a:schemeClr val="dk1"/>
+          </a:fillRef>
+          <a:effectRef idx="0">
+            <a:schemeClr val="dk1"/>
+          </a:effectRef>
+          <a:fontRef idx="minor">
+            <a:schemeClr val="tx1"/>
+          </a:fontRef>
+        </p:style>
+      </p:cxnSp>
+      <p:cxnSp>
+        <p:nvCxnSpPr>
+          <p:cNvPr id="227" name="Straight Arrow Connector 226">
+            <a:extLst>
+              <a:ext uri="{FF2B5EF4-FFF2-40B4-BE49-F238E27FC236}">
+                <a16:creationId xmlns:a16="http://schemas.microsoft.com/office/drawing/2014/main" id="{7B193566-0DDC-53EF-106C-5AC69F3EBA26}"/>
+              </a:ext>
+            </a:extLst>
+          </p:cNvPr>
+          <p:cNvCxnSpPr>
+            <a:cxnSpLocks/>
+            <a:stCxn id="220" idx="6"/>
+            <a:endCxn id="221" idx="2"/>
+          </p:cNvCxnSpPr>
+          <p:nvPr/>
+        </p:nvCxnSpPr>
+        <p:spPr>
+          <a:xfrm>
+            <a:off x="20420224" y="20896921"/>
+            <a:ext cx="459090" cy="1420"/>
+          </a:xfrm>
+          <a:prstGeom prst="straightConnector1">
+            <a:avLst/>
+          </a:prstGeom>
+          <a:ln w="9525">
+            <a:tailEnd type="triangle"/>
+          </a:ln>
+        </p:spPr>
+        <p:style>
+          <a:lnRef idx="1">
+            <a:schemeClr val="dk1"/>
+          </a:lnRef>
+          <a:fillRef idx="0">
+            <a:schemeClr val="dk1"/>
+          </a:fillRef>
+          <a:effectRef idx="0">
+            <a:schemeClr val="dk1"/>
+          </a:effectRef>
+          <a:fontRef idx="minor">
+            <a:schemeClr val="tx1"/>
+          </a:fontRef>
+        </p:style>
+      </p:cxnSp>
+      <p:sp>
+        <p:nvSpPr>
+          <p:cNvPr id="231" name="TextBox 230">
+            <a:extLst>
+              <a:ext uri="{FF2B5EF4-FFF2-40B4-BE49-F238E27FC236}">
+                <a16:creationId xmlns:a16="http://schemas.microsoft.com/office/drawing/2014/main" id="{69B4F316-D473-1686-DA1D-6095533FCC36}"/>
+              </a:ext>
+            </a:extLst>
+          </p:cNvPr>
+          <p:cNvSpPr txBox="1"/>
+          <p:nvPr/>
+        </p:nvSpPr>
+        <p:spPr>
+          <a:xfrm>
+            <a:off x="19728293" y="20913902"/>
+            <a:ext cx="150495" cy="230832"/>
+          </a:xfrm>
+          <a:prstGeom prst="rect">
+            <a:avLst/>
+          </a:prstGeom>
+          <a:noFill/>
+        </p:spPr>
+        <p:txBody>
+          <a:bodyPr wrap="square" rtlCol="0">
+            <a:spAutoFit/>
+          </a:bodyPr>
+          <a:lstStyle/>
+          <a:p>
+            <a:r>
+              <a:rPr lang="en-US" sz="900" b="1" dirty="0"/>
+              <a:t>C</a:t>
+            </a:r>
+          </a:p>
+        </p:txBody>
+      </p:sp>
+      <p:sp>
+        <p:nvSpPr>
+          <p:cNvPr id="232" name="TextBox 231">
+            <a:extLst>
+              <a:ext uri="{FF2B5EF4-FFF2-40B4-BE49-F238E27FC236}">
+                <a16:creationId xmlns:a16="http://schemas.microsoft.com/office/drawing/2014/main" id="{0423E4C4-CBBC-1700-6730-0461378641C3}"/>
+              </a:ext>
+            </a:extLst>
+          </p:cNvPr>
+          <p:cNvSpPr txBox="1"/>
+          <p:nvPr/>
+        </p:nvSpPr>
+        <p:spPr>
+          <a:xfrm>
+            <a:off x="20559214" y="20963533"/>
+            <a:ext cx="150495" cy="230832"/>
+          </a:xfrm>
+          <a:prstGeom prst="rect">
+            <a:avLst/>
+          </a:prstGeom>
+          <a:noFill/>
+        </p:spPr>
+        <p:txBody>
+          <a:bodyPr wrap="square" rtlCol="0">
+            <a:spAutoFit/>
+          </a:bodyPr>
+          <a:lstStyle/>
+          <a:p>
+            <a:r>
+              <a:rPr lang="en-US" sz="900" b="1" dirty="0"/>
+              <a:t>C</a:t>
+            </a:r>
+          </a:p>
+        </p:txBody>
+      </p:sp>
+      <p:sp>
+        <p:nvSpPr>
+          <p:cNvPr id="233" name="TextBox 232">
+            <a:extLst>
+              <a:ext uri="{FF2B5EF4-FFF2-40B4-BE49-F238E27FC236}">
+                <a16:creationId xmlns:a16="http://schemas.microsoft.com/office/drawing/2014/main" id="{B6CBB7E7-FC87-FA32-4802-7AE4485D25E1}"/>
+              </a:ext>
+            </a:extLst>
+          </p:cNvPr>
+          <p:cNvSpPr txBox="1"/>
+          <p:nvPr/>
+        </p:nvSpPr>
+        <p:spPr>
+          <a:xfrm>
+            <a:off x="21320991" y="20963533"/>
+            <a:ext cx="150495" cy="230832"/>
+          </a:xfrm>
+          <a:prstGeom prst="rect">
+            <a:avLst/>
+          </a:prstGeom>
+          <a:noFill/>
+        </p:spPr>
+        <p:txBody>
+          <a:bodyPr wrap="square" rtlCol="0">
+            <a:spAutoFit/>
+          </a:bodyPr>
+          <a:lstStyle/>
+          <a:p>
+            <a:r>
+              <a:rPr lang="en-US" sz="900" b="1" dirty="0"/>
+              <a:t>C</a:t>
+            </a:r>
+          </a:p>
+        </p:txBody>
+      </p:sp>
+      <p:grpSp>
+        <p:nvGrpSpPr>
+          <p:cNvPr id="235" name="Group 234">
+            <a:extLst>
+              <a:ext uri="{FF2B5EF4-FFF2-40B4-BE49-F238E27FC236}">
+                <a16:creationId xmlns:a16="http://schemas.microsoft.com/office/drawing/2014/main" id="{DFA51E95-DE94-5851-7FD7-A81C96127E1A}"/>
+              </a:ext>
+            </a:extLst>
+          </p:cNvPr>
+          <p:cNvGrpSpPr/>
+          <p:nvPr/>
+        </p:nvGrpSpPr>
+        <p:grpSpPr>
+          <a:xfrm flipV="1">
+            <a:off x="22525680" y="21309486"/>
+            <a:ext cx="429100" cy="298291"/>
+            <a:chOff x="3146836" y="5429126"/>
+            <a:chExt cx="669768" cy="244473"/>
+          </a:xfrm>
+        </p:grpSpPr>
+        <p:cxnSp>
+          <p:nvCxnSpPr>
+            <p:cNvPr id="236" name="Straight Connector 235">
+              <a:extLst>
+                <a:ext uri="{FF2B5EF4-FFF2-40B4-BE49-F238E27FC236}">
+                  <a16:creationId xmlns:a16="http://schemas.microsoft.com/office/drawing/2014/main" id="{87EF4303-7213-79FA-5A96-57C77BA627C9}"/>
+                </a:ext>
+              </a:extLst>
+            </p:cNvPr>
+            <p:cNvCxnSpPr>
+              <a:cxnSpLocks/>
+            </p:cNvCxnSpPr>
+            <p:nvPr/>
+          </p:nvCxnSpPr>
+          <p:spPr>
+            <a:xfrm>
+              <a:off x="3146836" y="5429126"/>
+              <a:ext cx="353972" cy="11986"/>
+            </a:xfrm>
+            <a:prstGeom prst="line">
+              <a:avLst/>
+            </a:prstGeom>
+            <a:ln w="9525"/>
+          </p:spPr>
+          <p:style>
+            <a:lnRef idx="1">
+              <a:schemeClr val="dk1"/>
+            </a:lnRef>
+            <a:fillRef idx="0">
+              <a:schemeClr val="dk1"/>
+            </a:fillRef>
+            <a:effectRef idx="0">
+              <a:schemeClr val="dk1"/>
+            </a:effectRef>
+            <a:fontRef idx="minor">
+              <a:schemeClr val="tx1"/>
+            </a:fontRef>
+          </p:style>
+        </p:cxnSp>
+        <p:cxnSp>
+          <p:nvCxnSpPr>
+            <p:cNvPr id="237" name="Straight Arrow Connector 236">
+              <a:extLst>
+                <a:ext uri="{FF2B5EF4-FFF2-40B4-BE49-F238E27FC236}">
+                  <a16:creationId xmlns:a16="http://schemas.microsoft.com/office/drawing/2014/main" id="{4ECDD0F6-E9C4-1B1A-E3A7-6B6ADDD57C80}"/>
+                </a:ext>
+              </a:extLst>
+            </p:cNvPr>
+            <p:cNvCxnSpPr>
+              <a:cxnSpLocks/>
+            </p:cNvCxnSpPr>
+            <p:nvPr/>
+          </p:nvCxnSpPr>
+          <p:spPr>
+            <a:xfrm>
+              <a:off x="3500808" y="5441112"/>
+              <a:ext cx="315796" cy="232487"/>
+            </a:xfrm>
+            <a:prstGeom prst="straightConnector1">
+              <a:avLst/>
+            </a:prstGeom>
+            <a:ln w="9525">
+              <a:tailEnd type="triangle"/>
+            </a:ln>
+          </p:spPr>
+          <p:style>
+            <a:lnRef idx="1">
+              <a:schemeClr val="dk1"/>
+            </a:lnRef>
+            <a:fillRef idx="0">
+              <a:schemeClr val="dk1"/>
+            </a:fillRef>
+            <a:effectRef idx="0">
+              <a:schemeClr val="dk1"/>
+            </a:effectRef>
+            <a:fontRef idx="minor">
+              <a:schemeClr val="tx1"/>
+            </a:fontRef>
+          </p:style>
+        </p:cxnSp>
+      </p:grpSp>
+      <p:grpSp>
+        <p:nvGrpSpPr>
+          <p:cNvPr id="238" name="Group 237">
+            <a:extLst>
+              <a:ext uri="{FF2B5EF4-FFF2-40B4-BE49-F238E27FC236}">
+                <a16:creationId xmlns:a16="http://schemas.microsoft.com/office/drawing/2014/main" id="{CF632805-11C3-0616-F0F2-1C34D17BD2C9}"/>
+              </a:ext>
+            </a:extLst>
+          </p:cNvPr>
+          <p:cNvGrpSpPr/>
+          <p:nvPr/>
+        </p:nvGrpSpPr>
+        <p:grpSpPr>
+          <a:xfrm flipV="1">
+            <a:off x="2571322" y="5211240"/>
+            <a:ext cx="1020161" cy="540872"/>
+            <a:chOff x="2991742" y="5441112"/>
+            <a:chExt cx="855662" cy="464974"/>
+          </a:xfrm>
+        </p:grpSpPr>
+        <p:cxnSp>
+          <p:nvCxnSpPr>
+            <p:cNvPr id="239" name="Straight Connector 238">
+              <a:extLst>
+                <a:ext uri="{FF2B5EF4-FFF2-40B4-BE49-F238E27FC236}">
+                  <a16:creationId xmlns:a16="http://schemas.microsoft.com/office/drawing/2014/main" id="{F48CB3DC-1AC3-0FC9-6E81-EC96968F6CDF}"/>
+                </a:ext>
+              </a:extLst>
+            </p:cNvPr>
+            <p:cNvCxnSpPr>
+              <a:cxnSpLocks/>
+            </p:cNvCxnSpPr>
+            <p:nvPr/>
+          </p:nvCxnSpPr>
+          <p:spPr>
+            <a:xfrm>
+              <a:off x="2991742" y="5441112"/>
+              <a:ext cx="509065" cy="0"/>
+            </a:xfrm>
+            <a:prstGeom prst="line">
+              <a:avLst/>
+            </a:prstGeom>
+            <a:ln w="9525"/>
+          </p:spPr>
+          <p:style>
+            <a:lnRef idx="1">
+              <a:schemeClr val="dk1"/>
+            </a:lnRef>
+            <a:fillRef idx="0">
+              <a:schemeClr val="dk1"/>
+            </a:fillRef>
+            <a:effectRef idx="0">
+              <a:schemeClr val="dk1"/>
+            </a:effectRef>
+            <a:fontRef idx="minor">
+              <a:schemeClr val="tx1"/>
+            </a:fontRef>
+          </p:style>
+        </p:cxnSp>
+        <p:cxnSp>
+          <p:nvCxnSpPr>
+            <p:cNvPr id="240" name="Straight Arrow Connector 239">
+              <a:extLst>
+                <a:ext uri="{FF2B5EF4-FFF2-40B4-BE49-F238E27FC236}">
+                  <a16:creationId xmlns:a16="http://schemas.microsoft.com/office/drawing/2014/main" id="{94A95B2C-F16E-19FB-8F1D-CB187FCB176E}"/>
+                </a:ext>
+              </a:extLst>
+            </p:cNvPr>
+            <p:cNvCxnSpPr>
+              <a:cxnSpLocks/>
+            </p:cNvCxnSpPr>
+            <p:nvPr/>
+          </p:nvCxnSpPr>
+          <p:spPr>
+            <a:xfrm>
+              <a:off x="3500807" y="5441112"/>
+              <a:ext cx="346597" cy="464974"/>
+            </a:xfrm>
+            <a:prstGeom prst="straightConnector1">
+              <a:avLst/>
+            </a:prstGeom>
+            <a:ln w="9525">
+              <a:tailEnd type="triangle"/>
+            </a:ln>
+          </p:spPr>
+          <p:style>
+            <a:lnRef idx="1">
+              <a:schemeClr val="dk1"/>
+            </a:lnRef>
+            <a:fillRef idx="0">
+              <a:schemeClr val="dk1"/>
+            </a:fillRef>
+            <a:effectRef idx="0">
+              <a:schemeClr val="dk1"/>
+            </a:effectRef>
+            <a:fontRef idx="minor">
+              <a:schemeClr val="tx1"/>
+            </a:fontRef>
+          </p:style>
+        </p:cxnSp>
+      </p:grpSp>
+      <p:grpSp>
+        <p:nvGrpSpPr>
+          <p:cNvPr id="241" name="Group 240">
+            <a:extLst>
+              <a:ext uri="{FF2B5EF4-FFF2-40B4-BE49-F238E27FC236}">
+                <a16:creationId xmlns:a16="http://schemas.microsoft.com/office/drawing/2014/main" id="{7315313A-99D3-1E1F-C03C-FA07FBDE5F56}"/>
+              </a:ext>
+            </a:extLst>
+          </p:cNvPr>
+          <p:cNvGrpSpPr/>
+          <p:nvPr/>
+        </p:nvGrpSpPr>
+        <p:grpSpPr>
+          <a:xfrm flipV="1">
+            <a:off x="754895" y="5376650"/>
+            <a:ext cx="1026847" cy="1090279"/>
+            <a:chOff x="3007396" y="5441112"/>
+            <a:chExt cx="1026847" cy="654888"/>
+          </a:xfrm>
+        </p:grpSpPr>
+        <p:cxnSp>
+          <p:nvCxnSpPr>
+            <p:cNvPr id="242" name="Straight Connector 241">
+              <a:extLst>
+                <a:ext uri="{FF2B5EF4-FFF2-40B4-BE49-F238E27FC236}">
+                  <a16:creationId xmlns:a16="http://schemas.microsoft.com/office/drawing/2014/main" id="{C790CC5B-8994-D26D-DF7B-14EA29D8CD3B}"/>
+                </a:ext>
+              </a:extLst>
+            </p:cNvPr>
+            <p:cNvCxnSpPr>
+              <a:cxnSpLocks/>
+            </p:cNvCxnSpPr>
+            <p:nvPr/>
+          </p:nvCxnSpPr>
+          <p:spPr>
+            <a:xfrm flipV="1">
+              <a:off x="3007396" y="5441112"/>
+              <a:ext cx="493411" cy="654888"/>
+            </a:xfrm>
+            <a:prstGeom prst="line">
+              <a:avLst/>
+            </a:prstGeom>
+            <a:ln w="9525"/>
+          </p:spPr>
+          <p:style>
+            <a:lnRef idx="1">
+              <a:schemeClr val="dk1"/>
+            </a:lnRef>
+            <a:fillRef idx="0">
+              <a:schemeClr val="dk1"/>
+            </a:fillRef>
+            <a:effectRef idx="0">
+              <a:schemeClr val="dk1"/>
+            </a:effectRef>
+            <a:fontRef idx="minor">
+              <a:schemeClr val="tx1"/>
+            </a:fontRef>
+          </p:style>
+        </p:cxnSp>
+        <p:cxnSp>
+          <p:nvCxnSpPr>
+            <p:cNvPr id="243" name="Straight Arrow Connector 242">
+              <a:extLst>
+                <a:ext uri="{FF2B5EF4-FFF2-40B4-BE49-F238E27FC236}">
+                  <a16:creationId xmlns:a16="http://schemas.microsoft.com/office/drawing/2014/main" id="{7DA5498A-727A-8906-0B7C-718659C75FF8}"/>
                 </a:ext>
               </a:extLst>
             </p:cNvPr>

--- a/Graphs/NFA/NFA Drawing/full NFA.pptx
+++ b/Graphs/NFA/NFA Drawing/full NFA.pptx
@@ -243,7 +243,7 @@
           <a:p>
             <a:fld id="{3F93DD2E-470F-489C-B0E3-BD195B6FD9FF}" type="datetimeFigureOut">
               <a:rPr lang="en-US" smtClean="0"/>
-              <a:t>15-May-22</a:t>
+              <a:t>5/16/2022</a:t>
             </a:fld>
             <a:endParaRPr lang="en-US"/>
           </a:p>
@@ -413,7 +413,7 @@
           <a:p>
             <a:fld id="{3F93DD2E-470F-489C-B0E3-BD195B6FD9FF}" type="datetimeFigureOut">
               <a:rPr lang="en-US" smtClean="0"/>
-              <a:t>15-May-22</a:t>
+              <a:t>5/16/2022</a:t>
             </a:fld>
             <a:endParaRPr lang="en-US"/>
           </a:p>
@@ -593,7 +593,7 @@
           <a:p>
             <a:fld id="{3F93DD2E-470F-489C-B0E3-BD195B6FD9FF}" type="datetimeFigureOut">
               <a:rPr lang="en-US" smtClean="0"/>
-              <a:t>15-May-22</a:t>
+              <a:t>5/16/2022</a:t>
             </a:fld>
             <a:endParaRPr lang="en-US"/>
           </a:p>
@@ -763,7 +763,7 @@
           <a:p>
             <a:fld id="{3F93DD2E-470F-489C-B0E3-BD195B6FD9FF}" type="datetimeFigureOut">
               <a:rPr lang="en-US" smtClean="0"/>
-              <a:t>15-May-22</a:t>
+              <a:t>5/16/2022</a:t>
             </a:fld>
             <a:endParaRPr lang="en-US"/>
           </a:p>
@@ -1007,7 +1007,7 @@
           <a:p>
             <a:fld id="{3F93DD2E-470F-489C-B0E3-BD195B6FD9FF}" type="datetimeFigureOut">
               <a:rPr lang="en-US" smtClean="0"/>
-              <a:t>15-May-22</a:t>
+              <a:t>5/16/2022</a:t>
             </a:fld>
             <a:endParaRPr lang="en-US"/>
           </a:p>
@@ -1239,7 +1239,7 @@
           <a:p>
             <a:fld id="{3F93DD2E-470F-489C-B0E3-BD195B6FD9FF}" type="datetimeFigureOut">
               <a:rPr lang="en-US" smtClean="0"/>
-              <a:t>15-May-22</a:t>
+              <a:t>5/16/2022</a:t>
             </a:fld>
             <a:endParaRPr lang="en-US"/>
           </a:p>
@@ -1606,7 +1606,7 @@
           <a:p>
             <a:fld id="{3F93DD2E-470F-489C-B0E3-BD195B6FD9FF}" type="datetimeFigureOut">
               <a:rPr lang="en-US" smtClean="0"/>
-              <a:t>15-May-22</a:t>
+              <a:t>5/16/2022</a:t>
             </a:fld>
             <a:endParaRPr lang="en-US"/>
           </a:p>
@@ -1724,7 +1724,7 @@
           <a:p>
             <a:fld id="{3F93DD2E-470F-489C-B0E3-BD195B6FD9FF}" type="datetimeFigureOut">
               <a:rPr lang="en-US" smtClean="0"/>
-              <a:t>15-May-22</a:t>
+              <a:t>5/16/2022</a:t>
             </a:fld>
             <a:endParaRPr lang="en-US"/>
           </a:p>
@@ -1819,7 +1819,7 @@
           <a:p>
             <a:fld id="{3F93DD2E-470F-489C-B0E3-BD195B6FD9FF}" type="datetimeFigureOut">
               <a:rPr lang="en-US" smtClean="0"/>
-              <a:t>15-May-22</a:t>
+              <a:t>5/16/2022</a:t>
             </a:fld>
             <a:endParaRPr lang="en-US"/>
           </a:p>
@@ -2096,7 +2096,7 @@
           <a:p>
             <a:fld id="{3F93DD2E-470F-489C-B0E3-BD195B6FD9FF}" type="datetimeFigureOut">
               <a:rPr lang="en-US" smtClean="0"/>
-              <a:t>15-May-22</a:t>
+              <a:t>5/16/2022</a:t>
             </a:fld>
             <a:endParaRPr lang="en-US"/>
           </a:p>
@@ -2353,7 +2353,7 @@
           <a:p>
             <a:fld id="{3F93DD2E-470F-489C-B0E3-BD195B6FD9FF}" type="datetimeFigureOut">
               <a:rPr lang="en-US" smtClean="0"/>
-              <a:t>15-May-22</a:t>
+              <a:t>5/16/2022</a:t>
             </a:fld>
             <a:endParaRPr lang="en-US"/>
           </a:p>
@@ -2566,7 +2566,7 @@
           <a:p>
             <a:fld id="{3F93DD2E-470F-489C-B0E3-BD195B6FD9FF}" type="datetimeFigureOut">
               <a:rPr lang="en-US" smtClean="0"/>
-              <a:t>15-May-22</a:t>
+              <a:t>5/16/2022</a:t>
             </a:fld>
             <a:endParaRPr lang="en-US"/>
           </a:p>
@@ -7822,7 +7822,7 @@
           <a:p>
             <a:r>
               <a:rPr lang="en-US" sz="900" b="1" dirty="0"/>
-              <a:t>C</a:t>
+              <a:t>I</a:t>
             </a:r>
           </a:p>
         </p:txBody>
@@ -7900,7 +7900,7 @@
           <a:p>
             <a:r>
               <a:rPr lang="en-US" sz="900" b="1" dirty="0"/>
-              <a:t>C</a:t>
+              <a:t>l</a:t>
             </a:r>
           </a:p>
         </p:txBody>
@@ -8122,7 +8122,7 @@
           <a:p>
             <a:r>
               <a:rPr lang="en-US" sz="900" b="1" dirty="0"/>
-              <a:t>C</a:t>
+              <a:t>a</a:t>
             </a:r>
           </a:p>
         </p:txBody>
@@ -8157,7 +8157,7 @@
           <a:p>
             <a:r>
               <a:rPr lang="en-US" sz="900" b="1" dirty="0"/>
-              <a:t>C</a:t>
+              <a:t>p</a:t>
             </a:r>
           </a:p>
         </p:txBody>
@@ -8177,7 +8177,7 @@
         <p:spPr>
           <a:xfrm>
             <a:off x="26885255" y="20150058"/>
-            <a:ext cx="150495" cy="230832"/>
+            <a:ext cx="150495" cy="369332"/>
           </a:xfrm>
           <a:prstGeom prst="rect">
             <a:avLst/>
@@ -8191,9 +8191,10 @@
           <a:lstStyle/>
           <a:p>
             <a:r>
-              <a:rPr lang="en-US" sz="900" b="1" dirty="0"/>
-              <a:t>C</a:t>
+              <a:rPr lang="en-US" dirty="0"/>
+              <a:t>ε</a:t>
             </a:r>
+            <a:endParaRPr lang="en-US" sz="900" b="1" dirty="0"/>
           </a:p>
         </p:txBody>
       </p:sp>
@@ -8618,7 +8619,7 @@
           <a:p>
             <a:r>
               <a:rPr lang="en-US" sz="900" b="1" dirty="0"/>
-              <a:t>C</a:t>
+              <a:t>l</a:t>
             </a:r>
           </a:p>
         </p:txBody>
@@ -8711,10 +8712,10 @@
       </p:cxnSp>
       <p:sp>
         <p:nvSpPr>
-          <p:cNvPr id="231" name="TextBox 230">
-            <a:extLst>
-              <a:ext uri="{FF2B5EF4-FFF2-40B4-BE49-F238E27FC236}">
-                <a16:creationId xmlns:a16="http://schemas.microsoft.com/office/drawing/2014/main" id="{69B4F316-D473-1686-DA1D-6095533FCC36}"/>
+          <p:cNvPr id="232" name="TextBox 231">
+            <a:extLst>
+              <a:ext uri="{FF2B5EF4-FFF2-40B4-BE49-F238E27FC236}">
+                <a16:creationId xmlns:a16="http://schemas.microsoft.com/office/drawing/2014/main" id="{0423E4C4-CBBC-1700-6730-0461378641C3}"/>
               </a:ext>
             </a:extLst>
           </p:cNvPr>
@@ -8723,7 +8724,7 @@
         </p:nvSpPr>
         <p:spPr>
           <a:xfrm>
-            <a:off x="25320312" y="20861988"/>
+            <a:off x="26151233" y="20911619"/>
             <a:ext cx="150495" cy="230832"/>
           </a:xfrm>
           <a:prstGeom prst="rect">
@@ -8739,17 +8740,17 @@
           <a:p>
             <a:r>
               <a:rPr lang="en-US" sz="900" b="1" dirty="0"/>
-              <a:t>C</a:t>
+              <a:t>p</a:t>
             </a:r>
           </a:p>
         </p:txBody>
       </p:sp>
       <p:sp>
         <p:nvSpPr>
-          <p:cNvPr id="232" name="TextBox 231">
-            <a:extLst>
-              <a:ext uri="{FF2B5EF4-FFF2-40B4-BE49-F238E27FC236}">
-                <a16:creationId xmlns:a16="http://schemas.microsoft.com/office/drawing/2014/main" id="{0423E4C4-CBBC-1700-6730-0461378641C3}"/>
+          <p:cNvPr id="233" name="TextBox 232">
+            <a:extLst>
+              <a:ext uri="{FF2B5EF4-FFF2-40B4-BE49-F238E27FC236}">
+                <a16:creationId xmlns:a16="http://schemas.microsoft.com/office/drawing/2014/main" id="{B6CBB7E7-FC87-FA32-4802-7AE4485D25E1}"/>
               </a:ext>
             </a:extLst>
           </p:cNvPr>
@@ -8758,8 +8759,8 @@
         </p:nvSpPr>
         <p:spPr>
           <a:xfrm>
-            <a:off x="26151233" y="20911619"/>
-            <a:ext cx="150495" cy="230832"/>
+            <a:off x="26932042" y="20875951"/>
+            <a:ext cx="150495" cy="369332"/>
           </a:xfrm>
           <a:prstGeom prst="rect">
             <a:avLst/>
@@ -8773,44 +8774,10 @@
           <a:lstStyle/>
           <a:p>
             <a:r>
-              <a:rPr lang="en-US" sz="900" b="1" dirty="0"/>
-              <a:t>C</a:t>
+              <a:rPr lang="en-US"/>
+              <a:t>ε</a:t>
             </a:r>
-          </a:p>
-        </p:txBody>
-      </p:sp>
-      <p:sp>
-        <p:nvSpPr>
-          <p:cNvPr id="233" name="TextBox 232">
-            <a:extLst>
-              <a:ext uri="{FF2B5EF4-FFF2-40B4-BE49-F238E27FC236}">
-                <a16:creationId xmlns:a16="http://schemas.microsoft.com/office/drawing/2014/main" id="{B6CBB7E7-FC87-FA32-4802-7AE4485D25E1}"/>
-              </a:ext>
-            </a:extLst>
-          </p:cNvPr>
-          <p:cNvSpPr txBox="1"/>
-          <p:nvPr/>
-        </p:nvSpPr>
-        <p:spPr>
-          <a:xfrm>
-            <a:off x="26932042" y="20875951"/>
-            <a:ext cx="150495" cy="230832"/>
-          </a:xfrm>
-          <a:prstGeom prst="rect">
-            <a:avLst/>
-          </a:prstGeom>
-          <a:noFill/>
-        </p:spPr>
-        <p:txBody>
-          <a:bodyPr wrap="square" rtlCol="0">
-            <a:spAutoFit/>
-          </a:bodyPr>
-          <a:lstStyle/>
-          <a:p>
-            <a:r>
-              <a:rPr lang="en-US" sz="900" b="1" dirty="0"/>
-              <a:t>C</a:t>
-            </a:r>
+            <a:endParaRPr lang="en-US" sz="900" b="1" dirty="0"/>
           </a:p>
         </p:txBody>
       </p:sp>
@@ -9565,7 +9532,7 @@
           <a:p>
             <a:r>
               <a:rPr lang="en-US" sz="900" b="1" dirty="0"/>
-              <a:t>C</a:t>
+              <a:t>N</a:t>
             </a:r>
           </a:p>
         </p:txBody>
@@ -9613,12 +9580,98 @@
           </a:fontRef>
         </p:style>
       </p:cxnSp>
+      <p:cxnSp>
+        <p:nvCxnSpPr>
+          <p:cNvPr id="210" name="Straight Arrow Connector 209">
+            <a:extLst>
+              <a:ext uri="{FF2B5EF4-FFF2-40B4-BE49-F238E27FC236}">
+                <a16:creationId xmlns:a16="http://schemas.microsoft.com/office/drawing/2014/main" id="{FEEEAEA7-8040-F075-C2E4-A2718F1E74F6}"/>
+              </a:ext>
+            </a:extLst>
+          </p:cNvPr>
+          <p:cNvCxnSpPr>
+            <a:cxnSpLocks/>
+            <a:stCxn id="203" idx="6"/>
+            <a:endCxn id="204" idx="2"/>
+          </p:cNvCxnSpPr>
+          <p:nvPr/>
+        </p:nvCxnSpPr>
+        <p:spPr>
+          <a:xfrm>
+            <a:off x="25185567" y="21550899"/>
+            <a:ext cx="460916" cy="0"/>
+          </a:xfrm>
+          <a:prstGeom prst="straightConnector1">
+            <a:avLst/>
+          </a:prstGeom>
+          <a:ln w="9525">
+            <a:tailEnd type="triangle"/>
+          </a:ln>
+        </p:spPr>
+        <p:style>
+          <a:lnRef idx="1">
+            <a:schemeClr val="dk1"/>
+          </a:lnRef>
+          <a:fillRef idx="0">
+            <a:schemeClr val="dk1"/>
+          </a:fillRef>
+          <a:effectRef idx="0">
+            <a:schemeClr val="dk1"/>
+          </a:effectRef>
+          <a:fontRef idx="minor">
+            <a:schemeClr val="tx1"/>
+          </a:fontRef>
+        </p:style>
+      </p:cxnSp>
+      <p:cxnSp>
+        <p:nvCxnSpPr>
+          <p:cNvPr id="211" name="Straight Arrow Connector 210">
+            <a:extLst>
+              <a:ext uri="{FF2B5EF4-FFF2-40B4-BE49-F238E27FC236}">
+                <a16:creationId xmlns:a16="http://schemas.microsoft.com/office/drawing/2014/main" id="{8F002856-6CAC-EDA3-1C25-34EDC623295C}"/>
+              </a:ext>
+            </a:extLst>
+          </p:cNvPr>
+          <p:cNvCxnSpPr>
+            <a:cxnSpLocks/>
+            <a:stCxn id="204" idx="6"/>
+            <a:endCxn id="205" idx="2"/>
+          </p:cNvCxnSpPr>
+          <p:nvPr/>
+        </p:nvCxnSpPr>
+        <p:spPr>
+          <a:xfrm>
+            <a:off x="26012243" y="21550899"/>
+            <a:ext cx="459090" cy="1420"/>
+          </a:xfrm>
+          <a:prstGeom prst="straightConnector1">
+            <a:avLst/>
+          </a:prstGeom>
+          <a:ln w="9525">
+            <a:tailEnd type="triangle"/>
+          </a:ln>
+        </p:spPr>
+        <p:style>
+          <a:lnRef idx="1">
+            <a:schemeClr val="dk1"/>
+          </a:lnRef>
+          <a:fillRef idx="0">
+            <a:schemeClr val="dk1"/>
+          </a:fillRef>
+          <a:effectRef idx="0">
+            <a:schemeClr val="dk1"/>
+          </a:effectRef>
+          <a:fontRef idx="minor">
+            <a:schemeClr val="tx1"/>
+          </a:fontRef>
+        </p:style>
+      </p:cxnSp>
       <p:sp>
         <p:nvSpPr>
-          <p:cNvPr id="209" name="TextBox 208">
-            <a:extLst>
-              <a:ext uri="{FF2B5EF4-FFF2-40B4-BE49-F238E27FC236}">
-                <a16:creationId xmlns:a16="http://schemas.microsoft.com/office/drawing/2014/main" id="{197E7B63-2412-AC8D-413C-E5942A7CD39C}"/>
+          <p:cNvPr id="212" name="TextBox 211">
+            <a:extLst>
+              <a:ext uri="{FF2B5EF4-FFF2-40B4-BE49-F238E27FC236}">
+                <a16:creationId xmlns:a16="http://schemas.microsoft.com/office/drawing/2014/main" id="{1B8D5466-8277-2BC2-4065-DA881106DFD6}"/>
               </a:ext>
             </a:extLst>
           </p:cNvPr>
@@ -9627,7 +9680,7 @@
         </p:nvSpPr>
         <p:spPr>
           <a:xfrm>
-            <a:off x="24522770" y="21565960"/>
+            <a:off x="25320312" y="21567880"/>
             <a:ext cx="150495" cy="230832"/>
           </a:xfrm>
           <a:prstGeom prst="rect">
@@ -9643,103 +9696,17 @@
           <a:p>
             <a:r>
               <a:rPr lang="en-US" sz="900" b="1" dirty="0"/>
-              <a:t>C</a:t>
+              <a:t>n</a:t>
             </a:r>
           </a:p>
         </p:txBody>
       </p:sp>
-      <p:cxnSp>
-        <p:nvCxnSpPr>
-          <p:cNvPr id="210" name="Straight Arrow Connector 209">
-            <a:extLst>
-              <a:ext uri="{FF2B5EF4-FFF2-40B4-BE49-F238E27FC236}">
-                <a16:creationId xmlns:a16="http://schemas.microsoft.com/office/drawing/2014/main" id="{FEEEAEA7-8040-F075-C2E4-A2718F1E74F6}"/>
-              </a:ext>
-            </a:extLst>
-          </p:cNvPr>
-          <p:cNvCxnSpPr>
-            <a:cxnSpLocks/>
-            <a:stCxn id="203" idx="6"/>
-            <a:endCxn id="204" idx="2"/>
-          </p:cNvCxnSpPr>
-          <p:nvPr/>
-        </p:nvCxnSpPr>
-        <p:spPr>
-          <a:xfrm>
-            <a:off x="25185567" y="21550899"/>
-            <a:ext cx="460916" cy="0"/>
-          </a:xfrm>
-          <a:prstGeom prst="straightConnector1">
-            <a:avLst/>
-          </a:prstGeom>
-          <a:ln w="9525">
-            <a:tailEnd type="triangle"/>
-          </a:ln>
-        </p:spPr>
-        <p:style>
-          <a:lnRef idx="1">
-            <a:schemeClr val="dk1"/>
-          </a:lnRef>
-          <a:fillRef idx="0">
-            <a:schemeClr val="dk1"/>
-          </a:fillRef>
-          <a:effectRef idx="0">
-            <a:schemeClr val="dk1"/>
-          </a:effectRef>
-          <a:fontRef idx="minor">
-            <a:schemeClr val="tx1"/>
-          </a:fontRef>
-        </p:style>
-      </p:cxnSp>
-      <p:cxnSp>
-        <p:nvCxnSpPr>
-          <p:cNvPr id="211" name="Straight Arrow Connector 210">
-            <a:extLst>
-              <a:ext uri="{FF2B5EF4-FFF2-40B4-BE49-F238E27FC236}">
-                <a16:creationId xmlns:a16="http://schemas.microsoft.com/office/drawing/2014/main" id="{8F002856-6CAC-EDA3-1C25-34EDC623295C}"/>
-              </a:ext>
-            </a:extLst>
-          </p:cNvPr>
-          <p:cNvCxnSpPr>
-            <a:cxnSpLocks/>
-            <a:stCxn id="204" idx="6"/>
-            <a:endCxn id="205" idx="2"/>
-          </p:cNvCxnSpPr>
-          <p:nvPr/>
-        </p:nvCxnSpPr>
-        <p:spPr>
-          <a:xfrm>
-            <a:off x="26012243" y="21550899"/>
-            <a:ext cx="459090" cy="1420"/>
-          </a:xfrm>
-          <a:prstGeom prst="straightConnector1">
-            <a:avLst/>
-          </a:prstGeom>
-          <a:ln w="9525">
-            <a:tailEnd type="triangle"/>
-          </a:ln>
-        </p:spPr>
-        <p:style>
-          <a:lnRef idx="1">
-            <a:schemeClr val="dk1"/>
-          </a:lnRef>
-          <a:fillRef idx="0">
-            <a:schemeClr val="dk1"/>
-          </a:fillRef>
-          <a:effectRef idx="0">
-            <a:schemeClr val="dk1"/>
-          </a:effectRef>
-          <a:fontRef idx="minor">
-            <a:schemeClr val="tx1"/>
-          </a:fontRef>
-        </p:style>
-      </p:cxnSp>
       <p:sp>
         <p:nvSpPr>
-          <p:cNvPr id="212" name="TextBox 211">
-            <a:extLst>
-              <a:ext uri="{FF2B5EF4-FFF2-40B4-BE49-F238E27FC236}">
-                <a16:creationId xmlns:a16="http://schemas.microsoft.com/office/drawing/2014/main" id="{1B8D5466-8277-2BC2-4065-DA881106DFD6}"/>
+          <p:cNvPr id="228" name="TextBox 227">
+            <a:extLst>
+              <a:ext uri="{FF2B5EF4-FFF2-40B4-BE49-F238E27FC236}">
+                <a16:creationId xmlns:a16="http://schemas.microsoft.com/office/drawing/2014/main" id="{3BB2C4D8-E4B2-AFE0-C3B3-1482F3A87818}"/>
               </a:ext>
             </a:extLst>
           </p:cNvPr>
@@ -9748,7 +9715,7 @@
         </p:nvSpPr>
         <p:spPr>
           <a:xfrm>
-            <a:off x="25320312" y="21567880"/>
+            <a:off x="26151233" y="21617511"/>
             <a:ext cx="150495" cy="230832"/>
           </a:xfrm>
           <a:prstGeom prst="rect">
@@ -9764,17 +9731,17 @@
           <a:p>
             <a:r>
               <a:rPr lang="en-US" sz="900" b="1" dirty="0"/>
-              <a:t>C</a:t>
+              <a:t>e</a:t>
             </a:r>
           </a:p>
         </p:txBody>
       </p:sp>
       <p:sp>
         <p:nvSpPr>
-          <p:cNvPr id="228" name="TextBox 227">
-            <a:extLst>
-              <a:ext uri="{FF2B5EF4-FFF2-40B4-BE49-F238E27FC236}">
-                <a16:creationId xmlns:a16="http://schemas.microsoft.com/office/drawing/2014/main" id="{3BB2C4D8-E4B2-AFE0-C3B3-1482F3A87818}"/>
+          <p:cNvPr id="229" name="TextBox 228">
+            <a:extLst>
+              <a:ext uri="{FF2B5EF4-FFF2-40B4-BE49-F238E27FC236}">
+                <a16:creationId xmlns:a16="http://schemas.microsoft.com/office/drawing/2014/main" id="{B03231B3-1F3E-9EB2-34A2-0E36DD1F4B6A}"/>
               </a:ext>
             </a:extLst>
           </p:cNvPr>
@@ -9783,8 +9750,8 @@
         </p:nvSpPr>
         <p:spPr>
           <a:xfrm>
-            <a:off x="26151233" y="21617511"/>
-            <a:ext cx="150495" cy="230832"/>
+            <a:off x="26825915" y="21547207"/>
+            <a:ext cx="150495" cy="369332"/>
           </a:xfrm>
           <a:prstGeom prst="rect">
             <a:avLst/>
@@ -9798,44 +9765,10 @@
           <a:lstStyle/>
           <a:p>
             <a:r>
-              <a:rPr lang="en-US" sz="900" b="1" dirty="0"/>
-              <a:t>C</a:t>
+              <a:rPr lang="en-US" dirty="0"/>
+              <a:t>ε</a:t>
             </a:r>
-          </a:p>
-        </p:txBody>
-      </p:sp>
-      <p:sp>
-        <p:nvSpPr>
-          <p:cNvPr id="229" name="TextBox 228">
-            <a:extLst>
-              <a:ext uri="{FF2B5EF4-FFF2-40B4-BE49-F238E27FC236}">
-                <a16:creationId xmlns:a16="http://schemas.microsoft.com/office/drawing/2014/main" id="{B03231B3-1F3E-9EB2-34A2-0E36DD1F4B6A}"/>
-              </a:ext>
-            </a:extLst>
-          </p:cNvPr>
-          <p:cNvSpPr txBox="1"/>
-          <p:nvPr/>
-        </p:nvSpPr>
-        <p:spPr>
-          <a:xfrm>
-            <a:off x="26825915" y="21547207"/>
-            <a:ext cx="150495" cy="230832"/>
-          </a:xfrm>
-          <a:prstGeom prst="rect">
-            <a:avLst/>
-          </a:prstGeom>
-          <a:noFill/>
-        </p:spPr>
-        <p:txBody>
-          <a:bodyPr wrap="square" rtlCol="0">
-            <a:spAutoFit/>
-          </a:bodyPr>
-          <a:lstStyle/>
-          <a:p>
-            <a:r>
-              <a:rPr lang="en-US" sz="900" b="1" dirty="0"/>
-              <a:t>C</a:t>
-            </a:r>
+            <a:endParaRPr lang="en-US" sz="900" b="1" dirty="0"/>
           </a:p>
         </p:txBody>
       </p:sp>
@@ -10285,7 +10218,7 @@
           <a:p>
             <a:r>
               <a:rPr lang="en-US" sz="900" b="1" dirty="0"/>
-              <a:t>C</a:t>
+              <a:t>S</a:t>
             </a:r>
           </a:p>
         </p:txBody>
@@ -10363,7 +10296,7 @@
           <a:p>
             <a:r>
               <a:rPr lang="en-US" sz="900" b="1" dirty="0"/>
-              <a:t>C</a:t>
+              <a:t>e</a:t>
             </a:r>
           </a:p>
         </p:txBody>
@@ -10484,7 +10417,7 @@
           <a:p>
             <a:r>
               <a:rPr lang="en-US" sz="900" b="1" dirty="0"/>
-              <a:t>C</a:t>
+              <a:t>o</a:t>
             </a:r>
           </a:p>
         </p:txBody>
@@ -10519,7 +10452,7 @@
           <a:p>
             <a:r>
               <a:rPr lang="en-US" sz="900" b="1" dirty="0"/>
-              <a:t>C</a:t>
+              <a:t>p</a:t>
             </a:r>
           </a:p>
         </p:txBody>
@@ -10539,7 +10472,7 @@
         <p:spPr>
           <a:xfrm>
             <a:off x="26844947" y="22292836"/>
-            <a:ext cx="150495" cy="230832"/>
+            <a:ext cx="150495" cy="369332"/>
           </a:xfrm>
           <a:prstGeom prst="rect">
             <a:avLst/>
@@ -10553,9 +10486,10 @@
           <a:lstStyle/>
           <a:p>
             <a:r>
-              <a:rPr lang="en-US" sz="900" b="1" dirty="0"/>
-              <a:t>C</a:t>
+              <a:rPr lang="en-US" dirty="0"/>
+              <a:t>ε</a:t>
             </a:r>
+            <a:endParaRPr lang="en-US" sz="900" b="1" dirty="0"/>
           </a:p>
         </p:txBody>
       </p:sp>
@@ -11303,7 +11237,7 @@
           <a:p>
             <a:r>
               <a:rPr lang="en-US" sz="900" b="1" dirty="0"/>
-              <a:t>C</a:t>
+              <a:t>I</a:t>
             </a:r>
           </a:p>
         </p:txBody>
@@ -11338,7 +11272,7 @@
           <a:p>
             <a:r>
               <a:rPr lang="en-US" sz="900" b="1" dirty="0"/>
-              <a:t>C</a:t>
+              <a:t>f</a:t>
             </a:r>
           </a:p>
         </p:txBody>
@@ -11372,9 +11306,10 @@
           <a:lstStyle/>
           <a:p>
             <a:r>
-              <a:rPr lang="en-US" sz="900" b="1" dirty="0"/>
-              <a:t>C</a:t>
+              <a:rPr lang="en-US" sz="900" dirty="0"/>
+              <a:t>ε</a:t>
             </a:r>
+            <a:endParaRPr lang="en-US" sz="800" b="1" dirty="0"/>
           </a:p>
         </p:txBody>
       </p:sp>
@@ -11407,9 +11342,10 @@
           <a:lstStyle/>
           <a:p>
             <a:r>
-              <a:rPr lang="en-US" sz="900" b="1" dirty="0"/>
-              <a:t>C</a:t>
+              <a:rPr lang="en-US" sz="900" dirty="0"/>
+              <a:t>ε</a:t>
             </a:r>
+            <a:endParaRPr lang="en-US" sz="800" b="1" dirty="0"/>
           </a:p>
         </p:txBody>
       </p:sp>
@@ -11428,7 +11364,7 @@
         <p:spPr>
           <a:xfrm>
             <a:off x="26922176" y="19104450"/>
-            <a:ext cx="150495" cy="230832"/>
+            <a:ext cx="150495" cy="369332"/>
           </a:xfrm>
           <a:prstGeom prst="rect">
             <a:avLst/>
@@ -11442,9 +11378,10 @@
           <a:lstStyle/>
           <a:p>
             <a:r>
-              <a:rPr lang="en-US" sz="900" b="1" dirty="0"/>
-              <a:t>C</a:t>
+              <a:rPr lang="en-US" dirty="0"/>
+              <a:t>ε</a:t>
             </a:r>
+            <a:endParaRPr lang="en-US" sz="900" b="1" dirty="0"/>
           </a:p>
         </p:txBody>
       </p:sp>
@@ -11726,7 +11663,7 @@
           <a:p>
             <a:r>
               <a:rPr lang="en-US" sz="900" b="1" dirty="0"/>
-              <a:t>C</a:t>
+              <a:t>s</a:t>
             </a:r>
           </a:p>
         </p:txBody>
@@ -11761,7 +11698,7 @@
           <a:p>
             <a:r>
               <a:rPr lang="en-US" sz="900" b="1" dirty="0"/>
-              <a:t>C</a:t>
+              <a:t>e</a:t>
             </a:r>
           </a:p>
         </p:txBody>
@@ -11893,7 +11830,7 @@
           <a:p>
             <a:r>
               <a:rPr lang="en-US" sz="900" b="1" dirty="0"/>
-              <a:t>C</a:t>
+              <a:t>l</a:t>
             </a:r>
           </a:p>
         </p:txBody>
@@ -12025,7 +11962,7 @@
           <a:p>
             <a:r>
               <a:rPr lang="en-US" sz="900" b="1" dirty="0"/>
-              <a:t>C</a:t>
+              <a:t>E</a:t>
             </a:r>
           </a:p>
         </p:txBody>
@@ -12215,9 +12152,10 @@
           <a:lstStyle/>
           <a:p>
             <a:r>
-              <a:rPr lang="en-US" sz="900" b="1" dirty="0"/>
-              <a:t>C</a:t>
+              <a:rPr lang="en-US" sz="900" dirty="0"/>
+              <a:t>ε</a:t>
             </a:r>
+            <a:endParaRPr lang="en-US" sz="800" b="1" dirty="0"/>
           </a:p>
         </p:txBody>
       </p:sp>
@@ -12525,7 +12463,7 @@
             <a:p>
               <a:r>
                 <a:rPr lang="en-US" sz="900" b="1" dirty="0"/>
-                <a:t>C</a:t>
+                <a:t>=</a:t>
               </a:r>
             </a:p>
           </p:txBody>
@@ -12545,7 +12483,7 @@
           <p:spPr>
             <a:xfrm>
               <a:off x="21280915" y="752569"/>
-              <a:ext cx="150495" cy="230832"/>
+              <a:ext cx="150495" cy="369332"/>
             </a:xfrm>
             <a:prstGeom prst="rect">
               <a:avLst/>
@@ -12559,9 +12497,10 @@
             <a:lstStyle/>
             <a:p>
               <a:r>
-                <a:rPr lang="en-US" sz="900" b="1" dirty="0"/>
-                <a:t>C</a:t>
+                <a:rPr lang="en-US" dirty="0"/>
+                <a:t>ε</a:t>
               </a:r>
+              <a:endParaRPr lang="en-US" sz="900" b="1" dirty="0"/>
             </a:p>
           </p:txBody>
         </p:sp>
@@ -12870,7 +12809,7 @@
             <a:p>
               <a:r>
                 <a:rPr lang="en-US" sz="900" b="1" dirty="0"/>
-                <a:t>C</a:t>
+                <a:t>-</a:t>
               </a:r>
             </a:p>
           </p:txBody>
@@ -12890,7 +12829,7 @@
           <p:spPr>
             <a:xfrm>
               <a:off x="21280915" y="752569"/>
-              <a:ext cx="150495" cy="230832"/>
+              <a:ext cx="150495" cy="369332"/>
             </a:xfrm>
             <a:prstGeom prst="rect">
               <a:avLst/>
@@ -12904,9 +12843,10 @@
             <a:lstStyle/>
             <a:p>
               <a:r>
-                <a:rPr lang="en-US" sz="900" b="1" dirty="0"/>
-                <a:t>C</a:t>
+                <a:rPr lang="en-US" dirty="0"/>
+                <a:t>ε</a:t>
               </a:r>
+              <a:endParaRPr lang="en-US" sz="900" b="1" dirty="0"/>
             </a:p>
           </p:txBody>
         </p:sp>
@@ -13215,7 +13155,7 @@
             <a:p>
               <a:r>
                 <a:rPr lang="en-US" sz="900" b="1" dirty="0"/>
-                <a:t>C</a:t>
+                <a:t>{</a:t>
               </a:r>
             </a:p>
           </p:txBody>
@@ -13235,7 +13175,7 @@
           <p:spPr>
             <a:xfrm>
               <a:off x="21280915" y="752569"/>
-              <a:ext cx="150495" cy="230832"/>
+              <a:ext cx="150495" cy="369332"/>
             </a:xfrm>
             <a:prstGeom prst="rect">
               <a:avLst/>
@@ -13249,9 +13189,10 @@
             <a:lstStyle/>
             <a:p>
               <a:r>
-                <a:rPr lang="en-US" sz="900" b="1" dirty="0"/>
-                <a:t>C</a:t>
+                <a:rPr lang="en-US" dirty="0"/>
+                <a:t>ε</a:t>
               </a:r>
+              <a:endParaRPr lang="en-US" sz="900" b="1" dirty="0"/>
             </a:p>
           </p:txBody>
         </p:sp>
@@ -13560,7 +13501,7 @@
             <a:p>
               <a:r>
                 <a:rPr lang="en-US" sz="900" b="1" dirty="0"/>
-                <a:t>C</a:t>
+                <a:t>}</a:t>
               </a:r>
             </a:p>
           </p:txBody>
@@ -13580,7 +13521,7 @@
           <p:spPr>
             <a:xfrm>
               <a:off x="21280915" y="752569"/>
-              <a:ext cx="150495" cy="230832"/>
+              <a:ext cx="150495" cy="369332"/>
             </a:xfrm>
             <a:prstGeom prst="rect">
               <a:avLst/>
@@ -13594,9 +13535,10 @@
             <a:lstStyle/>
             <a:p>
               <a:r>
-                <a:rPr lang="en-US" sz="900" b="1" dirty="0"/>
-                <a:t>C</a:t>
+                <a:rPr lang="en-US" dirty="0"/>
+                <a:t>ε</a:t>
               </a:r>
+              <a:endParaRPr lang="en-US" sz="900" b="1" dirty="0"/>
             </a:p>
           </p:txBody>
         </p:sp>
@@ -13905,7 +13847,7 @@
             <a:p>
               <a:r>
                 <a:rPr lang="en-US" sz="900" b="1" dirty="0"/>
-                <a:t>C</a:t>
+                <a:t>[</a:t>
               </a:r>
             </a:p>
           </p:txBody>
@@ -13925,7 +13867,7 @@
           <p:spPr>
             <a:xfrm>
               <a:off x="21280915" y="752569"/>
-              <a:ext cx="150495" cy="230832"/>
+              <a:ext cx="150495" cy="369332"/>
             </a:xfrm>
             <a:prstGeom prst="rect">
               <a:avLst/>
@@ -13939,9 +13881,10 @@
             <a:lstStyle/>
             <a:p>
               <a:r>
-                <a:rPr lang="en-US" sz="900" b="1" dirty="0"/>
-                <a:t>C</a:t>
+                <a:rPr lang="en-US" dirty="0"/>
+                <a:t>ε</a:t>
               </a:r>
+              <a:endParaRPr lang="en-US" sz="900" b="1" dirty="0"/>
             </a:p>
           </p:txBody>
         </p:sp>
@@ -14250,7 +14193,7 @@
             <a:p>
               <a:r>
                 <a:rPr lang="en-US" sz="900" b="1" dirty="0"/>
-                <a:t>C</a:t>
+                <a:t>]</a:t>
               </a:r>
             </a:p>
           </p:txBody>
@@ -14270,7 +14213,7 @@
           <p:spPr>
             <a:xfrm>
               <a:off x="21280915" y="752569"/>
-              <a:ext cx="150495" cy="230832"/>
+              <a:ext cx="150495" cy="369332"/>
             </a:xfrm>
             <a:prstGeom prst="rect">
               <a:avLst/>
@@ -14284,9 +14227,10 @@
             <a:lstStyle/>
             <a:p>
               <a:r>
-                <a:rPr lang="en-US" sz="900" b="1" dirty="0"/>
-                <a:t>C</a:t>
+                <a:rPr lang="en-US" dirty="0"/>
+                <a:t>ε</a:t>
               </a:r>
+              <a:endParaRPr lang="en-US" sz="900" b="1" dirty="0"/>
             </a:p>
           </p:txBody>
         </p:sp>
@@ -14595,7 +14539,7 @@
             <a:p>
               <a:r>
                 <a:rPr lang="en-US" sz="900" b="1" dirty="0"/>
-                <a:t>C</a:t>
+                <a:t>“</a:t>
               </a:r>
             </a:p>
           </p:txBody>
@@ -14615,7 +14559,7 @@
           <p:spPr>
             <a:xfrm>
               <a:off x="21280915" y="752569"/>
-              <a:ext cx="150495" cy="230832"/>
+              <a:ext cx="150495" cy="369332"/>
             </a:xfrm>
             <a:prstGeom prst="rect">
               <a:avLst/>
@@ -14629,9 +14573,10 @@
             <a:lstStyle/>
             <a:p>
               <a:r>
-                <a:rPr lang="en-US" sz="900" b="1" dirty="0"/>
-                <a:t>C</a:t>
+                <a:rPr lang="en-US" dirty="0"/>
+                <a:t>ε</a:t>
               </a:r>
+              <a:endParaRPr lang="en-US" sz="900" b="1" dirty="0"/>
             </a:p>
           </p:txBody>
         </p:sp>
@@ -14940,7 +14885,7 @@
             <a:p>
               <a:r>
                 <a:rPr lang="en-US" sz="900" b="1" dirty="0"/>
-                <a:t>C</a:t>
+                <a:t>‘</a:t>
               </a:r>
             </a:p>
           </p:txBody>
@@ -14960,7 +14905,7 @@
           <p:spPr>
             <a:xfrm>
               <a:off x="21210275" y="788004"/>
-              <a:ext cx="150495" cy="230832"/>
+              <a:ext cx="150495" cy="369332"/>
             </a:xfrm>
             <a:prstGeom prst="rect">
               <a:avLst/>
@@ -14974,9 +14919,10 @@
             <a:lstStyle/>
             <a:p>
               <a:r>
-                <a:rPr lang="en-US" sz="900" b="1" dirty="0"/>
-                <a:t>C</a:t>
+                <a:rPr lang="en-US" dirty="0"/>
+                <a:t>ε</a:t>
               </a:r>
+              <a:endParaRPr lang="en-US" sz="900" b="1" dirty="0"/>
             </a:p>
           </p:txBody>
         </p:sp>
@@ -15285,7 +15231,7 @@
             <a:p>
               <a:r>
                 <a:rPr lang="en-US" sz="900" b="1" dirty="0"/>
-                <a:t>C</a:t>
+                <a:t>-</a:t>
               </a:r>
             </a:p>
           </p:txBody>
@@ -15305,7 +15251,7 @@
           <p:spPr>
             <a:xfrm>
               <a:off x="21262916" y="838341"/>
-              <a:ext cx="150495" cy="230832"/>
+              <a:ext cx="150495" cy="369332"/>
             </a:xfrm>
             <a:prstGeom prst="rect">
               <a:avLst/>
@@ -15319,9 +15265,10 @@
             <a:lstStyle/>
             <a:p>
               <a:r>
-                <a:rPr lang="en-US" sz="900" b="1" dirty="0"/>
-                <a:t>C</a:t>
+                <a:rPr lang="en-US" dirty="0"/>
+                <a:t>ε</a:t>
               </a:r>
+              <a:endParaRPr lang="en-US" sz="900" b="1" dirty="0"/>
             </a:p>
           </p:txBody>
         </p:sp>
@@ -15556,7 +15503,7 @@
           <a:p>
             <a:r>
               <a:rPr lang="en-US" sz="900" b="1" dirty="0"/>
-              <a:t>C</a:t>
+              <a:t>-</a:t>
             </a:r>
           </a:p>
         </p:txBody>
@@ -15791,7 +15738,7 @@
           <a:p>
             <a:r>
               <a:rPr lang="en-US" sz="900" b="1" dirty="0"/>
-              <a:t>C</a:t>
+              <a:t>&lt;</a:t>
             </a:r>
           </a:p>
         </p:txBody>
@@ -15997,7 +15944,7 @@
             <a:p>
               <a:r>
                 <a:rPr lang="en-US" sz="900" b="1" dirty="0"/>
-                <a:t>C</a:t>
+                <a:t>&gt;</a:t>
               </a:r>
             </a:p>
           </p:txBody>
@@ -16017,7 +15964,7 @@
           <p:spPr>
             <a:xfrm>
               <a:off x="21262916" y="838341"/>
-              <a:ext cx="150495" cy="230832"/>
+              <a:ext cx="150495" cy="369332"/>
             </a:xfrm>
             <a:prstGeom prst="rect">
               <a:avLst/>
@@ -16031,9 +15978,10 @@
             <a:lstStyle/>
             <a:p>
               <a:r>
-                <a:rPr lang="en-US" sz="900" b="1" dirty="0"/>
-                <a:t>C</a:t>
+                <a:rPr lang="en-US" dirty="0"/>
+                <a:t>ε</a:t>
               </a:r>
+              <a:endParaRPr lang="en-US" sz="900" b="1" dirty="0"/>
             </a:p>
           </p:txBody>
         </p:sp>
@@ -16268,7 +16216,7 @@
           <a:p>
             <a:r>
               <a:rPr lang="en-US" sz="900" b="1" dirty="0"/>
-              <a:t>C</a:t>
+              <a:t>*</a:t>
             </a:r>
           </a:p>
         </p:txBody>
@@ -16400,7 +16348,7 @@
           <a:p>
             <a:r>
               <a:rPr lang="en-US" sz="900" b="1" dirty="0"/>
-              <a:t>C</a:t>
+              <a:t>E</a:t>
             </a:r>
           </a:p>
         </p:txBody>
@@ -16532,7 +16480,7 @@
           <a:p>
             <a:r>
               <a:rPr lang="en-US" sz="900" b="1" dirty="0"/>
-              <a:t>C</a:t>
+              <a:t>n</a:t>
             </a:r>
           </a:p>
         </p:txBody>
@@ -16664,7 +16612,7 @@
           <a:p>
             <a:r>
               <a:rPr lang="en-US" sz="900" b="1" dirty="0"/>
-              <a:t>C</a:t>
+              <a:t>*</a:t>
             </a:r>
           </a:p>
         </p:txBody>
@@ -16738,7 +16686,7 @@
         <p:spPr>
           <a:xfrm>
             <a:off x="26760856" y="7166661"/>
-            <a:ext cx="150495" cy="230832"/>
+            <a:ext cx="150495" cy="369332"/>
           </a:xfrm>
           <a:prstGeom prst="rect">
             <a:avLst/>
@@ -16752,9 +16700,10 @@
           <a:lstStyle/>
           <a:p>
             <a:r>
-              <a:rPr lang="en-US" sz="900" b="1" dirty="0"/>
-              <a:t>C</a:t>
+              <a:rPr lang="en-US" dirty="0"/>
+              <a:t>ε</a:t>
             </a:r>
+            <a:endParaRPr lang="en-US" sz="900" b="1" dirty="0"/>
           </a:p>
         </p:txBody>
       </p:sp>
@@ -16959,7 +16908,7 @@
             <a:p>
               <a:r>
                 <a:rPr lang="en-US" sz="900" b="1" dirty="0"/>
-                <a:t>C</a:t>
+                <a:t>d</a:t>
               </a:r>
             </a:p>
           </p:txBody>
@@ -16979,7 +16928,7 @@
           <p:spPr>
             <a:xfrm>
               <a:off x="21262916" y="838341"/>
-              <a:ext cx="150495" cy="230832"/>
+              <a:ext cx="150495" cy="369332"/>
             </a:xfrm>
             <a:prstGeom prst="rect">
               <a:avLst/>
@@ -16993,9 +16942,10 @@
             <a:lstStyle/>
             <a:p>
               <a:r>
-                <a:rPr lang="en-US" sz="900" b="1" dirty="0"/>
-                <a:t>C</a:t>
+                <a:rPr lang="en-US" dirty="0"/>
+                <a:t>ε</a:t>
               </a:r>
+              <a:endParaRPr lang="en-US" sz="900" b="1" dirty="0"/>
             </a:p>
           </p:txBody>
         </p:sp>
@@ -17304,7 +17254,7 @@
             <a:p>
               <a:r>
                 <a:rPr lang="en-US" sz="900" b="1" dirty="0"/>
-                <a:t>C</a:t>
+                <a:t>+</a:t>
               </a:r>
             </a:p>
           </p:txBody>
@@ -17338,9 +17288,10 @@
             <a:lstStyle/>
             <a:p>
               <a:r>
-                <a:rPr lang="en-US" sz="900" b="1" dirty="0"/>
-                <a:t>C</a:t>
+                <a:rPr lang="en-US" sz="900" dirty="0"/>
+                <a:t>ε</a:t>
               </a:r>
+              <a:endParaRPr lang="en-US" sz="800" b="1" dirty="0"/>
             </a:p>
           </p:txBody>
         </p:sp>
@@ -17579,9 +17530,10 @@
             <a:lstStyle/>
             <a:p>
               <a:r>
-                <a:rPr lang="en-US" sz="900" b="1" dirty="0"/>
-                <a:t>C</a:t>
+                <a:rPr lang="en-US" sz="900" dirty="0"/>
+                <a:t>ε</a:t>
               </a:r>
+              <a:endParaRPr lang="en-US" sz="800" b="1" dirty="0"/>
             </a:p>
           </p:txBody>
         </p:sp>
@@ -17841,7 +17793,7 @@
             <a:p>
               <a:r>
                 <a:rPr lang="en-US" sz="900" b="1" dirty="0"/>
-                <a:t>C</a:t>
+                <a:t>-</a:t>
               </a:r>
             </a:p>
           </p:txBody>
@@ -17875,9 +17827,10 @@
             <a:lstStyle/>
             <a:p>
               <a:r>
-                <a:rPr lang="en-US" sz="900" b="1" dirty="0"/>
-                <a:t>C</a:t>
+                <a:rPr lang="en-US" sz="900" dirty="0"/>
+                <a:t>ε</a:t>
               </a:r>
+              <a:endParaRPr lang="en-US" sz="800" b="1" dirty="0"/>
             </a:p>
           </p:txBody>
         </p:sp>
@@ -18116,9 +18069,10 @@
             <a:lstStyle/>
             <a:p>
               <a:r>
-                <a:rPr lang="en-US" sz="900" b="1" dirty="0"/>
-                <a:t>C</a:t>
+                <a:rPr lang="en-US" sz="900" dirty="0"/>
+                <a:t>ε</a:t>
               </a:r>
+              <a:endParaRPr lang="en-US" sz="800" b="1" dirty="0"/>
             </a:p>
           </p:txBody>
         </p:sp>
@@ -18324,7 +18278,7 @@
             <a:p>
               <a:r>
                 <a:rPr lang="en-US" sz="900" b="1" dirty="0"/>
-                <a:t>C</a:t>
+                <a:t>*</a:t>
               </a:r>
             </a:p>
           </p:txBody>
@@ -18358,9 +18312,10 @@
             <a:lstStyle/>
             <a:p>
               <a:r>
-                <a:rPr lang="en-US" sz="900" b="1" dirty="0"/>
-                <a:t>C</a:t>
+                <a:rPr lang="en-US" sz="900" dirty="0"/>
+                <a:t>ε</a:t>
               </a:r>
+              <a:endParaRPr lang="en-US" sz="800" b="1" dirty="0"/>
             </a:p>
           </p:txBody>
         </p:sp>
@@ -18599,9 +18554,10 @@
             <a:lstStyle/>
             <a:p>
               <a:r>
-                <a:rPr lang="en-US" sz="900" b="1" dirty="0"/>
-                <a:t>C</a:t>
+                <a:rPr lang="en-US" sz="900" dirty="0"/>
+                <a:t>ε</a:t>
               </a:r>
+              <a:endParaRPr lang="en-US" sz="800" b="1" dirty="0"/>
             </a:p>
           </p:txBody>
         </p:sp>
@@ -18807,7 +18763,7 @@
             <a:p>
               <a:r>
                 <a:rPr lang="en-US" sz="900" b="1" dirty="0"/>
-                <a:t>C</a:t>
+                <a:t>/</a:t>
               </a:r>
             </a:p>
           </p:txBody>
@@ -18841,9 +18797,10 @@
             <a:lstStyle/>
             <a:p>
               <a:r>
-                <a:rPr lang="en-US" sz="900" b="1" dirty="0"/>
-                <a:t>C</a:t>
+                <a:rPr lang="en-US" sz="900" dirty="0"/>
+                <a:t>ε</a:t>
               </a:r>
+              <a:endParaRPr lang="en-US" sz="800" b="1" dirty="0"/>
             </a:p>
           </p:txBody>
         </p:sp>
@@ -19082,9 +19039,10 @@
             <a:lstStyle/>
             <a:p>
               <a:r>
-                <a:rPr lang="en-US" sz="900" b="1" dirty="0"/>
-                <a:t>C</a:t>
+                <a:rPr lang="en-US" sz="900" dirty="0"/>
+                <a:t>ε</a:t>
               </a:r>
+              <a:endParaRPr lang="en-US" sz="800" b="1" dirty="0"/>
             </a:p>
           </p:txBody>
         </p:sp>
@@ -19178,7 +19136,7 @@
           <p:spPr>
             <a:xfrm>
               <a:off x="21262916" y="838341"/>
-              <a:ext cx="150495" cy="230832"/>
+              <a:ext cx="150495" cy="369332"/>
             </a:xfrm>
             <a:prstGeom prst="rect">
               <a:avLst/>
@@ -19192,9 +19150,10 @@
             <a:lstStyle/>
             <a:p>
               <a:r>
-                <a:rPr lang="en-US" sz="900" b="1" dirty="0"/>
-                <a:t>C</a:t>
+                <a:rPr lang="en-US" dirty="0"/>
+                <a:t>ε</a:t>
               </a:r>
+              <a:endParaRPr lang="en-US" sz="900" b="1" dirty="0"/>
             </a:p>
           </p:txBody>
         </p:sp>
@@ -19317,9 +19276,9 @@
         <p:grpSpPr>
           <a:xfrm>
             <a:off x="20337996" y="12141729"/>
-            <a:ext cx="3585582" cy="1926753"/>
+            <a:ext cx="3585582" cy="2065253"/>
             <a:chOff x="23921942" y="12302218"/>
-            <a:chExt cx="3585582" cy="1926753"/>
+            <a:chExt cx="3585582" cy="2065253"/>
           </a:xfrm>
         </p:grpSpPr>
         <p:sp>
@@ -19557,7 +19516,7 @@
             <a:p>
               <a:r>
                 <a:rPr lang="en-US" sz="900" b="1" dirty="0"/>
-                <a:t>C</a:t>
+                <a:t>~</a:t>
               </a:r>
             </a:p>
           </p:txBody>
@@ -19577,7 +19536,7 @@
           <p:spPr>
             <a:xfrm>
               <a:off x="26701828" y="12519079"/>
-              <a:ext cx="150495" cy="230832"/>
+              <a:ext cx="150495" cy="369332"/>
             </a:xfrm>
             <a:prstGeom prst="rect">
               <a:avLst/>
@@ -19591,9 +19550,13 @@
             <a:lstStyle/>
             <a:p>
               <a:r>
-                <a:rPr lang="en-US" sz="900" b="1" dirty="0"/>
-                <a:t>C</a:t>
+                <a:rPr lang="en-US" sz="900" dirty="0"/>
+                <a:t>ε</a:t>
               </a:r>
+              <a:endParaRPr lang="en-US" sz="800" b="1" dirty="0"/>
+            </a:p>
+            <a:p>
+              <a:endParaRPr lang="en-US" sz="900" b="1" dirty="0"/>
             </a:p>
           </p:txBody>
         </p:sp>
@@ -19776,7 +19739,7 @@
           <p:spPr>
             <a:xfrm>
               <a:off x="24435757" y="12539003"/>
-              <a:ext cx="150495" cy="230832"/>
+              <a:ext cx="150495" cy="369332"/>
             </a:xfrm>
             <a:prstGeom prst="rect">
               <a:avLst/>
@@ -19790,9 +19753,13 @@
             <a:lstStyle/>
             <a:p>
               <a:r>
-                <a:rPr lang="en-US" sz="900" b="1" dirty="0"/>
-                <a:t>C</a:t>
+                <a:rPr lang="en-US" sz="900" dirty="0"/>
+                <a:t>ε</a:t>
               </a:r>
+              <a:endParaRPr lang="en-US" sz="800" b="1" dirty="0"/>
+            </a:p>
+            <a:p>
+              <a:endParaRPr lang="en-US" sz="900" b="1" dirty="0"/>
             </a:p>
           </p:txBody>
         </p:sp>
@@ -19977,7 +19944,7 @@
             <a:p>
               <a:r>
                 <a:rPr lang="en-US" sz="900" b="1" dirty="0"/>
-                <a:t>C</a:t>
+                <a:t>&amp;</a:t>
               </a:r>
             </a:p>
           </p:txBody>
@@ -19997,7 +19964,7 @@
           <p:spPr>
             <a:xfrm>
               <a:off x="26758384" y="13287162"/>
-              <a:ext cx="150495" cy="230832"/>
+              <a:ext cx="150495" cy="369332"/>
             </a:xfrm>
             <a:prstGeom prst="rect">
               <a:avLst/>
@@ -20011,9 +19978,13 @@
             <a:lstStyle/>
             <a:p>
               <a:r>
-                <a:rPr lang="en-US" sz="900" b="1" dirty="0"/>
-                <a:t>C</a:t>
+                <a:rPr lang="en-US" sz="900" dirty="0"/>
+                <a:t>ε</a:t>
               </a:r>
+              <a:endParaRPr lang="en-US" sz="800" b="1" dirty="0"/>
+            </a:p>
+            <a:p>
+              <a:endParaRPr lang="en-US" sz="900" b="1" dirty="0"/>
             </a:p>
           </p:txBody>
         </p:sp>
@@ -20196,7 +20167,7 @@
           <p:spPr>
             <a:xfrm>
               <a:off x="24492313" y="13307086"/>
-              <a:ext cx="150495" cy="230832"/>
+              <a:ext cx="150495" cy="369332"/>
             </a:xfrm>
             <a:prstGeom prst="rect">
               <a:avLst/>
@@ -20210,9 +20181,13 @@
             <a:lstStyle/>
             <a:p>
               <a:r>
-                <a:rPr lang="en-US" sz="900" b="1" dirty="0"/>
-                <a:t>C</a:t>
+                <a:rPr lang="en-US" sz="900" dirty="0"/>
+                <a:t>ε</a:t>
               </a:r>
+              <a:endParaRPr lang="en-US" sz="800" b="1" dirty="0"/>
+            </a:p>
+            <a:p>
+              <a:endParaRPr lang="en-US" sz="900" b="1" dirty="0"/>
             </a:p>
           </p:txBody>
         </p:sp>
@@ -20397,7 +20372,7 @@
             <a:p>
               <a:r>
                 <a:rPr lang="en-US" sz="900" b="1" dirty="0"/>
-                <a:t>C</a:t>
+                <a:t>|</a:t>
               </a:r>
             </a:p>
           </p:txBody>
@@ -20417,7 +20392,7 @@
           <p:spPr>
             <a:xfrm>
               <a:off x="26742312" y="13978215"/>
-              <a:ext cx="150495" cy="230832"/>
+              <a:ext cx="150495" cy="369332"/>
             </a:xfrm>
             <a:prstGeom prst="rect">
               <a:avLst/>
@@ -20431,9 +20406,13 @@
             <a:lstStyle/>
             <a:p>
               <a:r>
-                <a:rPr lang="en-US" sz="900" b="1" dirty="0"/>
-                <a:t>C</a:t>
+                <a:rPr lang="en-US" sz="900" dirty="0"/>
+                <a:t>ε</a:t>
               </a:r>
+              <a:endParaRPr lang="en-US" sz="800" b="1" dirty="0"/>
+            </a:p>
+            <a:p>
+              <a:endParaRPr lang="en-US" sz="900" b="1" dirty="0"/>
             </a:p>
           </p:txBody>
         </p:sp>
@@ -20616,7 +20595,7 @@
           <p:spPr>
             <a:xfrm>
               <a:off x="24476241" y="13998139"/>
-              <a:ext cx="150495" cy="230832"/>
+              <a:ext cx="150495" cy="369332"/>
             </a:xfrm>
             <a:prstGeom prst="rect">
               <a:avLst/>
@@ -20630,9 +20609,13 @@
             <a:lstStyle/>
             <a:p>
               <a:r>
-                <a:rPr lang="en-US" sz="900" b="1" dirty="0"/>
-                <a:t>C</a:t>
+                <a:rPr lang="en-US" sz="900" dirty="0"/>
+                <a:t>ε</a:t>
               </a:r>
+              <a:endParaRPr lang="en-US" sz="800" b="1" dirty="0"/>
+            </a:p>
+            <a:p>
+              <a:endParaRPr lang="en-US" sz="900" b="1" dirty="0"/>
             </a:p>
           </p:txBody>
         </p:sp>
@@ -21003,7 +20986,7 @@
         <p:spPr>
           <a:xfrm>
             <a:off x="24231616" y="12664995"/>
-            <a:ext cx="150495" cy="230832"/>
+            <a:ext cx="150495" cy="369332"/>
           </a:xfrm>
           <a:prstGeom prst="rect">
             <a:avLst/>
@@ -21017,9 +21000,10 @@
           <a:lstStyle/>
           <a:p>
             <a:r>
-              <a:rPr lang="en-US" sz="900" b="1" dirty="0"/>
-              <a:t>C</a:t>
+              <a:rPr lang="en-US" dirty="0"/>
+              <a:t>ε</a:t>
             </a:r>
+            <a:endParaRPr lang="en-US" sz="900" b="1" dirty="0"/>
           </a:p>
         </p:txBody>
       </p:sp>
@@ -21278,7 +21262,7 @@
             <a:p>
               <a:r>
                 <a:rPr lang="en-US" sz="900" b="1" dirty="0"/>
-                <a:t>C</a:t>
+                <a:t>&lt;</a:t>
               </a:r>
             </a:p>
           </p:txBody>
@@ -21312,9 +21296,10 @@
             <a:lstStyle/>
             <a:p>
               <a:r>
-                <a:rPr lang="en-US" sz="900" b="1" dirty="0"/>
-                <a:t>C</a:t>
+                <a:rPr lang="en-US" sz="900" dirty="0"/>
+                <a:t>ε</a:t>
               </a:r>
+              <a:endParaRPr lang="en-US" sz="800" b="1" dirty="0"/>
             </a:p>
           </p:txBody>
         </p:sp>
@@ -21511,9 +21496,10 @@
             <a:lstStyle/>
             <a:p>
               <a:r>
-                <a:rPr lang="en-US" sz="900" b="1" dirty="0"/>
-                <a:t>C</a:t>
+                <a:rPr lang="en-US" sz="900" dirty="0"/>
+                <a:t>ε</a:t>
               </a:r>
+              <a:endParaRPr lang="en-US" sz="800" b="1" dirty="0"/>
             </a:p>
           </p:txBody>
         </p:sp>
@@ -21698,7 +21684,7 @@
             <a:p>
               <a:r>
                 <a:rPr lang="en-US" sz="900" b="1" dirty="0"/>
-                <a:t>C</a:t>
+                <a:t>=</a:t>
               </a:r>
             </a:p>
           </p:txBody>
@@ -21732,9 +21718,10 @@
             <a:lstStyle/>
             <a:p>
               <a:r>
-                <a:rPr lang="en-US" sz="900" b="1" dirty="0"/>
-                <a:t>C</a:t>
+                <a:rPr lang="en-US" sz="900" dirty="0"/>
+                <a:t>ε</a:t>
               </a:r>
+              <a:endParaRPr lang="en-US" sz="800" b="1" dirty="0"/>
             </a:p>
           </p:txBody>
         </p:sp>
@@ -21931,9 +21918,10 @@
             <a:lstStyle/>
             <a:p>
               <a:r>
-                <a:rPr lang="en-US" sz="900" b="1" dirty="0"/>
-                <a:t>C</a:t>
+                <a:rPr lang="en-US" sz="900" dirty="0"/>
+                <a:t>ε</a:t>
               </a:r>
+              <a:endParaRPr lang="en-US" sz="800" b="1" dirty="0"/>
             </a:p>
           </p:txBody>
         </p:sp>
@@ -22118,7 +22106,7 @@
             <a:p>
               <a:r>
                 <a:rPr lang="en-US" sz="900" b="1" dirty="0"/>
-                <a:t>C</a:t>
+                <a:t>!</a:t>
               </a:r>
             </a:p>
           </p:txBody>
@@ -22152,9 +22140,10 @@
             <a:lstStyle/>
             <a:p>
               <a:r>
-                <a:rPr lang="en-US" sz="900" b="1" dirty="0"/>
-                <a:t>C</a:t>
+                <a:rPr lang="en-US" sz="900" dirty="0"/>
+                <a:t>ε</a:t>
               </a:r>
+              <a:endParaRPr lang="en-US" sz="800" b="1" dirty="0"/>
             </a:p>
           </p:txBody>
         </p:sp>
@@ -22351,9 +22340,10 @@
             <a:lstStyle/>
             <a:p>
               <a:r>
-                <a:rPr lang="en-US" sz="900" b="1" dirty="0"/>
-                <a:t>C</a:t>
+                <a:rPr lang="en-US" sz="900" dirty="0"/>
+                <a:t>ε</a:t>
               </a:r>
+              <a:endParaRPr lang="en-US" sz="800" b="1" dirty="0"/>
             </a:p>
           </p:txBody>
         </p:sp>
@@ -23032,7 +23022,7 @@
             <a:p>
               <a:r>
                 <a:rPr lang="en-US" sz="900" b="1" dirty="0"/>
-                <a:t>C</a:t>
+                <a:t>&gt;</a:t>
               </a:r>
             </a:p>
           </p:txBody>
@@ -23066,9 +23056,10 @@
             <a:lstStyle/>
             <a:p>
               <a:r>
-                <a:rPr lang="en-US" sz="900" b="1" dirty="0"/>
-                <a:t>C</a:t>
+                <a:rPr lang="en-US" sz="900" dirty="0"/>
+                <a:t>ε</a:t>
               </a:r>
+              <a:endParaRPr lang="en-US" sz="800" b="1" dirty="0"/>
             </a:p>
           </p:txBody>
         </p:sp>
@@ -23101,9 +23092,10 @@
             <a:lstStyle/>
             <a:p>
               <a:r>
-                <a:rPr lang="en-US" sz="900" b="1" dirty="0"/>
-                <a:t>C</a:t>
+                <a:rPr lang="en-US" sz="900" dirty="0"/>
+                <a:t>ε</a:t>
               </a:r>
+              <a:endParaRPr lang="en-US" sz="800" b="1" dirty="0"/>
             </a:p>
           </p:txBody>
         </p:sp>
@@ -23288,7 +23280,7 @@
             <a:p>
               <a:r>
                 <a:rPr lang="en-US" sz="900" b="1" dirty="0"/>
-                <a:t>C</a:t>
+                <a:t>&lt;</a:t>
               </a:r>
             </a:p>
           </p:txBody>
@@ -23322,9 +23314,10 @@
             <a:lstStyle/>
             <a:p>
               <a:r>
-                <a:rPr lang="en-US" sz="900" b="1" dirty="0"/>
-                <a:t>C</a:t>
+                <a:rPr lang="en-US" sz="900" dirty="0"/>
+                <a:t>ε</a:t>
               </a:r>
+              <a:endParaRPr lang="en-US" sz="800" b="1" dirty="0"/>
             </a:p>
           </p:txBody>
         </p:sp>
@@ -23521,9 +23514,10 @@
             <a:lstStyle/>
             <a:p>
               <a:r>
-                <a:rPr lang="en-US" sz="900" b="1" dirty="0"/>
-                <a:t>C</a:t>
+                <a:rPr lang="en-US" sz="900" dirty="0"/>
+                <a:t>ε</a:t>
               </a:r>
+              <a:endParaRPr lang="en-US" sz="800" b="1" dirty="0"/>
             </a:p>
           </p:txBody>
         </p:sp>
@@ -23708,7 +23702,7 @@
             <a:p>
               <a:r>
                 <a:rPr lang="en-US" sz="900" b="1" dirty="0"/>
-                <a:t>C</a:t>
+                <a:t>&gt;</a:t>
               </a:r>
             </a:p>
           </p:txBody>
@@ -23742,9 +23736,10 @@
             <a:lstStyle/>
             <a:p>
               <a:r>
-                <a:rPr lang="en-US" sz="900" b="1" dirty="0"/>
-                <a:t>C</a:t>
+                <a:rPr lang="en-US" sz="900" dirty="0"/>
+                <a:t>ε</a:t>
               </a:r>
+              <a:endParaRPr lang="en-US" sz="800" b="1" dirty="0"/>
             </a:p>
           </p:txBody>
         </p:sp>
@@ -23941,9 +23936,10 @@
             <a:lstStyle/>
             <a:p>
               <a:r>
-                <a:rPr lang="en-US" sz="900" b="1" dirty="0"/>
-                <a:t>C</a:t>
+                <a:rPr lang="en-US" sz="900" dirty="0"/>
+                <a:t>ε</a:t>
               </a:r>
+              <a:endParaRPr lang="en-US" sz="800" b="1" dirty="0"/>
             </a:p>
           </p:txBody>
         </p:sp>
@@ -24172,17 +24168,17 @@
           <a:p>
             <a:r>
               <a:rPr lang="en-US" sz="900" b="1" dirty="0"/>
-              <a:t>C</a:t>
+              <a:t>=</a:t>
             </a:r>
           </a:p>
         </p:txBody>
       </p:sp>
       <p:sp>
         <p:nvSpPr>
-          <p:cNvPr id="753" name="TextBox 752">
-            <a:extLst>
-              <a:ext uri="{FF2B5EF4-FFF2-40B4-BE49-F238E27FC236}">
-                <a16:creationId xmlns:a16="http://schemas.microsoft.com/office/drawing/2014/main" id="{5BC865F3-3D91-73DA-BA54-1E348249D64A}"/>
+          <p:cNvPr id="754" name="TextBox 753">
+            <a:extLst>
+              <a:ext uri="{FF2B5EF4-FFF2-40B4-BE49-F238E27FC236}">
+                <a16:creationId xmlns:a16="http://schemas.microsoft.com/office/drawing/2014/main" id="{954CD6E5-F71F-B73D-B185-6C2E124ED3FD}"/>
               </a:ext>
             </a:extLst>
           </p:cNvPr>
@@ -24191,7 +24187,7 @@
         </p:nvSpPr>
         <p:spPr>
           <a:xfrm>
-            <a:off x="24277512" y="16174508"/>
+            <a:off x="24938195" y="16692264"/>
             <a:ext cx="150495" cy="230832"/>
           </a:xfrm>
           <a:prstGeom prst="rect">
@@ -24207,17 +24203,17 @@
           <a:p>
             <a:r>
               <a:rPr lang="en-US" sz="900" b="1" dirty="0"/>
-              <a:t>C</a:t>
+              <a:t>=</a:t>
             </a:r>
           </a:p>
         </p:txBody>
       </p:sp>
       <p:sp>
         <p:nvSpPr>
-          <p:cNvPr id="754" name="TextBox 753">
-            <a:extLst>
-              <a:ext uri="{FF2B5EF4-FFF2-40B4-BE49-F238E27FC236}">
-                <a16:creationId xmlns:a16="http://schemas.microsoft.com/office/drawing/2014/main" id="{954CD6E5-F71F-B73D-B185-6C2E124ED3FD}"/>
+          <p:cNvPr id="755" name="TextBox 754">
+            <a:extLst>
+              <a:ext uri="{FF2B5EF4-FFF2-40B4-BE49-F238E27FC236}">
+                <a16:creationId xmlns:a16="http://schemas.microsoft.com/office/drawing/2014/main" id="{59F4FDE9-7285-48A5-9201-BC046664E757}"/>
               </a:ext>
             </a:extLst>
           </p:cNvPr>
@@ -24226,7 +24222,7 @@
         </p:nvSpPr>
         <p:spPr>
           <a:xfrm>
-            <a:off x="24938195" y="16692264"/>
+            <a:off x="24938194" y="17245509"/>
             <a:ext cx="150495" cy="230832"/>
           </a:xfrm>
           <a:prstGeom prst="rect">
@@ -24242,17 +24238,17 @@
           <a:p>
             <a:r>
               <a:rPr lang="en-US" sz="900" b="1" dirty="0"/>
-              <a:t>C</a:t>
+              <a:t>=</a:t>
             </a:r>
           </a:p>
         </p:txBody>
       </p:sp>
       <p:sp>
         <p:nvSpPr>
-          <p:cNvPr id="755" name="TextBox 754">
-            <a:extLst>
-              <a:ext uri="{FF2B5EF4-FFF2-40B4-BE49-F238E27FC236}">
-                <a16:creationId xmlns:a16="http://schemas.microsoft.com/office/drawing/2014/main" id="{59F4FDE9-7285-48A5-9201-BC046664E757}"/>
+          <p:cNvPr id="756" name="TextBox 755">
+            <a:extLst>
+              <a:ext uri="{FF2B5EF4-FFF2-40B4-BE49-F238E27FC236}">
+                <a16:creationId xmlns:a16="http://schemas.microsoft.com/office/drawing/2014/main" id="{C992483B-8F60-32CF-C83E-DE04BE81F7A9}"/>
               </a:ext>
             </a:extLst>
           </p:cNvPr>
@@ -24261,7 +24257,7 @@
         </p:nvSpPr>
         <p:spPr>
           <a:xfrm>
-            <a:off x="24938194" y="17245509"/>
+            <a:off x="24918293" y="17949102"/>
             <a:ext cx="150495" cy="230832"/>
           </a:xfrm>
           <a:prstGeom prst="rect">
@@ -24277,17 +24273,17 @@
           <a:p>
             <a:r>
               <a:rPr lang="en-US" sz="900" b="1" dirty="0"/>
-              <a:t>C</a:t>
+              <a:t>=</a:t>
             </a:r>
           </a:p>
         </p:txBody>
       </p:sp>
       <p:sp>
         <p:nvSpPr>
-          <p:cNvPr id="756" name="TextBox 755">
-            <a:extLst>
-              <a:ext uri="{FF2B5EF4-FFF2-40B4-BE49-F238E27FC236}">
-                <a16:creationId xmlns:a16="http://schemas.microsoft.com/office/drawing/2014/main" id="{C992483B-8F60-32CF-C83E-DE04BE81F7A9}"/>
+          <p:cNvPr id="757" name="TextBox 756">
+            <a:extLst>
+              <a:ext uri="{FF2B5EF4-FFF2-40B4-BE49-F238E27FC236}">
+                <a16:creationId xmlns:a16="http://schemas.microsoft.com/office/drawing/2014/main" id="{2200AD65-BC07-8E79-64A1-B02AC24FC1A2}"/>
               </a:ext>
             </a:extLst>
           </p:cNvPr>
@@ -24296,8 +24292,8 @@
         </p:nvSpPr>
         <p:spPr>
           <a:xfrm>
-            <a:off x="24918293" y="17949102"/>
-            <a:ext cx="150495" cy="230832"/>
+            <a:off x="26482432" y="15988219"/>
+            <a:ext cx="150495" cy="369332"/>
           </a:xfrm>
           <a:prstGeom prst="rect">
             <a:avLst/>
@@ -24311,44 +24307,10 @@
           <a:lstStyle/>
           <a:p>
             <a:r>
-              <a:rPr lang="en-US" sz="900" b="1" dirty="0"/>
-              <a:t>C</a:t>
+              <a:rPr lang="en-US" dirty="0"/>
+              <a:t>ε</a:t>
             </a:r>
-          </a:p>
-        </p:txBody>
-      </p:sp>
-      <p:sp>
-        <p:nvSpPr>
-          <p:cNvPr id="757" name="TextBox 756">
-            <a:extLst>
-              <a:ext uri="{FF2B5EF4-FFF2-40B4-BE49-F238E27FC236}">
-                <a16:creationId xmlns:a16="http://schemas.microsoft.com/office/drawing/2014/main" id="{2200AD65-BC07-8E79-64A1-B02AC24FC1A2}"/>
-              </a:ext>
-            </a:extLst>
-          </p:cNvPr>
-          <p:cNvSpPr txBox="1"/>
-          <p:nvPr/>
-        </p:nvSpPr>
-        <p:spPr>
-          <a:xfrm>
-            <a:off x="26482432" y="15988219"/>
-            <a:ext cx="150495" cy="230832"/>
-          </a:xfrm>
-          <a:prstGeom prst="rect">
-            <a:avLst/>
-          </a:prstGeom>
-          <a:noFill/>
-        </p:spPr>
-        <p:txBody>
-          <a:bodyPr wrap="square" rtlCol="0">
-            <a:spAutoFit/>
-          </a:bodyPr>
-          <a:lstStyle/>
-          <a:p>
-            <a:r>
-              <a:rPr lang="en-US" sz="900" b="1" dirty="0"/>
-              <a:t>C</a:t>
-            </a:r>
+            <a:endParaRPr lang="en-US" sz="900" b="1" dirty="0"/>
           </a:p>
         </p:txBody>
       </p:sp>
@@ -24654,7 +24616,7 @@
             <a:p>
               <a:r>
                 <a:rPr lang="en-US" sz="900" b="1" dirty="0"/>
-                <a:t>C</a:t>
+                <a:t>0</a:t>
               </a:r>
             </a:p>
           </p:txBody>
@@ -24688,9 +24650,10 @@
             <a:lstStyle/>
             <a:p>
               <a:r>
-                <a:rPr lang="en-US" sz="900" b="1" dirty="0"/>
-                <a:t>C</a:t>
+                <a:rPr lang="en-US" sz="900" dirty="0"/>
+                <a:t>ε</a:t>
               </a:r>
+              <a:endParaRPr lang="en-US" sz="800" b="1" dirty="0"/>
             </a:p>
           </p:txBody>
         </p:sp>
@@ -24887,9 +24850,10 @@
             <a:lstStyle/>
             <a:p>
               <a:r>
-                <a:rPr lang="en-US" sz="900" b="1" dirty="0"/>
-                <a:t>C</a:t>
+                <a:rPr lang="en-US" sz="900" dirty="0"/>
+                <a:t>ε</a:t>
               </a:r>
+              <a:endParaRPr lang="en-US" sz="800" b="1" dirty="0"/>
             </a:p>
           </p:txBody>
         </p:sp>
@@ -25128,7 +25092,7 @@
             <a:p>
               <a:r>
                 <a:rPr lang="en-US" sz="900" b="1" dirty="0"/>
-                <a:t>C</a:t>
+                <a:t>1</a:t>
               </a:r>
             </a:p>
           </p:txBody>
@@ -25162,9 +25126,10 @@
             <a:lstStyle/>
             <a:p>
               <a:r>
-                <a:rPr lang="en-US" sz="900" b="1" dirty="0"/>
-                <a:t>C</a:t>
+                <a:rPr lang="en-US" sz="900" dirty="0"/>
+                <a:t>ε</a:t>
               </a:r>
+              <a:endParaRPr lang="en-US" sz="800" b="1" dirty="0"/>
             </a:p>
           </p:txBody>
         </p:sp>
@@ -25361,9 +25326,10 @@
             <a:lstStyle/>
             <a:p>
               <a:r>
-                <a:rPr lang="en-US" sz="900" b="1" dirty="0"/>
-                <a:t>C</a:t>
+                <a:rPr lang="en-US" sz="900" dirty="0"/>
+                <a:t>ε</a:t>
               </a:r>
+              <a:endParaRPr lang="en-US" sz="800" b="1" dirty="0"/>
             </a:p>
           </p:txBody>
         </p:sp>
@@ -25602,7 +25568,7 @@
             <a:p>
               <a:r>
                 <a:rPr lang="en-US" sz="900" b="1" dirty="0"/>
-                <a:t>C</a:t>
+                <a:t>2</a:t>
               </a:r>
             </a:p>
           </p:txBody>
@@ -25622,7 +25588,7 @@
           <p:spPr>
             <a:xfrm>
               <a:off x="26452347" y="8253430"/>
-              <a:ext cx="150495" cy="230832"/>
+              <a:ext cx="150495" cy="369332"/>
             </a:xfrm>
             <a:prstGeom prst="rect">
               <a:avLst/>
@@ -25636,9 +25602,13 @@
             <a:lstStyle/>
             <a:p>
               <a:r>
-                <a:rPr lang="en-US" sz="900" b="1" dirty="0"/>
-                <a:t>C</a:t>
+                <a:rPr lang="en-US" sz="900" dirty="0"/>
+                <a:t>ε</a:t>
               </a:r>
+              <a:endParaRPr lang="en-US" sz="800" b="1" dirty="0"/>
+            </a:p>
+            <a:p>
+              <a:endParaRPr lang="en-US" sz="900" b="1" dirty="0"/>
             </a:p>
           </p:txBody>
         </p:sp>
@@ -25835,9 +25805,10 @@
             <a:lstStyle/>
             <a:p>
               <a:r>
-                <a:rPr lang="en-US" sz="900" b="1" dirty="0"/>
-                <a:t>C</a:t>
+                <a:rPr lang="en-US" sz="900" dirty="0"/>
+                <a:t>ε</a:t>
               </a:r>
+              <a:endParaRPr lang="en-US" sz="800" b="1" dirty="0"/>
             </a:p>
           </p:txBody>
         </p:sp>
@@ -26022,7 +25993,7 @@
             <a:p>
               <a:r>
                 <a:rPr lang="en-US" sz="900" b="1" dirty="0"/>
-                <a:t>C</a:t>
+                <a:t>3</a:t>
               </a:r>
             </a:p>
           </p:txBody>
@@ -26042,7 +26013,7 @@
           <p:spPr>
             <a:xfrm>
               <a:off x="26436275" y="8944483"/>
-              <a:ext cx="150495" cy="230832"/>
+              <a:ext cx="150495" cy="369332"/>
             </a:xfrm>
             <a:prstGeom prst="rect">
               <a:avLst/>
@@ -26056,9 +26027,13 @@
             <a:lstStyle/>
             <a:p>
               <a:r>
-                <a:rPr lang="en-US" sz="900" b="1" dirty="0"/>
-                <a:t>C</a:t>
+                <a:rPr lang="en-US" sz="900" dirty="0"/>
+                <a:t>ε</a:t>
               </a:r>
+              <a:endParaRPr lang="en-US" sz="800" b="1" dirty="0"/>
+            </a:p>
+            <a:p>
+              <a:endParaRPr lang="en-US" sz="900" b="1" dirty="0"/>
             </a:p>
           </p:txBody>
         </p:sp>
@@ -26255,9 +26230,10 @@
             <a:lstStyle/>
             <a:p>
               <a:r>
-                <a:rPr lang="en-US" sz="900" b="1" dirty="0"/>
-                <a:t>C</a:t>
+                <a:rPr lang="en-US" sz="900" dirty="0"/>
+                <a:t>ε</a:t>
               </a:r>
+              <a:endParaRPr lang="en-US" sz="800" b="1" dirty="0"/>
             </a:p>
           </p:txBody>
         </p:sp>
@@ -26442,7 +26418,7 @@
             <a:p>
               <a:r>
                 <a:rPr lang="en-US" sz="900" b="1" dirty="0"/>
-                <a:t>C</a:t>
+                <a:t>4</a:t>
               </a:r>
             </a:p>
           </p:txBody>
@@ -26476,9 +26452,10 @@
             <a:lstStyle/>
             <a:p>
               <a:r>
-                <a:rPr lang="en-US" sz="900" b="1" dirty="0"/>
-                <a:t>C</a:t>
+                <a:rPr lang="en-US" sz="900" dirty="0"/>
+                <a:t>ε</a:t>
               </a:r>
+              <a:endParaRPr lang="en-US" sz="800" b="1" dirty="0"/>
             </a:p>
           </p:txBody>
         </p:sp>
@@ -26675,9 +26652,10 @@
             <a:lstStyle/>
             <a:p>
               <a:r>
-                <a:rPr lang="en-US" sz="900" b="1" dirty="0"/>
-                <a:t>C</a:t>
+                <a:rPr lang="en-US" sz="900" dirty="0"/>
+                <a:t>ε</a:t>
               </a:r>
+              <a:endParaRPr lang="en-US" sz="800" b="1" dirty="0"/>
             </a:p>
           </p:txBody>
         </p:sp>
@@ -26862,7 +26840,7 @@
             <a:p>
               <a:r>
                 <a:rPr lang="en-US" sz="900" b="1" dirty="0"/>
-                <a:t>C</a:t>
+                <a:t>8</a:t>
               </a:r>
             </a:p>
           </p:txBody>
@@ -26896,9 +26874,10 @@
             <a:lstStyle/>
             <a:p>
               <a:r>
-                <a:rPr lang="en-US" sz="900" b="1" dirty="0"/>
-                <a:t>C</a:t>
+                <a:rPr lang="en-US" sz="900" dirty="0"/>
+                <a:t>ε</a:t>
               </a:r>
+              <a:endParaRPr lang="en-US" sz="800" b="1" dirty="0"/>
             </a:p>
           </p:txBody>
         </p:sp>
@@ -27095,9 +27074,10 @@
             <a:lstStyle/>
             <a:p>
               <a:r>
-                <a:rPr lang="en-US" sz="900" b="1" dirty="0"/>
-                <a:t>C</a:t>
+                <a:rPr lang="en-US" sz="900" dirty="0"/>
+                <a:t>ε</a:t>
               </a:r>
+              <a:endParaRPr lang="en-US" sz="800" b="1" dirty="0"/>
             </a:p>
           </p:txBody>
         </p:sp>
@@ -27282,7 +27262,7 @@
             <a:p>
               <a:r>
                 <a:rPr lang="en-US" sz="900" b="1" dirty="0"/>
-                <a:t>C</a:t>
+                <a:t>9</a:t>
               </a:r>
             </a:p>
           </p:txBody>
@@ -27316,9 +27296,10 @@
             <a:lstStyle/>
             <a:p>
               <a:r>
-                <a:rPr lang="en-US" sz="900" b="1" dirty="0"/>
-                <a:t>C</a:t>
+                <a:rPr lang="en-US" sz="900" dirty="0"/>
+                <a:t>ε</a:t>
               </a:r>
+              <a:endParaRPr lang="en-US" sz="800" b="1" dirty="0"/>
             </a:p>
           </p:txBody>
         </p:sp>
@@ -27500,8 +27481,8 @@
           </p:nvSpPr>
           <p:spPr>
             <a:xfrm>
-              <a:off x="25043312" y="13166234"/>
-              <a:ext cx="150495" cy="230832"/>
+              <a:off x="25065756" y="13166235"/>
+              <a:ext cx="103184" cy="230832"/>
             </a:xfrm>
             <a:prstGeom prst="rect">
               <a:avLst/>
@@ -27515,9 +27496,10 @@
             <a:lstStyle/>
             <a:p>
               <a:r>
-                <a:rPr lang="en-US" sz="900" b="1" dirty="0"/>
-                <a:t>C</a:t>
+                <a:rPr lang="en-US" sz="900" dirty="0"/>
+                <a:t>ε</a:t>
               </a:r>
+              <a:endParaRPr lang="en-US" sz="800" b="1" dirty="0"/>
             </a:p>
           </p:txBody>
         </p:sp>
@@ -27702,7 +27684,7 @@
             <a:p>
               <a:r>
                 <a:rPr lang="en-US" sz="900" b="1" dirty="0"/>
-                <a:t>C</a:t>
+                <a:t>6</a:t>
               </a:r>
             </a:p>
           </p:txBody>
@@ -27736,9 +27718,10 @@
             <a:lstStyle/>
             <a:p>
               <a:r>
-                <a:rPr lang="en-US" sz="900" b="1" dirty="0"/>
-                <a:t>C</a:t>
+                <a:rPr lang="en-US" sz="900" dirty="0"/>
+                <a:t>ε</a:t>
               </a:r>
+              <a:endParaRPr lang="en-US" sz="800" b="1" dirty="0"/>
             </a:p>
           </p:txBody>
         </p:sp>
@@ -27935,9 +27918,10 @@
             <a:lstStyle/>
             <a:p>
               <a:r>
-                <a:rPr lang="en-US" sz="900" b="1" dirty="0"/>
-                <a:t>C</a:t>
+                <a:rPr lang="en-US" sz="900" dirty="0"/>
+                <a:t>ε</a:t>
               </a:r>
+              <a:endParaRPr lang="en-US" sz="800" b="1" dirty="0"/>
             </a:p>
           </p:txBody>
         </p:sp>
@@ -28122,7 +28106,7 @@
             <a:p>
               <a:r>
                 <a:rPr lang="en-US" sz="900" b="1" dirty="0"/>
-                <a:t>C</a:t>
+                <a:t>7</a:t>
               </a:r>
             </a:p>
           </p:txBody>
@@ -28156,9 +28140,10 @@
             <a:lstStyle/>
             <a:p>
               <a:r>
-                <a:rPr lang="en-US" sz="900" b="1" dirty="0"/>
-                <a:t>C</a:t>
+                <a:rPr lang="en-US" sz="900" dirty="0"/>
+                <a:t>ε</a:t>
               </a:r>
+              <a:endParaRPr lang="en-US" sz="800" b="1" dirty="0"/>
             </a:p>
           </p:txBody>
         </p:sp>
@@ -28355,9 +28340,10 @@
             <a:lstStyle/>
             <a:p>
               <a:r>
-                <a:rPr lang="en-US" sz="900" b="1" dirty="0"/>
-                <a:t>C</a:t>
+                <a:rPr lang="en-US" sz="900" dirty="0"/>
+                <a:t>ε</a:t>
               </a:r>
+              <a:endParaRPr lang="en-US" sz="800" b="1" dirty="0"/>
             </a:p>
           </p:txBody>
         </p:sp>
@@ -28542,7 +28528,7 @@
             <a:p>
               <a:r>
                 <a:rPr lang="en-US" sz="900" b="1" dirty="0"/>
-                <a:t>C</a:t>
+                <a:t>5</a:t>
               </a:r>
             </a:p>
           </p:txBody>
@@ -28576,9 +28562,10 @@
             <a:lstStyle/>
             <a:p>
               <a:r>
-                <a:rPr lang="en-US" sz="900" b="1" dirty="0"/>
-                <a:t>C</a:t>
+                <a:rPr lang="en-US" sz="900" dirty="0"/>
+                <a:t>ε</a:t>
               </a:r>
+              <a:endParaRPr lang="en-US" sz="800" b="1" dirty="0"/>
             </a:p>
           </p:txBody>
         </p:sp>
@@ -28775,9 +28762,10 @@
             <a:lstStyle/>
             <a:p>
               <a:r>
-                <a:rPr lang="en-US" sz="900" b="1" dirty="0"/>
-                <a:t>C</a:t>
+                <a:rPr lang="en-US" sz="900" dirty="0"/>
+                <a:t>ε</a:t>
               </a:r>
+              <a:endParaRPr lang="en-US" sz="800" b="1" dirty="0"/>
             </a:p>
           </p:txBody>
         </p:sp>
@@ -29020,7 +29008,7 @@
           <p:spPr>
             <a:xfrm>
               <a:off x="27332109" y="10066878"/>
-              <a:ext cx="150495" cy="230832"/>
+              <a:ext cx="150495" cy="369332"/>
             </a:xfrm>
             <a:prstGeom prst="rect">
               <a:avLst/>
@@ -29034,9 +29022,10 @@
             <a:lstStyle/>
             <a:p>
               <a:r>
-                <a:rPr lang="en-US" sz="900" b="1" dirty="0"/>
-                <a:t>C</a:t>
+                <a:rPr lang="en-US" dirty="0"/>
+                <a:t>ε</a:t>
               </a:r>
+              <a:endParaRPr lang="en-US" sz="900" b="1" dirty="0"/>
             </a:p>
           </p:txBody>
         </p:sp>
@@ -29056,9 +29045,9 @@
         <p:grpSpPr>
           <a:xfrm>
             <a:off x="22466473" y="20530837"/>
-            <a:ext cx="4872316" cy="11840356"/>
+            <a:ext cx="4872316" cy="11908552"/>
             <a:chOff x="23582806" y="20533411"/>
-            <a:chExt cx="4872316" cy="11840356"/>
+            <a:chExt cx="4872316" cy="11908552"/>
           </a:xfrm>
         </p:grpSpPr>
         <p:sp>
@@ -29404,7 +29393,7 @@
             <a:p>
               <a:r>
                 <a:rPr lang="en-US" sz="900" b="1" dirty="0"/>
-                <a:t>C</a:t>
+                <a:t>i</a:t>
               </a:r>
             </a:p>
           </p:txBody>
@@ -29482,7 +29471,7 @@
             <a:p>
               <a:r>
                 <a:rPr lang="en-US" sz="900" b="1" dirty="0"/>
-                <a:t>C</a:t>
+                <a:t>l</a:t>
               </a:r>
             </a:p>
           </p:txBody>
@@ -29603,7 +29592,7 @@
             <a:p>
               <a:r>
                 <a:rPr lang="en-US" sz="900" b="1" dirty="0"/>
-                <a:t>C</a:t>
+                <a:t>a</a:t>
               </a:r>
             </a:p>
           </p:txBody>
@@ -29638,7 +29627,7 @@
             <a:p>
               <a:r>
                 <a:rPr lang="en-US" sz="900" b="1" dirty="0"/>
-                <a:t>C</a:t>
+                <a:t>p</a:t>
               </a:r>
             </a:p>
           </p:txBody>
@@ -29658,7 +29647,7 @@
           <p:spPr>
             <a:xfrm>
               <a:off x="27967493" y="32072631"/>
-              <a:ext cx="150495" cy="230832"/>
+              <a:ext cx="150495" cy="369332"/>
             </a:xfrm>
             <a:prstGeom prst="rect">
               <a:avLst/>
@@ -29672,9 +29661,10 @@
             <a:lstStyle/>
             <a:p>
               <a:r>
-                <a:rPr lang="en-US" sz="900" b="1" dirty="0"/>
-                <a:t>C</a:t>
+                <a:rPr lang="en-US" dirty="0"/>
+                <a:t>ε</a:t>
               </a:r>
+              <a:endParaRPr lang="en-US" sz="900" b="1" dirty="0"/>
             </a:p>
           </p:txBody>
         </p:sp>
@@ -29908,7 +29898,7 @@
             <a:p>
               <a:r>
                 <a:rPr lang="en-US" sz="900" b="1" dirty="0"/>
-                <a:t>C</a:t>
+                <a:t>S</a:t>
               </a:r>
             </a:p>
           </p:txBody>
@@ -29929,9 +29919,9 @@
         <p:grpSpPr>
           <a:xfrm>
             <a:off x="22473956" y="20530837"/>
-            <a:ext cx="4864833" cy="12559367"/>
+            <a:ext cx="4864833" cy="12627563"/>
             <a:chOff x="23582806" y="19814400"/>
-            <a:chExt cx="4864833" cy="12559367"/>
+            <a:chExt cx="4864833" cy="12627563"/>
           </a:xfrm>
         </p:grpSpPr>
         <p:sp>
@@ -30277,7 +30267,7 @@
             <a:p>
               <a:r>
                 <a:rPr lang="en-US" sz="900" b="1" dirty="0"/>
-                <a:t>C</a:t>
+                <a:t>l</a:t>
               </a:r>
             </a:p>
           </p:txBody>
@@ -30355,7 +30345,7 @@
             <a:p>
               <a:r>
                 <a:rPr lang="en-US" sz="900" b="1" dirty="0"/>
-                <a:t>C</a:t>
+                <a:t>a</a:t>
               </a:r>
             </a:p>
           </p:txBody>
@@ -30476,7 +30466,7 @@
             <a:p>
               <a:r>
                 <a:rPr lang="en-US" sz="900" b="1" dirty="0"/>
-                <a:t>C</a:t>
+                <a:t>p</a:t>
               </a:r>
             </a:p>
           </p:txBody>
@@ -30511,7 +30501,7 @@
             <a:p>
               <a:r>
                 <a:rPr lang="en-US" sz="900" b="1" dirty="0"/>
-                <a:t>C</a:t>
+                <a:t>f</a:t>
               </a:r>
             </a:p>
           </p:txBody>
@@ -30531,7 +30521,7 @@
           <p:spPr>
             <a:xfrm>
               <a:off x="27967493" y="32072631"/>
-              <a:ext cx="150495" cy="230832"/>
+              <a:ext cx="150495" cy="369332"/>
             </a:xfrm>
             <a:prstGeom prst="rect">
               <a:avLst/>
@@ -30545,9 +30535,10 @@
             <a:lstStyle/>
             <a:p>
               <a:r>
-                <a:rPr lang="en-US" sz="900" b="1" dirty="0"/>
-                <a:t>C</a:t>
+                <a:rPr lang="en-US" dirty="0"/>
+                <a:t>ε</a:t>
               </a:r>
+              <a:endParaRPr lang="en-US" sz="900" b="1" dirty="0"/>
             </a:p>
           </p:txBody>
         </p:sp>
@@ -30781,7 +30772,7 @@
             <a:p>
               <a:r>
                 <a:rPr lang="en-US" sz="900" b="1" dirty="0"/>
-                <a:t>C</a:t>
+                <a:t>I</a:t>
               </a:r>
             </a:p>
           </p:txBody>
@@ -30802,9 +30793,9 @@
         <p:grpSpPr>
           <a:xfrm>
             <a:off x="21682799" y="20530837"/>
-            <a:ext cx="5655990" cy="13237007"/>
+            <a:ext cx="5655990" cy="13235827"/>
             <a:chOff x="22857267" y="20339308"/>
-            <a:chExt cx="5655990" cy="13237007"/>
+            <a:chExt cx="5655990" cy="13235827"/>
           </a:xfrm>
         </p:grpSpPr>
         <p:sp>
@@ -31023,60 +31014,6 @@
             </a:p>
           </p:txBody>
         </p:sp>
-        <p:sp>
-          <p:nvSpPr>
-            <p:cNvPr id="833" name="Oval 832">
-              <a:extLst>
-                <a:ext uri="{FF2B5EF4-FFF2-40B4-BE49-F238E27FC236}">
-                  <a16:creationId xmlns:a16="http://schemas.microsoft.com/office/drawing/2014/main" id="{648E4C2B-588F-6B81-D14C-03697720173D}"/>
-                </a:ext>
-              </a:extLst>
-            </p:cNvPr>
-            <p:cNvSpPr/>
-            <p:nvPr/>
-          </p:nvSpPr>
-          <p:spPr>
-            <a:xfrm>
-              <a:off x="27689165" y="33097411"/>
-              <a:ext cx="365760" cy="365760"/>
-            </a:xfrm>
-            <a:prstGeom prst="ellipse">
-              <a:avLst/>
-            </a:prstGeom>
-            <a:noFill/>
-          </p:spPr>
-          <p:style>
-            <a:lnRef idx="2">
-              <a:schemeClr val="dk1">
-                <a:shade val="50000"/>
-              </a:schemeClr>
-            </a:lnRef>
-            <a:fillRef idx="1">
-              <a:schemeClr val="dk1"/>
-            </a:fillRef>
-            <a:effectRef idx="0">
-              <a:schemeClr val="dk1"/>
-            </a:effectRef>
-            <a:fontRef idx="minor">
-              <a:schemeClr val="lt1"/>
-            </a:fontRef>
-          </p:style>
-          <p:txBody>
-            <a:bodyPr lIns="0" tIns="0" rIns="0" bIns="0" rtlCol="0" anchor="ctr"/>
-            <a:lstStyle/>
-            <a:p>
-              <a:pPr algn="ctr"/>
-              <a:r>
-                <a:rPr lang="en-US" sz="1600" dirty="0">
-                  <a:solidFill>
-                    <a:schemeClr val="tx1"/>
-                  </a:solidFill>
-                </a:rPr>
-                <a:t>0</a:t>
-              </a:r>
-            </a:p>
-          </p:txBody>
-        </p:sp>
         <p:cxnSp>
           <p:nvCxnSpPr>
             <p:cNvPr id="834" name="Straight Arrow Connector 833">
@@ -31150,7 +31087,7 @@
             <a:p>
               <a:r>
                 <a:rPr lang="en-US" sz="900" b="1" dirty="0"/>
-                <a:t>C</a:t>
+                <a:t>i</a:t>
               </a:r>
             </a:p>
           </p:txBody>
@@ -31228,7 +31165,7 @@
             <a:p>
               <a:r>
                 <a:rPr lang="en-US" sz="900" b="1" dirty="0"/>
-                <a:t>C</a:t>
+                <a:t>n</a:t>
               </a:r>
             </a:p>
           </p:txBody>
@@ -31253,49 +31190,6 @@
             <a:xfrm>
               <a:off x="26403399" y="33278871"/>
               <a:ext cx="460916" cy="0"/>
-            </a:xfrm>
-            <a:prstGeom prst="straightConnector1">
-              <a:avLst/>
-            </a:prstGeom>
-            <a:ln w="9525">
-              <a:tailEnd type="triangle"/>
-            </a:ln>
-          </p:spPr>
-          <p:style>
-            <a:lnRef idx="1">
-              <a:schemeClr val="dk1"/>
-            </a:lnRef>
-            <a:fillRef idx="0">
-              <a:schemeClr val="dk1"/>
-            </a:fillRef>
-            <a:effectRef idx="0">
-              <a:schemeClr val="dk1"/>
-            </a:effectRef>
-            <a:fontRef idx="minor">
-              <a:schemeClr val="tx1"/>
-            </a:fontRef>
-          </p:style>
-        </p:cxnSp>
-        <p:cxnSp>
-          <p:nvCxnSpPr>
-            <p:cNvPr id="839" name="Straight Arrow Connector 838">
-              <a:extLst>
-                <a:ext uri="{FF2B5EF4-FFF2-40B4-BE49-F238E27FC236}">
-                  <a16:creationId xmlns:a16="http://schemas.microsoft.com/office/drawing/2014/main" id="{929D8787-7673-FB3D-3E88-3CF0F0F4E500}"/>
-                </a:ext>
-              </a:extLst>
-            </p:cNvPr>
-            <p:cNvCxnSpPr>
-              <a:cxnSpLocks/>
-              <a:stCxn id="832" idx="6"/>
-              <a:endCxn id="833" idx="2"/>
-            </p:cNvCxnSpPr>
-            <p:nvPr/>
-          </p:nvCxnSpPr>
-          <p:spPr>
-            <a:xfrm>
-              <a:off x="27230075" y="33278871"/>
-              <a:ext cx="459090" cy="1420"/>
             </a:xfrm>
             <a:prstGeom prst="straightConnector1">
               <a:avLst/>
@@ -31349,17 +31243,17 @@
             <a:p>
               <a:r>
                 <a:rPr lang="en-US" sz="900" b="1" dirty="0"/>
-                <a:t>C</a:t>
+                <a:t>g</a:t>
               </a:r>
             </a:p>
           </p:txBody>
         </p:sp>
         <p:sp>
           <p:nvSpPr>
-            <p:cNvPr id="841" name="TextBox 840">
-              <a:extLst>
-                <a:ext uri="{FF2B5EF4-FFF2-40B4-BE49-F238E27FC236}">
-                  <a16:creationId xmlns:a16="http://schemas.microsoft.com/office/drawing/2014/main" id="{22B9ACAF-9EAC-914E-3E13-90EFA06338D1}"/>
+            <p:cNvPr id="842" name="TextBox 841">
+              <a:extLst>
+                <a:ext uri="{FF2B5EF4-FFF2-40B4-BE49-F238E27FC236}">
+                  <a16:creationId xmlns:a16="http://schemas.microsoft.com/office/drawing/2014/main" id="{BB8ED292-B8A7-19D1-3F38-C3B503DA7F25}"/>
                 </a:ext>
               </a:extLst>
             </p:cNvPr>
@@ -31368,8 +31262,8 @@
           </p:nvSpPr>
           <p:spPr>
             <a:xfrm>
-              <a:off x="27369065" y="33345483"/>
-              <a:ext cx="150495" cy="230832"/>
+              <a:off x="27539118" y="33205803"/>
+              <a:ext cx="150495" cy="369332"/>
             </a:xfrm>
             <a:prstGeom prst="rect">
               <a:avLst/>
@@ -31383,44 +31277,10 @@
             <a:lstStyle/>
             <a:p>
               <a:r>
-                <a:rPr lang="en-US" sz="900" b="1" dirty="0"/>
-                <a:t>C</a:t>
+                <a:rPr lang="en-US" dirty="0"/>
+                <a:t>ε</a:t>
               </a:r>
-            </a:p>
-          </p:txBody>
-        </p:sp>
-        <p:sp>
-          <p:nvSpPr>
-            <p:cNvPr id="842" name="TextBox 841">
-              <a:extLst>
-                <a:ext uri="{FF2B5EF4-FFF2-40B4-BE49-F238E27FC236}">
-                  <a16:creationId xmlns:a16="http://schemas.microsoft.com/office/drawing/2014/main" id="{BB8ED292-B8A7-19D1-3F38-C3B503DA7F25}"/>
-                </a:ext>
-              </a:extLst>
-            </p:cNvPr>
-            <p:cNvSpPr txBox="1"/>
-            <p:nvPr/>
-          </p:nvSpPr>
-          <p:spPr>
-            <a:xfrm>
-              <a:off x="28043747" y="33275179"/>
-              <a:ext cx="150495" cy="230832"/>
-            </a:xfrm>
-            <a:prstGeom prst="rect">
-              <a:avLst/>
-            </a:prstGeom>
-            <a:noFill/>
-          </p:spPr>
-          <p:txBody>
-            <a:bodyPr wrap="square" rtlCol="0">
-              <a:spAutoFit/>
-            </a:bodyPr>
-            <a:lstStyle/>
-            <a:p>
-              <a:r>
-                <a:rPr lang="en-US" sz="900" b="1" dirty="0"/>
-                <a:t>C</a:t>
-              </a:r>
+              <a:endParaRPr lang="en-US" sz="900" b="1" dirty="0"/>
             </a:p>
           </p:txBody>
         </p:sp>
@@ -31438,10 +31298,10 @@
           </p:nvGrpSpPr>
           <p:grpSpPr>
             <a:xfrm>
-              <a:off x="28054924" y="20339308"/>
-              <a:ext cx="458333" cy="12940983"/>
-              <a:chOff x="2755702" y="-7485907"/>
-              <a:chExt cx="1306816" cy="12940983"/>
+              <a:off x="27230075" y="20339308"/>
+              <a:ext cx="1283182" cy="12940983"/>
+              <a:chOff x="403862" y="-7485907"/>
+              <a:chExt cx="3658656" cy="12940983"/>
             </a:xfrm>
           </p:grpSpPr>
           <p:cxnSp>
@@ -31455,14 +31315,14 @@
               </p:cNvPr>
               <p:cNvCxnSpPr>
                 <a:cxnSpLocks/>
-                <a:stCxn id="833" idx="6"/>
+                <a:stCxn id="832" idx="6"/>
               </p:cNvCxnSpPr>
               <p:nvPr/>
             </p:nvCxnSpPr>
             <p:spPr>
               <a:xfrm>
-                <a:off x="2755702" y="5455076"/>
-                <a:ext cx="553388" cy="0"/>
+                <a:off x="403862" y="5453656"/>
+                <a:ext cx="2905228" cy="1420"/>
               </a:xfrm>
               <a:prstGeom prst="line">
                 <a:avLst/>
@@ -31654,7 +31514,7 @@
             <a:p>
               <a:r>
                 <a:rPr lang="en-US" sz="900" b="1" dirty="0"/>
-                <a:t>C</a:t>
+                <a:t>s</a:t>
               </a:r>
             </a:p>
           </p:txBody>
@@ -31785,7 +31645,7 @@
             <a:p>
               <a:r>
                 <a:rPr lang="en-US" sz="900" b="1" dirty="0"/>
-                <a:t>C</a:t>
+                <a:t>U</a:t>
               </a:r>
             </a:p>
           </p:txBody>
@@ -31806,9 +31666,9 @@
         <p:grpSpPr>
           <a:xfrm>
             <a:off x="21692671" y="20530837"/>
-            <a:ext cx="5646118" cy="13994190"/>
+            <a:ext cx="5646118" cy="14062386"/>
             <a:chOff x="22857267" y="19582125"/>
-            <a:chExt cx="5646118" cy="13994190"/>
+            <a:chExt cx="5646118" cy="14062386"/>
           </a:xfrm>
         </p:grpSpPr>
         <p:sp>
@@ -32154,7 +32014,7 @@
             <a:p>
               <a:r>
                 <a:rPr lang="en-US" sz="900" b="1" dirty="0"/>
-                <a:t>C</a:t>
+                <a:t>r</a:t>
               </a:r>
             </a:p>
           </p:txBody>
@@ -32232,7 +32092,7 @@
             <a:p>
               <a:r>
                 <a:rPr lang="en-US" sz="900" b="1" dirty="0"/>
-                <a:t>C</a:t>
+                <a:t>i</a:t>
               </a:r>
             </a:p>
           </p:txBody>
@@ -32353,7 +32213,7 @@
             <a:p>
               <a:r>
                 <a:rPr lang="en-US" sz="900" b="1" dirty="0"/>
-                <a:t>C</a:t>
+                <a:t>v</a:t>
               </a:r>
             </a:p>
           </p:txBody>
@@ -32388,7 +32248,7 @@
             <a:p>
               <a:r>
                 <a:rPr lang="en-US" sz="900" b="1" dirty="0"/>
-                <a:t>C</a:t>
+                <a:t>e</a:t>
               </a:r>
             </a:p>
           </p:txBody>
@@ -32408,7 +32268,7 @@
           <p:spPr>
             <a:xfrm>
               <a:off x="28043747" y="33275179"/>
-              <a:ext cx="150495" cy="230832"/>
+              <a:ext cx="150495" cy="369332"/>
             </a:xfrm>
             <a:prstGeom prst="rect">
               <a:avLst/>
@@ -32422,9 +32282,10 @@
             <a:lstStyle/>
             <a:p>
               <a:r>
-                <a:rPr lang="en-US" sz="900" b="1" dirty="0"/>
-                <a:t>C</a:t>
+                <a:rPr lang="en-US" dirty="0"/>
+                <a:t>ε</a:t>
               </a:r>
+              <a:endParaRPr lang="en-US" sz="900" b="1" dirty="0"/>
             </a:p>
           </p:txBody>
         </p:sp>
@@ -32658,7 +32519,7 @@
             <a:p>
               <a:r>
                 <a:rPr lang="en-US" sz="900" b="1" dirty="0"/>
-                <a:t>C</a:t>
+                <a:t>e</a:t>
               </a:r>
             </a:p>
           </p:txBody>
@@ -32789,7 +32650,7 @@
             <a:p>
               <a:r>
                 <a:rPr lang="en-US" sz="900" b="1" dirty="0"/>
-                <a:t>C</a:t>
+                <a:t>D</a:t>
               </a:r>
             </a:p>
           </p:txBody>
@@ -32810,9 +32671,9 @@
         <p:grpSpPr>
           <a:xfrm>
             <a:off x="21703236" y="20530837"/>
-            <a:ext cx="5635553" cy="14723496"/>
+            <a:ext cx="5635553" cy="14791692"/>
             <a:chOff x="22857267" y="18852819"/>
-            <a:chExt cx="5635553" cy="14723496"/>
+            <a:chExt cx="5635553" cy="14791692"/>
           </a:xfrm>
         </p:grpSpPr>
         <p:sp>
@@ -33158,7 +33019,7 @@
             <a:p>
               <a:r>
                 <a:rPr lang="en-US" sz="900" b="1" dirty="0"/>
-                <a:t>C</a:t>
+                <a:t>r</a:t>
               </a:r>
             </a:p>
           </p:txBody>
@@ -33236,7 +33097,7 @@
             <a:p>
               <a:r>
                 <a:rPr lang="en-US" sz="900" b="1" dirty="0"/>
-                <a:t>C</a:t>
+                <a:t>i</a:t>
               </a:r>
             </a:p>
           </p:txBody>
@@ -33357,7 +33218,7 @@
             <a:p>
               <a:r>
                 <a:rPr lang="en-US" sz="900" b="1" dirty="0"/>
-                <a:t>C</a:t>
+                <a:t>e</a:t>
               </a:r>
             </a:p>
           </p:txBody>
@@ -33392,7 +33253,7 @@
             <a:p>
               <a:r>
                 <a:rPr lang="en-US" sz="900" b="1" dirty="0"/>
-                <a:t>C</a:t>
+                <a:t>s</a:t>
               </a:r>
             </a:p>
           </p:txBody>
@@ -33412,7 +33273,7 @@
           <p:spPr>
             <a:xfrm>
               <a:off x="28043747" y="33275179"/>
-              <a:ext cx="150495" cy="230832"/>
+              <a:ext cx="150495" cy="369332"/>
             </a:xfrm>
             <a:prstGeom prst="rect">
               <a:avLst/>
@@ -33426,9 +33287,10 @@
             <a:lstStyle/>
             <a:p>
               <a:r>
-                <a:rPr lang="en-US" sz="900" b="1" dirty="0"/>
-                <a:t>C</a:t>
+                <a:rPr lang="en-US" dirty="0"/>
+                <a:t>ε</a:t>
               </a:r>
+              <a:endParaRPr lang="en-US" sz="900" b="1" dirty="0"/>
             </a:p>
           </p:txBody>
         </p:sp>
@@ -33662,7 +33524,7 @@
             <a:p>
               <a:r>
                 <a:rPr lang="en-US" sz="900" b="1" dirty="0"/>
-                <a:t>C</a:t>
+                <a:t>e</a:t>
               </a:r>
             </a:p>
           </p:txBody>
@@ -33793,7 +33655,7 @@
             <a:p>
               <a:r>
                 <a:rPr lang="en-US" sz="900" b="1" dirty="0"/>
-                <a:t>C</a:t>
+                <a:t>S</a:t>
               </a:r>
             </a:p>
           </p:txBody>
@@ -33814,7 +33676,7 @@
         <p:spPr>
           <a:xfrm>
             <a:off x="20218311" y="677707"/>
-            <a:ext cx="150495" cy="230832"/>
+            <a:ext cx="150495" cy="369332"/>
           </a:xfrm>
           <a:prstGeom prst="rect">
             <a:avLst/>
@@ -33828,9 +33690,10 @@
           <a:lstStyle/>
           <a:p>
             <a:r>
-              <a:rPr lang="en-US" sz="900" b="1" dirty="0"/>
-              <a:t>C</a:t>
+              <a:rPr lang="en-US" dirty="0"/>
+              <a:t>ε</a:t>
             </a:r>
+            <a:endParaRPr lang="en-US" sz="900" b="1" dirty="0"/>
           </a:p>
         </p:txBody>
       </p:sp>
@@ -33849,7 +33712,7 @@
         <p:spPr>
           <a:xfrm>
             <a:off x="20187501" y="1362883"/>
-            <a:ext cx="150495" cy="230832"/>
+            <a:ext cx="150495" cy="369332"/>
           </a:xfrm>
           <a:prstGeom prst="rect">
             <a:avLst/>
@@ -33863,9 +33726,10 @@
           <a:lstStyle/>
           <a:p>
             <a:r>
-              <a:rPr lang="en-US" sz="900" b="1" dirty="0"/>
-              <a:t>C</a:t>
+              <a:rPr lang="en-US" dirty="0"/>
+              <a:t>ε</a:t>
             </a:r>
+            <a:endParaRPr lang="en-US" sz="900" b="1" dirty="0"/>
           </a:p>
         </p:txBody>
       </p:sp>
@@ -33884,7 +33748,7 @@
         <p:spPr>
           <a:xfrm>
             <a:off x="20200995" y="2067792"/>
-            <a:ext cx="150495" cy="230832"/>
+            <a:ext cx="150495" cy="369332"/>
           </a:xfrm>
           <a:prstGeom prst="rect">
             <a:avLst/>
@@ -33898,9 +33762,10 @@
           <a:lstStyle/>
           <a:p>
             <a:r>
-              <a:rPr lang="en-US" sz="900" b="1" dirty="0"/>
-              <a:t>C</a:t>
+              <a:rPr lang="en-US" dirty="0"/>
+              <a:t>ε</a:t>
             </a:r>
+            <a:endParaRPr lang="en-US" sz="900" b="1" dirty="0"/>
           </a:p>
         </p:txBody>
       </p:sp>
@@ -33919,7 +33784,7 @@
         <p:spPr>
           <a:xfrm>
             <a:off x="20201271" y="2820904"/>
-            <a:ext cx="150495" cy="230832"/>
+            <a:ext cx="150495" cy="369332"/>
           </a:xfrm>
           <a:prstGeom prst="rect">
             <a:avLst/>
@@ -33933,9 +33798,10 @@
           <a:lstStyle/>
           <a:p>
             <a:r>
-              <a:rPr lang="en-US" sz="900" b="1" dirty="0"/>
-              <a:t>C</a:t>
+              <a:rPr lang="en-US" dirty="0"/>
+              <a:t>ε</a:t>
             </a:r>
+            <a:endParaRPr lang="en-US" sz="900" b="1" dirty="0"/>
           </a:p>
         </p:txBody>
       </p:sp>
@@ -33954,7 +33820,7 @@
         <p:spPr>
           <a:xfrm>
             <a:off x="20218311" y="3569549"/>
-            <a:ext cx="150495" cy="230832"/>
+            <a:ext cx="150495" cy="369332"/>
           </a:xfrm>
           <a:prstGeom prst="rect">
             <a:avLst/>
@@ -33968,9 +33834,10 @@
           <a:lstStyle/>
           <a:p>
             <a:r>
-              <a:rPr lang="en-US" sz="900" b="1" dirty="0"/>
-              <a:t>C</a:t>
+              <a:rPr lang="en-US" dirty="0"/>
+              <a:t>ε</a:t>
             </a:r>
+            <a:endParaRPr lang="en-US" sz="900" b="1" dirty="0"/>
           </a:p>
         </p:txBody>
       </p:sp>
@@ -33989,7 +33856,7 @@
         <p:spPr>
           <a:xfrm>
             <a:off x="20218311" y="4275404"/>
-            <a:ext cx="150495" cy="230832"/>
+            <a:ext cx="150495" cy="369332"/>
           </a:xfrm>
           <a:prstGeom prst="rect">
             <a:avLst/>
@@ -34003,9 +33870,10 @@
           <a:lstStyle/>
           <a:p>
             <a:r>
-              <a:rPr lang="en-US" sz="900" b="1" dirty="0"/>
-              <a:t>C</a:t>
+              <a:rPr lang="en-US" dirty="0"/>
+              <a:t>ε</a:t>
             </a:r>
+            <a:endParaRPr lang="en-US" sz="900" b="1" dirty="0"/>
           </a:p>
         </p:txBody>
       </p:sp>
@@ -34024,7 +33892,7 @@
         <p:spPr>
           <a:xfrm>
             <a:off x="20213747" y="5002339"/>
-            <a:ext cx="150495" cy="230832"/>
+            <a:ext cx="150495" cy="369332"/>
           </a:xfrm>
           <a:prstGeom prst="rect">
             <a:avLst/>
@@ -34038,9 +33906,10 @@
           <a:lstStyle/>
           <a:p>
             <a:r>
-              <a:rPr lang="en-US" sz="900" b="1" dirty="0"/>
-              <a:t>C</a:t>
+              <a:rPr lang="en-US" dirty="0"/>
+              <a:t>ε</a:t>
             </a:r>
+            <a:endParaRPr lang="en-US" sz="900" b="1" dirty="0"/>
           </a:p>
         </p:txBody>
       </p:sp>
@@ -34059,7 +33928,7 @@
         <p:spPr>
           <a:xfrm>
             <a:off x="20213747" y="5691777"/>
-            <a:ext cx="150495" cy="230832"/>
+            <a:ext cx="150495" cy="369332"/>
           </a:xfrm>
           <a:prstGeom prst="rect">
             <a:avLst/>
@@ -34073,9 +33942,10 @@
           <a:lstStyle/>
           <a:p>
             <a:r>
-              <a:rPr lang="en-US" sz="900" b="1" dirty="0"/>
-              <a:t>C</a:t>
+              <a:rPr lang="en-US" dirty="0"/>
+              <a:t>ε</a:t>
             </a:r>
+            <a:endParaRPr lang="en-US" sz="900" b="1" dirty="0"/>
           </a:p>
         </p:txBody>
       </p:sp>
@@ -34093,8 +33963,8 @@
         </p:nvSpPr>
         <p:spPr>
           <a:xfrm>
-            <a:off x="19822866" y="6408471"/>
-            <a:ext cx="150495" cy="230832"/>
+            <a:off x="19863756" y="6419129"/>
+            <a:ext cx="150495" cy="369332"/>
           </a:xfrm>
           <a:prstGeom prst="rect">
             <a:avLst/>
@@ -34108,9 +33978,10 @@
           <a:lstStyle/>
           <a:p>
             <a:r>
-              <a:rPr lang="en-US" sz="900" b="1" dirty="0"/>
-              <a:t>C</a:t>
+              <a:rPr lang="en-US" dirty="0"/>
+              <a:t>ε</a:t>
             </a:r>
+            <a:endParaRPr lang="en-US" sz="900" b="1" dirty="0"/>
           </a:p>
         </p:txBody>
       </p:sp>
@@ -34129,7 +34000,7 @@
         <p:spPr>
           <a:xfrm>
             <a:off x="19838753" y="7110181"/>
-            <a:ext cx="150495" cy="230832"/>
+            <a:ext cx="150495" cy="369332"/>
           </a:xfrm>
           <a:prstGeom prst="rect">
             <a:avLst/>
@@ -34143,9 +34014,10 @@
           <a:lstStyle/>
           <a:p>
             <a:r>
-              <a:rPr lang="en-US" sz="900" b="1" dirty="0"/>
-              <a:t>C</a:t>
+              <a:rPr lang="en-US" dirty="0"/>
+              <a:t>ε</a:t>
             </a:r>
+            <a:endParaRPr lang="en-US" sz="900" b="1" dirty="0"/>
           </a:p>
         </p:txBody>
       </p:sp>
@@ -34164,7 +34036,7 @@
         <p:spPr>
           <a:xfrm>
             <a:off x="19814343" y="7875756"/>
-            <a:ext cx="150495" cy="230832"/>
+            <a:ext cx="150495" cy="369332"/>
           </a:xfrm>
           <a:prstGeom prst="rect">
             <a:avLst/>
@@ -34178,9 +34050,10 @@
           <a:lstStyle/>
           <a:p>
             <a:r>
-              <a:rPr lang="en-US" sz="900" b="1" dirty="0"/>
-              <a:t>C</a:t>
+              <a:rPr lang="en-US" dirty="0"/>
+              <a:t>ε</a:t>
             </a:r>
+            <a:endParaRPr lang="en-US" sz="900" b="1" dirty="0"/>
           </a:p>
         </p:txBody>
       </p:sp>
@@ -34199,7 +34072,7 @@
         <p:spPr>
           <a:xfrm>
             <a:off x="19422841" y="8633060"/>
-            <a:ext cx="150495" cy="230832"/>
+            <a:ext cx="150495" cy="369332"/>
           </a:xfrm>
           <a:prstGeom prst="rect">
             <a:avLst/>
@@ -34213,9 +34086,10 @@
           <a:lstStyle/>
           <a:p>
             <a:r>
-              <a:rPr lang="en-US" sz="900" b="1" dirty="0"/>
-              <a:t>C</a:t>
+              <a:rPr lang="en-US" dirty="0"/>
+              <a:t>ε</a:t>
             </a:r>
+            <a:endParaRPr lang="en-US" sz="900" b="1" dirty="0"/>
           </a:p>
         </p:txBody>
       </p:sp>
@@ -34234,7 +34108,7 @@
         <p:spPr>
           <a:xfrm>
             <a:off x="19422841" y="10320875"/>
-            <a:ext cx="150495" cy="230832"/>
+            <a:ext cx="150495" cy="369332"/>
           </a:xfrm>
           <a:prstGeom prst="rect">
             <a:avLst/>
@@ -34248,9 +34122,10 @@
           <a:lstStyle/>
           <a:p>
             <a:r>
-              <a:rPr lang="en-US" sz="900" b="1" dirty="0"/>
-              <a:t>C</a:t>
+              <a:rPr lang="en-US" dirty="0"/>
+              <a:t>ε</a:t>
             </a:r>
+            <a:endParaRPr lang="en-US" sz="900" b="1" dirty="0"/>
           </a:p>
         </p:txBody>
       </p:sp>
@@ -34269,7 +34144,7 @@
         <p:spPr>
           <a:xfrm>
             <a:off x="18995519" y="12815043"/>
-            <a:ext cx="150495" cy="230832"/>
+            <a:ext cx="150495" cy="369332"/>
           </a:xfrm>
           <a:prstGeom prst="rect">
             <a:avLst/>
@@ -34283,9 +34158,10 @@
           <a:lstStyle/>
           <a:p>
             <a:r>
-              <a:rPr lang="en-US" sz="900" b="1" dirty="0"/>
-              <a:t>C</a:t>
+              <a:rPr lang="en-US" dirty="0"/>
+              <a:t>ε</a:t>
             </a:r>
+            <a:endParaRPr lang="en-US" sz="900" b="1" dirty="0"/>
           </a:p>
         </p:txBody>
       </p:sp>
@@ -34304,7 +34180,7 @@
         <p:spPr>
           <a:xfrm>
             <a:off x="18905129" y="15557068"/>
-            <a:ext cx="150495" cy="230832"/>
+            <a:ext cx="150495" cy="369332"/>
           </a:xfrm>
           <a:prstGeom prst="rect">
             <a:avLst/>
@@ -34318,9 +34194,10 @@
           <a:lstStyle/>
           <a:p>
             <a:r>
-              <a:rPr lang="en-US" sz="900" b="1" dirty="0"/>
-              <a:t>C</a:t>
+              <a:rPr lang="en-US" dirty="0"/>
+              <a:t>ε</a:t>
             </a:r>
+            <a:endParaRPr lang="en-US" sz="900" b="1" dirty="0"/>
           </a:p>
         </p:txBody>
       </p:sp>
@@ -34339,7 +34216,7 @@
         <p:spPr>
           <a:xfrm>
             <a:off x="18221415" y="19020332"/>
-            <a:ext cx="150495" cy="230832"/>
+            <a:ext cx="150495" cy="369332"/>
           </a:xfrm>
           <a:prstGeom prst="rect">
             <a:avLst/>
@@ -34353,9 +34230,10 @@
           <a:lstStyle/>
           <a:p>
             <a:r>
-              <a:rPr lang="en-US" sz="900" b="1" dirty="0"/>
-              <a:t>C</a:t>
+              <a:rPr lang="en-US" dirty="0"/>
+              <a:t>ε</a:t>
             </a:r>
+            <a:endParaRPr lang="en-US" sz="900" b="1" dirty="0"/>
           </a:p>
         </p:txBody>
       </p:sp>
@@ -34374,9 +34252,9 @@
         <p:grpSpPr>
           <a:xfrm>
             <a:off x="21724024" y="20530837"/>
-            <a:ext cx="5614762" cy="15405636"/>
+            <a:ext cx="5614762" cy="15463154"/>
             <a:chOff x="22857267" y="18698244"/>
-            <a:chExt cx="5470883" cy="14878071"/>
+            <a:chExt cx="5470883" cy="14933619"/>
           </a:xfrm>
         </p:grpSpPr>
         <p:sp>
@@ -34722,7 +34600,7 @@
             <a:p>
               <a:r>
                 <a:rPr lang="en-US" sz="900" b="1" dirty="0"/>
-                <a:t>C</a:t>
+                <a:t>l</a:t>
               </a:r>
             </a:p>
           </p:txBody>
@@ -34800,7 +34678,7 @@
             <a:p>
               <a:r>
                 <a:rPr lang="en-US" sz="900" b="1" dirty="0"/>
-                <a:t>C</a:t>
+                <a:t>o</a:t>
               </a:r>
             </a:p>
           </p:txBody>
@@ -34921,7 +34799,7 @@
             <a:p>
               <a:r>
                 <a:rPr lang="en-US" sz="900" b="1" dirty="0"/>
-                <a:t>C</a:t>
+                <a:t>p</a:t>
               </a:r>
             </a:p>
           </p:txBody>
@@ -34956,7 +34834,7 @@
             <a:p>
               <a:r>
                 <a:rPr lang="en-US" sz="900" b="1" dirty="0"/>
-                <a:t>C</a:t>
+                <a:t>f</a:t>
               </a:r>
             </a:p>
           </p:txBody>
@@ -34976,7 +34854,7 @@
           <p:spPr>
             <a:xfrm>
               <a:off x="28043747" y="33275179"/>
-              <a:ext cx="150495" cy="230832"/>
+              <a:ext cx="150495" cy="356684"/>
             </a:xfrm>
             <a:prstGeom prst="rect">
               <a:avLst/>
@@ -34990,9 +34868,10 @@
             <a:lstStyle/>
             <a:p>
               <a:r>
-                <a:rPr lang="en-US" sz="900" b="1" dirty="0"/>
-                <a:t>C</a:t>
+                <a:rPr lang="en-US" dirty="0"/>
+                <a:t>ε</a:t>
               </a:r>
+              <a:endParaRPr lang="en-US" sz="900" b="1" dirty="0"/>
             </a:p>
           </p:txBody>
         </p:sp>
@@ -35226,7 +35105,7 @@
             <a:p>
               <a:r>
                 <a:rPr lang="en-US" sz="900" b="1" dirty="0"/>
-                <a:t>C</a:t>
+                <a:t>i</a:t>
               </a:r>
             </a:p>
           </p:txBody>
@@ -35357,7 +35236,7 @@
             <a:p>
               <a:r>
                 <a:rPr lang="en-US" sz="900" b="1" dirty="0"/>
-                <a:t>C</a:t>
+                <a:t>S</a:t>
               </a:r>
             </a:p>
           </p:txBody>
@@ -35706,7 +35585,7 @@
           <a:p>
             <a:r>
               <a:rPr lang="en-US" sz="900" b="1" dirty="0"/>
-              <a:t>C</a:t>
+              <a:t>i</a:t>
             </a:r>
           </a:p>
         </p:txBody>
@@ -35905,7 +35784,7 @@
           <a:p>
             <a:r>
               <a:rPr lang="en-US" sz="900" b="1" dirty="0"/>
-              <a:t>C</a:t>
+              <a:t>a</a:t>
             </a:r>
           </a:p>
         </p:txBody>
@@ -35940,7 +35819,7 @@
           <a:p>
             <a:r>
               <a:rPr lang="en-US" sz="900" b="1" dirty="0"/>
-              <a:t>C</a:t>
+              <a:t>l</a:t>
             </a:r>
           </a:p>
         </p:txBody>
@@ -35960,7 +35839,7 @@
         <p:spPr>
           <a:xfrm>
             <a:off x="27070994" y="36329317"/>
-            <a:ext cx="154453" cy="239017"/>
+            <a:ext cx="154453" cy="369332"/>
           </a:xfrm>
           <a:prstGeom prst="rect">
             <a:avLst/>
@@ -35974,9 +35853,10 @@
           <a:lstStyle/>
           <a:p>
             <a:r>
-              <a:rPr lang="en-US" sz="900" b="1" dirty="0"/>
-              <a:t>C</a:t>
+              <a:rPr lang="en-US" dirty="0"/>
+              <a:t>ε</a:t>
             </a:r>
+            <a:endParaRPr lang="en-US" sz="900" b="1" dirty="0"/>
           </a:p>
         </p:txBody>
       </p:sp>
@@ -36210,7 +36090,7 @@
           <a:p>
             <a:r>
               <a:rPr lang="en-US" sz="900" b="1" dirty="0"/>
-              <a:t>C</a:t>
+              <a:t>g</a:t>
             </a:r>
           </a:p>
         </p:txBody>
@@ -36341,7 +36221,7 @@
           <a:p>
             <a:r>
               <a:rPr lang="en-US" sz="900" b="1" dirty="0"/>
-              <a:t>C</a:t>
+              <a:t>o</a:t>
             </a:r>
           </a:p>
         </p:txBody>
@@ -36473,17 +36353,17 @@
           <a:p>
             <a:r>
               <a:rPr lang="en-US" sz="900" b="1" dirty="0"/>
-              <a:t>C</a:t>
+              <a:t>L</a:t>
             </a:r>
           </a:p>
         </p:txBody>
       </p:sp>
       <p:sp>
         <p:nvSpPr>
-          <p:cNvPr id="1128" name="TextBox 1127">
-            <a:extLst>
-              <a:ext uri="{FF2B5EF4-FFF2-40B4-BE49-F238E27FC236}">
-                <a16:creationId xmlns:a16="http://schemas.microsoft.com/office/drawing/2014/main" id="{1F79B090-72E1-445F-8547-9A1ECE5B5E66}"/>
+          <p:cNvPr id="1129" name="TextBox 1128">
+            <a:extLst>
+              <a:ext uri="{FF2B5EF4-FFF2-40B4-BE49-F238E27FC236}">
+                <a16:creationId xmlns:a16="http://schemas.microsoft.com/office/drawing/2014/main" id="{3DA4AF5E-2D4F-6242-6DE5-6E476D93BC0D}"/>
               </a:ext>
             </a:extLst>
           </p:cNvPr>
@@ -36492,8 +36372,8 @@
         </p:nvSpPr>
         <p:spPr>
           <a:xfrm>
-            <a:off x="18373815" y="19172732"/>
-            <a:ext cx="150495" cy="230832"/>
+            <a:off x="19023669" y="20097378"/>
+            <a:ext cx="150495" cy="369332"/>
           </a:xfrm>
           <a:prstGeom prst="rect">
             <a:avLst/>
@@ -36507,18 +36387,19 @@
           <a:lstStyle/>
           <a:p>
             <a:r>
-              <a:rPr lang="en-US" sz="900" b="1" dirty="0"/>
-              <a:t>C</a:t>
+              <a:rPr lang="en-US" dirty="0"/>
+              <a:t>ε</a:t>
             </a:r>
+            <a:endParaRPr lang="en-US" sz="900" b="1" dirty="0"/>
           </a:p>
         </p:txBody>
       </p:sp>
       <p:sp>
         <p:nvSpPr>
-          <p:cNvPr id="1129" name="TextBox 1128">
-            <a:extLst>
-              <a:ext uri="{FF2B5EF4-FFF2-40B4-BE49-F238E27FC236}">
-                <a16:creationId xmlns:a16="http://schemas.microsoft.com/office/drawing/2014/main" id="{3DA4AF5E-2D4F-6242-6DE5-6E476D93BC0D}"/>
+          <p:cNvPr id="1130" name="TextBox 1129">
+            <a:extLst>
+              <a:ext uri="{FF2B5EF4-FFF2-40B4-BE49-F238E27FC236}">
+                <a16:creationId xmlns:a16="http://schemas.microsoft.com/office/drawing/2014/main" id="{5B486B71-E18F-4E19-DC95-2F1E8862C23A}"/>
               </a:ext>
             </a:extLst>
           </p:cNvPr>
@@ -36527,8 +36408,8 @@
         </p:nvSpPr>
         <p:spPr>
           <a:xfrm>
-            <a:off x="19023669" y="20097378"/>
-            <a:ext cx="150495" cy="230832"/>
+            <a:off x="19087253" y="20889393"/>
+            <a:ext cx="150495" cy="369332"/>
           </a:xfrm>
           <a:prstGeom prst="rect">
             <a:avLst/>
@@ -36542,18 +36423,19 @@
           <a:lstStyle/>
           <a:p>
             <a:r>
-              <a:rPr lang="en-US" sz="900" b="1" dirty="0"/>
-              <a:t>C</a:t>
+              <a:rPr lang="en-US" dirty="0"/>
+              <a:t>ε</a:t>
             </a:r>
+            <a:endParaRPr lang="en-US" sz="900" b="1" dirty="0"/>
           </a:p>
         </p:txBody>
       </p:sp>
       <p:sp>
         <p:nvSpPr>
-          <p:cNvPr id="1130" name="TextBox 1129">
-            <a:extLst>
-              <a:ext uri="{FF2B5EF4-FFF2-40B4-BE49-F238E27FC236}">
-                <a16:creationId xmlns:a16="http://schemas.microsoft.com/office/drawing/2014/main" id="{5B486B71-E18F-4E19-DC95-2F1E8862C23A}"/>
+          <p:cNvPr id="1131" name="TextBox 1130">
+            <a:extLst>
+              <a:ext uri="{FF2B5EF4-FFF2-40B4-BE49-F238E27FC236}">
+                <a16:creationId xmlns:a16="http://schemas.microsoft.com/office/drawing/2014/main" id="{DDD22E0B-7631-EC38-AB16-E5D99BDC88F9}"/>
               </a:ext>
             </a:extLst>
           </p:cNvPr>
@@ -36562,8 +36444,8 @@
         </p:nvSpPr>
         <p:spPr>
           <a:xfrm>
-            <a:off x="19023669" y="20818397"/>
-            <a:ext cx="150495" cy="230832"/>
+            <a:off x="19032572" y="21559739"/>
+            <a:ext cx="150495" cy="369332"/>
           </a:xfrm>
           <a:prstGeom prst="rect">
             <a:avLst/>
@@ -36577,18 +36459,19 @@
           <a:lstStyle/>
           <a:p>
             <a:r>
-              <a:rPr lang="en-US" sz="900" b="1" dirty="0"/>
-              <a:t>C</a:t>
+              <a:rPr lang="en-US" dirty="0"/>
+              <a:t>ε</a:t>
             </a:r>
+            <a:endParaRPr lang="en-US" sz="900" b="1" dirty="0"/>
           </a:p>
         </p:txBody>
       </p:sp>
       <p:sp>
         <p:nvSpPr>
-          <p:cNvPr id="1131" name="TextBox 1130">
-            <a:extLst>
-              <a:ext uri="{FF2B5EF4-FFF2-40B4-BE49-F238E27FC236}">
-                <a16:creationId xmlns:a16="http://schemas.microsoft.com/office/drawing/2014/main" id="{DDD22E0B-7631-EC38-AB16-E5D99BDC88F9}"/>
+          <p:cNvPr id="1132" name="TextBox 1131">
+            <a:extLst>
+              <a:ext uri="{FF2B5EF4-FFF2-40B4-BE49-F238E27FC236}">
+                <a16:creationId xmlns:a16="http://schemas.microsoft.com/office/drawing/2014/main" id="{9CBB3E64-A07F-F0CE-B4FA-4FEF79329622}"/>
               </a:ext>
             </a:extLst>
           </p:cNvPr>
@@ -36597,8 +36480,8 @@
         </p:nvSpPr>
         <p:spPr>
           <a:xfrm>
-            <a:off x="19032572" y="21559739"/>
-            <a:ext cx="150495" cy="230832"/>
+            <a:off x="19032572" y="22271615"/>
+            <a:ext cx="150495" cy="369332"/>
           </a:xfrm>
           <a:prstGeom prst="rect">
             <a:avLst/>
@@ -36612,18 +36495,19 @@
           <a:lstStyle/>
           <a:p>
             <a:r>
-              <a:rPr lang="en-US" sz="900" b="1" dirty="0"/>
-              <a:t>C</a:t>
+              <a:rPr lang="en-US" dirty="0"/>
+              <a:t>ε</a:t>
             </a:r>
+            <a:endParaRPr lang="en-US" sz="900" b="1" dirty="0"/>
           </a:p>
         </p:txBody>
       </p:sp>
       <p:sp>
         <p:nvSpPr>
-          <p:cNvPr id="1132" name="TextBox 1131">
-            <a:extLst>
-              <a:ext uri="{FF2B5EF4-FFF2-40B4-BE49-F238E27FC236}">
-                <a16:creationId xmlns:a16="http://schemas.microsoft.com/office/drawing/2014/main" id="{9CBB3E64-A07F-F0CE-B4FA-4FEF79329622}"/>
+          <p:cNvPr id="1133" name="TextBox 1132">
+            <a:extLst>
+              <a:ext uri="{FF2B5EF4-FFF2-40B4-BE49-F238E27FC236}">
+                <a16:creationId xmlns:a16="http://schemas.microsoft.com/office/drawing/2014/main" id="{9E87638E-D74D-0921-621F-D45A11326EC5}"/>
               </a:ext>
             </a:extLst>
           </p:cNvPr>
@@ -36632,8 +36516,8 @@
         </p:nvSpPr>
         <p:spPr>
           <a:xfrm>
-            <a:off x="19032572" y="22271615"/>
-            <a:ext cx="150495" cy="230832"/>
+            <a:off x="17607726" y="27019660"/>
+            <a:ext cx="150495" cy="369332"/>
           </a:xfrm>
           <a:prstGeom prst="rect">
             <a:avLst/>
@@ -36647,18 +36531,19 @@
           <a:lstStyle/>
           <a:p>
             <a:r>
-              <a:rPr lang="en-US" sz="900" b="1" dirty="0"/>
-              <a:t>C</a:t>
+              <a:rPr lang="en-US" dirty="0"/>
+              <a:t>ε</a:t>
             </a:r>
+            <a:endParaRPr lang="en-US" sz="900" b="1" dirty="0"/>
           </a:p>
         </p:txBody>
       </p:sp>
       <p:sp>
         <p:nvSpPr>
-          <p:cNvPr id="1133" name="TextBox 1132">
-            <a:extLst>
-              <a:ext uri="{FF2B5EF4-FFF2-40B4-BE49-F238E27FC236}">
-                <a16:creationId xmlns:a16="http://schemas.microsoft.com/office/drawing/2014/main" id="{9E87638E-D74D-0921-621F-D45A11326EC5}"/>
+          <p:cNvPr id="1134" name="TextBox 1133">
+            <a:extLst>
+              <a:ext uri="{FF2B5EF4-FFF2-40B4-BE49-F238E27FC236}">
+                <a16:creationId xmlns:a16="http://schemas.microsoft.com/office/drawing/2014/main" id="{9E0FC6EF-C19A-3083-8A64-0BFDB9A3240A}"/>
               </a:ext>
             </a:extLst>
           </p:cNvPr>
@@ -36667,8 +36552,8 @@
         </p:nvSpPr>
         <p:spPr>
           <a:xfrm>
-            <a:off x="17607726" y="27019660"/>
-            <a:ext cx="150495" cy="230832"/>
+            <a:off x="18584973" y="32140361"/>
+            <a:ext cx="150495" cy="369332"/>
           </a:xfrm>
           <a:prstGeom prst="rect">
             <a:avLst/>
@@ -36682,18 +36567,19 @@
           <a:lstStyle/>
           <a:p>
             <a:r>
-              <a:rPr lang="en-US" sz="900" b="1" dirty="0"/>
-              <a:t>C</a:t>
+              <a:rPr lang="en-US" dirty="0"/>
+              <a:t>ε</a:t>
             </a:r>
+            <a:endParaRPr lang="en-US" sz="900" b="1" dirty="0"/>
           </a:p>
         </p:txBody>
       </p:sp>
       <p:sp>
         <p:nvSpPr>
-          <p:cNvPr id="1134" name="TextBox 1133">
-            <a:extLst>
-              <a:ext uri="{FF2B5EF4-FFF2-40B4-BE49-F238E27FC236}">
-                <a16:creationId xmlns:a16="http://schemas.microsoft.com/office/drawing/2014/main" id="{9E0FC6EF-C19A-3083-8A64-0BFDB9A3240A}"/>
+          <p:cNvPr id="1135" name="TextBox 1134">
+            <a:extLst>
+              <a:ext uri="{FF2B5EF4-FFF2-40B4-BE49-F238E27FC236}">
+                <a16:creationId xmlns:a16="http://schemas.microsoft.com/office/drawing/2014/main" id="{2BBE1677-5ACF-9891-CD2C-32F26D0B2B07}"/>
               </a:ext>
             </a:extLst>
           </p:cNvPr>
@@ -36702,8 +36588,8 @@
         </p:nvSpPr>
         <p:spPr>
           <a:xfrm>
-            <a:off x="18584973" y="32140361"/>
-            <a:ext cx="150495" cy="230832"/>
+            <a:off x="18595696" y="32830081"/>
+            <a:ext cx="150495" cy="369332"/>
           </a:xfrm>
           <a:prstGeom prst="rect">
             <a:avLst/>
@@ -36717,18 +36603,19 @@
           <a:lstStyle/>
           <a:p>
             <a:r>
-              <a:rPr lang="en-US" sz="900" b="1" dirty="0"/>
-              <a:t>C</a:t>
+              <a:rPr lang="en-US" dirty="0"/>
+              <a:t>ε</a:t>
             </a:r>
+            <a:endParaRPr lang="en-US" sz="900" b="1" dirty="0"/>
           </a:p>
         </p:txBody>
       </p:sp>
       <p:sp>
         <p:nvSpPr>
-          <p:cNvPr id="1135" name="TextBox 1134">
-            <a:extLst>
-              <a:ext uri="{FF2B5EF4-FFF2-40B4-BE49-F238E27FC236}">
-                <a16:creationId xmlns:a16="http://schemas.microsoft.com/office/drawing/2014/main" id="{2BBE1677-5ACF-9891-CD2C-32F26D0B2B07}"/>
+          <p:cNvPr id="1136" name="TextBox 1135">
+            <a:extLst>
+              <a:ext uri="{FF2B5EF4-FFF2-40B4-BE49-F238E27FC236}">
+                <a16:creationId xmlns:a16="http://schemas.microsoft.com/office/drawing/2014/main" id="{785199B0-4337-5C33-A7A9-B1CF0AC38294}"/>
               </a:ext>
             </a:extLst>
           </p:cNvPr>
@@ -36737,8 +36624,8 @@
         </p:nvSpPr>
         <p:spPr>
           <a:xfrm>
-            <a:off x="18595696" y="32830081"/>
-            <a:ext cx="150495" cy="230832"/>
+            <a:off x="18628398" y="33488136"/>
+            <a:ext cx="150495" cy="369332"/>
           </a:xfrm>
           <a:prstGeom prst="rect">
             <a:avLst/>
@@ -36752,18 +36639,19 @@
           <a:lstStyle/>
           <a:p>
             <a:r>
-              <a:rPr lang="en-US" sz="900" b="1" dirty="0"/>
-              <a:t>C</a:t>
+              <a:rPr lang="en-US" dirty="0"/>
+              <a:t>ε</a:t>
             </a:r>
+            <a:endParaRPr lang="en-US" sz="900" b="1" dirty="0"/>
           </a:p>
         </p:txBody>
       </p:sp>
       <p:sp>
         <p:nvSpPr>
-          <p:cNvPr id="1136" name="TextBox 1135">
-            <a:extLst>
-              <a:ext uri="{FF2B5EF4-FFF2-40B4-BE49-F238E27FC236}">
-                <a16:creationId xmlns:a16="http://schemas.microsoft.com/office/drawing/2014/main" id="{785199B0-4337-5C33-A7A9-B1CF0AC38294}"/>
+          <p:cNvPr id="1137" name="TextBox 1136">
+            <a:extLst>
+              <a:ext uri="{FF2B5EF4-FFF2-40B4-BE49-F238E27FC236}">
+                <a16:creationId xmlns:a16="http://schemas.microsoft.com/office/drawing/2014/main" id="{F026EECE-7F77-E363-B875-B0313EA96596}"/>
               </a:ext>
             </a:extLst>
           </p:cNvPr>
@@ -36772,8 +36660,8 @@
         </p:nvSpPr>
         <p:spPr>
           <a:xfrm>
-            <a:off x="18628398" y="33488136"/>
-            <a:ext cx="150495" cy="230832"/>
+            <a:off x="18209891" y="34228332"/>
+            <a:ext cx="150495" cy="369332"/>
           </a:xfrm>
           <a:prstGeom prst="rect">
             <a:avLst/>
@@ -36787,18 +36675,19 @@
           <a:lstStyle/>
           <a:p>
             <a:r>
-              <a:rPr lang="en-US" sz="900" b="1" dirty="0"/>
-              <a:t>C</a:t>
+              <a:rPr lang="en-US" dirty="0"/>
+              <a:t>ε</a:t>
             </a:r>
+            <a:endParaRPr lang="en-US" sz="900" b="1" dirty="0"/>
           </a:p>
         </p:txBody>
       </p:sp>
       <p:sp>
         <p:nvSpPr>
-          <p:cNvPr id="1137" name="TextBox 1136">
-            <a:extLst>
-              <a:ext uri="{FF2B5EF4-FFF2-40B4-BE49-F238E27FC236}">
-                <a16:creationId xmlns:a16="http://schemas.microsoft.com/office/drawing/2014/main" id="{F026EECE-7F77-E363-B875-B0313EA96596}"/>
+          <p:cNvPr id="1138" name="TextBox 1137">
+            <a:extLst>
+              <a:ext uri="{FF2B5EF4-FFF2-40B4-BE49-F238E27FC236}">
+                <a16:creationId xmlns:a16="http://schemas.microsoft.com/office/drawing/2014/main" id="{264C83F5-F77E-533D-BF21-8874E9DE61A2}"/>
               </a:ext>
             </a:extLst>
           </p:cNvPr>
@@ -36807,8 +36696,8 @@
         </p:nvSpPr>
         <p:spPr>
           <a:xfrm>
-            <a:off x="18209891" y="34228332"/>
-            <a:ext cx="150495" cy="230832"/>
+            <a:off x="18249106" y="34990166"/>
+            <a:ext cx="150495" cy="369332"/>
           </a:xfrm>
           <a:prstGeom prst="rect">
             <a:avLst/>
@@ -36822,18 +36711,19 @@
           <a:lstStyle/>
           <a:p>
             <a:r>
-              <a:rPr lang="en-US" sz="900" b="1" dirty="0"/>
-              <a:t>C</a:t>
+              <a:rPr lang="en-US" dirty="0"/>
+              <a:t>ε</a:t>
             </a:r>
+            <a:endParaRPr lang="en-US" sz="900" b="1" dirty="0"/>
           </a:p>
         </p:txBody>
       </p:sp>
       <p:sp>
         <p:nvSpPr>
-          <p:cNvPr id="1138" name="TextBox 1137">
-            <a:extLst>
-              <a:ext uri="{FF2B5EF4-FFF2-40B4-BE49-F238E27FC236}">
-                <a16:creationId xmlns:a16="http://schemas.microsoft.com/office/drawing/2014/main" id="{264C83F5-F77E-533D-BF21-8874E9DE61A2}"/>
+          <p:cNvPr id="1139" name="TextBox 1138">
+            <a:extLst>
+              <a:ext uri="{FF2B5EF4-FFF2-40B4-BE49-F238E27FC236}">
+                <a16:creationId xmlns:a16="http://schemas.microsoft.com/office/drawing/2014/main" id="{6DD6BBC7-6214-6CA1-FF03-D862BAE0AD4A}"/>
               </a:ext>
             </a:extLst>
           </p:cNvPr>
@@ -36842,8 +36732,8 @@
         </p:nvSpPr>
         <p:spPr>
           <a:xfrm>
-            <a:off x="18249106" y="34990166"/>
-            <a:ext cx="150495" cy="230832"/>
+            <a:off x="18240191" y="35661812"/>
+            <a:ext cx="150495" cy="369332"/>
           </a:xfrm>
           <a:prstGeom prst="rect">
             <a:avLst/>
@@ -36857,18 +36747,19 @@
           <a:lstStyle/>
           <a:p>
             <a:r>
-              <a:rPr lang="en-US" sz="900" b="1" dirty="0"/>
-              <a:t>C</a:t>
+              <a:rPr lang="en-US" dirty="0"/>
+              <a:t>ε</a:t>
             </a:r>
+            <a:endParaRPr lang="en-US" sz="900" b="1" dirty="0"/>
           </a:p>
         </p:txBody>
       </p:sp>
       <p:sp>
         <p:nvSpPr>
-          <p:cNvPr id="1139" name="TextBox 1138">
-            <a:extLst>
-              <a:ext uri="{FF2B5EF4-FFF2-40B4-BE49-F238E27FC236}">
-                <a16:creationId xmlns:a16="http://schemas.microsoft.com/office/drawing/2014/main" id="{6DD6BBC7-6214-6CA1-FF03-D862BAE0AD4A}"/>
+          <p:cNvPr id="1140" name="TextBox 1139">
+            <a:extLst>
+              <a:ext uri="{FF2B5EF4-FFF2-40B4-BE49-F238E27FC236}">
+                <a16:creationId xmlns:a16="http://schemas.microsoft.com/office/drawing/2014/main" id="{1BA8DAA1-2CA1-844F-66AB-21FAB20F5D5C}"/>
               </a:ext>
             </a:extLst>
           </p:cNvPr>
@@ -36877,8 +36768,8 @@
         </p:nvSpPr>
         <p:spPr>
           <a:xfrm>
-            <a:off x="18240191" y="35661812"/>
-            <a:ext cx="150495" cy="230832"/>
+            <a:off x="17829751" y="36385877"/>
+            <a:ext cx="150495" cy="369332"/>
           </a:xfrm>
           <a:prstGeom prst="rect">
             <a:avLst/>
@@ -36892,18 +36783,19 @@
           <a:lstStyle/>
           <a:p>
             <a:r>
-              <a:rPr lang="en-US" sz="900" b="1" dirty="0"/>
-              <a:t>C</a:t>
+              <a:rPr lang="en-US" dirty="0"/>
+              <a:t>ε</a:t>
             </a:r>
+            <a:endParaRPr lang="en-US" sz="900" b="1" dirty="0"/>
           </a:p>
         </p:txBody>
       </p:sp>
       <p:sp>
         <p:nvSpPr>
-          <p:cNvPr id="1140" name="TextBox 1139">
-            <a:extLst>
-              <a:ext uri="{FF2B5EF4-FFF2-40B4-BE49-F238E27FC236}">
-                <a16:creationId xmlns:a16="http://schemas.microsoft.com/office/drawing/2014/main" id="{1BA8DAA1-2CA1-844F-66AB-21FAB20F5D5C}"/>
+          <p:cNvPr id="1141" name="TextBox 1140">
+            <a:extLst>
+              <a:ext uri="{FF2B5EF4-FFF2-40B4-BE49-F238E27FC236}">
+                <a16:creationId xmlns:a16="http://schemas.microsoft.com/office/drawing/2014/main" id="{1218C6D4-41B4-731A-CD4B-CDDDF447355D}"/>
               </a:ext>
             </a:extLst>
           </p:cNvPr>
@@ -36912,8 +36804,8 @@
         </p:nvSpPr>
         <p:spPr>
           <a:xfrm>
-            <a:off x="17829751" y="36385877"/>
-            <a:ext cx="150495" cy="230832"/>
+            <a:off x="15449615" y="37802014"/>
+            <a:ext cx="150495" cy="369332"/>
           </a:xfrm>
           <a:prstGeom prst="rect">
             <a:avLst/>
@@ -36927,18 +36819,19 @@
           <a:lstStyle/>
           <a:p>
             <a:r>
-              <a:rPr lang="en-US" sz="900" b="1" dirty="0"/>
-              <a:t>C</a:t>
+              <a:rPr lang="en-US" dirty="0"/>
+              <a:t>ε</a:t>
             </a:r>
+            <a:endParaRPr lang="en-US" sz="900" b="1" dirty="0"/>
           </a:p>
         </p:txBody>
       </p:sp>
       <p:sp>
         <p:nvSpPr>
-          <p:cNvPr id="1141" name="TextBox 1140">
-            <a:extLst>
-              <a:ext uri="{FF2B5EF4-FFF2-40B4-BE49-F238E27FC236}">
-                <a16:creationId xmlns:a16="http://schemas.microsoft.com/office/drawing/2014/main" id="{1218C6D4-41B4-731A-CD4B-CDDDF447355D}"/>
+          <p:cNvPr id="1142" name="TextBox 1141">
+            <a:extLst>
+              <a:ext uri="{FF2B5EF4-FFF2-40B4-BE49-F238E27FC236}">
+                <a16:creationId xmlns:a16="http://schemas.microsoft.com/office/drawing/2014/main" id="{8A2D69DF-4A7A-2FB6-B0A2-C760DD1DC4AE}"/>
               </a:ext>
             </a:extLst>
           </p:cNvPr>
@@ -36947,8 +36840,8 @@
         </p:nvSpPr>
         <p:spPr>
           <a:xfrm>
-            <a:off x="15449615" y="37802014"/>
-            <a:ext cx="150495" cy="230832"/>
+            <a:off x="17829750" y="38542246"/>
+            <a:ext cx="150495" cy="369332"/>
           </a:xfrm>
           <a:prstGeom prst="rect">
             <a:avLst/>
@@ -36962,18 +36855,19 @@
           <a:lstStyle/>
           <a:p>
             <a:r>
-              <a:rPr lang="en-US" sz="900" b="1" dirty="0"/>
-              <a:t>C</a:t>
+              <a:rPr lang="en-US" dirty="0"/>
+              <a:t>ε</a:t>
             </a:r>
+            <a:endParaRPr lang="en-US" sz="900" b="1" dirty="0"/>
           </a:p>
         </p:txBody>
       </p:sp>
       <p:sp>
         <p:nvSpPr>
-          <p:cNvPr id="1142" name="TextBox 1141">
-            <a:extLst>
-              <a:ext uri="{FF2B5EF4-FFF2-40B4-BE49-F238E27FC236}">
-                <a16:creationId xmlns:a16="http://schemas.microsoft.com/office/drawing/2014/main" id="{8A2D69DF-4A7A-2FB6-B0A2-C760DD1DC4AE}"/>
+          <p:cNvPr id="1143" name="TextBox 1142">
+            <a:extLst>
+              <a:ext uri="{FF2B5EF4-FFF2-40B4-BE49-F238E27FC236}">
+                <a16:creationId xmlns:a16="http://schemas.microsoft.com/office/drawing/2014/main" id="{0247924E-62B6-647A-31AA-030F2B399DCE}"/>
               </a:ext>
             </a:extLst>
           </p:cNvPr>
@@ -36982,8 +36876,8 @@
         </p:nvSpPr>
         <p:spPr>
           <a:xfrm>
-            <a:off x="17829750" y="38542246"/>
-            <a:ext cx="150495" cy="230832"/>
+            <a:off x="17434036" y="39266020"/>
+            <a:ext cx="150495" cy="369332"/>
           </a:xfrm>
           <a:prstGeom prst="rect">
             <a:avLst/>
@@ -36997,18 +36891,19 @@
           <a:lstStyle/>
           <a:p>
             <a:r>
-              <a:rPr lang="en-US" sz="900" b="1" dirty="0"/>
-              <a:t>C</a:t>
+              <a:rPr lang="en-US" dirty="0"/>
+              <a:t>ε</a:t>
             </a:r>
+            <a:endParaRPr lang="en-US" sz="900" b="1" dirty="0"/>
           </a:p>
         </p:txBody>
       </p:sp>
       <p:sp>
         <p:nvSpPr>
-          <p:cNvPr id="1143" name="TextBox 1142">
-            <a:extLst>
-              <a:ext uri="{FF2B5EF4-FFF2-40B4-BE49-F238E27FC236}">
-                <a16:creationId xmlns:a16="http://schemas.microsoft.com/office/drawing/2014/main" id="{0247924E-62B6-647A-31AA-030F2B399DCE}"/>
+          <p:cNvPr id="1144" name="TextBox 1143">
+            <a:extLst>
+              <a:ext uri="{FF2B5EF4-FFF2-40B4-BE49-F238E27FC236}">
+                <a16:creationId xmlns:a16="http://schemas.microsoft.com/office/drawing/2014/main" id="{AC130DBE-4437-5A12-C966-CF7EE165D0FE}"/>
               </a:ext>
             </a:extLst>
           </p:cNvPr>
@@ -37017,8 +36912,8 @@
         </p:nvSpPr>
         <p:spPr>
           <a:xfrm>
-            <a:off x="17434036" y="39266020"/>
-            <a:ext cx="150495" cy="230832"/>
+            <a:off x="16993110" y="39945337"/>
+            <a:ext cx="150495" cy="369332"/>
           </a:xfrm>
           <a:prstGeom prst="rect">
             <a:avLst/>
@@ -37032,18 +36927,19 @@
           <a:lstStyle/>
           <a:p>
             <a:r>
-              <a:rPr lang="en-US" sz="900" b="1" dirty="0"/>
-              <a:t>C</a:t>
+              <a:rPr lang="en-US" dirty="0"/>
+              <a:t>ε</a:t>
             </a:r>
+            <a:endParaRPr lang="en-US" sz="900" b="1" dirty="0"/>
           </a:p>
         </p:txBody>
       </p:sp>
       <p:sp>
         <p:nvSpPr>
-          <p:cNvPr id="1144" name="TextBox 1143">
-            <a:extLst>
-              <a:ext uri="{FF2B5EF4-FFF2-40B4-BE49-F238E27FC236}">
-                <a16:creationId xmlns:a16="http://schemas.microsoft.com/office/drawing/2014/main" id="{AC130DBE-4437-5A12-C966-CF7EE165D0FE}"/>
+          <p:cNvPr id="1145" name="TextBox 1144">
+            <a:extLst>
+              <a:ext uri="{FF2B5EF4-FFF2-40B4-BE49-F238E27FC236}">
+                <a16:creationId xmlns:a16="http://schemas.microsoft.com/office/drawing/2014/main" id="{7D73790A-4B23-EA30-4225-2249469BFDF4}"/>
               </a:ext>
             </a:extLst>
           </p:cNvPr>
@@ -37052,8 +36948,8 @@
         </p:nvSpPr>
         <p:spPr>
           <a:xfrm>
-            <a:off x="16993110" y="39945337"/>
-            <a:ext cx="150495" cy="230832"/>
+            <a:off x="14952218" y="41395288"/>
+            <a:ext cx="150495" cy="369332"/>
           </a:xfrm>
           <a:prstGeom prst="rect">
             <a:avLst/>
@@ -37067,18 +36963,19 @@
           <a:lstStyle/>
           <a:p>
             <a:r>
-              <a:rPr lang="en-US" sz="900" b="1" dirty="0"/>
-              <a:t>C</a:t>
+              <a:rPr lang="en-US" dirty="0"/>
+              <a:t>ε</a:t>
             </a:r>
+            <a:endParaRPr lang="en-US" sz="900" b="1" dirty="0"/>
           </a:p>
         </p:txBody>
       </p:sp>
       <p:sp>
         <p:nvSpPr>
-          <p:cNvPr id="1145" name="TextBox 1144">
-            <a:extLst>
-              <a:ext uri="{FF2B5EF4-FFF2-40B4-BE49-F238E27FC236}">
-                <a16:creationId xmlns:a16="http://schemas.microsoft.com/office/drawing/2014/main" id="{7D73790A-4B23-EA30-4225-2249469BFDF4}"/>
+          <p:cNvPr id="1147" name="TextBox 1146">
+            <a:extLst>
+              <a:ext uri="{FF2B5EF4-FFF2-40B4-BE49-F238E27FC236}">
+                <a16:creationId xmlns:a16="http://schemas.microsoft.com/office/drawing/2014/main" id="{F6E0F48F-0AE7-AD92-B9BE-6D3585B640A5}"/>
               </a:ext>
             </a:extLst>
           </p:cNvPr>
@@ -37087,8 +36984,8 @@
         </p:nvSpPr>
         <p:spPr>
           <a:xfrm>
-            <a:off x="14952218" y="41395288"/>
-            <a:ext cx="150495" cy="230832"/>
+            <a:off x="15224576" y="42129828"/>
+            <a:ext cx="150495" cy="369332"/>
           </a:xfrm>
           <a:prstGeom prst="rect">
             <a:avLst/>
@@ -37102,44 +36999,10 @@
           <a:lstStyle/>
           <a:p>
             <a:r>
-              <a:rPr lang="en-US" sz="900" b="1" dirty="0"/>
-              <a:t>C</a:t>
+              <a:rPr lang="en-US"/>
+              <a:t>ε</a:t>
             </a:r>
-          </a:p>
-        </p:txBody>
-      </p:sp>
-      <p:sp>
-        <p:nvSpPr>
-          <p:cNvPr id="1147" name="TextBox 1146">
-            <a:extLst>
-              <a:ext uri="{FF2B5EF4-FFF2-40B4-BE49-F238E27FC236}">
-                <a16:creationId xmlns:a16="http://schemas.microsoft.com/office/drawing/2014/main" id="{F6E0F48F-0AE7-AD92-B9BE-6D3585B640A5}"/>
-              </a:ext>
-            </a:extLst>
-          </p:cNvPr>
-          <p:cNvSpPr txBox="1"/>
-          <p:nvPr/>
-        </p:nvSpPr>
-        <p:spPr>
-          <a:xfrm>
-            <a:off x="15224576" y="42129828"/>
-            <a:ext cx="150495" cy="230832"/>
-          </a:xfrm>
-          <a:prstGeom prst="rect">
-            <a:avLst/>
-          </a:prstGeom>
-          <a:noFill/>
-        </p:spPr>
-        <p:txBody>
-          <a:bodyPr wrap="square" rtlCol="0">
-            <a:spAutoFit/>
-          </a:bodyPr>
-          <a:lstStyle/>
-          <a:p>
-            <a:r>
-              <a:rPr lang="en-US" sz="900" b="1" dirty="0"/>
-              <a:t>C</a:t>
-            </a:r>
+            <a:endParaRPr lang="en-US" sz="900" b="1" dirty="0"/>
           </a:p>
         </p:txBody>
       </p:sp>
@@ -37486,7 +37349,7 @@
           <a:p>
             <a:r>
               <a:rPr lang="en-US" sz="900" b="1" dirty="0"/>
-              <a:t>C</a:t>
+              <a:t>n</a:t>
             </a:r>
           </a:p>
         </p:txBody>
@@ -37564,7 +37427,7 @@
           <a:p>
             <a:r>
               <a:rPr lang="en-US" sz="900" b="1" dirty="0"/>
-              <a:t>C</a:t>
+              <a:t>o</a:t>
             </a:r>
           </a:p>
         </p:txBody>
@@ -37685,7 +37548,7 @@
           <a:p>
             <a:r>
               <a:rPr lang="en-US" sz="900" b="1" dirty="0"/>
-              <a:t>C</a:t>
+              <a:t>f</a:t>
             </a:r>
           </a:p>
         </p:txBody>
@@ -37705,7 +37568,7 @@
         <p:spPr>
           <a:xfrm>
             <a:off x="26196305" y="37913553"/>
-            <a:ext cx="154453" cy="239017"/>
+            <a:ext cx="154453" cy="369332"/>
           </a:xfrm>
           <a:prstGeom prst="rect">
             <a:avLst/>
@@ -37719,9 +37582,10 @@
           <a:lstStyle/>
           <a:p>
             <a:r>
-              <a:rPr lang="en-US" sz="900" b="1" dirty="0"/>
-              <a:t>C</a:t>
+              <a:rPr lang="en-US" dirty="0"/>
+              <a:t>ε</a:t>
             </a:r>
+            <a:endParaRPr lang="en-US" sz="1600" b="1" dirty="0"/>
           </a:p>
         </p:txBody>
       </p:sp>
@@ -37740,7 +37604,7 @@
         <p:spPr>
           <a:xfrm>
             <a:off x="26888730" y="37840756"/>
-            <a:ext cx="154453" cy="239017"/>
+            <a:ext cx="154453" cy="369332"/>
           </a:xfrm>
           <a:prstGeom prst="rect">
             <a:avLst/>
@@ -37754,9 +37618,10 @@
           <a:lstStyle/>
           <a:p>
             <a:r>
-              <a:rPr lang="en-US" sz="900" b="1" dirty="0"/>
-              <a:t>C</a:t>
+              <a:rPr lang="en-US" dirty="0"/>
+              <a:t>ε</a:t>
             </a:r>
+            <a:endParaRPr lang="en-US" sz="900" b="1" dirty="0"/>
           </a:p>
         </p:txBody>
       </p:sp>
@@ -37990,7 +37855,7 @@
           <a:p>
             <a:r>
               <a:rPr lang="en-US" sz="900" b="1" dirty="0"/>
-              <a:t>C</a:t>
+              <a:t>o</a:t>
             </a:r>
           </a:p>
         </p:txBody>
@@ -38121,7 +37986,7 @@
           <a:p>
             <a:r>
               <a:rPr lang="en-US" sz="900" b="1" dirty="0"/>
-              <a:t>C</a:t>
+              <a:t>i</a:t>
             </a:r>
           </a:p>
         </p:txBody>
@@ -38253,7 +38118,7 @@
           <a:p>
             <a:r>
               <a:rPr lang="en-US" sz="900" b="1" dirty="0"/>
-              <a:t>C</a:t>
+              <a:t>t</a:t>
             </a:r>
           </a:p>
         </p:txBody>
@@ -38493,7 +38358,7 @@
           <a:p>
             <a:r>
               <a:rPr lang="en-US" sz="900" b="1" dirty="0"/>
-              <a:t>C</a:t>
+              <a:t>t</a:t>
             </a:r>
           </a:p>
         </p:txBody>
@@ -38571,7 +38436,7 @@
           <a:p>
             <a:r>
               <a:rPr lang="en-US" sz="900" b="1" dirty="0"/>
-              <a:t>C</a:t>
+              <a:t>u</a:t>
             </a:r>
           </a:p>
         </p:txBody>
@@ -38649,7 +38514,7 @@
           <a:p>
             <a:r>
               <a:rPr lang="en-US" sz="900" b="1" dirty="0"/>
-              <a:t>C</a:t>
+              <a:t>a</a:t>
             </a:r>
           </a:p>
         </p:txBody>
@@ -38781,7 +38646,7 @@
           <a:p>
             <a:r>
               <a:rPr lang="en-US" sz="900" b="1" dirty="0"/>
-              <a:t>C</a:t>
+              <a:t>i</a:t>
             </a:r>
           </a:p>
         </p:txBody>
@@ -38912,7 +38777,7 @@
           <a:p>
             <a:r>
               <a:rPr lang="en-US" sz="900" b="1" dirty="0"/>
-              <a:t>C</a:t>
+              <a:t>s</a:t>
             </a:r>
           </a:p>
         </p:txBody>
@@ -39029,7 +38894,7 @@
         <p:spPr>
           <a:xfrm>
             <a:off x="16310926" y="37847766"/>
-            <a:ext cx="154453" cy="239017"/>
+            <a:ext cx="154453" cy="369332"/>
           </a:xfrm>
           <a:prstGeom prst="rect">
             <a:avLst/>
@@ -39043,9 +38908,10 @@
           <a:lstStyle/>
           <a:p>
             <a:r>
-              <a:rPr lang="en-US" sz="900" b="1" dirty="0"/>
-              <a:t>C</a:t>
+              <a:rPr lang="en-US" dirty="0"/>
+              <a:t>ε</a:t>
             </a:r>
+            <a:endParaRPr lang="en-US" sz="1600" b="1" dirty="0"/>
           </a:p>
         </p:txBody>
       </p:sp>
@@ -39106,7 +38972,7 @@
         <p:spPr>
           <a:xfrm>
             <a:off x="19000450" y="37076661"/>
-            <a:ext cx="150495" cy="230832"/>
+            <a:ext cx="150495" cy="369332"/>
           </a:xfrm>
           <a:prstGeom prst="rect">
             <a:avLst/>
@@ -39120,9 +38986,10 @@
           <a:lstStyle/>
           <a:p>
             <a:r>
-              <a:rPr lang="en-US" sz="900" b="1" dirty="0"/>
-              <a:t>C</a:t>
+              <a:rPr lang="en-US" dirty="0"/>
+              <a:t>ε</a:t>
             </a:r>
+            <a:endParaRPr lang="en-US" sz="900" b="1" dirty="0"/>
           </a:p>
         </p:txBody>
       </p:sp>
@@ -39421,7 +39288,7 @@
             <a:p>
               <a:r>
                 <a:rPr lang="en-US" sz="900" b="1" dirty="0"/>
-                <a:t>C</a:t>
+                <a:t>c</a:t>
               </a:r>
             </a:p>
           </p:txBody>
@@ -39499,7 +39366,7 @@
             <a:p>
               <a:r>
                 <a:rPr lang="en-US" sz="900" b="1" dirty="0"/>
-                <a:t>C</a:t>
+                <a:t>k</a:t>
               </a:r>
             </a:p>
           </p:txBody>
@@ -39631,7 +39498,7 @@
             <a:p>
               <a:r>
                 <a:rPr lang="en-US" sz="900" b="1" dirty="0"/>
-                <a:t>C</a:t>
+                <a:t>e</a:t>
               </a:r>
             </a:p>
           </p:txBody>
@@ -39762,7 +39629,7 @@
             <a:p>
               <a:r>
                 <a:rPr lang="en-US" sz="900" b="1" dirty="0"/>
-                <a:t>C</a:t>
+                <a:t>h</a:t>
               </a:r>
             </a:p>
           </p:txBody>
@@ -39997,7 +39864,7 @@
         <p:spPr>
           <a:xfrm>
             <a:off x="26352017" y="37295757"/>
-            <a:ext cx="154453" cy="239017"/>
+            <a:ext cx="154453" cy="369332"/>
           </a:xfrm>
           <a:prstGeom prst="rect">
             <a:avLst/>
@@ -40011,9 +39878,10 @@
           <a:lstStyle/>
           <a:p>
             <a:r>
-              <a:rPr lang="en-US" sz="900" b="1" dirty="0"/>
-              <a:t>C</a:t>
+              <a:rPr lang="en-US" dirty="0"/>
+              <a:t>ε</a:t>
             </a:r>
+            <a:endParaRPr lang="en-US" sz="900" b="1" dirty="0"/>
           </a:p>
         </p:txBody>
       </p:sp>
@@ -40198,7 +40066,7 @@
           <a:p>
             <a:r>
               <a:rPr lang="en-US" sz="900" b="1" dirty="0"/>
-              <a:t>C</a:t>
+              <a:t>m</a:t>
             </a:r>
           </a:p>
         </p:txBody>
@@ -40330,7 +40198,7 @@
           <a:p>
             <a:r>
               <a:rPr lang="en-US" sz="900" b="1" dirty="0"/>
-              <a:t>C</a:t>
+              <a:t>a</a:t>
             </a:r>
           </a:p>
         </p:txBody>
@@ -40461,7 +40329,7 @@
           <a:p>
             <a:r>
               <a:rPr lang="en-US" sz="900" b="1" dirty="0"/>
-              <a:t>C</a:t>
+              <a:t>r</a:t>
             </a:r>
           </a:p>
         </p:txBody>
@@ -40593,7 +40461,7 @@
           <a:p>
             <a:r>
               <a:rPr lang="en-US" sz="900" b="1" dirty="0"/>
-              <a:t>C</a:t>
+              <a:t>g</a:t>
             </a:r>
           </a:p>
         </p:txBody>
@@ -40833,7 +40701,7 @@
           <a:p>
             <a:r>
               <a:rPr lang="en-US" sz="900" b="1" dirty="0"/>
-              <a:t>C</a:t>
+              <a:t>P</a:t>
             </a:r>
           </a:p>
         </p:txBody>
@@ -40911,7 +40779,7 @@
           <a:p>
             <a:r>
               <a:rPr lang="en-US" sz="900" b="1" dirty="0"/>
-              <a:t>C</a:t>
+              <a:t>r</a:t>
             </a:r>
           </a:p>
         </p:txBody>
@@ -40989,7 +40857,7 @@
           <a:p>
             <a:r>
               <a:rPr lang="en-US" sz="900" b="1" dirty="0"/>
-              <a:t>C</a:t>
+              <a:t>o</a:t>
             </a:r>
           </a:p>
         </p:txBody>
@@ -41009,7 +40877,7 @@
         <p:spPr>
           <a:xfrm>
             <a:off x="26924978" y="38538206"/>
-            <a:ext cx="154453" cy="239017"/>
+            <a:ext cx="154453" cy="369332"/>
           </a:xfrm>
           <a:prstGeom prst="rect">
             <a:avLst/>
@@ -41023,9 +40891,10 @@
           <a:lstStyle/>
           <a:p>
             <a:r>
-              <a:rPr lang="en-US" sz="900" b="1" dirty="0"/>
-              <a:t>C</a:t>
+              <a:rPr lang="en-US" dirty="0"/>
+              <a:t>ε</a:t>
             </a:r>
+            <a:endParaRPr lang="en-US" sz="900" b="1" dirty="0"/>
           </a:p>
         </p:txBody>
       </p:sp>
@@ -41313,7 +41182,7 @@
           <a:p>
             <a:r>
               <a:rPr lang="en-US" sz="900" b="1" dirty="0"/>
-              <a:t>C</a:t>
+              <a:t>r</a:t>
             </a:r>
           </a:p>
         </p:txBody>
@@ -41445,7 +41314,7 @@
           <a:p>
             <a:r>
               <a:rPr lang="en-US" sz="900" b="1" dirty="0"/>
-              <a:t>C</a:t>
+              <a:t>o</a:t>
             </a:r>
           </a:p>
         </p:txBody>
@@ -41576,7 +41445,7 @@
           <a:p>
             <a:r>
               <a:rPr lang="en-US" sz="900" b="1" dirty="0"/>
-              <a:t>C</a:t>
+              <a:t>g</a:t>
             </a:r>
           </a:p>
         </p:txBody>
@@ -41708,7 +41577,7 @@
           <a:p>
             <a:r>
               <a:rPr lang="en-US" sz="900" b="1" dirty="0"/>
-              <a:t>C</a:t>
+              <a:t>e</a:t>
             </a:r>
           </a:p>
         </p:txBody>
@@ -42026,7 +41895,7 @@
           <a:p>
             <a:r>
               <a:rPr lang="en-US" sz="900" b="1" dirty="0"/>
-              <a:t>C</a:t>
+              <a:t>a</a:t>
             </a:r>
           </a:p>
         </p:txBody>
@@ -42104,7 +41973,7 @@
           <a:p>
             <a:r>
               <a:rPr lang="en-US" sz="900" b="1" dirty="0"/>
-              <a:t>C</a:t>
+              <a:t>t</a:t>
             </a:r>
           </a:p>
         </p:txBody>
@@ -42221,7 +42090,7 @@
         <p:spPr>
           <a:xfrm>
             <a:off x="26315138" y="39270747"/>
-            <a:ext cx="154453" cy="239017"/>
+            <a:ext cx="154453" cy="230832"/>
           </a:xfrm>
           <a:prstGeom prst="rect">
             <a:avLst/>
@@ -42236,7 +42105,7 @@
           <a:p>
             <a:r>
               <a:rPr lang="en-US" sz="900" b="1" dirty="0"/>
-              <a:t>C</a:t>
+              <a:t>y</a:t>
             </a:r>
           </a:p>
         </p:txBody>
@@ -42256,7 +42125,7 @@
         <p:spPr>
           <a:xfrm>
             <a:off x="27032404" y="39255674"/>
-            <a:ext cx="154453" cy="239017"/>
+            <a:ext cx="154453" cy="369332"/>
           </a:xfrm>
           <a:prstGeom prst="rect">
             <a:avLst/>
@@ -42270,9 +42139,10 @@
           <a:lstStyle/>
           <a:p>
             <a:r>
-              <a:rPr lang="en-US" sz="900" b="1" dirty="0"/>
-              <a:t>C</a:t>
+              <a:rPr lang="en-US" dirty="0"/>
+              <a:t>ε</a:t>
             </a:r>
+            <a:endParaRPr lang="en-US" sz="900" b="1" dirty="0"/>
           </a:p>
         </p:txBody>
       </p:sp>
@@ -42560,7 +42430,7 @@
           <a:p>
             <a:r>
               <a:rPr lang="en-US" sz="900" b="1" dirty="0"/>
-              <a:t>C</a:t>
+              <a:t>t</a:t>
             </a:r>
           </a:p>
         </p:txBody>
@@ -42692,7 +42562,7 @@
           <a:p>
             <a:r>
               <a:rPr lang="en-US" sz="900" b="1" dirty="0"/>
-              <a:t>C</a:t>
+              <a:t>i</a:t>
             </a:r>
           </a:p>
         </p:txBody>
@@ -42823,7 +42693,7 @@
           <a:p>
             <a:r>
               <a:rPr lang="en-US" sz="900" b="1" dirty="0"/>
-              <a:t>C</a:t>
+              <a:t>w</a:t>
             </a:r>
           </a:p>
         </p:txBody>
@@ -42955,7 +42825,7 @@
           <a:p>
             <a:r>
               <a:rPr lang="en-US" sz="900" b="1" dirty="0"/>
-              <a:t>C</a:t>
+              <a:t>y</a:t>
             </a:r>
           </a:p>
         </p:txBody>
@@ -43195,7 +43065,7 @@
           <a:p>
             <a:r>
               <a:rPr lang="en-US" sz="900" b="1" dirty="0"/>
-              <a:t>C</a:t>
+              <a:t>e</a:t>
             </a:r>
           </a:p>
         </p:txBody>
@@ -43273,7 +43143,7 @@
           <a:p>
             <a:r>
               <a:rPr lang="en-US" sz="900" b="1" dirty="0"/>
-              <a:t>C</a:t>
+              <a:t>p</a:t>
             </a:r>
           </a:p>
         </p:txBody>
@@ -43351,7 +43221,7 @@
           <a:p>
             <a:r>
               <a:rPr lang="en-US" sz="900" b="1" dirty="0"/>
-              <a:t>C</a:t>
+              <a:t>l</a:t>
             </a:r>
           </a:p>
         </p:txBody>
@@ -43468,7 +43338,7 @@
         <p:spPr>
           <a:xfrm>
             <a:off x="26245905" y="39953696"/>
-            <a:ext cx="154453" cy="239017"/>
+            <a:ext cx="154453" cy="230832"/>
           </a:xfrm>
           <a:prstGeom prst="rect">
             <a:avLst/>
@@ -43483,7 +43353,7 @@
           <a:p>
             <a:r>
               <a:rPr lang="en-US" sz="900" b="1" dirty="0"/>
-              <a:t>C</a:t>
+              <a:t>h</a:t>
             </a:r>
           </a:p>
         </p:txBody>
@@ -43503,7 +43373,7 @@
         <p:spPr>
           <a:xfrm>
             <a:off x="26963171" y="39938623"/>
-            <a:ext cx="154453" cy="239017"/>
+            <a:ext cx="154453" cy="369332"/>
           </a:xfrm>
           <a:prstGeom prst="rect">
             <a:avLst/>
@@ -43517,9 +43387,10 @@
           <a:lstStyle/>
           <a:p>
             <a:r>
-              <a:rPr lang="en-US" sz="900" b="1" dirty="0"/>
-              <a:t>C</a:t>
+              <a:rPr lang="en-US" dirty="0"/>
+              <a:t>ε</a:t>
             </a:r>
+            <a:endParaRPr lang="en-US" sz="900" b="1" dirty="0"/>
           </a:p>
         </p:txBody>
       </p:sp>
@@ -43753,7 +43624,7 @@
           <a:p>
             <a:r>
               <a:rPr lang="en-US" sz="900" b="1" dirty="0"/>
-              <a:t>C</a:t>
+              <a:t>R</a:t>
             </a:r>
           </a:p>
         </p:txBody>
@@ -43939,7 +43810,7 @@
           <a:p>
             <a:r>
               <a:rPr lang="en-US" sz="900" b="1" dirty="0"/>
-              <a:t>C</a:t>
+              <a:t>n</a:t>
             </a:r>
           </a:p>
         </p:txBody>
@@ -44071,7 +43942,7 @@
           <a:p>
             <a:r>
               <a:rPr lang="en-US" sz="900" b="1" dirty="0"/>
-              <a:t>C</a:t>
+              <a:t>e</a:t>
             </a:r>
           </a:p>
         </p:txBody>
@@ -44202,7 +44073,7 @@
           <a:p>
             <a:r>
               <a:rPr lang="en-US" sz="900" b="1" dirty="0"/>
-              <a:t>C</a:t>
+              <a:t>h</a:t>
             </a:r>
           </a:p>
         </p:txBody>
@@ -44334,7 +44205,7 @@
           <a:p>
             <a:r>
               <a:rPr lang="en-US" sz="900" b="1" dirty="0"/>
-              <a:t>C</a:t>
+              <a:t>w</a:t>
             </a:r>
           </a:p>
         </p:txBody>
@@ -44574,7 +44445,7 @@
           <a:p>
             <a:r>
               <a:rPr lang="en-US" sz="900" b="1" dirty="0"/>
-              <a:t>C</a:t>
+              <a:t>n</a:t>
             </a:r>
           </a:p>
         </p:txBody>
@@ -44652,7 +44523,7 @@
           <a:p>
             <a:r>
               <a:rPr lang="en-US" sz="900" b="1" dirty="0"/>
-              <a:t>C</a:t>
+              <a:t>u</a:t>
             </a:r>
           </a:p>
         </p:txBody>
@@ -44730,7 +44601,7 @@
           <a:p>
             <a:r>
               <a:rPr lang="en-US" sz="900" b="1" dirty="0"/>
-              <a:t>C</a:t>
+              <a:t>e</a:t>
             </a:r>
           </a:p>
         </p:txBody>
@@ -44847,7 +44718,7 @@
         <p:spPr>
           <a:xfrm>
             <a:off x="26368111" y="41323385"/>
-            <a:ext cx="154453" cy="239017"/>
+            <a:ext cx="154453" cy="369332"/>
           </a:xfrm>
           <a:prstGeom prst="rect">
             <a:avLst/>
@@ -44861,9 +44732,10 @@
           <a:lstStyle/>
           <a:p>
             <a:r>
-              <a:rPr lang="en-US" sz="900" b="1" dirty="0"/>
-              <a:t>C</a:t>
+              <a:rPr lang="en-US" dirty="0"/>
+              <a:t>ε</a:t>
             </a:r>
+            <a:endParaRPr lang="en-US" sz="1600" b="1" dirty="0"/>
           </a:p>
         </p:txBody>
       </p:sp>
@@ -44882,7 +44754,7 @@
         <p:spPr>
           <a:xfrm>
             <a:off x="27085377" y="41308312"/>
-            <a:ext cx="154453" cy="239017"/>
+            <a:ext cx="154453" cy="369332"/>
           </a:xfrm>
           <a:prstGeom prst="rect">
             <a:avLst/>
@@ -44896,9 +44768,10 @@
           <a:lstStyle/>
           <a:p>
             <a:r>
-              <a:rPr lang="en-US" sz="900" b="1" dirty="0"/>
-              <a:t>C</a:t>
+              <a:rPr lang="en-US" dirty="0"/>
+              <a:t>ε</a:t>
             </a:r>
+            <a:endParaRPr lang="en-US" sz="900" b="1" dirty="0"/>
           </a:p>
         </p:txBody>
       </p:sp>
@@ -45132,7 +45005,7 @@
           <a:p>
             <a:r>
               <a:rPr lang="en-US" sz="900" b="1" dirty="0"/>
-              <a:t>C</a:t>
+              <a:t>i</a:t>
             </a:r>
           </a:p>
         </p:txBody>
@@ -45504,7 +45377,7 @@
           <a:p>
             <a:r>
               <a:rPr lang="en-US" sz="900" b="1" dirty="0"/>
-              <a:t>C</a:t>
+              <a:t>o</a:t>
             </a:r>
           </a:p>
         </p:txBody>
@@ -45582,7 +45455,7 @@
           <a:p>
             <a:r>
               <a:rPr lang="en-US" sz="900" b="1" dirty="0"/>
-              <a:t>C</a:t>
+              <a:t>n</a:t>
             </a:r>
           </a:p>
         </p:txBody>
@@ -45698,7 +45571,86 @@
         </p:nvSpPr>
         <p:spPr>
           <a:xfrm>
-            <a:off x="15838854" y="41346681"/>
+            <a:off x="15892657" y="41338618"/>
+            <a:ext cx="154453" cy="369332"/>
+          </a:xfrm>
+          <a:prstGeom prst="rect">
+            <a:avLst/>
+          </a:prstGeom>
+          <a:noFill/>
+        </p:spPr>
+        <p:txBody>
+          <a:bodyPr wrap="square" rtlCol="0">
+            <a:spAutoFit/>
+          </a:bodyPr>
+          <a:lstStyle/>
+          <a:p>
+            <a:r>
+              <a:rPr lang="en-US" dirty="0"/>
+              <a:t>ε</a:t>
+            </a:r>
+            <a:endParaRPr lang="en-US" sz="1600" b="1" dirty="0"/>
+          </a:p>
+        </p:txBody>
+      </p:sp>
+      <p:cxnSp>
+        <p:nvCxnSpPr>
+          <p:cNvPr id="1347" name="Straight Arrow Connector 1346">
+            <a:extLst>
+              <a:ext uri="{FF2B5EF4-FFF2-40B4-BE49-F238E27FC236}">
+                <a16:creationId xmlns:a16="http://schemas.microsoft.com/office/drawing/2014/main" id="{DBEFBD70-6E2B-9C90-B806-E6E61CEB46BD}"/>
+              </a:ext>
+            </a:extLst>
+          </p:cNvPr>
+          <p:cNvCxnSpPr>
+            <a:cxnSpLocks/>
+            <a:stCxn id="1334" idx="6"/>
+            <a:endCxn id="1331" idx="2"/>
+          </p:cNvCxnSpPr>
+          <p:nvPr/>
+        </p:nvCxnSpPr>
+        <p:spPr>
+          <a:xfrm flipV="1">
+            <a:off x="19010627" y="41321553"/>
+            <a:ext cx="349327" cy="5188"/>
+          </a:xfrm>
+          <a:prstGeom prst="straightConnector1">
+            <a:avLst/>
+          </a:prstGeom>
+          <a:ln w="9525">
+            <a:tailEnd type="triangle"/>
+          </a:ln>
+        </p:spPr>
+        <p:style>
+          <a:lnRef idx="1">
+            <a:schemeClr val="dk1"/>
+          </a:lnRef>
+          <a:fillRef idx="0">
+            <a:schemeClr val="dk1"/>
+          </a:fillRef>
+          <a:effectRef idx="0">
+            <a:schemeClr val="dk1"/>
+          </a:effectRef>
+          <a:fontRef idx="minor">
+            <a:schemeClr val="tx1"/>
+          </a:fontRef>
+        </p:style>
+      </p:cxnSp>
+      <p:sp>
+        <p:nvSpPr>
+          <p:cNvPr id="1348" name="TextBox 1347">
+            <a:extLst>
+              <a:ext uri="{FF2B5EF4-FFF2-40B4-BE49-F238E27FC236}">
+                <a16:creationId xmlns:a16="http://schemas.microsoft.com/office/drawing/2014/main" id="{1D3F86FA-E93A-98A1-9FF5-236FC2AD101C}"/>
+              </a:ext>
+            </a:extLst>
+          </p:cNvPr>
+          <p:cNvSpPr txBox="1"/>
+          <p:nvPr/>
+        </p:nvSpPr>
+        <p:spPr>
+          <a:xfrm>
+            <a:off x="19117286" y="41367751"/>
             <a:ext cx="154453" cy="239017"/>
           </a:xfrm>
           <a:prstGeom prst="rect">
@@ -45714,85 +45666,7 @@
           <a:p>
             <a:r>
               <a:rPr lang="en-US" sz="900" b="1" dirty="0"/>
-              <a:t>C</a:t>
-            </a:r>
-          </a:p>
-        </p:txBody>
-      </p:sp>
-      <p:cxnSp>
-        <p:nvCxnSpPr>
-          <p:cNvPr id="1347" name="Straight Arrow Connector 1346">
-            <a:extLst>
-              <a:ext uri="{FF2B5EF4-FFF2-40B4-BE49-F238E27FC236}">
-                <a16:creationId xmlns:a16="http://schemas.microsoft.com/office/drawing/2014/main" id="{DBEFBD70-6E2B-9C90-B806-E6E61CEB46BD}"/>
-              </a:ext>
-            </a:extLst>
-          </p:cNvPr>
-          <p:cNvCxnSpPr>
-            <a:cxnSpLocks/>
-            <a:stCxn id="1334" idx="6"/>
-            <a:endCxn id="1331" idx="2"/>
-          </p:cNvCxnSpPr>
-          <p:nvPr/>
-        </p:nvCxnSpPr>
-        <p:spPr>
-          <a:xfrm flipV="1">
-            <a:off x="19010627" y="41321553"/>
-            <a:ext cx="349327" cy="5188"/>
-          </a:xfrm>
-          <a:prstGeom prst="straightConnector1">
-            <a:avLst/>
-          </a:prstGeom>
-          <a:ln w="9525">
-            <a:tailEnd type="triangle"/>
-          </a:ln>
-        </p:spPr>
-        <p:style>
-          <a:lnRef idx="1">
-            <a:schemeClr val="dk1"/>
-          </a:lnRef>
-          <a:fillRef idx="0">
-            <a:schemeClr val="dk1"/>
-          </a:fillRef>
-          <a:effectRef idx="0">
-            <a:schemeClr val="dk1"/>
-          </a:effectRef>
-          <a:fontRef idx="minor">
-            <a:schemeClr val="tx1"/>
-          </a:fontRef>
-        </p:style>
-      </p:cxnSp>
-      <p:sp>
-        <p:nvSpPr>
-          <p:cNvPr id="1348" name="TextBox 1347">
-            <a:extLst>
-              <a:ext uri="{FF2B5EF4-FFF2-40B4-BE49-F238E27FC236}">
-                <a16:creationId xmlns:a16="http://schemas.microsoft.com/office/drawing/2014/main" id="{1D3F86FA-E93A-98A1-9FF5-236FC2AD101C}"/>
-              </a:ext>
-            </a:extLst>
-          </p:cNvPr>
-          <p:cNvSpPr txBox="1"/>
-          <p:nvPr/>
-        </p:nvSpPr>
-        <p:spPr>
-          <a:xfrm>
-            <a:off x="19117286" y="41367751"/>
-            <a:ext cx="154453" cy="239017"/>
-          </a:xfrm>
-          <a:prstGeom prst="rect">
-            <a:avLst/>
-          </a:prstGeom>
-          <a:noFill/>
-        </p:spPr>
-        <p:txBody>
-          <a:bodyPr wrap="square" rtlCol="0">
-            <a:spAutoFit/>
-          </a:bodyPr>
-          <a:lstStyle/>
-          <a:p>
-            <a:r>
-              <a:rPr lang="en-US" sz="900" b="1" dirty="0"/>
-              <a:t>C</a:t>
+              <a:t>t</a:t>
             </a:r>
           </a:p>
         </p:txBody>
@@ -45978,7 +45852,7 @@
           <a:p>
             <a:r>
               <a:rPr lang="en-US" sz="900" b="1" dirty="0"/>
-              <a:t>C</a:t>
+              <a:t>n</a:t>
             </a:r>
           </a:p>
         </p:txBody>
@@ -46218,7 +46092,7 @@
           <a:p>
             <a:r>
               <a:rPr lang="en-US" sz="900" b="1" dirty="0"/>
-              <a:t>C</a:t>
+              <a:t>w</a:t>
             </a:r>
           </a:p>
         </p:txBody>
@@ -46296,7 +46170,7 @@
           <a:p>
             <a:r>
               <a:rPr lang="en-US" sz="900" b="1" dirty="0"/>
-              <a:t>C</a:t>
+              <a:t>h</a:t>
             </a:r>
           </a:p>
         </p:txBody>
@@ -46374,7 +46248,7 @@
           <a:p>
             <a:r>
               <a:rPr lang="en-US" sz="900" b="1" dirty="0"/>
-              <a:t>C</a:t>
+              <a:t>e</a:t>
             </a:r>
           </a:p>
         </p:txBody>
@@ -46506,7 +46380,7 @@
           <a:p>
             <a:r>
               <a:rPr lang="en-US" sz="900" b="1" dirty="0"/>
-              <a:t>C</a:t>
+              <a:t>e</a:t>
             </a:r>
           </a:p>
         </p:txBody>
@@ -46800,7 +46674,7 @@
           <a:p>
             <a:r>
               <a:rPr lang="en-US" sz="900" b="1" dirty="0"/>
-              <a:t>C</a:t>
+              <a:t>o</a:t>
             </a:r>
           </a:p>
         </p:txBody>
@@ -46878,7 +46752,7 @@
           <a:p>
             <a:r>
               <a:rPr lang="en-US" sz="900" b="1" dirty="0"/>
-              <a:t>C</a:t>
+              <a:t>t</a:t>
             </a:r>
           </a:p>
         </p:txBody>
@@ -46956,7 +46830,7 @@
           <a:p>
             <a:r>
               <a:rPr lang="en-US" sz="900" b="1" dirty="0"/>
-              <a:t>C</a:t>
+              <a:t>a</a:t>
             </a:r>
           </a:p>
         </p:txBody>
@@ -47088,7 +46962,7 @@
           <a:p>
             <a:r>
               <a:rPr lang="en-US" sz="900" b="1" dirty="0"/>
-              <a:t>C</a:t>
+              <a:t>R</a:t>
             </a:r>
           </a:p>
         </p:txBody>
@@ -47166,7 +47040,7 @@
           <a:p>
             <a:r>
               <a:rPr lang="en-US" sz="900" b="1" dirty="0"/>
-              <a:t>C</a:t>
+              <a:t>t</a:t>
             </a:r>
           </a:p>
         </p:txBody>
@@ -47229,7 +47103,7 @@
         <p:spPr>
           <a:xfrm>
             <a:off x="26313614" y="40835922"/>
-            <a:ext cx="154453" cy="239017"/>
+            <a:ext cx="154453" cy="369332"/>
           </a:xfrm>
           <a:prstGeom prst="rect">
             <a:avLst/>
@@ -47243,9 +47117,10 @@
           <a:lstStyle/>
           <a:p>
             <a:r>
-              <a:rPr lang="en-US" sz="900" b="1" dirty="0"/>
-              <a:t>C</a:t>
+              <a:rPr lang="en-US" dirty="0"/>
+              <a:t>ε</a:t>
             </a:r>
+            <a:endParaRPr lang="en-US" sz="900" b="1" dirty="0"/>
           </a:p>
         </p:txBody>
       </p:sp>
@@ -47306,7 +47181,7 @@
         <p:spPr>
           <a:xfrm>
             <a:off x="16602356" y="40655460"/>
-            <a:ext cx="154453" cy="239017"/>
+            <a:ext cx="154453" cy="369332"/>
           </a:xfrm>
           <a:prstGeom prst="rect">
             <a:avLst/>
@@ -47320,9 +47195,10 @@
           <a:lstStyle/>
           <a:p>
             <a:r>
-              <a:rPr lang="en-US" sz="900" b="1" dirty="0"/>
-              <a:t>C</a:t>
+              <a:rPr lang="en-US" dirty="0"/>
+              <a:t>ε</a:t>
             </a:r>
+            <a:endParaRPr lang="en-US" sz="1600" b="1" dirty="0"/>
           </a:p>
         </p:txBody>
       </p:sp>
@@ -47547,7 +47423,7 @@
           <a:p>
             <a:r>
               <a:rPr lang="en-US" sz="900" b="1" dirty="0"/>
-              <a:t>C</a:t>
+              <a:t>s</a:t>
             </a:r>
           </a:p>
         </p:txBody>
@@ -47679,7 +47555,7 @@
           <a:p>
             <a:r>
               <a:rPr lang="en-US" sz="900" b="1" dirty="0"/>
-              <a:t>C</a:t>
+              <a:t>i</a:t>
             </a:r>
           </a:p>
         </p:txBody>
@@ -47810,7 +47686,7 @@
           <a:p>
             <a:r>
               <a:rPr lang="en-US" sz="900" b="1" dirty="0"/>
-              <a:t>C</a:t>
+              <a:t>h</a:t>
             </a:r>
           </a:p>
         </p:txBody>
@@ -47942,7 +47818,7 @@
           <a:p>
             <a:r>
               <a:rPr lang="en-US" sz="900" b="1" dirty="0"/>
-              <a:t>C</a:t>
+              <a:t>t</a:t>
             </a:r>
           </a:p>
         </p:txBody>
@@ -48182,7 +48058,7 @@
           <a:p>
             <a:r>
               <a:rPr lang="en-US" sz="900" b="1" dirty="0"/>
-              <a:t>C</a:t>
+              <a:t>a</a:t>
             </a:r>
           </a:p>
         </p:txBody>
@@ -48260,7 +48136,7 @@
           <a:p>
             <a:r>
               <a:rPr lang="en-US" sz="900" b="1" dirty="0"/>
-              <a:t>C</a:t>
+              <a:t>t</a:t>
             </a:r>
           </a:p>
         </p:txBody>
@@ -48338,7 +48214,7 @@
           <a:p>
             <a:r>
               <a:rPr lang="en-US" sz="900" b="1" dirty="0"/>
-              <a:t>C</a:t>
+              <a:t>e</a:t>
             </a:r>
           </a:p>
         </p:txBody>
@@ -48470,7 +48346,7 @@
           <a:p>
             <a:r>
               <a:rPr lang="en-US" sz="900" b="1" dirty="0"/>
-              <a:t>C</a:t>
+              <a:t>n</a:t>
             </a:r>
           </a:p>
         </p:txBody>
@@ -48764,7 +48640,7 @@
           <a:p>
             <a:r>
               <a:rPr lang="en-US" sz="900" b="1" dirty="0"/>
-              <a:t>C</a:t>
+              <a:t>e</a:t>
             </a:r>
           </a:p>
         </p:txBody>
@@ -48842,7 +48718,7 @@
           <a:p>
             <a:r>
               <a:rPr lang="en-US" sz="900" b="1" dirty="0"/>
-              <a:t>C</a:t>
+              <a:t>r</a:t>
             </a:r>
           </a:p>
         </p:txBody>
@@ -48920,7 +48796,7 @@
           <a:p>
             <a:r>
               <a:rPr lang="en-US" sz="900" b="1" dirty="0"/>
-              <a:t>C</a:t>
+              <a:t>m</a:t>
             </a:r>
           </a:p>
         </p:txBody>
@@ -49052,7 +48928,7 @@
           <a:p>
             <a:r>
               <a:rPr lang="en-US" sz="900" b="1" dirty="0"/>
-              <a:t>C</a:t>
+              <a:t>t</a:t>
             </a:r>
           </a:p>
         </p:txBody>
@@ -49130,7 +49006,7 @@
           <a:p>
             <a:r>
               <a:rPr lang="en-US" sz="900" b="1" dirty="0"/>
-              <a:t>C</a:t>
+              <a:t>i</a:t>
             </a:r>
           </a:p>
         </p:txBody>
@@ -49253,7 +49129,7 @@
         <p:spPr>
           <a:xfrm>
             <a:off x="27176141" y="42105304"/>
-            <a:ext cx="154453" cy="239017"/>
+            <a:ext cx="154453" cy="369332"/>
           </a:xfrm>
           <a:prstGeom prst="rect">
             <a:avLst/>
@@ -49267,9 +49143,10 @@
           <a:lstStyle/>
           <a:p>
             <a:r>
-              <a:rPr lang="en-US" sz="900" b="1" dirty="0"/>
-              <a:t>C</a:t>
+              <a:rPr lang="en-US"/>
+              <a:t>ε</a:t>
             </a:r>
+            <a:endParaRPr lang="en-US" sz="900" b="1" dirty="0"/>
           </a:p>
         </p:txBody>
       </p:sp>
@@ -49869,6 +49746,254 @@
           </a:fontRef>
         </p:style>
       </p:cxnSp>
+      <p:sp>
+        <p:nvSpPr>
+          <p:cNvPr id="1262" name="TextBox 1261">
+            <a:extLst>
+              <a:ext uri="{FF2B5EF4-FFF2-40B4-BE49-F238E27FC236}">
+                <a16:creationId xmlns:a16="http://schemas.microsoft.com/office/drawing/2014/main" id="{E62C3159-3427-4DC7-8EF1-3A08D5E11744}"/>
+              </a:ext>
+            </a:extLst>
+          </p:cNvPr>
+          <p:cNvSpPr txBox="1"/>
+          <p:nvPr/>
+        </p:nvSpPr>
+        <p:spPr>
+          <a:xfrm>
+            <a:off x="22402764" y="13106471"/>
+            <a:ext cx="150495" cy="230832"/>
+          </a:xfrm>
+          <a:prstGeom prst="rect">
+            <a:avLst/>
+          </a:prstGeom>
+          <a:noFill/>
+        </p:spPr>
+        <p:txBody>
+          <a:bodyPr wrap="square" rtlCol="0">
+            <a:spAutoFit/>
+          </a:bodyPr>
+          <a:lstStyle/>
+          <a:p>
+            <a:r>
+              <a:rPr lang="en-US" sz="900" b="1" dirty="0"/>
+              <a:t>&amp;</a:t>
+            </a:r>
+          </a:p>
+        </p:txBody>
+      </p:sp>
+      <p:sp>
+        <p:nvSpPr>
+          <p:cNvPr id="1380" name="TextBox 1379">
+            <a:extLst>
+              <a:ext uri="{FF2B5EF4-FFF2-40B4-BE49-F238E27FC236}">
+                <a16:creationId xmlns:a16="http://schemas.microsoft.com/office/drawing/2014/main" id="{4DB96668-84D3-4DA2-A3A1-7E226ED56BCC}"/>
+              </a:ext>
+            </a:extLst>
+          </p:cNvPr>
+          <p:cNvSpPr txBox="1"/>
+          <p:nvPr/>
+        </p:nvSpPr>
+        <p:spPr>
+          <a:xfrm>
+            <a:off x="22388730" y="13862190"/>
+            <a:ext cx="150495" cy="230832"/>
+          </a:xfrm>
+          <a:prstGeom prst="rect">
+            <a:avLst/>
+          </a:prstGeom>
+          <a:noFill/>
+        </p:spPr>
+        <p:txBody>
+          <a:bodyPr wrap="square" rtlCol="0">
+            <a:spAutoFit/>
+          </a:bodyPr>
+          <a:lstStyle/>
+          <a:p>
+            <a:r>
+              <a:rPr lang="en-US" sz="900" b="1" dirty="0"/>
+              <a:t>|</a:t>
+            </a:r>
+          </a:p>
+        </p:txBody>
+      </p:sp>
+      <p:sp>
+        <p:nvSpPr>
+          <p:cNvPr id="1431" name="TextBox 1430">
+            <a:extLst>
+              <a:ext uri="{FF2B5EF4-FFF2-40B4-BE49-F238E27FC236}">
+                <a16:creationId xmlns:a16="http://schemas.microsoft.com/office/drawing/2014/main" id="{74CF232E-9CB7-4500-9E49-39F86CDCD5A2}"/>
+              </a:ext>
+            </a:extLst>
+          </p:cNvPr>
+          <p:cNvSpPr txBox="1"/>
+          <p:nvPr/>
+        </p:nvSpPr>
+        <p:spPr>
+          <a:xfrm>
+            <a:off x="22715034" y="18611499"/>
+            <a:ext cx="150495" cy="230832"/>
+          </a:xfrm>
+          <a:prstGeom prst="rect">
+            <a:avLst/>
+          </a:prstGeom>
+          <a:noFill/>
+        </p:spPr>
+        <p:txBody>
+          <a:bodyPr wrap="square" rtlCol="0">
+            <a:spAutoFit/>
+          </a:bodyPr>
+          <a:lstStyle/>
+          <a:p>
+            <a:r>
+              <a:rPr lang="en-US" sz="900" dirty="0"/>
+              <a:t>ε</a:t>
+            </a:r>
+            <a:endParaRPr lang="en-US" sz="800" b="1" dirty="0"/>
+          </a:p>
+        </p:txBody>
+      </p:sp>
+      <p:sp>
+        <p:nvSpPr>
+          <p:cNvPr id="1447" name="TextBox 1446">
+            <a:extLst>
+              <a:ext uri="{FF2B5EF4-FFF2-40B4-BE49-F238E27FC236}">
+                <a16:creationId xmlns:a16="http://schemas.microsoft.com/office/drawing/2014/main" id="{C2098CF5-D242-4BF3-A2FE-B4924CA1FAE3}"/>
+              </a:ext>
+            </a:extLst>
+          </p:cNvPr>
+          <p:cNvSpPr txBox="1"/>
+          <p:nvPr/>
+        </p:nvSpPr>
+        <p:spPr>
+          <a:xfrm>
+            <a:off x="25305706" y="20880693"/>
+            <a:ext cx="150495" cy="230832"/>
+          </a:xfrm>
+          <a:prstGeom prst="rect">
+            <a:avLst/>
+          </a:prstGeom>
+          <a:noFill/>
+        </p:spPr>
+        <p:txBody>
+          <a:bodyPr wrap="square" rtlCol="0">
+            <a:spAutoFit/>
+          </a:bodyPr>
+          <a:lstStyle/>
+          <a:p>
+            <a:r>
+              <a:rPr lang="en-US" sz="900" b="1" dirty="0"/>
+              <a:t>o</a:t>
+            </a:r>
+          </a:p>
+        </p:txBody>
+      </p:sp>
+      <p:sp>
+        <p:nvSpPr>
+          <p:cNvPr id="1448" name="TextBox 1447">
+            <a:extLst>
+              <a:ext uri="{FF2B5EF4-FFF2-40B4-BE49-F238E27FC236}">
+                <a16:creationId xmlns:a16="http://schemas.microsoft.com/office/drawing/2014/main" id="{4CF7E3F7-2D42-48B6-8938-0B7A70657029}"/>
+              </a:ext>
+            </a:extLst>
+          </p:cNvPr>
+          <p:cNvSpPr txBox="1"/>
+          <p:nvPr/>
+        </p:nvSpPr>
+        <p:spPr>
+          <a:xfrm>
+            <a:off x="24455674" y="21575548"/>
+            <a:ext cx="150495" cy="230832"/>
+          </a:xfrm>
+          <a:prstGeom prst="rect">
+            <a:avLst/>
+          </a:prstGeom>
+          <a:noFill/>
+        </p:spPr>
+        <p:txBody>
+          <a:bodyPr wrap="square" rtlCol="0">
+            <a:spAutoFit/>
+          </a:bodyPr>
+          <a:lstStyle/>
+          <a:p>
+            <a:r>
+              <a:rPr lang="en-US" sz="900" b="1" dirty="0"/>
+              <a:t>o</a:t>
+            </a:r>
+          </a:p>
+        </p:txBody>
+      </p:sp>
+      <p:sp>
+        <p:nvSpPr>
+          <p:cNvPr id="1449" name="TextBox 1448">
+            <a:extLst>
+              <a:ext uri="{FF2B5EF4-FFF2-40B4-BE49-F238E27FC236}">
+                <a16:creationId xmlns:a16="http://schemas.microsoft.com/office/drawing/2014/main" id="{D675AC3E-4D58-4E45-A9A3-DC1A4CD22F6E}"/>
+              </a:ext>
+            </a:extLst>
+          </p:cNvPr>
+          <p:cNvSpPr txBox="1"/>
+          <p:nvPr/>
+        </p:nvSpPr>
+        <p:spPr>
+          <a:xfrm>
+            <a:off x="23175406" y="30519310"/>
+            <a:ext cx="150495" cy="230832"/>
+          </a:xfrm>
+          <a:prstGeom prst="rect">
+            <a:avLst/>
+          </a:prstGeom>
+          <a:noFill/>
+        </p:spPr>
+        <p:txBody>
+          <a:bodyPr wrap="square" rtlCol="0">
+            <a:spAutoFit/>
+          </a:bodyPr>
+          <a:lstStyle/>
+          <a:p>
+            <a:r>
+              <a:rPr lang="en-US" sz="900" dirty="0"/>
+              <a:t>ε</a:t>
+            </a:r>
+            <a:endParaRPr lang="en-US" sz="800" b="1" dirty="0"/>
+          </a:p>
+        </p:txBody>
+      </p:sp>
+      <p:sp>
+        <p:nvSpPr>
+          <p:cNvPr id="1450" name="TextBox 1449">
+            <a:extLst>
+              <a:ext uri="{FF2B5EF4-FFF2-40B4-BE49-F238E27FC236}">
+                <a16:creationId xmlns:a16="http://schemas.microsoft.com/office/drawing/2014/main" id="{BEFC1613-748C-4ACF-8813-2E46CD0A190A}"/>
+              </a:ext>
+            </a:extLst>
+          </p:cNvPr>
+          <p:cNvSpPr txBox="1"/>
+          <p:nvPr/>
+        </p:nvSpPr>
+        <p:spPr>
+          <a:xfrm>
+            <a:off x="22699375" y="27681842"/>
+            <a:ext cx="150495" cy="230832"/>
+          </a:xfrm>
+          <a:prstGeom prst="rect">
+            <a:avLst/>
+          </a:prstGeom>
+          <a:noFill/>
+        </p:spPr>
+        <p:txBody>
+          <a:bodyPr wrap="square" rtlCol="0">
+            <a:spAutoFit/>
+          </a:bodyPr>
+          <a:lstStyle/>
+          <a:p>
+            <a:r>
+              <a:rPr lang="en-US" sz="900" dirty="0"/>
+              <a:t>ε</a:t>
+            </a:r>
+            <a:endParaRPr lang="en-US" sz="800" b="1" dirty="0"/>
+          </a:p>
+        </p:txBody>
+      </p:sp>
     </p:spTree>
     <p:extLst>
       <p:ext uri="{BB962C8B-B14F-4D97-AF65-F5344CB8AC3E}">

--- a/Graphs/NFA/NFA Drawing/full NFA.pptx
+++ b/Graphs/NFA/NFA Drawing/full NFA.pptx
@@ -243,7 +243,7 @@
           <a:p>
             <a:fld id="{3F93DD2E-470F-489C-B0E3-BD195B6FD9FF}" type="datetimeFigureOut">
               <a:rPr lang="en-US" smtClean="0"/>
-              <a:t>5/16/2022</a:t>
+              <a:t>16-May-22</a:t>
             </a:fld>
             <a:endParaRPr lang="en-US"/>
           </a:p>
@@ -413,7 +413,7 @@
           <a:p>
             <a:fld id="{3F93DD2E-470F-489C-B0E3-BD195B6FD9FF}" type="datetimeFigureOut">
               <a:rPr lang="en-US" smtClean="0"/>
-              <a:t>5/16/2022</a:t>
+              <a:t>16-May-22</a:t>
             </a:fld>
             <a:endParaRPr lang="en-US"/>
           </a:p>
@@ -593,7 +593,7 @@
           <a:p>
             <a:fld id="{3F93DD2E-470F-489C-B0E3-BD195B6FD9FF}" type="datetimeFigureOut">
               <a:rPr lang="en-US" smtClean="0"/>
-              <a:t>5/16/2022</a:t>
+              <a:t>16-May-22</a:t>
             </a:fld>
             <a:endParaRPr lang="en-US"/>
           </a:p>
@@ -763,7 +763,7 @@
           <a:p>
             <a:fld id="{3F93DD2E-470F-489C-B0E3-BD195B6FD9FF}" type="datetimeFigureOut">
               <a:rPr lang="en-US" smtClean="0"/>
-              <a:t>5/16/2022</a:t>
+              <a:t>16-May-22</a:t>
             </a:fld>
             <a:endParaRPr lang="en-US"/>
           </a:p>
@@ -1007,7 +1007,7 @@
           <a:p>
             <a:fld id="{3F93DD2E-470F-489C-B0E3-BD195B6FD9FF}" type="datetimeFigureOut">
               <a:rPr lang="en-US" smtClean="0"/>
-              <a:t>5/16/2022</a:t>
+              <a:t>16-May-22</a:t>
             </a:fld>
             <a:endParaRPr lang="en-US"/>
           </a:p>
@@ -1239,7 +1239,7 @@
           <a:p>
             <a:fld id="{3F93DD2E-470F-489C-B0E3-BD195B6FD9FF}" type="datetimeFigureOut">
               <a:rPr lang="en-US" smtClean="0"/>
-              <a:t>5/16/2022</a:t>
+              <a:t>16-May-22</a:t>
             </a:fld>
             <a:endParaRPr lang="en-US"/>
           </a:p>
@@ -1606,7 +1606,7 @@
           <a:p>
             <a:fld id="{3F93DD2E-470F-489C-B0E3-BD195B6FD9FF}" type="datetimeFigureOut">
               <a:rPr lang="en-US" smtClean="0"/>
-              <a:t>5/16/2022</a:t>
+              <a:t>16-May-22</a:t>
             </a:fld>
             <a:endParaRPr lang="en-US"/>
           </a:p>
@@ -1724,7 +1724,7 @@
           <a:p>
             <a:fld id="{3F93DD2E-470F-489C-B0E3-BD195B6FD9FF}" type="datetimeFigureOut">
               <a:rPr lang="en-US" smtClean="0"/>
-              <a:t>5/16/2022</a:t>
+              <a:t>16-May-22</a:t>
             </a:fld>
             <a:endParaRPr lang="en-US"/>
           </a:p>
@@ -1819,7 +1819,7 @@
           <a:p>
             <a:fld id="{3F93DD2E-470F-489C-B0E3-BD195B6FD9FF}" type="datetimeFigureOut">
               <a:rPr lang="en-US" smtClean="0"/>
-              <a:t>5/16/2022</a:t>
+              <a:t>16-May-22</a:t>
             </a:fld>
             <a:endParaRPr lang="en-US"/>
           </a:p>
@@ -2096,7 +2096,7 @@
           <a:p>
             <a:fld id="{3F93DD2E-470F-489C-B0E3-BD195B6FD9FF}" type="datetimeFigureOut">
               <a:rPr lang="en-US" smtClean="0"/>
-              <a:t>5/16/2022</a:t>
+              <a:t>16-May-22</a:t>
             </a:fld>
             <a:endParaRPr lang="en-US"/>
           </a:p>
@@ -2353,7 +2353,7 @@
           <a:p>
             <a:fld id="{3F93DD2E-470F-489C-B0E3-BD195B6FD9FF}" type="datetimeFigureOut">
               <a:rPr lang="en-US" smtClean="0"/>
-              <a:t>5/16/2022</a:t>
+              <a:t>16-May-22</a:t>
             </a:fld>
             <a:endParaRPr lang="en-US"/>
           </a:p>
@@ -2566,7 +2566,7 @@
           <a:p>
             <a:fld id="{3F93DD2E-470F-489C-B0E3-BD195B6FD9FF}" type="datetimeFigureOut">
               <a:rPr lang="en-US" smtClean="0"/>
-              <a:t>5/16/2022</a:t>
+              <a:t>16-May-22</a:t>
             </a:fld>
             <a:endParaRPr lang="en-US"/>
           </a:p>
@@ -49958,42 +49958,6 @@
           </a:p>
         </p:txBody>
       </p:sp>
-      <p:sp>
-        <p:nvSpPr>
-          <p:cNvPr id="1450" name="TextBox 1449">
-            <a:extLst>
-              <a:ext uri="{FF2B5EF4-FFF2-40B4-BE49-F238E27FC236}">
-                <a16:creationId xmlns:a16="http://schemas.microsoft.com/office/drawing/2014/main" id="{BEFC1613-748C-4ACF-8813-2E46CD0A190A}"/>
-              </a:ext>
-            </a:extLst>
-          </p:cNvPr>
-          <p:cNvSpPr txBox="1"/>
-          <p:nvPr/>
-        </p:nvSpPr>
-        <p:spPr>
-          <a:xfrm>
-            <a:off x="22699375" y="27681842"/>
-            <a:ext cx="150495" cy="230832"/>
-          </a:xfrm>
-          <a:prstGeom prst="rect">
-            <a:avLst/>
-          </a:prstGeom>
-          <a:noFill/>
-        </p:spPr>
-        <p:txBody>
-          <a:bodyPr wrap="square" rtlCol="0">
-            <a:spAutoFit/>
-          </a:bodyPr>
-          <a:lstStyle/>
-          <a:p>
-            <a:r>
-              <a:rPr lang="en-US" sz="900" dirty="0"/>
-              <a:t>ε</a:t>
-            </a:r>
-            <a:endParaRPr lang="en-US" sz="800" b="1" dirty="0"/>
-          </a:p>
-        </p:txBody>
-      </p:sp>
     </p:spTree>
     <p:extLst>
       <p:ext uri="{BB962C8B-B14F-4D97-AF65-F5344CB8AC3E}">

--- a/Graphs/NFA/NFA Drawing/full NFA.pptx
+++ b/Graphs/NFA/NFA Drawing/full NFA.pptx
@@ -243,7 +243,7 @@
           <a:p>
             <a:fld id="{3F93DD2E-470F-489C-B0E3-BD195B6FD9FF}" type="datetimeFigureOut">
               <a:rPr lang="en-US" smtClean="0"/>
-              <a:t>5/16/2022</a:t>
+              <a:t>19-May-22</a:t>
             </a:fld>
             <a:endParaRPr lang="en-US"/>
           </a:p>
@@ -413,7 +413,7 @@
           <a:p>
             <a:fld id="{3F93DD2E-470F-489C-B0E3-BD195B6FD9FF}" type="datetimeFigureOut">
               <a:rPr lang="en-US" smtClean="0"/>
-              <a:t>5/16/2022</a:t>
+              <a:t>19-May-22</a:t>
             </a:fld>
             <a:endParaRPr lang="en-US"/>
           </a:p>
@@ -593,7 +593,7 @@
           <a:p>
             <a:fld id="{3F93DD2E-470F-489C-B0E3-BD195B6FD9FF}" type="datetimeFigureOut">
               <a:rPr lang="en-US" smtClean="0"/>
-              <a:t>5/16/2022</a:t>
+              <a:t>19-May-22</a:t>
             </a:fld>
             <a:endParaRPr lang="en-US"/>
           </a:p>
@@ -763,7 +763,7 @@
           <a:p>
             <a:fld id="{3F93DD2E-470F-489C-B0E3-BD195B6FD9FF}" type="datetimeFigureOut">
               <a:rPr lang="en-US" smtClean="0"/>
-              <a:t>5/16/2022</a:t>
+              <a:t>19-May-22</a:t>
             </a:fld>
             <a:endParaRPr lang="en-US"/>
           </a:p>
@@ -1007,7 +1007,7 @@
           <a:p>
             <a:fld id="{3F93DD2E-470F-489C-B0E3-BD195B6FD9FF}" type="datetimeFigureOut">
               <a:rPr lang="en-US" smtClean="0"/>
-              <a:t>5/16/2022</a:t>
+              <a:t>19-May-22</a:t>
             </a:fld>
             <a:endParaRPr lang="en-US"/>
           </a:p>
@@ -1239,7 +1239,7 @@
           <a:p>
             <a:fld id="{3F93DD2E-470F-489C-B0E3-BD195B6FD9FF}" type="datetimeFigureOut">
               <a:rPr lang="en-US" smtClean="0"/>
-              <a:t>5/16/2022</a:t>
+              <a:t>19-May-22</a:t>
             </a:fld>
             <a:endParaRPr lang="en-US"/>
           </a:p>
@@ -1606,7 +1606,7 @@
           <a:p>
             <a:fld id="{3F93DD2E-470F-489C-B0E3-BD195B6FD9FF}" type="datetimeFigureOut">
               <a:rPr lang="en-US" smtClean="0"/>
-              <a:t>5/16/2022</a:t>
+              <a:t>19-May-22</a:t>
             </a:fld>
             <a:endParaRPr lang="en-US"/>
           </a:p>
@@ -1724,7 +1724,7 @@
           <a:p>
             <a:fld id="{3F93DD2E-470F-489C-B0E3-BD195B6FD9FF}" type="datetimeFigureOut">
               <a:rPr lang="en-US" smtClean="0"/>
-              <a:t>5/16/2022</a:t>
+              <a:t>19-May-22</a:t>
             </a:fld>
             <a:endParaRPr lang="en-US"/>
           </a:p>
@@ -1819,7 +1819,7 @@
           <a:p>
             <a:fld id="{3F93DD2E-470F-489C-B0E3-BD195B6FD9FF}" type="datetimeFigureOut">
               <a:rPr lang="en-US" smtClean="0"/>
-              <a:t>5/16/2022</a:t>
+              <a:t>19-May-22</a:t>
             </a:fld>
             <a:endParaRPr lang="en-US"/>
           </a:p>
@@ -2096,7 +2096,7 @@
           <a:p>
             <a:fld id="{3F93DD2E-470F-489C-B0E3-BD195B6FD9FF}" type="datetimeFigureOut">
               <a:rPr lang="en-US" smtClean="0"/>
-              <a:t>5/16/2022</a:t>
+              <a:t>19-May-22</a:t>
             </a:fld>
             <a:endParaRPr lang="en-US"/>
           </a:p>
@@ -2353,7 +2353,7 @@
           <a:p>
             <a:fld id="{3F93DD2E-470F-489C-B0E3-BD195B6FD9FF}" type="datetimeFigureOut">
               <a:rPr lang="en-US" smtClean="0"/>
-              <a:t>5/16/2022</a:t>
+              <a:t>19-May-22</a:t>
             </a:fld>
             <a:endParaRPr lang="en-US"/>
           </a:p>
@@ -2566,7 +2566,7 @@
           <a:p>
             <a:fld id="{3F93DD2E-470F-489C-B0E3-BD195B6FD9FF}" type="datetimeFigureOut">
               <a:rPr lang="en-US" smtClean="0"/>
-              <a:t>5/16/2022</a:t>
+              <a:t>19-May-22</a:t>
             </a:fld>
             <a:endParaRPr lang="en-US"/>
           </a:p>
@@ -2959,13 +2959,9 @@
   <p:cSld>
     <p:bg>
       <p:bgPr>
-        <a:blipFill dpi="0" rotWithShape="1">
-          <a:blip r:embed="rId2">
-            <a:lum/>
-          </a:blip>
-          <a:srcRect/>
-          <a:tile tx="0" ty="0" sx="100000" sy="100000" flip="none" algn="l"/>
-        </a:blipFill>
+        <a:solidFill>
+          <a:schemeClr val="bg1"/>
+        </a:solidFill>
         <a:effectLst/>
       </p:bgPr>
     </p:bg>
